--- a/RQ/Esterni/presentazione/RP-Presentazione_w_mobile.pptx
+++ b/RQ/Esterni/presentazione/RP-Presentazione_w_mobile.pptx
@@ -16,6 +16,7 @@
     <p:sldId id="259" r:id="rId9"/>
     <p:sldId id="260" r:id="rId10"/>
     <p:sldId id="261" r:id="rId11"/>
+    <p:sldId id="262" r:id="rId12"/>
   </p:sldIdLst>
   <p:sldSz cx="9144000" cy="6858000"/>
   <p:notesSz cx="6858000" cy="9144000"/>
@@ -41,7 +42,7 @@
       </p:grpSpPr>
       <p:sp>
         <p:nvSpPr>
-          <p:cNvPr id="260" name="PlaceHolder 1"/>
+          <p:cNvPr id="251" name="PlaceHolder 1"/>
           <p:cNvSpPr>
             <a:spLocks noGrp="1"/>
           </p:cNvSpPr>
@@ -63,7 +64,7 @@
           <a:p>
             <a:r>
               <a:rPr lang="it-IT"/>
-              <a:t>Fate clic per modificare il formato delle note</a:t>
+              <a:t>Click to edit the notes format</a:t>
             </a:r>
             <a:endParaRPr/>
           </a:p>
@@ -71,7 +72,7 @@
       </p:sp>
       <p:sp>
         <p:nvSpPr>
-          <p:cNvPr id="261" name="PlaceHolder 2"/>
+          <p:cNvPr id="252" name="PlaceHolder 2"/>
           <p:cNvSpPr>
             <a:spLocks noGrp="1"/>
           </p:cNvSpPr>
@@ -82,7 +83,7 @@
         <p:spPr>
           <a:xfrm>
             <a:off x="0" y="0"/>
-            <a:ext cx="3280680" cy="534240"/>
+            <a:ext cx="3280320" cy="534240"/>
           </a:xfrm>
           <a:prstGeom prst="rect">
             <a:avLst/>
@@ -93,7 +94,7 @@
           <a:p>
             <a:r>
               <a:rPr lang="it-IT"/>
-              <a:t>&lt;intestazione&gt;</a:t>
+              <a:t>&lt;header&gt;</a:t>
             </a:r>
             <a:endParaRPr/>
           </a:p>
@@ -101,7 +102,7 @@
       </p:sp>
       <p:sp>
         <p:nvSpPr>
-          <p:cNvPr id="262" name="PlaceHolder 3"/>
+          <p:cNvPr id="253" name="PlaceHolder 3"/>
           <p:cNvSpPr>
             <a:spLocks noGrp="1"/>
           </p:cNvSpPr>
@@ -111,8 +112,8 @@
         </p:nvSpPr>
         <p:spPr>
           <a:xfrm>
-            <a:off x="4278960" y="0"/>
-            <a:ext cx="3280680" cy="534240"/>
+            <a:off x="4279320" y="0"/>
+            <a:ext cx="3280320" cy="534240"/>
           </a:xfrm>
           <a:prstGeom prst="rect">
             <a:avLst/>
@@ -124,7 +125,7 @@
             <a:pPr algn="r"/>
             <a:r>
               <a:rPr lang="it-IT"/>
-              <a:t>&lt;data/ora&gt;</a:t>
+              <a:t>&lt;date/time&gt;</a:t>
             </a:r>
             <a:endParaRPr/>
           </a:p>
@@ -132,7 +133,7 @@
       </p:sp>
       <p:sp>
         <p:nvSpPr>
-          <p:cNvPr id="263" name="PlaceHolder 4"/>
+          <p:cNvPr id="254" name="PlaceHolder 4"/>
           <p:cNvSpPr>
             <a:spLocks noGrp="1"/>
           </p:cNvSpPr>
@@ -143,7 +144,7 @@
         <p:spPr>
           <a:xfrm>
             <a:off x="0" y="10157400"/>
-            <a:ext cx="3280680" cy="534240"/>
+            <a:ext cx="3280320" cy="534240"/>
           </a:xfrm>
           <a:prstGeom prst="rect">
             <a:avLst/>
@@ -154,7 +155,7 @@
           <a:p>
             <a:r>
               <a:rPr lang="it-IT"/>
-              <a:t>&lt;piè di pagina&gt;</a:t>
+              <a:t>&lt;footer&gt;</a:t>
             </a:r>
             <a:endParaRPr/>
           </a:p>
@@ -162,7 +163,7 @@
       </p:sp>
       <p:sp>
         <p:nvSpPr>
-          <p:cNvPr id="264" name="PlaceHolder 5"/>
+          <p:cNvPr id="255" name="PlaceHolder 5"/>
           <p:cNvSpPr>
             <a:spLocks noGrp="1"/>
           </p:cNvSpPr>
@@ -172,8 +173,8 @@
         </p:nvSpPr>
         <p:spPr>
           <a:xfrm>
-            <a:off x="4278960" y="10157400"/>
-            <a:ext cx="3280680" cy="534240"/>
+            <a:off x="4279320" y="10157400"/>
+            <a:ext cx="3280320" cy="534240"/>
           </a:xfrm>
           <a:prstGeom prst="rect">
             <a:avLst/>
@@ -183,9 +184,9 @@
           <a:bodyPr anchor="b" bIns="0" lIns="0" rIns="0" tIns="0" wrap="none"/>
           <a:p>
             <a:pPr algn="r"/>
-            <a:fld id="{7111C141-0131-41A1-B161-A1F1215191D1}" type="slidenum">
+            <a:fld id="{E101C1E1-B171-41F1-A1B1-412171D10031}" type="slidenum">
               <a:rPr lang="it-IT"/>
-              <a:t>&lt;numero&gt;</a:t>
+              <a:t>&lt;number&gt;</a:t>
             </a:fld>
             <a:endParaRPr/>
           </a:p>
@@ -216,7 +217,7 @@
       </p:grpSpPr>
       <p:sp>
         <p:nvSpPr>
-          <p:cNvPr id="298" name="PlaceHolder 1"/>
+          <p:cNvPr id="292" name="PlaceHolder 1"/>
           <p:cNvSpPr>
             <a:spLocks noGrp="1"/>
           </p:cNvSpPr>
@@ -227,7 +228,7 @@
         <p:spPr>
           <a:xfrm>
             <a:off x="0" y="0"/>
-            <a:ext cx="-11796840" cy="-11796840"/>
+            <a:ext cx="11796480" cy="11796480"/>
           </a:xfrm>
           <a:prstGeom prst="rect">
             <a:avLst/>
@@ -242,14 +243,14 @@
       </p:sp>
       <p:sp>
         <p:nvSpPr>
-          <p:cNvPr id="299" name="TextShape 2"/>
-          <p:cNvSpPr txBox="1"/>
+          <p:cNvPr id="293" name="CustomShape 2"/>
+          <p:cNvSpPr/>
           <p:nvPr/>
         </p:nvSpPr>
         <p:spPr>
           <a:xfrm>
             <a:off x="0" y="0"/>
-            <a:ext cx="-11796840" cy="-11796840"/>
+            <a:ext cx="11796480" cy="11796480"/>
           </a:xfrm>
           <a:prstGeom prst="rect">
             <a:avLst/>
@@ -263,7 +264,7 @@
                 <a:spcPct val="100000"/>
               </a:lnSpc>
             </a:pPr>
-            <a:fld id="{B10171A1-7151-4161-8121-A1E141A1E151}" type="slidenum">
+            <a:fld id="{2151F141-9131-4191-B1D1-D16191A1A181}" type="slidenum">
               <a:rPr lang="it-IT">
                 <a:solidFill>
                   <a:srgbClr val="000000"/>
@@ -271,7 +272,7 @@
                 <a:latin typeface="+mn-lt"/>
                 <a:ea typeface="+mn-ea"/>
               </a:rPr>
-              <a:t>&lt;numero&gt;</a:t>
+              <a:t>&lt;number&gt;</a:t>
             </a:fld>
             <a:endParaRPr/>
           </a:p>
@@ -323,7 +324,7 @@
       </p:grpSpPr>
       <p:sp>
         <p:nvSpPr>
-          <p:cNvPr id="101" name="PlaceHolder 1"/>
+          <p:cNvPr id="98" name="PlaceHolder 1"/>
           <p:cNvSpPr>
             <a:spLocks noGrp="1"/>
           </p:cNvSpPr>
@@ -334,7 +335,7 @@
         <p:spPr>
           <a:xfrm>
             <a:off x="1043640" y="1027800"/>
-            <a:ext cx="7024320" cy="1143000"/>
+            <a:ext cx="7023960" cy="1143000"/>
           </a:xfrm>
           <a:prstGeom prst="rect">
             <a:avLst/>
@@ -343,13 +344,14 @@
         <p:txBody>
           <a:bodyPr anchor="ctr" bIns="0" lIns="0" rIns="0" tIns="0" wrap="none"/>
           <a:p>
-            <a:endParaRPr/>
-          </a:p>
-        </p:txBody>
-      </p:sp>
-      <p:sp>
-        <p:nvSpPr>
-          <p:cNvPr id="102" name="PlaceHolder 2"/>
+            <a:pPr algn="ctr"/>
+            <a:endParaRPr/>
+          </a:p>
+        </p:txBody>
+      </p:sp>
+      <p:sp>
+        <p:nvSpPr>
+          <p:cNvPr id="99" name="PlaceHolder 2"/>
           <p:cNvSpPr>
             <a:spLocks noGrp="1"/>
           </p:cNvSpPr>
@@ -360,7 +362,7 @@
         <p:spPr>
           <a:xfrm>
             <a:off x="457200" y="1604520"/>
-            <a:ext cx="8046360" cy="1896840"/>
+            <a:ext cx="8229240" cy="2158560"/>
           </a:xfrm>
           <a:prstGeom prst="rect">
             <a:avLst/>
@@ -375,7 +377,7 @@
       </p:sp>
       <p:sp>
         <p:nvSpPr>
-          <p:cNvPr id="103" name="PlaceHolder 3"/>
+          <p:cNvPr id="100" name="PlaceHolder 3"/>
           <p:cNvSpPr>
             <a:spLocks noGrp="1"/>
           </p:cNvSpPr>
@@ -385,8 +387,8 @@
         </p:nvSpPr>
         <p:spPr>
           <a:xfrm>
-            <a:off x="457200" y="3681720"/>
-            <a:ext cx="8046360" cy="1896840"/>
+            <a:off x="457200" y="3968280"/>
+            <a:ext cx="8229240" cy="2158560"/>
           </a:xfrm>
           <a:prstGeom prst="rect">
             <a:avLst/>
@@ -423,7 +425,7 @@
       </p:grpSpPr>
       <p:sp>
         <p:nvSpPr>
-          <p:cNvPr id="104" name="PlaceHolder 1"/>
+          <p:cNvPr id="101" name="PlaceHolder 1"/>
           <p:cNvSpPr>
             <a:spLocks noGrp="1"/>
           </p:cNvSpPr>
@@ -434,7 +436,7 @@
         <p:spPr>
           <a:xfrm>
             <a:off x="1043640" y="1027800"/>
-            <a:ext cx="7024320" cy="1143000"/>
+            <a:ext cx="7023960" cy="1143000"/>
           </a:xfrm>
           <a:prstGeom prst="rect">
             <a:avLst/>
@@ -443,13 +445,14 @@
         <p:txBody>
           <a:bodyPr anchor="ctr" bIns="0" lIns="0" rIns="0" tIns="0" wrap="none"/>
           <a:p>
-            <a:endParaRPr/>
-          </a:p>
-        </p:txBody>
-      </p:sp>
-      <p:sp>
-        <p:nvSpPr>
-          <p:cNvPr id="105" name="PlaceHolder 2"/>
+            <a:pPr algn="ctr"/>
+            <a:endParaRPr/>
+          </a:p>
+        </p:txBody>
+      </p:sp>
+      <p:sp>
+        <p:nvSpPr>
+          <p:cNvPr id="102" name="PlaceHolder 2"/>
           <p:cNvSpPr>
             <a:spLocks noGrp="1"/>
           </p:cNvSpPr>
@@ -460,7 +463,7 @@
         <p:spPr>
           <a:xfrm>
             <a:off x="457200" y="1604520"/>
-            <a:ext cx="3926160" cy="1896840"/>
+            <a:ext cx="4015440" cy="2158560"/>
           </a:xfrm>
           <a:prstGeom prst="rect">
             <a:avLst/>
@@ -475,7 +478,7 @@
       </p:sp>
       <p:sp>
         <p:nvSpPr>
-          <p:cNvPr id="106" name="PlaceHolder 3"/>
+          <p:cNvPr id="103" name="PlaceHolder 3"/>
           <p:cNvSpPr>
             <a:spLocks noGrp="1"/>
           </p:cNvSpPr>
@@ -485,8 +488,8 @@
         </p:nvSpPr>
         <p:spPr>
           <a:xfrm>
-            <a:off x="4579920" y="1604520"/>
-            <a:ext cx="3926160" cy="1896840"/>
+            <a:off x="4673520" y="1604520"/>
+            <a:ext cx="4015440" cy="2158560"/>
           </a:xfrm>
           <a:prstGeom prst="rect">
             <a:avLst/>
@@ -501,7 +504,7 @@
       </p:sp>
       <p:sp>
         <p:nvSpPr>
-          <p:cNvPr id="107" name="PlaceHolder 4"/>
+          <p:cNvPr id="104" name="PlaceHolder 4"/>
           <p:cNvSpPr>
             <a:spLocks noGrp="1"/>
           </p:cNvSpPr>
@@ -511,8 +514,8 @@
         </p:nvSpPr>
         <p:spPr>
           <a:xfrm>
-            <a:off x="4579920" y="3681720"/>
-            <a:ext cx="3926160" cy="1896840"/>
+            <a:off x="4673520" y="3968280"/>
+            <a:ext cx="4015440" cy="2158560"/>
           </a:xfrm>
           <a:prstGeom prst="rect">
             <a:avLst/>
@@ -527,7 +530,7 @@
       </p:sp>
       <p:sp>
         <p:nvSpPr>
-          <p:cNvPr id="108" name="PlaceHolder 5"/>
+          <p:cNvPr id="105" name="PlaceHolder 5"/>
           <p:cNvSpPr>
             <a:spLocks noGrp="1"/>
           </p:cNvSpPr>
@@ -537,8 +540,8 @@
         </p:nvSpPr>
         <p:spPr>
           <a:xfrm>
-            <a:off x="457200" y="3681720"/>
-            <a:ext cx="3926160" cy="1896840"/>
+            <a:off x="457200" y="3968280"/>
+            <a:ext cx="4015440" cy="2158560"/>
           </a:xfrm>
           <a:prstGeom prst="rect">
             <a:avLst/>
@@ -575,7 +578,7 @@
       </p:grpSpPr>
       <p:sp>
         <p:nvSpPr>
-          <p:cNvPr id="109" name="PlaceHolder 1"/>
+          <p:cNvPr id="106" name="PlaceHolder 1"/>
           <p:cNvSpPr>
             <a:spLocks noGrp="1"/>
           </p:cNvSpPr>
@@ -586,7 +589,7 @@
         <p:spPr>
           <a:xfrm>
             <a:off x="1043640" y="1027800"/>
-            <a:ext cx="7024320" cy="1143000"/>
+            <a:ext cx="7023960" cy="1143000"/>
           </a:xfrm>
           <a:prstGeom prst="rect">
             <a:avLst/>
@@ -595,13 +598,14 @@
         <p:txBody>
           <a:bodyPr anchor="ctr" bIns="0" lIns="0" rIns="0" tIns="0" wrap="none"/>
           <a:p>
-            <a:endParaRPr/>
-          </a:p>
-        </p:txBody>
-      </p:sp>
-      <p:sp>
-        <p:nvSpPr>
-          <p:cNvPr id="110" name="PlaceHolder 2"/>
+            <a:pPr algn="ctr"/>
+            <a:endParaRPr/>
+          </a:p>
+        </p:txBody>
+      </p:sp>
+      <p:sp>
+        <p:nvSpPr>
+          <p:cNvPr id="107" name="PlaceHolder 2"/>
           <p:cNvSpPr>
             <a:spLocks noGrp="1"/>
           </p:cNvSpPr>
@@ -612,7 +616,7 @@
         <p:spPr>
           <a:xfrm>
             <a:off x="457200" y="1604520"/>
-            <a:ext cx="3926160" cy="1896840"/>
+            <a:ext cx="4015440" cy="2158560"/>
           </a:xfrm>
           <a:prstGeom prst="rect">
             <a:avLst/>
@@ -627,7 +631,7 @@
       </p:sp>
       <p:sp>
         <p:nvSpPr>
-          <p:cNvPr id="111" name="PlaceHolder 3"/>
+          <p:cNvPr id="108" name="PlaceHolder 3"/>
           <p:cNvSpPr>
             <a:spLocks noGrp="1"/>
           </p:cNvSpPr>
@@ -637,8 +641,8 @@
         </p:nvSpPr>
         <p:spPr>
           <a:xfrm>
-            <a:off x="4579920" y="1604520"/>
-            <a:ext cx="3926160" cy="1896840"/>
+            <a:off x="4673520" y="1604520"/>
+            <a:ext cx="4015440" cy="2158560"/>
           </a:xfrm>
           <a:prstGeom prst="rect">
             <a:avLst/>
@@ -697,7 +701,7 @@
       </p:grpSpPr>
       <p:sp>
         <p:nvSpPr>
-          <p:cNvPr id="154" name="PlaceHolder 1"/>
+          <p:cNvPr id="148" name="PlaceHolder 1"/>
           <p:cNvSpPr>
             <a:spLocks noGrp="1"/>
           </p:cNvSpPr>
@@ -708,7 +712,7 @@
         <p:spPr>
           <a:xfrm>
             <a:off x="1043640" y="1027800"/>
-            <a:ext cx="7024320" cy="1143000"/>
+            <a:ext cx="7023960" cy="1143000"/>
           </a:xfrm>
           <a:prstGeom prst="rect">
             <a:avLst/>
@@ -717,13 +721,14 @@
         <p:txBody>
           <a:bodyPr anchor="ctr" bIns="0" lIns="0" rIns="0" tIns="0" wrap="none"/>
           <a:p>
-            <a:endParaRPr/>
-          </a:p>
-        </p:txBody>
-      </p:sp>
-      <p:sp>
-        <p:nvSpPr>
-          <p:cNvPr id="155" name="PlaceHolder 2"/>
+            <a:pPr algn="ctr"/>
+            <a:endParaRPr/>
+          </a:p>
+        </p:txBody>
+      </p:sp>
+      <p:sp>
+        <p:nvSpPr>
+          <p:cNvPr id="149" name="PlaceHolder 2"/>
           <p:cNvSpPr>
             <a:spLocks noGrp="1"/>
           </p:cNvSpPr>
@@ -734,7 +739,7 @@
         <p:spPr>
           <a:xfrm>
             <a:off x="457200" y="1604520"/>
-            <a:ext cx="8046360" cy="3977640"/>
+            <a:ext cx="8229240" cy="4526280"/>
           </a:xfrm>
           <a:prstGeom prst="rect">
             <a:avLst/>
@@ -772,7 +777,7 @@
       </p:grpSpPr>
       <p:sp>
         <p:nvSpPr>
-          <p:cNvPr id="156" name="PlaceHolder 1"/>
+          <p:cNvPr id="150" name="PlaceHolder 1"/>
           <p:cNvSpPr>
             <a:spLocks noGrp="1"/>
           </p:cNvSpPr>
@@ -783,7 +788,7 @@
         <p:spPr>
           <a:xfrm>
             <a:off x="1043640" y="1027800"/>
-            <a:ext cx="7024320" cy="1143000"/>
+            <a:ext cx="7023960" cy="1143000"/>
           </a:xfrm>
           <a:prstGeom prst="rect">
             <a:avLst/>
@@ -792,13 +797,14 @@
         <p:txBody>
           <a:bodyPr anchor="ctr" bIns="0" lIns="0" rIns="0" tIns="0" wrap="none"/>
           <a:p>
-            <a:endParaRPr/>
-          </a:p>
-        </p:txBody>
-      </p:sp>
-      <p:sp>
-        <p:nvSpPr>
-          <p:cNvPr id="157" name="PlaceHolder 2"/>
+            <a:pPr algn="ctr"/>
+            <a:endParaRPr/>
+          </a:p>
+        </p:txBody>
+      </p:sp>
+      <p:sp>
+        <p:nvSpPr>
+          <p:cNvPr id="151" name="PlaceHolder 2"/>
           <p:cNvSpPr>
             <a:spLocks noGrp="1"/>
           </p:cNvSpPr>
@@ -809,7 +815,7 @@
         <p:spPr>
           <a:xfrm>
             <a:off x="457200" y="1604520"/>
-            <a:ext cx="8046360" cy="3977280"/>
+            <a:ext cx="8229240" cy="4525920"/>
           </a:xfrm>
           <a:prstGeom prst="rect">
             <a:avLst/>
@@ -846,7 +852,7 @@
       </p:grpSpPr>
       <p:sp>
         <p:nvSpPr>
-          <p:cNvPr id="158" name="PlaceHolder 1"/>
+          <p:cNvPr id="152" name="PlaceHolder 1"/>
           <p:cNvSpPr>
             <a:spLocks noGrp="1"/>
           </p:cNvSpPr>
@@ -857,7 +863,7 @@
         <p:spPr>
           <a:xfrm>
             <a:off x="1043640" y="1027800"/>
-            <a:ext cx="7024320" cy="1143000"/>
+            <a:ext cx="7023960" cy="1143000"/>
           </a:xfrm>
           <a:prstGeom prst="rect">
             <a:avLst/>
@@ -866,13 +872,14 @@
         <p:txBody>
           <a:bodyPr anchor="ctr" bIns="0" lIns="0" rIns="0" tIns="0" wrap="none"/>
           <a:p>
-            <a:endParaRPr/>
-          </a:p>
-        </p:txBody>
-      </p:sp>
-      <p:sp>
-        <p:nvSpPr>
-          <p:cNvPr id="159" name="PlaceHolder 2"/>
+            <a:pPr algn="ctr"/>
+            <a:endParaRPr/>
+          </a:p>
+        </p:txBody>
+      </p:sp>
+      <p:sp>
+        <p:nvSpPr>
+          <p:cNvPr id="153" name="PlaceHolder 2"/>
           <p:cNvSpPr>
             <a:spLocks noGrp="1"/>
           </p:cNvSpPr>
@@ -883,7 +890,7 @@
         <p:spPr>
           <a:xfrm>
             <a:off x="457200" y="1604520"/>
-            <a:ext cx="3926160" cy="3977280"/>
+            <a:ext cx="4015440" cy="4525920"/>
           </a:xfrm>
           <a:prstGeom prst="rect">
             <a:avLst/>
@@ -898,7 +905,7 @@
       </p:sp>
       <p:sp>
         <p:nvSpPr>
-          <p:cNvPr id="160" name="PlaceHolder 3"/>
+          <p:cNvPr id="154" name="PlaceHolder 3"/>
           <p:cNvSpPr>
             <a:spLocks noGrp="1"/>
           </p:cNvSpPr>
@@ -908,8 +915,8 @@
         </p:nvSpPr>
         <p:spPr>
           <a:xfrm>
-            <a:off x="4579920" y="1604520"/>
-            <a:ext cx="3926160" cy="3977280"/>
+            <a:off x="4673520" y="1604520"/>
+            <a:ext cx="4015440" cy="4525920"/>
           </a:xfrm>
           <a:prstGeom prst="rect">
             <a:avLst/>
@@ -946,7 +953,7 @@
       </p:grpSpPr>
       <p:sp>
         <p:nvSpPr>
-          <p:cNvPr id="161" name="PlaceHolder 1"/>
+          <p:cNvPr id="155" name="PlaceHolder 1"/>
           <p:cNvSpPr>
             <a:spLocks noGrp="1"/>
           </p:cNvSpPr>
@@ -957,7 +964,7 @@
         <p:spPr>
           <a:xfrm>
             <a:off x="1043640" y="1027800"/>
-            <a:ext cx="7024320" cy="1143000"/>
+            <a:ext cx="7023960" cy="1143000"/>
           </a:xfrm>
           <a:prstGeom prst="rect">
             <a:avLst/>
@@ -966,6 +973,7 @@
         <p:txBody>
           <a:bodyPr anchor="ctr" bIns="0" lIns="0" rIns="0" tIns="0" wrap="none"/>
           <a:p>
+            <a:pPr algn="ctr"/>
             <a:endParaRPr/>
           </a:p>
         </p:txBody>
@@ -994,7 +1002,7 @@
       </p:grpSpPr>
       <p:sp>
         <p:nvSpPr>
-          <p:cNvPr id="162" name="PlaceHolder 1"/>
+          <p:cNvPr id="156" name="PlaceHolder 1"/>
           <p:cNvSpPr>
             <a:spLocks noGrp="1"/>
           </p:cNvSpPr>
@@ -1005,7 +1013,7 @@
         <p:spPr>
           <a:xfrm>
             <a:off x="1043640" y="1027800"/>
-            <a:ext cx="7024320" cy="4554000"/>
+            <a:ext cx="7023960" cy="5102640"/>
           </a:xfrm>
           <a:prstGeom prst="rect">
             <a:avLst/>
@@ -1043,7 +1051,7 @@
       </p:grpSpPr>
       <p:sp>
         <p:nvSpPr>
-          <p:cNvPr id="163" name="PlaceHolder 1"/>
+          <p:cNvPr id="157" name="PlaceHolder 1"/>
           <p:cNvSpPr>
             <a:spLocks noGrp="1"/>
           </p:cNvSpPr>
@@ -1054,7 +1062,7 @@
         <p:spPr>
           <a:xfrm>
             <a:off x="1043640" y="1027800"/>
-            <a:ext cx="7024320" cy="1143000"/>
+            <a:ext cx="7023960" cy="1143000"/>
           </a:xfrm>
           <a:prstGeom prst="rect">
             <a:avLst/>
@@ -1063,13 +1071,14 @@
         <p:txBody>
           <a:bodyPr anchor="ctr" bIns="0" lIns="0" rIns="0" tIns="0" wrap="none"/>
           <a:p>
-            <a:endParaRPr/>
-          </a:p>
-        </p:txBody>
-      </p:sp>
-      <p:sp>
-        <p:nvSpPr>
-          <p:cNvPr id="164" name="PlaceHolder 2"/>
+            <a:pPr algn="ctr"/>
+            <a:endParaRPr/>
+          </a:p>
+        </p:txBody>
+      </p:sp>
+      <p:sp>
+        <p:nvSpPr>
+          <p:cNvPr id="158" name="PlaceHolder 2"/>
           <p:cNvSpPr>
             <a:spLocks noGrp="1"/>
           </p:cNvSpPr>
@@ -1080,7 +1089,7 @@
         <p:spPr>
           <a:xfrm>
             <a:off x="457200" y="1604520"/>
-            <a:ext cx="3926160" cy="1896840"/>
+            <a:ext cx="4015440" cy="2158560"/>
           </a:xfrm>
           <a:prstGeom prst="rect">
             <a:avLst/>
@@ -1095,7 +1104,7 @@
       </p:sp>
       <p:sp>
         <p:nvSpPr>
-          <p:cNvPr id="165" name="PlaceHolder 3"/>
+          <p:cNvPr id="159" name="PlaceHolder 3"/>
           <p:cNvSpPr>
             <a:spLocks noGrp="1"/>
           </p:cNvSpPr>
@@ -1105,8 +1114,8 @@
         </p:nvSpPr>
         <p:spPr>
           <a:xfrm>
-            <a:off x="457200" y="3681720"/>
-            <a:ext cx="3926160" cy="1896840"/>
+            <a:off x="457200" y="3968280"/>
+            <a:ext cx="4015440" cy="2158560"/>
           </a:xfrm>
           <a:prstGeom prst="rect">
             <a:avLst/>
@@ -1121,7 +1130,7 @@
       </p:sp>
       <p:sp>
         <p:nvSpPr>
-          <p:cNvPr id="166" name="PlaceHolder 4"/>
+          <p:cNvPr id="160" name="PlaceHolder 4"/>
           <p:cNvSpPr>
             <a:spLocks noGrp="1"/>
           </p:cNvSpPr>
@@ -1131,8 +1140,8 @@
         </p:nvSpPr>
         <p:spPr>
           <a:xfrm>
-            <a:off x="4579920" y="1604520"/>
-            <a:ext cx="3926160" cy="3977280"/>
+            <a:off x="4673520" y="1604520"/>
+            <a:ext cx="4015440" cy="4525920"/>
           </a:xfrm>
           <a:prstGeom prst="rect">
             <a:avLst/>
@@ -1169,7 +1178,7 @@
       </p:grpSpPr>
       <p:sp>
         <p:nvSpPr>
-          <p:cNvPr id="80" name="PlaceHolder 1"/>
+          <p:cNvPr id="77" name="PlaceHolder 1"/>
           <p:cNvSpPr>
             <a:spLocks noGrp="1"/>
           </p:cNvSpPr>
@@ -1180,7 +1189,7 @@
         <p:spPr>
           <a:xfrm>
             <a:off x="1043640" y="1027800"/>
-            <a:ext cx="7024320" cy="1143000"/>
+            <a:ext cx="7023960" cy="1143000"/>
           </a:xfrm>
           <a:prstGeom prst="rect">
             <a:avLst/>
@@ -1189,13 +1198,14 @@
         <p:txBody>
           <a:bodyPr anchor="ctr" bIns="0" lIns="0" rIns="0" tIns="0" wrap="none"/>
           <a:p>
-            <a:endParaRPr/>
-          </a:p>
-        </p:txBody>
-      </p:sp>
-      <p:sp>
-        <p:nvSpPr>
-          <p:cNvPr id="81" name="PlaceHolder 2"/>
+            <a:pPr algn="ctr"/>
+            <a:endParaRPr/>
+          </a:p>
+        </p:txBody>
+      </p:sp>
+      <p:sp>
+        <p:nvSpPr>
+          <p:cNvPr id="78" name="PlaceHolder 2"/>
           <p:cNvSpPr>
             <a:spLocks noGrp="1"/>
           </p:cNvSpPr>
@@ -1206,7 +1216,7 @@
         <p:spPr>
           <a:xfrm>
             <a:off x="457200" y="1604520"/>
-            <a:ext cx="8046360" cy="3977640"/>
+            <a:ext cx="8229240" cy="4526280"/>
           </a:xfrm>
           <a:prstGeom prst="rect">
             <a:avLst/>
@@ -1244,7 +1254,7 @@
       </p:grpSpPr>
       <p:sp>
         <p:nvSpPr>
-          <p:cNvPr id="167" name="PlaceHolder 1"/>
+          <p:cNvPr id="161" name="PlaceHolder 1"/>
           <p:cNvSpPr>
             <a:spLocks noGrp="1"/>
           </p:cNvSpPr>
@@ -1255,7 +1265,7 @@
         <p:spPr>
           <a:xfrm>
             <a:off x="1043640" y="1027800"/>
-            <a:ext cx="7024320" cy="1143000"/>
+            <a:ext cx="7023960" cy="1143000"/>
           </a:xfrm>
           <a:prstGeom prst="rect">
             <a:avLst/>
@@ -1264,13 +1274,14 @@
         <p:txBody>
           <a:bodyPr anchor="ctr" bIns="0" lIns="0" rIns="0" tIns="0" wrap="none"/>
           <a:p>
-            <a:endParaRPr/>
-          </a:p>
-        </p:txBody>
-      </p:sp>
-      <p:sp>
-        <p:nvSpPr>
-          <p:cNvPr id="168" name="PlaceHolder 2"/>
+            <a:pPr algn="ctr"/>
+            <a:endParaRPr/>
+          </a:p>
+        </p:txBody>
+      </p:sp>
+      <p:sp>
+        <p:nvSpPr>
+          <p:cNvPr id="162" name="PlaceHolder 2"/>
           <p:cNvSpPr>
             <a:spLocks noGrp="1"/>
           </p:cNvSpPr>
@@ -1281,7 +1292,7 @@
         <p:spPr>
           <a:xfrm>
             <a:off x="457200" y="1604520"/>
-            <a:ext cx="3926160" cy="3977280"/>
+            <a:ext cx="4015440" cy="4525920"/>
           </a:xfrm>
           <a:prstGeom prst="rect">
             <a:avLst/>
@@ -1296,7 +1307,7 @@
       </p:sp>
       <p:sp>
         <p:nvSpPr>
-          <p:cNvPr id="169" name="PlaceHolder 3"/>
+          <p:cNvPr id="163" name="PlaceHolder 3"/>
           <p:cNvSpPr>
             <a:spLocks noGrp="1"/>
           </p:cNvSpPr>
@@ -1306,8 +1317,8 @@
         </p:nvSpPr>
         <p:spPr>
           <a:xfrm>
-            <a:off x="4579920" y="1604520"/>
-            <a:ext cx="3926160" cy="1896840"/>
+            <a:off x="4673520" y="1604520"/>
+            <a:ext cx="4015440" cy="2158560"/>
           </a:xfrm>
           <a:prstGeom prst="rect">
             <a:avLst/>
@@ -1322,7 +1333,7 @@
       </p:sp>
       <p:sp>
         <p:nvSpPr>
-          <p:cNvPr id="170" name="PlaceHolder 4"/>
+          <p:cNvPr id="164" name="PlaceHolder 4"/>
           <p:cNvSpPr>
             <a:spLocks noGrp="1"/>
           </p:cNvSpPr>
@@ -1332,8 +1343,8 @@
         </p:nvSpPr>
         <p:spPr>
           <a:xfrm>
-            <a:off x="4579920" y="3681720"/>
-            <a:ext cx="3926160" cy="1896840"/>
+            <a:off x="4673520" y="3968280"/>
+            <a:ext cx="4015440" cy="2158560"/>
           </a:xfrm>
           <a:prstGeom prst="rect">
             <a:avLst/>
@@ -1370,7 +1381,7 @@
       </p:grpSpPr>
       <p:sp>
         <p:nvSpPr>
-          <p:cNvPr id="171" name="PlaceHolder 1"/>
+          <p:cNvPr id="165" name="PlaceHolder 1"/>
           <p:cNvSpPr>
             <a:spLocks noGrp="1"/>
           </p:cNvSpPr>
@@ -1381,7 +1392,7 @@
         <p:spPr>
           <a:xfrm>
             <a:off x="1043640" y="1027800"/>
-            <a:ext cx="7024320" cy="1143000"/>
+            <a:ext cx="7023960" cy="1143000"/>
           </a:xfrm>
           <a:prstGeom prst="rect">
             <a:avLst/>
@@ -1390,13 +1401,14 @@
         <p:txBody>
           <a:bodyPr anchor="ctr" bIns="0" lIns="0" rIns="0" tIns="0" wrap="none"/>
           <a:p>
-            <a:endParaRPr/>
-          </a:p>
-        </p:txBody>
-      </p:sp>
-      <p:sp>
-        <p:nvSpPr>
-          <p:cNvPr id="172" name="PlaceHolder 2"/>
+            <a:pPr algn="ctr"/>
+            <a:endParaRPr/>
+          </a:p>
+        </p:txBody>
+      </p:sp>
+      <p:sp>
+        <p:nvSpPr>
+          <p:cNvPr id="166" name="PlaceHolder 2"/>
           <p:cNvSpPr>
             <a:spLocks noGrp="1"/>
           </p:cNvSpPr>
@@ -1407,7 +1419,7 @@
         <p:spPr>
           <a:xfrm>
             <a:off x="457200" y="1604520"/>
-            <a:ext cx="3926160" cy="1896840"/>
+            <a:ext cx="4015440" cy="2158560"/>
           </a:xfrm>
           <a:prstGeom prst="rect">
             <a:avLst/>
@@ -1422,7 +1434,7 @@
       </p:sp>
       <p:sp>
         <p:nvSpPr>
-          <p:cNvPr id="173" name="PlaceHolder 3"/>
+          <p:cNvPr id="167" name="PlaceHolder 3"/>
           <p:cNvSpPr>
             <a:spLocks noGrp="1"/>
           </p:cNvSpPr>
@@ -1432,8 +1444,8 @@
         </p:nvSpPr>
         <p:spPr>
           <a:xfrm>
-            <a:off x="4579920" y="1604520"/>
-            <a:ext cx="3926160" cy="1896840"/>
+            <a:off x="4673520" y="1604520"/>
+            <a:ext cx="4015440" cy="2158560"/>
           </a:xfrm>
           <a:prstGeom prst="rect">
             <a:avLst/>
@@ -1448,7 +1460,7 @@
       </p:sp>
       <p:sp>
         <p:nvSpPr>
-          <p:cNvPr id="174" name="PlaceHolder 4"/>
+          <p:cNvPr id="168" name="PlaceHolder 4"/>
           <p:cNvSpPr>
             <a:spLocks noGrp="1"/>
           </p:cNvSpPr>
@@ -1458,8 +1470,8 @@
         </p:nvSpPr>
         <p:spPr>
           <a:xfrm>
-            <a:off x="457200" y="3681720"/>
-            <a:ext cx="8045640" cy="1896840"/>
+            <a:off x="457200" y="3968280"/>
+            <a:ext cx="8228520" cy="2158560"/>
           </a:xfrm>
           <a:prstGeom prst="rect">
             <a:avLst/>
@@ -1496,7 +1508,7 @@
       </p:grpSpPr>
       <p:sp>
         <p:nvSpPr>
-          <p:cNvPr id="175" name="PlaceHolder 1"/>
+          <p:cNvPr id="169" name="PlaceHolder 1"/>
           <p:cNvSpPr>
             <a:spLocks noGrp="1"/>
           </p:cNvSpPr>
@@ -1507,7 +1519,7 @@
         <p:spPr>
           <a:xfrm>
             <a:off x="1043640" y="1027800"/>
-            <a:ext cx="7024320" cy="1143000"/>
+            <a:ext cx="7023960" cy="1143000"/>
           </a:xfrm>
           <a:prstGeom prst="rect">
             <a:avLst/>
@@ -1516,13 +1528,14 @@
         <p:txBody>
           <a:bodyPr anchor="ctr" bIns="0" lIns="0" rIns="0" tIns="0" wrap="none"/>
           <a:p>
-            <a:endParaRPr/>
-          </a:p>
-        </p:txBody>
-      </p:sp>
-      <p:sp>
-        <p:nvSpPr>
-          <p:cNvPr id="176" name="PlaceHolder 2"/>
+            <a:pPr algn="ctr"/>
+            <a:endParaRPr/>
+          </a:p>
+        </p:txBody>
+      </p:sp>
+      <p:sp>
+        <p:nvSpPr>
+          <p:cNvPr id="170" name="PlaceHolder 2"/>
           <p:cNvSpPr>
             <a:spLocks noGrp="1"/>
           </p:cNvSpPr>
@@ -1533,7 +1546,7 @@
         <p:spPr>
           <a:xfrm>
             <a:off x="457200" y="1604520"/>
-            <a:ext cx="8046360" cy="1896840"/>
+            <a:ext cx="8229240" cy="2158560"/>
           </a:xfrm>
           <a:prstGeom prst="rect">
             <a:avLst/>
@@ -1548,7 +1561,7 @@
       </p:sp>
       <p:sp>
         <p:nvSpPr>
-          <p:cNvPr id="177" name="PlaceHolder 3"/>
+          <p:cNvPr id="171" name="PlaceHolder 3"/>
           <p:cNvSpPr>
             <a:spLocks noGrp="1"/>
           </p:cNvSpPr>
@@ -1558,8 +1571,8 @@
         </p:nvSpPr>
         <p:spPr>
           <a:xfrm>
-            <a:off x="457200" y="3681720"/>
-            <a:ext cx="8046360" cy="1896840"/>
+            <a:off x="457200" y="3968280"/>
+            <a:ext cx="8229240" cy="2158560"/>
           </a:xfrm>
           <a:prstGeom prst="rect">
             <a:avLst/>
@@ -1596,7 +1609,7 @@
       </p:grpSpPr>
       <p:sp>
         <p:nvSpPr>
-          <p:cNvPr id="178" name="PlaceHolder 1"/>
+          <p:cNvPr id="172" name="PlaceHolder 1"/>
           <p:cNvSpPr>
             <a:spLocks noGrp="1"/>
           </p:cNvSpPr>
@@ -1607,7 +1620,7 @@
         <p:spPr>
           <a:xfrm>
             <a:off x="1043640" y="1027800"/>
-            <a:ext cx="7024320" cy="1143000"/>
+            <a:ext cx="7023960" cy="1143000"/>
           </a:xfrm>
           <a:prstGeom prst="rect">
             <a:avLst/>
@@ -1616,13 +1629,14 @@
         <p:txBody>
           <a:bodyPr anchor="ctr" bIns="0" lIns="0" rIns="0" tIns="0" wrap="none"/>
           <a:p>
-            <a:endParaRPr/>
-          </a:p>
-        </p:txBody>
-      </p:sp>
-      <p:sp>
-        <p:nvSpPr>
-          <p:cNvPr id="179" name="PlaceHolder 2"/>
+            <a:pPr algn="ctr"/>
+            <a:endParaRPr/>
+          </a:p>
+        </p:txBody>
+      </p:sp>
+      <p:sp>
+        <p:nvSpPr>
+          <p:cNvPr id="173" name="PlaceHolder 2"/>
           <p:cNvSpPr>
             <a:spLocks noGrp="1"/>
           </p:cNvSpPr>
@@ -1633,7 +1647,7 @@
         <p:spPr>
           <a:xfrm>
             <a:off x="457200" y="1604520"/>
-            <a:ext cx="3926160" cy="1896840"/>
+            <a:ext cx="4015440" cy="2158560"/>
           </a:xfrm>
           <a:prstGeom prst="rect">
             <a:avLst/>
@@ -1648,7 +1662,7 @@
       </p:sp>
       <p:sp>
         <p:nvSpPr>
-          <p:cNvPr id="180" name="PlaceHolder 3"/>
+          <p:cNvPr id="174" name="PlaceHolder 3"/>
           <p:cNvSpPr>
             <a:spLocks noGrp="1"/>
           </p:cNvSpPr>
@@ -1658,8 +1672,8 @@
         </p:nvSpPr>
         <p:spPr>
           <a:xfrm>
-            <a:off x="4579920" y="1604520"/>
-            <a:ext cx="3926160" cy="1896840"/>
+            <a:off x="4673520" y="1604520"/>
+            <a:ext cx="4015440" cy="2158560"/>
           </a:xfrm>
           <a:prstGeom prst="rect">
             <a:avLst/>
@@ -1674,7 +1688,7 @@
       </p:sp>
       <p:sp>
         <p:nvSpPr>
-          <p:cNvPr id="181" name="PlaceHolder 4"/>
+          <p:cNvPr id="175" name="PlaceHolder 4"/>
           <p:cNvSpPr>
             <a:spLocks noGrp="1"/>
           </p:cNvSpPr>
@@ -1684,8 +1698,8 @@
         </p:nvSpPr>
         <p:spPr>
           <a:xfrm>
-            <a:off x="4579920" y="3681720"/>
-            <a:ext cx="3926160" cy="1896840"/>
+            <a:off x="4673520" y="3968280"/>
+            <a:ext cx="4015440" cy="2158560"/>
           </a:xfrm>
           <a:prstGeom prst="rect">
             <a:avLst/>
@@ -1700,7 +1714,7 @@
       </p:sp>
       <p:sp>
         <p:nvSpPr>
-          <p:cNvPr id="182" name="PlaceHolder 5"/>
+          <p:cNvPr id="176" name="PlaceHolder 5"/>
           <p:cNvSpPr>
             <a:spLocks noGrp="1"/>
           </p:cNvSpPr>
@@ -1710,8 +1724,8 @@
         </p:nvSpPr>
         <p:spPr>
           <a:xfrm>
-            <a:off x="457200" y="3681720"/>
-            <a:ext cx="3926160" cy="1896840"/>
+            <a:off x="457200" y="3968280"/>
+            <a:ext cx="4015440" cy="2158560"/>
           </a:xfrm>
           <a:prstGeom prst="rect">
             <a:avLst/>
@@ -1748,7 +1762,7 @@
       </p:grpSpPr>
       <p:sp>
         <p:nvSpPr>
-          <p:cNvPr id="183" name="PlaceHolder 1"/>
+          <p:cNvPr id="177" name="PlaceHolder 1"/>
           <p:cNvSpPr>
             <a:spLocks noGrp="1"/>
           </p:cNvSpPr>
@@ -1759,7 +1773,7 @@
         <p:spPr>
           <a:xfrm>
             <a:off x="1043640" y="1027800"/>
-            <a:ext cx="7024320" cy="1143000"/>
+            <a:ext cx="7023960" cy="1143000"/>
           </a:xfrm>
           <a:prstGeom prst="rect">
             <a:avLst/>
@@ -1768,13 +1782,14 @@
         <p:txBody>
           <a:bodyPr anchor="ctr" bIns="0" lIns="0" rIns="0" tIns="0" wrap="none"/>
           <a:p>
-            <a:endParaRPr/>
-          </a:p>
-        </p:txBody>
-      </p:sp>
-      <p:sp>
-        <p:nvSpPr>
-          <p:cNvPr id="184" name="PlaceHolder 2"/>
+            <a:pPr algn="ctr"/>
+            <a:endParaRPr/>
+          </a:p>
+        </p:txBody>
+      </p:sp>
+      <p:sp>
+        <p:nvSpPr>
+          <p:cNvPr id="178" name="PlaceHolder 2"/>
           <p:cNvSpPr>
             <a:spLocks noGrp="1"/>
           </p:cNvSpPr>
@@ -1785,7 +1800,7 @@
         <p:spPr>
           <a:xfrm>
             <a:off x="457200" y="1604520"/>
-            <a:ext cx="3926160" cy="1896840"/>
+            <a:ext cx="4015440" cy="2158560"/>
           </a:xfrm>
           <a:prstGeom prst="rect">
             <a:avLst/>
@@ -1800,7 +1815,7 @@
       </p:sp>
       <p:sp>
         <p:nvSpPr>
-          <p:cNvPr id="185" name="PlaceHolder 3"/>
+          <p:cNvPr id="179" name="PlaceHolder 3"/>
           <p:cNvSpPr>
             <a:spLocks noGrp="1"/>
           </p:cNvSpPr>
@@ -1810,8 +1825,8 @@
         </p:nvSpPr>
         <p:spPr>
           <a:xfrm>
-            <a:off x="4579920" y="1604520"/>
-            <a:ext cx="3926160" cy="1896840"/>
+            <a:off x="4673520" y="1604520"/>
+            <a:ext cx="4015440" cy="2158560"/>
           </a:xfrm>
           <a:prstGeom prst="rect">
             <a:avLst/>
@@ -1870,7 +1885,7 @@
       </p:grpSpPr>
       <p:sp>
         <p:nvSpPr>
-          <p:cNvPr id="228" name="PlaceHolder 1"/>
+          <p:cNvPr id="219" name="PlaceHolder 1"/>
           <p:cNvSpPr>
             <a:spLocks noGrp="1"/>
           </p:cNvSpPr>
@@ -1881,7 +1896,7 @@
         <p:spPr>
           <a:xfrm>
             <a:off x="1043640" y="1027800"/>
-            <a:ext cx="7024320" cy="1143000"/>
+            <a:ext cx="7023960" cy="1143000"/>
           </a:xfrm>
           <a:prstGeom prst="rect">
             <a:avLst/>
@@ -1890,13 +1905,14 @@
         <p:txBody>
           <a:bodyPr anchor="ctr" bIns="0" lIns="0" rIns="0" tIns="0" wrap="none"/>
           <a:p>
-            <a:endParaRPr/>
-          </a:p>
-        </p:txBody>
-      </p:sp>
-      <p:sp>
-        <p:nvSpPr>
-          <p:cNvPr id="229" name="PlaceHolder 2"/>
+            <a:pPr algn="ctr"/>
+            <a:endParaRPr/>
+          </a:p>
+        </p:txBody>
+      </p:sp>
+      <p:sp>
+        <p:nvSpPr>
+          <p:cNvPr id="220" name="PlaceHolder 2"/>
           <p:cNvSpPr>
             <a:spLocks noGrp="1"/>
           </p:cNvSpPr>
@@ -1907,7 +1923,7 @@
         <p:spPr>
           <a:xfrm>
             <a:off x="457200" y="1604520"/>
-            <a:ext cx="8046360" cy="3977640"/>
+            <a:ext cx="8229240" cy="4526280"/>
           </a:xfrm>
           <a:prstGeom prst="rect">
             <a:avLst/>
@@ -1945,7 +1961,7 @@
       </p:grpSpPr>
       <p:sp>
         <p:nvSpPr>
-          <p:cNvPr id="230" name="PlaceHolder 1"/>
+          <p:cNvPr id="221" name="PlaceHolder 1"/>
           <p:cNvSpPr>
             <a:spLocks noGrp="1"/>
           </p:cNvSpPr>
@@ -1956,7 +1972,7 @@
         <p:spPr>
           <a:xfrm>
             <a:off x="1043640" y="1027800"/>
-            <a:ext cx="7024320" cy="1143000"/>
+            <a:ext cx="7023960" cy="1143000"/>
           </a:xfrm>
           <a:prstGeom prst="rect">
             <a:avLst/>
@@ -1965,13 +1981,14 @@
         <p:txBody>
           <a:bodyPr anchor="ctr" bIns="0" lIns="0" rIns="0" tIns="0" wrap="none"/>
           <a:p>
-            <a:endParaRPr/>
-          </a:p>
-        </p:txBody>
-      </p:sp>
-      <p:sp>
-        <p:nvSpPr>
-          <p:cNvPr id="231" name="PlaceHolder 2"/>
+            <a:pPr algn="ctr"/>
+            <a:endParaRPr/>
+          </a:p>
+        </p:txBody>
+      </p:sp>
+      <p:sp>
+        <p:nvSpPr>
+          <p:cNvPr id="222" name="PlaceHolder 2"/>
           <p:cNvSpPr>
             <a:spLocks noGrp="1"/>
           </p:cNvSpPr>
@@ -1982,7 +1999,7 @@
         <p:spPr>
           <a:xfrm>
             <a:off x="457200" y="1604520"/>
-            <a:ext cx="8046360" cy="3977280"/>
+            <a:ext cx="8229240" cy="4525920"/>
           </a:xfrm>
           <a:prstGeom prst="rect">
             <a:avLst/>
@@ -2019,7 +2036,7 @@
       </p:grpSpPr>
       <p:sp>
         <p:nvSpPr>
-          <p:cNvPr id="232" name="PlaceHolder 1"/>
+          <p:cNvPr id="223" name="PlaceHolder 1"/>
           <p:cNvSpPr>
             <a:spLocks noGrp="1"/>
           </p:cNvSpPr>
@@ -2030,7 +2047,7 @@
         <p:spPr>
           <a:xfrm>
             <a:off x="1043640" y="1027800"/>
-            <a:ext cx="7024320" cy="1143000"/>
+            <a:ext cx="7023960" cy="1143000"/>
           </a:xfrm>
           <a:prstGeom prst="rect">
             <a:avLst/>
@@ -2039,13 +2056,14 @@
         <p:txBody>
           <a:bodyPr anchor="ctr" bIns="0" lIns="0" rIns="0" tIns="0" wrap="none"/>
           <a:p>
-            <a:endParaRPr/>
-          </a:p>
-        </p:txBody>
-      </p:sp>
-      <p:sp>
-        <p:nvSpPr>
-          <p:cNvPr id="233" name="PlaceHolder 2"/>
+            <a:pPr algn="ctr"/>
+            <a:endParaRPr/>
+          </a:p>
+        </p:txBody>
+      </p:sp>
+      <p:sp>
+        <p:nvSpPr>
+          <p:cNvPr id="224" name="PlaceHolder 2"/>
           <p:cNvSpPr>
             <a:spLocks noGrp="1"/>
           </p:cNvSpPr>
@@ -2056,7 +2074,7 @@
         <p:spPr>
           <a:xfrm>
             <a:off x="457200" y="1604520"/>
-            <a:ext cx="3926160" cy="3977280"/>
+            <a:ext cx="4015440" cy="4525920"/>
           </a:xfrm>
           <a:prstGeom prst="rect">
             <a:avLst/>
@@ -2071,7 +2089,7 @@
       </p:sp>
       <p:sp>
         <p:nvSpPr>
-          <p:cNvPr id="234" name="PlaceHolder 3"/>
+          <p:cNvPr id="225" name="PlaceHolder 3"/>
           <p:cNvSpPr>
             <a:spLocks noGrp="1"/>
           </p:cNvSpPr>
@@ -2081,8 +2099,8 @@
         </p:nvSpPr>
         <p:spPr>
           <a:xfrm>
-            <a:off x="4579920" y="1604520"/>
-            <a:ext cx="3926160" cy="3977280"/>
+            <a:off x="4673520" y="1604520"/>
+            <a:ext cx="4015440" cy="4525920"/>
           </a:xfrm>
           <a:prstGeom prst="rect">
             <a:avLst/>
@@ -2119,7 +2137,7 @@
       </p:grpSpPr>
       <p:sp>
         <p:nvSpPr>
-          <p:cNvPr id="235" name="PlaceHolder 1"/>
+          <p:cNvPr id="226" name="PlaceHolder 1"/>
           <p:cNvSpPr>
             <a:spLocks noGrp="1"/>
           </p:cNvSpPr>
@@ -2130,7 +2148,7 @@
         <p:spPr>
           <a:xfrm>
             <a:off x="1043640" y="1027800"/>
-            <a:ext cx="7024320" cy="1143000"/>
+            <a:ext cx="7023960" cy="1143000"/>
           </a:xfrm>
           <a:prstGeom prst="rect">
             <a:avLst/>
@@ -2139,6 +2157,7 @@
         <p:txBody>
           <a:bodyPr anchor="ctr" bIns="0" lIns="0" rIns="0" tIns="0" wrap="none"/>
           <a:p>
+            <a:pPr algn="ctr"/>
             <a:endParaRPr/>
           </a:p>
         </p:txBody>
@@ -2167,7 +2186,7 @@
       </p:grpSpPr>
       <p:sp>
         <p:nvSpPr>
-          <p:cNvPr id="82" name="PlaceHolder 1"/>
+          <p:cNvPr id="79" name="PlaceHolder 1"/>
           <p:cNvSpPr>
             <a:spLocks noGrp="1"/>
           </p:cNvSpPr>
@@ -2178,7 +2197,7 @@
         <p:spPr>
           <a:xfrm>
             <a:off x="1043640" y="1027800"/>
-            <a:ext cx="7024320" cy="1143000"/>
+            <a:ext cx="7023960" cy="1143000"/>
           </a:xfrm>
           <a:prstGeom prst="rect">
             <a:avLst/>
@@ -2187,13 +2206,14 @@
         <p:txBody>
           <a:bodyPr anchor="ctr" bIns="0" lIns="0" rIns="0" tIns="0" wrap="none"/>
           <a:p>
-            <a:endParaRPr/>
-          </a:p>
-        </p:txBody>
-      </p:sp>
-      <p:sp>
-        <p:nvSpPr>
-          <p:cNvPr id="83" name="PlaceHolder 2"/>
+            <a:pPr algn="ctr"/>
+            <a:endParaRPr/>
+          </a:p>
+        </p:txBody>
+      </p:sp>
+      <p:sp>
+        <p:nvSpPr>
+          <p:cNvPr id="80" name="PlaceHolder 2"/>
           <p:cNvSpPr>
             <a:spLocks noGrp="1"/>
           </p:cNvSpPr>
@@ -2204,7 +2224,7 @@
         <p:spPr>
           <a:xfrm>
             <a:off x="457200" y="1604520"/>
-            <a:ext cx="8046360" cy="3977280"/>
+            <a:ext cx="8229240" cy="4525920"/>
           </a:xfrm>
           <a:prstGeom prst="rect">
             <a:avLst/>
@@ -2241,7 +2261,7 @@
       </p:grpSpPr>
       <p:sp>
         <p:nvSpPr>
-          <p:cNvPr id="236" name="PlaceHolder 1"/>
+          <p:cNvPr id="227" name="PlaceHolder 1"/>
           <p:cNvSpPr>
             <a:spLocks noGrp="1"/>
           </p:cNvSpPr>
@@ -2252,7 +2272,7 @@
         <p:spPr>
           <a:xfrm>
             <a:off x="1043640" y="1027800"/>
-            <a:ext cx="7024320" cy="4554000"/>
+            <a:ext cx="7023960" cy="5102640"/>
           </a:xfrm>
           <a:prstGeom prst="rect">
             <a:avLst/>
@@ -2290,7 +2310,7 @@
       </p:grpSpPr>
       <p:sp>
         <p:nvSpPr>
-          <p:cNvPr id="237" name="PlaceHolder 1"/>
+          <p:cNvPr id="228" name="PlaceHolder 1"/>
           <p:cNvSpPr>
             <a:spLocks noGrp="1"/>
           </p:cNvSpPr>
@@ -2301,7 +2321,7 @@
         <p:spPr>
           <a:xfrm>
             <a:off x="1043640" y="1027800"/>
-            <a:ext cx="7024320" cy="1143000"/>
+            <a:ext cx="7023960" cy="1143000"/>
           </a:xfrm>
           <a:prstGeom prst="rect">
             <a:avLst/>
@@ -2310,13 +2330,14 @@
         <p:txBody>
           <a:bodyPr anchor="ctr" bIns="0" lIns="0" rIns="0" tIns="0" wrap="none"/>
           <a:p>
-            <a:endParaRPr/>
-          </a:p>
-        </p:txBody>
-      </p:sp>
-      <p:sp>
-        <p:nvSpPr>
-          <p:cNvPr id="238" name="PlaceHolder 2"/>
+            <a:pPr algn="ctr"/>
+            <a:endParaRPr/>
+          </a:p>
+        </p:txBody>
+      </p:sp>
+      <p:sp>
+        <p:nvSpPr>
+          <p:cNvPr id="229" name="PlaceHolder 2"/>
           <p:cNvSpPr>
             <a:spLocks noGrp="1"/>
           </p:cNvSpPr>
@@ -2327,7 +2348,7 @@
         <p:spPr>
           <a:xfrm>
             <a:off x="457200" y="1604520"/>
-            <a:ext cx="3926160" cy="1896840"/>
+            <a:ext cx="4015440" cy="2158560"/>
           </a:xfrm>
           <a:prstGeom prst="rect">
             <a:avLst/>
@@ -2342,7 +2363,7 @@
       </p:sp>
       <p:sp>
         <p:nvSpPr>
-          <p:cNvPr id="239" name="PlaceHolder 3"/>
+          <p:cNvPr id="230" name="PlaceHolder 3"/>
           <p:cNvSpPr>
             <a:spLocks noGrp="1"/>
           </p:cNvSpPr>
@@ -2352,8 +2373,8 @@
         </p:nvSpPr>
         <p:spPr>
           <a:xfrm>
-            <a:off x="457200" y="3681720"/>
-            <a:ext cx="3926160" cy="1896840"/>
+            <a:off x="457200" y="3968280"/>
+            <a:ext cx="4015440" cy="2158560"/>
           </a:xfrm>
           <a:prstGeom prst="rect">
             <a:avLst/>
@@ -2368,7 +2389,7 @@
       </p:sp>
       <p:sp>
         <p:nvSpPr>
-          <p:cNvPr id="240" name="PlaceHolder 4"/>
+          <p:cNvPr id="231" name="PlaceHolder 4"/>
           <p:cNvSpPr>
             <a:spLocks noGrp="1"/>
           </p:cNvSpPr>
@@ -2378,8 +2399,8 @@
         </p:nvSpPr>
         <p:spPr>
           <a:xfrm>
-            <a:off x="4579920" y="1604520"/>
-            <a:ext cx="3926160" cy="3977280"/>
+            <a:off x="4673520" y="1604520"/>
+            <a:ext cx="4015440" cy="4525920"/>
           </a:xfrm>
           <a:prstGeom prst="rect">
             <a:avLst/>
@@ -2416,7 +2437,7 @@
       </p:grpSpPr>
       <p:sp>
         <p:nvSpPr>
-          <p:cNvPr id="241" name="PlaceHolder 1"/>
+          <p:cNvPr id="232" name="PlaceHolder 1"/>
           <p:cNvSpPr>
             <a:spLocks noGrp="1"/>
           </p:cNvSpPr>
@@ -2427,7 +2448,7 @@
         <p:spPr>
           <a:xfrm>
             <a:off x="1043640" y="1027800"/>
-            <a:ext cx="7024320" cy="1143000"/>
+            <a:ext cx="7023960" cy="1143000"/>
           </a:xfrm>
           <a:prstGeom prst="rect">
             <a:avLst/>
@@ -2436,13 +2457,14 @@
         <p:txBody>
           <a:bodyPr anchor="ctr" bIns="0" lIns="0" rIns="0" tIns="0" wrap="none"/>
           <a:p>
-            <a:endParaRPr/>
-          </a:p>
-        </p:txBody>
-      </p:sp>
-      <p:sp>
-        <p:nvSpPr>
-          <p:cNvPr id="242" name="PlaceHolder 2"/>
+            <a:pPr algn="ctr"/>
+            <a:endParaRPr/>
+          </a:p>
+        </p:txBody>
+      </p:sp>
+      <p:sp>
+        <p:nvSpPr>
+          <p:cNvPr id="233" name="PlaceHolder 2"/>
           <p:cNvSpPr>
             <a:spLocks noGrp="1"/>
           </p:cNvSpPr>
@@ -2453,7 +2475,7 @@
         <p:spPr>
           <a:xfrm>
             <a:off x="457200" y="1604520"/>
-            <a:ext cx="3926160" cy="3977280"/>
+            <a:ext cx="4015440" cy="4525920"/>
           </a:xfrm>
           <a:prstGeom prst="rect">
             <a:avLst/>
@@ -2468,7 +2490,7 @@
       </p:sp>
       <p:sp>
         <p:nvSpPr>
-          <p:cNvPr id="243" name="PlaceHolder 3"/>
+          <p:cNvPr id="234" name="PlaceHolder 3"/>
           <p:cNvSpPr>
             <a:spLocks noGrp="1"/>
           </p:cNvSpPr>
@@ -2478,8 +2500,8 @@
         </p:nvSpPr>
         <p:spPr>
           <a:xfrm>
-            <a:off x="4579920" y="1604520"/>
-            <a:ext cx="3926160" cy="1896840"/>
+            <a:off x="4673520" y="1604520"/>
+            <a:ext cx="4015440" cy="2158560"/>
           </a:xfrm>
           <a:prstGeom prst="rect">
             <a:avLst/>
@@ -2494,7 +2516,7 @@
       </p:sp>
       <p:sp>
         <p:nvSpPr>
-          <p:cNvPr id="244" name="PlaceHolder 4"/>
+          <p:cNvPr id="235" name="PlaceHolder 4"/>
           <p:cNvSpPr>
             <a:spLocks noGrp="1"/>
           </p:cNvSpPr>
@@ -2504,8 +2526,8 @@
         </p:nvSpPr>
         <p:spPr>
           <a:xfrm>
-            <a:off x="4579920" y="3681720"/>
-            <a:ext cx="3926160" cy="1896840"/>
+            <a:off x="4673520" y="3968280"/>
+            <a:ext cx="4015440" cy="2158560"/>
           </a:xfrm>
           <a:prstGeom prst="rect">
             <a:avLst/>
@@ -2542,7 +2564,7 @@
       </p:grpSpPr>
       <p:sp>
         <p:nvSpPr>
-          <p:cNvPr id="245" name="PlaceHolder 1"/>
+          <p:cNvPr id="236" name="PlaceHolder 1"/>
           <p:cNvSpPr>
             <a:spLocks noGrp="1"/>
           </p:cNvSpPr>
@@ -2553,7 +2575,7 @@
         <p:spPr>
           <a:xfrm>
             <a:off x="1043640" y="1027800"/>
-            <a:ext cx="7024320" cy="1143000"/>
+            <a:ext cx="7023960" cy="1143000"/>
           </a:xfrm>
           <a:prstGeom prst="rect">
             <a:avLst/>
@@ -2562,13 +2584,14 @@
         <p:txBody>
           <a:bodyPr anchor="ctr" bIns="0" lIns="0" rIns="0" tIns="0" wrap="none"/>
           <a:p>
-            <a:endParaRPr/>
-          </a:p>
-        </p:txBody>
-      </p:sp>
-      <p:sp>
-        <p:nvSpPr>
-          <p:cNvPr id="246" name="PlaceHolder 2"/>
+            <a:pPr algn="ctr"/>
+            <a:endParaRPr/>
+          </a:p>
+        </p:txBody>
+      </p:sp>
+      <p:sp>
+        <p:nvSpPr>
+          <p:cNvPr id="237" name="PlaceHolder 2"/>
           <p:cNvSpPr>
             <a:spLocks noGrp="1"/>
           </p:cNvSpPr>
@@ -2579,7 +2602,7 @@
         <p:spPr>
           <a:xfrm>
             <a:off x="457200" y="1604520"/>
-            <a:ext cx="3926160" cy="1896840"/>
+            <a:ext cx="4015440" cy="2158560"/>
           </a:xfrm>
           <a:prstGeom prst="rect">
             <a:avLst/>
@@ -2594,7 +2617,7 @@
       </p:sp>
       <p:sp>
         <p:nvSpPr>
-          <p:cNvPr id="247" name="PlaceHolder 3"/>
+          <p:cNvPr id="238" name="PlaceHolder 3"/>
           <p:cNvSpPr>
             <a:spLocks noGrp="1"/>
           </p:cNvSpPr>
@@ -2604,8 +2627,8 @@
         </p:nvSpPr>
         <p:spPr>
           <a:xfrm>
-            <a:off x="4579920" y="1604520"/>
-            <a:ext cx="3926160" cy="1896840"/>
+            <a:off x="4673520" y="1604520"/>
+            <a:ext cx="4015440" cy="2158560"/>
           </a:xfrm>
           <a:prstGeom prst="rect">
             <a:avLst/>
@@ -2620,7 +2643,7 @@
       </p:sp>
       <p:sp>
         <p:nvSpPr>
-          <p:cNvPr id="248" name="PlaceHolder 4"/>
+          <p:cNvPr id="239" name="PlaceHolder 4"/>
           <p:cNvSpPr>
             <a:spLocks noGrp="1"/>
           </p:cNvSpPr>
@@ -2630,8 +2653,8 @@
         </p:nvSpPr>
         <p:spPr>
           <a:xfrm>
-            <a:off x="457200" y="3681720"/>
-            <a:ext cx="8045640" cy="1896840"/>
+            <a:off x="457200" y="3968280"/>
+            <a:ext cx="8228520" cy="2158560"/>
           </a:xfrm>
           <a:prstGeom prst="rect">
             <a:avLst/>
@@ -2668,7 +2691,7 @@
       </p:grpSpPr>
       <p:sp>
         <p:nvSpPr>
-          <p:cNvPr id="249" name="PlaceHolder 1"/>
+          <p:cNvPr id="240" name="PlaceHolder 1"/>
           <p:cNvSpPr>
             <a:spLocks noGrp="1"/>
           </p:cNvSpPr>
@@ -2679,7 +2702,7 @@
         <p:spPr>
           <a:xfrm>
             <a:off x="1043640" y="1027800"/>
-            <a:ext cx="7024320" cy="1143000"/>
+            <a:ext cx="7023960" cy="1143000"/>
           </a:xfrm>
           <a:prstGeom prst="rect">
             <a:avLst/>
@@ -2688,13 +2711,14 @@
         <p:txBody>
           <a:bodyPr anchor="ctr" bIns="0" lIns="0" rIns="0" tIns="0" wrap="none"/>
           <a:p>
-            <a:endParaRPr/>
-          </a:p>
-        </p:txBody>
-      </p:sp>
-      <p:sp>
-        <p:nvSpPr>
-          <p:cNvPr id="250" name="PlaceHolder 2"/>
+            <a:pPr algn="ctr"/>
+            <a:endParaRPr/>
+          </a:p>
+        </p:txBody>
+      </p:sp>
+      <p:sp>
+        <p:nvSpPr>
+          <p:cNvPr id="241" name="PlaceHolder 2"/>
           <p:cNvSpPr>
             <a:spLocks noGrp="1"/>
           </p:cNvSpPr>
@@ -2705,7 +2729,7 @@
         <p:spPr>
           <a:xfrm>
             <a:off x="457200" y="1604520"/>
-            <a:ext cx="8046360" cy="1896840"/>
+            <a:ext cx="8229240" cy="2158560"/>
           </a:xfrm>
           <a:prstGeom prst="rect">
             <a:avLst/>
@@ -2720,7 +2744,7 @@
       </p:sp>
       <p:sp>
         <p:nvSpPr>
-          <p:cNvPr id="251" name="PlaceHolder 3"/>
+          <p:cNvPr id="242" name="PlaceHolder 3"/>
           <p:cNvSpPr>
             <a:spLocks noGrp="1"/>
           </p:cNvSpPr>
@@ -2730,8 +2754,8 @@
         </p:nvSpPr>
         <p:spPr>
           <a:xfrm>
-            <a:off x="457200" y="3681720"/>
-            <a:ext cx="8046360" cy="1896840"/>
+            <a:off x="457200" y="3968280"/>
+            <a:ext cx="8229240" cy="2158560"/>
           </a:xfrm>
           <a:prstGeom prst="rect">
             <a:avLst/>
@@ -2768,7 +2792,7 @@
       </p:grpSpPr>
       <p:sp>
         <p:nvSpPr>
-          <p:cNvPr id="252" name="PlaceHolder 1"/>
+          <p:cNvPr id="243" name="PlaceHolder 1"/>
           <p:cNvSpPr>
             <a:spLocks noGrp="1"/>
           </p:cNvSpPr>
@@ -2779,7 +2803,7 @@
         <p:spPr>
           <a:xfrm>
             <a:off x="1043640" y="1027800"/>
-            <a:ext cx="7024320" cy="1143000"/>
+            <a:ext cx="7023960" cy="1143000"/>
           </a:xfrm>
           <a:prstGeom prst="rect">
             <a:avLst/>
@@ -2788,13 +2812,14 @@
         <p:txBody>
           <a:bodyPr anchor="ctr" bIns="0" lIns="0" rIns="0" tIns="0" wrap="none"/>
           <a:p>
-            <a:endParaRPr/>
-          </a:p>
-        </p:txBody>
-      </p:sp>
-      <p:sp>
-        <p:nvSpPr>
-          <p:cNvPr id="253" name="PlaceHolder 2"/>
+            <a:pPr algn="ctr"/>
+            <a:endParaRPr/>
+          </a:p>
+        </p:txBody>
+      </p:sp>
+      <p:sp>
+        <p:nvSpPr>
+          <p:cNvPr id="244" name="PlaceHolder 2"/>
           <p:cNvSpPr>
             <a:spLocks noGrp="1"/>
           </p:cNvSpPr>
@@ -2805,7 +2830,7 @@
         <p:spPr>
           <a:xfrm>
             <a:off x="457200" y="1604520"/>
-            <a:ext cx="3926160" cy="1896840"/>
+            <a:ext cx="4015440" cy="2158560"/>
           </a:xfrm>
           <a:prstGeom prst="rect">
             <a:avLst/>
@@ -2820,7 +2845,7 @@
       </p:sp>
       <p:sp>
         <p:nvSpPr>
-          <p:cNvPr id="254" name="PlaceHolder 3"/>
+          <p:cNvPr id="245" name="PlaceHolder 3"/>
           <p:cNvSpPr>
             <a:spLocks noGrp="1"/>
           </p:cNvSpPr>
@@ -2830,8 +2855,8 @@
         </p:nvSpPr>
         <p:spPr>
           <a:xfrm>
-            <a:off x="4579920" y="1604520"/>
-            <a:ext cx="3926160" cy="1896840"/>
+            <a:off x="4673520" y="1604520"/>
+            <a:ext cx="4015440" cy="2158560"/>
           </a:xfrm>
           <a:prstGeom prst="rect">
             <a:avLst/>
@@ -2846,7 +2871,7 @@
       </p:sp>
       <p:sp>
         <p:nvSpPr>
-          <p:cNvPr id="255" name="PlaceHolder 4"/>
+          <p:cNvPr id="246" name="PlaceHolder 4"/>
           <p:cNvSpPr>
             <a:spLocks noGrp="1"/>
           </p:cNvSpPr>
@@ -2856,8 +2881,8 @@
         </p:nvSpPr>
         <p:spPr>
           <a:xfrm>
-            <a:off x="4579920" y="3681720"/>
-            <a:ext cx="3926160" cy="1896840"/>
+            <a:off x="4673520" y="3968280"/>
+            <a:ext cx="4015440" cy="2158560"/>
           </a:xfrm>
           <a:prstGeom prst="rect">
             <a:avLst/>
@@ -2872,7 +2897,7 @@
       </p:sp>
       <p:sp>
         <p:nvSpPr>
-          <p:cNvPr id="256" name="PlaceHolder 5"/>
+          <p:cNvPr id="247" name="PlaceHolder 5"/>
           <p:cNvSpPr>
             <a:spLocks noGrp="1"/>
           </p:cNvSpPr>
@@ -2882,8 +2907,8 @@
         </p:nvSpPr>
         <p:spPr>
           <a:xfrm>
-            <a:off x="457200" y="3681720"/>
-            <a:ext cx="3926160" cy="1896840"/>
+            <a:off x="457200" y="3968280"/>
+            <a:ext cx="4015440" cy="2158560"/>
           </a:xfrm>
           <a:prstGeom prst="rect">
             <a:avLst/>
@@ -2920,7 +2945,7 @@
       </p:grpSpPr>
       <p:sp>
         <p:nvSpPr>
-          <p:cNvPr id="257" name="PlaceHolder 1"/>
+          <p:cNvPr id="248" name="PlaceHolder 1"/>
           <p:cNvSpPr>
             <a:spLocks noGrp="1"/>
           </p:cNvSpPr>
@@ -2931,7 +2956,7 @@
         <p:spPr>
           <a:xfrm>
             <a:off x="1043640" y="1027800"/>
-            <a:ext cx="7024320" cy="1143000"/>
+            <a:ext cx="7023960" cy="1143000"/>
           </a:xfrm>
           <a:prstGeom prst="rect">
             <a:avLst/>
@@ -2940,13 +2965,14 @@
         <p:txBody>
           <a:bodyPr anchor="ctr" bIns="0" lIns="0" rIns="0" tIns="0" wrap="none"/>
           <a:p>
-            <a:endParaRPr/>
-          </a:p>
-        </p:txBody>
-      </p:sp>
-      <p:sp>
-        <p:nvSpPr>
-          <p:cNvPr id="258" name="PlaceHolder 2"/>
+            <a:pPr algn="ctr"/>
+            <a:endParaRPr/>
+          </a:p>
+        </p:txBody>
+      </p:sp>
+      <p:sp>
+        <p:nvSpPr>
+          <p:cNvPr id="249" name="PlaceHolder 2"/>
           <p:cNvSpPr>
             <a:spLocks noGrp="1"/>
           </p:cNvSpPr>
@@ -2957,7 +2983,7 @@
         <p:spPr>
           <a:xfrm>
             <a:off x="457200" y="1604520"/>
-            <a:ext cx="3926160" cy="1896840"/>
+            <a:ext cx="4015440" cy="2158560"/>
           </a:xfrm>
           <a:prstGeom prst="rect">
             <a:avLst/>
@@ -2972,7 +2998,7 @@
       </p:sp>
       <p:sp>
         <p:nvSpPr>
-          <p:cNvPr id="259" name="PlaceHolder 3"/>
+          <p:cNvPr id="250" name="PlaceHolder 3"/>
           <p:cNvSpPr>
             <a:spLocks noGrp="1"/>
           </p:cNvSpPr>
@@ -2982,8 +3008,8 @@
         </p:nvSpPr>
         <p:spPr>
           <a:xfrm>
-            <a:off x="4579920" y="1604520"/>
-            <a:ext cx="3926160" cy="1896840"/>
+            <a:off x="4673520" y="1604520"/>
+            <a:ext cx="4015440" cy="2158560"/>
           </a:xfrm>
           <a:prstGeom prst="rect">
             <a:avLst/>
@@ -3020,7 +3046,7 @@
       </p:grpSpPr>
       <p:sp>
         <p:nvSpPr>
-          <p:cNvPr id="84" name="PlaceHolder 1"/>
+          <p:cNvPr id="81" name="PlaceHolder 1"/>
           <p:cNvSpPr>
             <a:spLocks noGrp="1"/>
           </p:cNvSpPr>
@@ -3031,7 +3057,7 @@
         <p:spPr>
           <a:xfrm>
             <a:off x="1043640" y="1027800"/>
-            <a:ext cx="7024320" cy="1143000"/>
+            <a:ext cx="7023960" cy="1143000"/>
           </a:xfrm>
           <a:prstGeom prst="rect">
             <a:avLst/>
@@ -3040,13 +3066,14 @@
         <p:txBody>
           <a:bodyPr anchor="ctr" bIns="0" lIns="0" rIns="0" tIns="0" wrap="none"/>
           <a:p>
-            <a:endParaRPr/>
-          </a:p>
-        </p:txBody>
-      </p:sp>
-      <p:sp>
-        <p:nvSpPr>
-          <p:cNvPr id="85" name="PlaceHolder 2"/>
+            <a:pPr algn="ctr"/>
+            <a:endParaRPr/>
+          </a:p>
+        </p:txBody>
+      </p:sp>
+      <p:sp>
+        <p:nvSpPr>
+          <p:cNvPr id="82" name="PlaceHolder 2"/>
           <p:cNvSpPr>
             <a:spLocks noGrp="1"/>
           </p:cNvSpPr>
@@ -3057,7 +3084,7 @@
         <p:spPr>
           <a:xfrm>
             <a:off x="457200" y="1604520"/>
-            <a:ext cx="3926160" cy="3977280"/>
+            <a:ext cx="4015440" cy="4525920"/>
           </a:xfrm>
           <a:prstGeom prst="rect">
             <a:avLst/>
@@ -3072,7 +3099,7 @@
       </p:sp>
       <p:sp>
         <p:nvSpPr>
-          <p:cNvPr id="86" name="PlaceHolder 3"/>
+          <p:cNvPr id="83" name="PlaceHolder 3"/>
           <p:cNvSpPr>
             <a:spLocks noGrp="1"/>
           </p:cNvSpPr>
@@ -3082,8 +3109,8 @@
         </p:nvSpPr>
         <p:spPr>
           <a:xfrm>
-            <a:off x="4579920" y="1604520"/>
-            <a:ext cx="3926160" cy="3977280"/>
+            <a:off x="4673520" y="1604520"/>
+            <a:ext cx="4015440" cy="4525920"/>
           </a:xfrm>
           <a:prstGeom prst="rect">
             <a:avLst/>
@@ -3120,7 +3147,7 @@
       </p:grpSpPr>
       <p:sp>
         <p:nvSpPr>
-          <p:cNvPr id="87" name="PlaceHolder 1"/>
+          <p:cNvPr id="84" name="PlaceHolder 1"/>
           <p:cNvSpPr>
             <a:spLocks noGrp="1"/>
           </p:cNvSpPr>
@@ -3131,7 +3158,7 @@
         <p:spPr>
           <a:xfrm>
             <a:off x="1043640" y="1027800"/>
-            <a:ext cx="7024320" cy="1143000"/>
+            <a:ext cx="7023960" cy="1143000"/>
           </a:xfrm>
           <a:prstGeom prst="rect">
             <a:avLst/>
@@ -3140,6 +3167,7 @@
         <p:txBody>
           <a:bodyPr anchor="ctr" bIns="0" lIns="0" rIns="0" tIns="0" wrap="none"/>
           <a:p>
+            <a:pPr algn="ctr"/>
             <a:endParaRPr/>
           </a:p>
         </p:txBody>
@@ -3168,7 +3196,7 @@
       </p:grpSpPr>
       <p:sp>
         <p:nvSpPr>
-          <p:cNvPr id="88" name="PlaceHolder 1"/>
+          <p:cNvPr id="85" name="PlaceHolder 1"/>
           <p:cNvSpPr>
             <a:spLocks noGrp="1"/>
           </p:cNvSpPr>
@@ -3179,7 +3207,7 @@
         <p:spPr>
           <a:xfrm>
             <a:off x="1043640" y="1027800"/>
-            <a:ext cx="7024320" cy="4554000"/>
+            <a:ext cx="7023960" cy="5102640"/>
           </a:xfrm>
           <a:prstGeom prst="rect">
             <a:avLst/>
@@ -3217,7 +3245,7 @@
       </p:grpSpPr>
       <p:sp>
         <p:nvSpPr>
-          <p:cNvPr id="89" name="PlaceHolder 1"/>
+          <p:cNvPr id="86" name="PlaceHolder 1"/>
           <p:cNvSpPr>
             <a:spLocks noGrp="1"/>
           </p:cNvSpPr>
@@ -3228,7 +3256,7 @@
         <p:spPr>
           <a:xfrm>
             <a:off x="1043640" y="1027800"/>
-            <a:ext cx="7024320" cy="1143000"/>
+            <a:ext cx="7023960" cy="1143000"/>
           </a:xfrm>
           <a:prstGeom prst="rect">
             <a:avLst/>
@@ -3237,13 +3265,14 @@
         <p:txBody>
           <a:bodyPr anchor="ctr" bIns="0" lIns="0" rIns="0" tIns="0" wrap="none"/>
           <a:p>
-            <a:endParaRPr/>
-          </a:p>
-        </p:txBody>
-      </p:sp>
-      <p:sp>
-        <p:nvSpPr>
-          <p:cNvPr id="90" name="PlaceHolder 2"/>
+            <a:pPr algn="ctr"/>
+            <a:endParaRPr/>
+          </a:p>
+        </p:txBody>
+      </p:sp>
+      <p:sp>
+        <p:nvSpPr>
+          <p:cNvPr id="87" name="PlaceHolder 2"/>
           <p:cNvSpPr>
             <a:spLocks noGrp="1"/>
           </p:cNvSpPr>
@@ -3254,7 +3283,7 @@
         <p:spPr>
           <a:xfrm>
             <a:off x="457200" y="1604520"/>
-            <a:ext cx="3926160" cy="1896840"/>
+            <a:ext cx="4015440" cy="2158560"/>
           </a:xfrm>
           <a:prstGeom prst="rect">
             <a:avLst/>
@@ -3269,7 +3298,7 @@
       </p:sp>
       <p:sp>
         <p:nvSpPr>
-          <p:cNvPr id="91" name="PlaceHolder 3"/>
+          <p:cNvPr id="88" name="PlaceHolder 3"/>
           <p:cNvSpPr>
             <a:spLocks noGrp="1"/>
           </p:cNvSpPr>
@@ -3279,8 +3308,8 @@
         </p:nvSpPr>
         <p:spPr>
           <a:xfrm>
-            <a:off x="457200" y="3681720"/>
-            <a:ext cx="3926160" cy="1896840"/>
+            <a:off x="457200" y="3968280"/>
+            <a:ext cx="4015440" cy="2158560"/>
           </a:xfrm>
           <a:prstGeom prst="rect">
             <a:avLst/>
@@ -3295,7 +3324,7 @@
       </p:sp>
       <p:sp>
         <p:nvSpPr>
-          <p:cNvPr id="92" name="PlaceHolder 4"/>
+          <p:cNvPr id="89" name="PlaceHolder 4"/>
           <p:cNvSpPr>
             <a:spLocks noGrp="1"/>
           </p:cNvSpPr>
@@ -3305,8 +3334,8 @@
         </p:nvSpPr>
         <p:spPr>
           <a:xfrm>
-            <a:off x="4579920" y="1604520"/>
-            <a:ext cx="3926160" cy="3977280"/>
+            <a:off x="4673520" y="1604520"/>
+            <a:ext cx="4015440" cy="4525920"/>
           </a:xfrm>
           <a:prstGeom prst="rect">
             <a:avLst/>
@@ -3343,7 +3372,7 @@
       </p:grpSpPr>
       <p:sp>
         <p:nvSpPr>
-          <p:cNvPr id="93" name="PlaceHolder 1"/>
+          <p:cNvPr id="90" name="PlaceHolder 1"/>
           <p:cNvSpPr>
             <a:spLocks noGrp="1"/>
           </p:cNvSpPr>
@@ -3354,7 +3383,7 @@
         <p:spPr>
           <a:xfrm>
             <a:off x="1043640" y="1027800"/>
-            <a:ext cx="7024320" cy="1143000"/>
+            <a:ext cx="7023960" cy="1143000"/>
           </a:xfrm>
           <a:prstGeom prst="rect">
             <a:avLst/>
@@ -3363,13 +3392,14 @@
         <p:txBody>
           <a:bodyPr anchor="ctr" bIns="0" lIns="0" rIns="0" tIns="0" wrap="none"/>
           <a:p>
-            <a:endParaRPr/>
-          </a:p>
-        </p:txBody>
-      </p:sp>
-      <p:sp>
-        <p:nvSpPr>
-          <p:cNvPr id="94" name="PlaceHolder 2"/>
+            <a:pPr algn="ctr"/>
+            <a:endParaRPr/>
+          </a:p>
+        </p:txBody>
+      </p:sp>
+      <p:sp>
+        <p:nvSpPr>
+          <p:cNvPr id="91" name="PlaceHolder 2"/>
           <p:cNvSpPr>
             <a:spLocks noGrp="1"/>
           </p:cNvSpPr>
@@ -3380,7 +3410,7 @@
         <p:spPr>
           <a:xfrm>
             <a:off x="457200" y="1604520"/>
-            <a:ext cx="3926160" cy="3977280"/>
+            <a:ext cx="4015440" cy="4525920"/>
           </a:xfrm>
           <a:prstGeom prst="rect">
             <a:avLst/>
@@ -3395,7 +3425,7 @@
       </p:sp>
       <p:sp>
         <p:nvSpPr>
-          <p:cNvPr id="95" name="PlaceHolder 3"/>
+          <p:cNvPr id="92" name="PlaceHolder 3"/>
           <p:cNvSpPr>
             <a:spLocks noGrp="1"/>
           </p:cNvSpPr>
@@ -3405,8 +3435,8 @@
         </p:nvSpPr>
         <p:spPr>
           <a:xfrm>
-            <a:off x="4579920" y="1604520"/>
-            <a:ext cx="3926160" cy="1896840"/>
+            <a:off x="4673520" y="1604520"/>
+            <a:ext cx="4015440" cy="2158560"/>
           </a:xfrm>
           <a:prstGeom prst="rect">
             <a:avLst/>
@@ -3421,7 +3451,7 @@
       </p:sp>
       <p:sp>
         <p:nvSpPr>
-          <p:cNvPr id="96" name="PlaceHolder 4"/>
+          <p:cNvPr id="93" name="PlaceHolder 4"/>
           <p:cNvSpPr>
             <a:spLocks noGrp="1"/>
           </p:cNvSpPr>
@@ -3431,8 +3461,8 @@
         </p:nvSpPr>
         <p:spPr>
           <a:xfrm>
-            <a:off x="4579920" y="3681720"/>
-            <a:ext cx="3926160" cy="1896840"/>
+            <a:off x="4673520" y="3968280"/>
+            <a:ext cx="4015440" cy="2158560"/>
           </a:xfrm>
           <a:prstGeom prst="rect">
             <a:avLst/>
@@ -3469,7 +3499,7 @@
       </p:grpSpPr>
       <p:sp>
         <p:nvSpPr>
-          <p:cNvPr id="97" name="PlaceHolder 1"/>
+          <p:cNvPr id="94" name="PlaceHolder 1"/>
           <p:cNvSpPr>
             <a:spLocks noGrp="1"/>
           </p:cNvSpPr>
@@ -3480,7 +3510,7 @@
         <p:spPr>
           <a:xfrm>
             <a:off x="1043640" y="1027800"/>
-            <a:ext cx="7024320" cy="1143000"/>
+            <a:ext cx="7023960" cy="1143000"/>
           </a:xfrm>
           <a:prstGeom prst="rect">
             <a:avLst/>
@@ -3489,13 +3519,14 @@
         <p:txBody>
           <a:bodyPr anchor="ctr" bIns="0" lIns="0" rIns="0" tIns="0" wrap="none"/>
           <a:p>
-            <a:endParaRPr/>
-          </a:p>
-        </p:txBody>
-      </p:sp>
-      <p:sp>
-        <p:nvSpPr>
-          <p:cNvPr id="98" name="PlaceHolder 2"/>
+            <a:pPr algn="ctr"/>
+            <a:endParaRPr/>
+          </a:p>
+        </p:txBody>
+      </p:sp>
+      <p:sp>
+        <p:nvSpPr>
+          <p:cNvPr id="95" name="PlaceHolder 2"/>
           <p:cNvSpPr>
             <a:spLocks noGrp="1"/>
           </p:cNvSpPr>
@@ -3506,7 +3537,7 @@
         <p:spPr>
           <a:xfrm>
             <a:off x="457200" y="1604520"/>
-            <a:ext cx="3926160" cy="1896840"/>
+            <a:ext cx="4015440" cy="2158560"/>
           </a:xfrm>
           <a:prstGeom prst="rect">
             <a:avLst/>
@@ -3521,7 +3552,7 @@
       </p:sp>
       <p:sp>
         <p:nvSpPr>
-          <p:cNvPr id="99" name="PlaceHolder 3"/>
+          <p:cNvPr id="96" name="PlaceHolder 3"/>
           <p:cNvSpPr>
             <a:spLocks noGrp="1"/>
           </p:cNvSpPr>
@@ -3531,8 +3562,8 @@
         </p:nvSpPr>
         <p:spPr>
           <a:xfrm>
-            <a:off x="4579920" y="1604520"/>
-            <a:ext cx="3926160" cy="1896840"/>
+            <a:off x="4673520" y="1604520"/>
+            <a:ext cx="4015440" cy="2158560"/>
           </a:xfrm>
           <a:prstGeom prst="rect">
             <a:avLst/>
@@ -3547,7 +3578,7 @@
       </p:sp>
       <p:sp>
         <p:nvSpPr>
-          <p:cNvPr id="100" name="PlaceHolder 4"/>
+          <p:cNvPr id="97" name="PlaceHolder 4"/>
           <p:cNvSpPr>
             <a:spLocks noGrp="1"/>
           </p:cNvSpPr>
@@ -3557,8 +3588,8 @@
         </p:nvSpPr>
         <p:spPr>
           <a:xfrm>
-            <a:off x="457200" y="3681720"/>
-            <a:ext cx="8045640" cy="1896840"/>
+            <a:off x="457200" y="3968280"/>
+            <a:ext cx="8228520" cy="2158560"/>
           </a:xfrm>
           <a:prstGeom prst="rect">
             <a:avLst/>
@@ -3602,7 +3633,7 @@
         <p:spPr>
           <a:xfrm>
             <a:off x="992160" y="0"/>
-            <a:ext cx="1599840" cy="6857640"/>
+            <a:ext cx="1599480" cy="6857280"/>
           </a:xfrm>
           <a:prstGeom prst="rect">
             <a:avLst/>
@@ -3621,7 +3652,7 @@
         <p:spPr>
           <a:xfrm>
             <a:off x="77760" y="0"/>
-            <a:ext cx="456840" cy="6857640"/>
+            <a:ext cx="456480" cy="6857280"/>
           </a:xfrm>
           <a:prstGeom prst="rect">
             <a:avLst/>
@@ -3640,7 +3671,7 @@
         <p:spPr>
           <a:xfrm>
             <a:off x="306360" y="0"/>
-            <a:ext cx="761760" cy="6857640"/>
+            <a:ext cx="761400" cy="6857280"/>
           </a:xfrm>
           <a:prstGeom prst="rect">
             <a:avLst/>
@@ -3659,7 +3690,7 @@
         <p:spPr>
           <a:xfrm>
             <a:off x="1414800" y="0"/>
-            <a:ext cx="1599840" cy="6857640"/>
+            <a:ext cx="1599480" cy="6857280"/>
           </a:xfrm>
           <a:prstGeom prst="rect">
             <a:avLst/>
@@ -3678,7 +3709,7 @@
         <p:spPr>
           <a:xfrm>
             <a:off x="500400" y="0"/>
-            <a:ext cx="456840" cy="6857640"/>
+            <a:ext cx="456480" cy="6857280"/>
           </a:xfrm>
           <a:prstGeom prst="rect">
             <a:avLst/>
@@ -3697,7 +3728,7 @@
         <p:spPr>
           <a:xfrm>
             <a:off x="729000" y="0"/>
-            <a:ext cx="761760" cy="6857640"/>
+            <a:ext cx="761400" cy="6857280"/>
           </a:xfrm>
           <a:prstGeom prst="rect">
             <a:avLst/>
@@ -3716,7 +3747,7 @@
         <p:spPr>
           <a:xfrm>
             <a:off x="8307360" y="6858000"/>
-            <a:ext cx="1599840" cy="6857640"/>
+            <a:ext cx="1599480" cy="6857280"/>
           </a:xfrm>
           <a:prstGeom prst="rect">
             <a:avLst/>
@@ -3735,7 +3766,7 @@
         <p:spPr>
           <a:xfrm>
             <a:off x="9221760" y="6858000"/>
-            <a:ext cx="456840" cy="6857640"/>
+            <a:ext cx="456480" cy="6857280"/>
           </a:xfrm>
           <a:prstGeom prst="rect">
             <a:avLst/>
@@ -3754,7 +3785,7 @@
         <p:spPr>
           <a:xfrm>
             <a:off x="8993160" y="6858000"/>
-            <a:ext cx="761760" cy="6857640"/>
+            <a:ext cx="761400" cy="6857280"/>
           </a:xfrm>
           <a:prstGeom prst="rect">
             <a:avLst/>
@@ -3773,7 +3804,7 @@
         <p:spPr>
           <a:xfrm>
             <a:off x="3887640" y="0"/>
-            <a:ext cx="2819160" cy="6857640"/>
+            <a:ext cx="2818800" cy="6857280"/>
           </a:xfrm>
           <a:prstGeom prst="rect">
             <a:avLst/>
@@ -3792,7 +3823,7 @@
         <p:spPr>
           <a:xfrm>
             <a:off x="2973240" y="0"/>
-            <a:ext cx="456840" cy="6857640"/>
+            <a:ext cx="456480" cy="6857280"/>
           </a:xfrm>
           <a:prstGeom prst="rect">
             <a:avLst/>
@@ -3811,7 +3842,7 @@
         <p:spPr>
           <a:xfrm>
             <a:off x="3201840" y="0"/>
-            <a:ext cx="761760" cy="6857640"/>
+            <a:ext cx="761400" cy="6857280"/>
           </a:xfrm>
           <a:prstGeom prst="rect">
             <a:avLst/>
@@ -3830,7 +3861,7 @@
         <p:spPr>
           <a:xfrm>
             <a:off x="65880" y="5034960"/>
-            <a:ext cx="9143640" cy="1175400"/>
+            <a:ext cx="9143280" cy="1175040"/>
           </a:xfrm>
           <a:prstGeom prst="rect">
             <a:avLst/>
@@ -3852,7 +3883,7 @@
         <p:spPr>
           <a:xfrm>
             <a:off x="65880" y="3467520"/>
-            <a:ext cx="9143640" cy="890280"/>
+            <a:ext cx="9143280" cy="889920"/>
           </a:xfrm>
           <a:prstGeom prst="rect">
             <a:avLst/>
@@ -3874,7 +3905,7 @@
         <p:spPr>
           <a:xfrm>
             <a:off x="54000" y="5640840"/>
-            <a:ext cx="3004200" cy="1211040"/>
+            <a:ext cx="3003840" cy="1210680"/>
           </a:xfrm>
           <a:prstGeom prst="rect">
             <a:avLst/>
@@ -3896,7 +3927,7 @@
         <p:spPr>
           <a:xfrm>
             <a:off x="65880" y="5284440"/>
-            <a:ext cx="9143640" cy="1478160"/>
+            <a:ext cx="9143280" cy="1477800"/>
           </a:xfrm>
           <a:prstGeom prst="rect">
             <a:avLst/>
@@ -3918,7 +3949,7 @@
         <p:spPr>
           <a:xfrm>
             <a:off x="2215080" y="5132160"/>
-            <a:ext cx="6982200" cy="1719720"/>
+            <a:ext cx="6981840" cy="1719360"/>
           </a:xfrm>
           <a:prstGeom prst="rect">
             <a:avLst/>
@@ -3940,13 +3971,10 @@
         <p:spPr>
           <a:xfrm>
             <a:off x="3528000" y="2552040"/>
-            <a:ext cx="1600920" cy="1387800"/>
-          </a:xfrm>
-          <a:prstGeom prst="rect">
-            <a:avLst>
-              <a:gd fmla="val 115470" name="adj1"/>
-              <a:gd fmla="val 115470" name="adj2"/>
-            </a:avLst>
+            <a:ext cx="1600560" cy="1387440"/>
+          </a:xfrm>
+          <a:prstGeom prst="rect">
+            <a:avLst/>
           </a:prstGeom>
           <a:solidFill>
             <a:srgbClr val="ffffff"/>
@@ -3968,13 +3996,10 @@
         <p:spPr>
           <a:xfrm>
             <a:off x="4251960" y="3818880"/>
-            <a:ext cx="1600920" cy="1387800"/>
-          </a:xfrm>
-          <a:prstGeom prst="rect">
-            <a:avLst>
-              <a:gd fmla="val 115470" name="adj1"/>
-              <a:gd fmla="val 115470" name="adj2"/>
-            </a:avLst>
+            <a:ext cx="1600560" cy="1387440"/>
+          </a:xfrm>
+          <a:prstGeom prst="rect">
+            <a:avLst/>
           </a:prstGeom>
           <a:solidFill>
             <a:srgbClr val="ffffff"/>
@@ -3996,13 +4021,10 @@
         <p:spPr>
           <a:xfrm>
             <a:off x="4261680" y="1285200"/>
-            <a:ext cx="1600920" cy="1387800"/>
-          </a:xfrm>
-          <a:prstGeom prst="rect">
-            <a:avLst>
-              <a:gd fmla="val 115470" name="adj1"/>
-              <a:gd fmla="val 115470" name="adj2"/>
-            </a:avLst>
+            <a:ext cx="1600560" cy="1387440"/>
+          </a:xfrm>
+          <a:prstGeom prst="rect">
+            <a:avLst/>
           </a:prstGeom>
           <a:solidFill>
             <a:srgbClr val="ffffff"/>
@@ -4024,13 +4046,10 @@
         <p:spPr>
           <a:xfrm>
             <a:off x="3508920" y="18360"/>
-            <a:ext cx="1600920" cy="1387800"/>
-          </a:xfrm>
-          <a:prstGeom prst="rect">
-            <a:avLst>
-              <a:gd fmla="val 115470" name="adj1"/>
-              <a:gd fmla="val 115470" name="adj2"/>
-            </a:avLst>
+            <a:ext cx="1600560" cy="1387440"/>
+          </a:xfrm>
+          <a:prstGeom prst="rect">
+            <a:avLst/>
           </a:prstGeom>
           <a:solidFill>
             <a:srgbClr val="ffffff"/>
@@ -4052,13 +4071,10 @@
         <p:spPr>
           <a:xfrm>
             <a:off x="4995000" y="5076000"/>
-            <a:ext cx="1600920" cy="1387800"/>
-          </a:xfrm>
-          <a:prstGeom prst="rect">
-            <a:avLst>
-              <a:gd fmla="val 115470" name="adj1"/>
-              <a:gd fmla="val 115470" name="adj2"/>
-            </a:avLst>
+            <a:ext cx="1600560" cy="1387440"/>
+          </a:xfrm>
+          <a:prstGeom prst="rect">
+            <a:avLst/>
           </a:prstGeom>
           <a:solidFill>
             <a:srgbClr val="ffffff"/>
@@ -4080,7 +4096,7 @@
         <p:spPr>
           <a:xfrm>
             <a:off x="126720" y="3979080"/>
-            <a:ext cx="1261080" cy="1387800"/>
+            <a:ext cx="1260720" cy="1387440"/>
           </a:xfrm>
           <a:prstGeom prst="rect">
             <a:avLst/>
@@ -4105,13 +4121,10 @@
         <p:spPr>
           <a:xfrm>
             <a:off x="556200" y="5095080"/>
-            <a:ext cx="1600920" cy="1387800"/>
-          </a:xfrm>
-          <a:prstGeom prst="rect">
-            <a:avLst>
-              <a:gd fmla="val 115470" name="adj1"/>
-              <a:gd fmla="val 115470" name="adj2"/>
-            </a:avLst>
+            <a:ext cx="1600560" cy="1387440"/>
+          </a:xfrm>
+          <a:prstGeom prst="rect">
+            <a:avLst/>
           </a:prstGeom>
           <a:solidFill>
             <a:srgbClr val="ffffff"/>
@@ -4133,13 +4146,10 @@
         <p:spPr>
           <a:xfrm>
             <a:off x="585000" y="2542320"/>
-            <a:ext cx="1600920" cy="1387800"/>
-          </a:xfrm>
-          <a:prstGeom prst="rect">
-            <a:avLst>
-              <a:gd fmla="val 115470" name="adj1"/>
-              <a:gd fmla="val 115470" name="adj2"/>
-            </a:avLst>
+            <a:ext cx="1600560" cy="1387440"/>
+          </a:xfrm>
+          <a:prstGeom prst="rect">
+            <a:avLst/>
           </a:prstGeom>
           <a:solidFill>
             <a:srgbClr val="ffffff"/>
@@ -4161,13 +4171,10 @@
         <p:spPr>
           <a:xfrm>
             <a:off x="1308600" y="3818880"/>
-            <a:ext cx="1600920" cy="1387800"/>
-          </a:xfrm>
-          <a:prstGeom prst="rect">
-            <a:avLst>
-              <a:gd fmla="val 115470" name="adj1"/>
-              <a:gd fmla="val 115470" name="adj2"/>
-            </a:avLst>
+            <a:ext cx="1600560" cy="1387440"/>
+          </a:xfrm>
+          <a:prstGeom prst="rect">
+            <a:avLst/>
           </a:prstGeom>
           <a:solidFill>
             <a:srgbClr val="ffffff"/>
@@ -4189,13 +4196,10 @@
         <p:spPr>
           <a:xfrm>
             <a:off x="2042280" y="5104440"/>
-            <a:ext cx="1600920" cy="1387800"/>
-          </a:xfrm>
-          <a:prstGeom prst="rect">
-            <a:avLst>
-              <a:gd fmla="val 115470" name="adj1"/>
-              <a:gd fmla="val 115470" name="adj2"/>
-            </a:avLst>
+            <a:ext cx="1600560" cy="1387440"/>
+          </a:xfrm>
+          <a:prstGeom prst="rect">
+            <a:avLst/>
           </a:prstGeom>
           <a:solidFill>
             <a:srgbClr val="ffffff"/>
@@ -4217,13 +4221,10 @@
         <p:spPr>
           <a:xfrm>
             <a:off x="2061360" y="2552040"/>
-            <a:ext cx="1600920" cy="1387800"/>
-          </a:xfrm>
-          <a:prstGeom prst="rect">
-            <a:avLst>
-              <a:gd fmla="val 115470" name="adj1"/>
-              <a:gd fmla="val 115470" name="adj2"/>
-            </a:avLst>
+            <a:ext cx="1600560" cy="1387440"/>
+          </a:xfrm>
+          <a:prstGeom prst="rect">
+            <a:avLst/>
           </a:prstGeom>
           <a:solidFill>
             <a:srgbClr val="ffffff"/>
@@ -4245,13 +4246,10 @@
         <p:spPr>
           <a:xfrm>
             <a:off x="1327680" y="1256400"/>
-            <a:ext cx="1600920" cy="1387800"/>
-          </a:xfrm>
-          <a:prstGeom prst="rect">
-            <a:avLst>
-              <a:gd fmla="val 115470" name="adj1"/>
-              <a:gd fmla="val 115470" name="adj2"/>
-            </a:avLst>
+            <a:ext cx="1600560" cy="1387440"/>
+          </a:xfrm>
+          <a:prstGeom prst="rect">
+            <a:avLst/>
           </a:prstGeom>
           <a:solidFill>
             <a:srgbClr val="ffffff"/>
@@ -4273,13 +4271,10 @@
         <p:spPr>
           <a:xfrm>
             <a:off x="7338240" y="3837600"/>
-            <a:ext cx="1600920" cy="1387800"/>
-          </a:xfrm>
-          <a:prstGeom prst="rect">
-            <a:avLst>
-              <a:gd fmla="val 115470" name="adj1"/>
-              <a:gd fmla="val 115470" name="adj2"/>
-            </a:avLst>
+            <a:ext cx="1600560" cy="1387440"/>
+          </a:xfrm>
+          <a:prstGeom prst="rect">
+            <a:avLst/>
           </a:prstGeom>
           <a:solidFill>
             <a:srgbClr val="ffffff"/>
@@ -4301,13 +4296,10 @@
         <p:spPr>
           <a:xfrm>
             <a:off x="8080920" y="5114160"/>
-            <a:ext cx="1600920" cy="1387800"/>
-          </a:xfrm>
-          <a:prstGeom prst="rect">
-            <a:avLst>
-              <a:gd fmla="val 115470" name="adj1"/>
-              <a:gd fmla="val 115470" name="adj2"/>
-            </a:avLst>
+            <a:ext cx="1600560" cy="1387440"/>
+          </a:xfrm>
+          <a:prstGeom prst="rect">
+            <a:avLst/>
           </a:prstGeom>
           <a:solidFill>
             <a:srgbClr val="ffffff"/>
@@ -4329,13 +4321,10 @@
         <p:spPr>
           <a:xfrm>
             <a:off x="8080920" y="2561400"/>
-            <a:ext cx="1600920" cy="1387800"/>
-          </a:xfrm>
-          <a:prstGeom prst="rect">
-            <a:avLst>
-              <a:gd fmla="val 115470" name="adj1"/>
-              <a:gd fmla="val 115470" name="adj2"/>
-            </a:avLst>
+            <a:ext cx="1600560" cy="1387440"/>
+          </a:xfrm>
+          <a:prstGeom prst="rect">
+            <a:avLst/>
           </a:prstGeom>
           <a:solidFill>
             <a:srgbClr val="ffffff"/>
@@ -4357,7 +4346,7 @@
         <p:spPr>
           <a:xfrm>
             <a:off x="8814600" y="3837600"/>
-            <a:ext cx="1243080" cy="1387800"/>
+            <a:ext cx="1242720" cy="1387440"/>
           </a:xfrm>
           <a:prstGeom prst="rect">
             <a:avLst/>
@@ -4382,7 +4371,7 @@
         <p:spPr>
           <a:xfrm>
             <a:off x="8814600" y="1294200"/>
-            <a:ext cx="1241640" cy="1388520"/>
+            <a:ext cx="1241280" cy="1388160"/>
           </a:xfrm>
           <a:prstGeom prst="rect">
             <a:avLst/>
@@ -4407,7 +4396,7 @@
         <p:spPr>
           <a:xfrm>
             <a:off x="457200" y="333360"/>
-            <a:ext cx="8229240" cy="6185160"/>
+            <a:ext cx="8228880" cy="6184800"/>
           </a:xfrm>
           <a:prstGeom prst="rect">
             <a:avLst/>
@@ -4432,7 +4421,7 @@
         <p:spPr>
           <a:xfrm>
             <a:off x="4561200" y="-21600"/>
-            <a:ext cx="3678840" cy="698760"/>
+            <a:ext cx="3678480" cy="698400"/>
           </a:xfrm>
           <a:prstGeom prst="rect">
             <a:avLst/>
@@ -4457,7 +4446,7 @@
         <p:spPr>
           <a:xfrm>
             <a:off x="4649040" y="-21600"/>
-            <a:ext cx="3504960" cy="623520"/>
+            <a:ext cx="3504600" cy="623160"/>
           </a:xfrm>
           <a:prstGeom prst="rect">
             <a:avLst/>
@@ -4476,7 +4465,7 @@
         <p:spPr>
           <a:xfrm>
             <a:off x="914400" y="0"/>
-            <a:ext cx="1599840" cy="6857640"/>
+            <a:ext cx="1599480" cy="6857280"/>
           </a:xfrm>
           <a:prstGeom prst="rect">
             <a:avLst/>
@@ -4495,7 +4484,7 @@
         <p:spPr>
           <a:xfrm>
             <a:off x="0" y="0"/>
-            <a:ext cx="456840" cy="6857640"/>
+            <a:ext cx="456480" cy="6857280"/>
           </a:xfrm>
           <a:prstGeom prst="rect">
             <a:avLst/>
@@ -4514,7 +4503,7 @@
         <p:spPr>
           <a:xfrm>
             <a:off x="228600" y="0"/>
-            <a:ext cx="761760" cy="6857640"/>
+            <a:ext cx="761400" cy="6857280"/>
           </a:xfrm>
           <a:prstGeom prst="rect">
             <a:avLst/>
@@ -4533,7 +4522,7 @@
         <p:spPr>
           <a:xfrm>
             <a:off x="1337400" y="0"/>
-            <a:ext cx="1599840" cy="6857640"/>
+            <a:ext cx="1599480" cy="6857280"/>
           </a:xfrm>
           <a:prstGeom prst="rect">
             <a:avLst/>
@@ -4552,7 +4541,7 @@
         <p:spPr>
           <a:xfrm>
             <a:off x="423000" y="0"/>
-            <a:ext cx="456840" cy="6857640"/>
+            <a:ext cx="456480" cy="6857280"/>
           </a:xfrm>
           <a:prstGeom prst="rect">
             <a:avLst/>
@@ -4571,7 +4560,7 @@
         <p:spPr>
           <a:xfrm>
             <a:off x="651600" y="0"/>
-            <a:ext cx="761760" cy="6857640"/>
+            <a:ext cx="761400" cy="6857280"/>
           </a:xfrm>
           <a:prstGeom prst="rect">
             <a:avLst/>
@@ -4590,7 +4579,7 @@
         <p:spPr>
           <a:xfrm>
             <a:off x="8229600" y="6858000"/>
-            <a:ext cx="1599840" cy="6857640"/>
+            <a:ext cx="1599480" cy="6857280"/>
           </a:xfrm>
           <a:prstGeom prst="rect">
             <a:avLst/>
@@ -4609,7 +4598,7 @@
         <p:spPr>
           <a:xfrm>
             <a:off x="9144000" y="6858000"/>
-            <a:ext cx="456840" cy="6857640"/>
+            <a:ext cx="456480" cy="6857280"/>
           </a:xfrm>
           <a:prstGeom prst="rect">
             <a:avLst/>
@@ -4628,7 +4617,7 @@
         <p:spPr>
           <a:xfrm>
             <a:off x="8915400" y="6858000"/>
-            <a:ext cx="761760" cy="6857640"/>
+            <a:ext cx="761400" cy="6857280"/>
           </a:xfrm>
           <a:prstGeom prst="rect">
             <a:avLst/>
@@ -4647,7 +4636,7 @@
         <p:spPr>
           <a:xfrm>
             <a:off x="3809880" y="0"/>
-            <a:ext cx="2819160" cy="6857640"/>
+            <a:ext cx="2818800" cy="6857280"/>
           </a:xfrm>
           <a:prstGeom prst="rect">
             <a:avLst/>
@@ -4666,7 +4655,7 @@
         <p:spPr>
           <a:xfrm>
             <a:off x="2895480" y="0"/>
-            <a:ext cx="456840" cy="6857640"/>
+            <a:ext cx="456480" cy="6857280"/>
           </a:xfrm>
           <a:prstGeom prst="rect">
             <a:avLst/>
@@ -4685,7 +4674,7 @@
         <p:spPr>
           <a:xfrm>
             <a:off x="3124080" y="0"/>
-            <a:ext cx="761760" cy="6857640"/>
+            <a:ext cx="761400" cy="6857280"/>
           </a:xfrm>
           <a:prstGeom prst="rect">
             <a:avLst/>
@@ -4704,7 +4693,7 @@
         <p:spPr>
           <a:xfrm>
             <a:off x="-11880" y="5034960"/>
-            <a:ext cx="9143640" cy="1175400"/>
+            <a:ext cx="9143280" cy="1175040"/>
           </a:xfrm>
           <a:prstGeom prst="rect">
             <a:avLst/>
@@ -4726,7 +4715,7 @@
         <p:spPr>
           <a:xfrm>
             <a:off x="-11880" y="3467520"/>
-            <a:ext cx="9143640" cy="890280"/>
+            <a:ext cx="9143280" cy="889920"/>
           </a:xfrm>
           <a:prstGeom prst="rect">
             <a:avLst/>
@@ -4748,7 +4737,7 @@
         <p:spPr>
           <a:xfrm>
             <a:off x="-23760" y="5640840"/>
-            <a:ext cx="3004200" cy="1211040"/>
+            <a:ext cx="3003840" cy="1210680"/>
           </a:xfrm>
           <a:prstGeom prst="rect">
             <a:avLst/>
@@ -4770,7 +4759,7 @@
         <p:spPr>
           <a:xfrm>
             <a:off x="-11880" y="5284440"/>
-            <a:ext cx="9143640" cy="1478160"/>
+            <a:ext cx="9143280" cy="1477800"/>
           </a:xfrm>
           <a:prstGeom prst="rect">
             <a:avLst/>
@@ -4792,7 +4781,7 @@
         <p:spPr>
           <a:xfrm>
             <a:off x="2137680" y="5132160"/>
-            <a:ext cx="6982200" cy="1719720"/>
+            <a:ext cx="6981840" cy="1719360"/>
           </a:xfrm>
           <a:prstGeom prst="rect">
             <a:avLst/>
@@ -4814,13 +4803,10 @@
         <p:spPr>
           <a:xfrm>
             <a:off x="3450600" y="2552040"/>
-            <a:ext cx="1600920" cy="1387800"/>
-          </a:xfrm>
-          <a:prstGeom prst="rect">
-            <a:avLst>
-              <a:gd fmla="val 115470" name="adj1"/>
-              <a:gd fmla="val 115470" name="adj2"/>
-            </a:avLst>
+            <a:ext cx="1600560" cy="1387440"/>
+          </a:xfrm>
+          <a:prstGeom prst="rect">
+            <a:avLst/>
           </a:prstGeom>
           <a:solidFill>
             <a:srgbClr val="ffffff"/>
@@ -4842,13 +4828,10 @@
         <p:spPr>
           <a:xfrm>
             <a:off x="4174560" y="3818880"/>
-            <a:ext cx="1600920" cy="1387800"/>
-          </a:xfrm>
-          <a:prstGeom prst="rect">
-            <a:avLst>
-              <a:gd fmla="val 115470" name="adj1"/>
-              <a:gd fmla="val 115470" name="adj2"/>
-            </a:avLst>
+            <a:ext cx="1600560" cy="1387440"/>
+          </a:xfrm>
+          <a:prstGeom prst="rect">
+            <a:avLst/>
           </a:prstGeom>
           <a:solidFill>
             <a:srgbClr val="ffffff"/>
@@ -4870,13 +4853,10 @@
         <p:spPr>
           <a:xfrm>
             <a:off x="4183920" y="1285200"/>
-            <a:ext cx="1600920" cy="1387800"/>
-          </a:xfrm>
-          <a:prstGeom prst="rect">
-            <a:avLst>
-              <a:gd fmla="val 115470" name="adj1"/>
-              <a:gd fmla="val 115470" name="adj2"/>
-            </a:avLst>
+            <a:ext cx="1600560" cy="1387440"/>
+          </a:xfrm>
+          <a:prstGeom prst="rect">
+            <a:avLst/>
           </a:prstGeom>
           <a:solidFill>
             <a:srgbClr val="ffffff"/>
@@ -4898,13 +4878,10 @@
         <p:spPr>
           <a:xfrm>
             <a:off x="3431520" y="18360"/>
-            <a:ext cx="1600920" cy="1387800"/>
-          </a:xfrm>
-          <a:prstGeom prst="rect">
-            <a:avLst>
-              <a:gd fmla="val 115470" name="adj1"/>
-              <a:gd fmla="val 115470" name="adj2"/>
-            </a:avLst>
+            <a:ext cx="1600560" cy="1387440"/>
+          </a:xfrm>
+          <a:prstGeom prst="rect">
+            <a:avLst/>
           </a:prstGeom>
           <a:solidFill>
             <a:srgbClr val="ffffff"/>
@@ -4926,13 +4903,10 @@
         <p:spPr>
           <a:xfrm>
             <a:off x="4917240" y="5076000"/>
-            <a:ext cx="1600920" cy="1387800"/>
-          </a:xfrm>
-          <a:prstGeom prst="rect">
-            <a:avLst>
-              <a:gd fmla="val 115470" name="adj1"/>
-              <a:gd fmla="val 115470" name="adj2"/>
-            </a:avLst>
+            <a:ext cx="1600560" cy="1387440"/>
+          </a:xfrm>
+          <a:prstGeom prst="rect">
+            <a:avLst/>
           </a:prstGeom>
           <a:solidFill>
             <a:srgbClr val="ffffff"/>
@@ -4954,7 +4928,7 @@
         <p:spPr>
           <a:xfrm>
             <a:off x="49320" y="3979080"/>
-            <a:ext cx="1261080" cy="1387800"/>
+            <a:ext cx="1260720" cy="1387440"/>
           </a:xfrm>
           <a:prstGeom prst="rect">
             <a:avLst/>
@@ -4979,13 +4953,10 @@
         <p:spPr>
           <a:xfrm>
             <a:off x="478800" y="5095080"/>
-            <a:ext cx="1600920" cy="1387800"/>
-          </a:xfrm>
-          <a:prstGeom prst="rect">
-            <a:avLst>
-              <a:gd fmla="val 115470" name="adj1"/>
-              <a:gd fmla="val 115470" name="adj2"/>
-            </a:avLst>
+            <a:ext cx="1600560" cy="1387440"/>
+          </a:xfrm>
+          <a:prstGeom prst="rect">
+            <a:avLst/>
           </a:prstGeom>
           <a:solidFill>
             <a:srgbClr val="ffffff"/>
@@ -5007,13 +4978,10 @@
         <p:spPr>
           <a:xfrm>
             <a:off x="507240" y="2542320"/>
-            <a:ext cx="1600920" cy="1387800"/>
-          </a:xfrm>
-          <a:prstGeom prst="rect">
-            <a:avLst>
-              <a:gd fmla="val 115470" name="adj1"/>
-              <a:gd fmla="val 115470" name="adj2"/>
-            </a:avLst>
+            <a:ext cx="1600560" cy="1387440"/>
+          </a:xfrm>
+          <a:prstGeom prst="rect">
+            <a:avLst/>
           </a:prstGeom>
           <a:solidFill>
             <a:srgbClr val="ffffff"/>
@@ -5035,13 +5003,10 @@
         <p:spPr>
           <a:xfrm>
             <a:off x="1231200" y="3818880"/>
-            <a:ext cx="1600920" cy="1387800"/>
-          </a:xfrm>
-          <a:prstGeom prst="rect">
-            <a:avLst>
-              <a:gd fmla="val 115470" name="adj1"/>
-              <a:gd fmla="val 115470" name="adj2"/>
-            </a:avLst>
+            <a:ext cx="1600560" cy="1387440"/>
+          </a:xfrm>
+          <a:prstGeom prst="rect">
+            <a:avLst/>
           </a:prstGeom>
           <a:solidFill>
             <a:srgbClr val="ffffff"/>
@@ -5063,13 +5028,10 @@
         <p:spPr>
           <a:xfrm>
             <a:off x="1964520" y="5104440"/>
-            <a:ext cx="1600920" cy="1387800"/>
-          </a:xfrm>
-          <a:prstGeom prst="rect">
-            <a:avLst>
-              <a:gd fmla="val 115470" name="adj1"/>
-              <a:gd fmla="val 115470" name="adj2"/>
-            </a:avLst>
+            <a:ext cx="1600560" cy="1387440"/>
+          </a:xfrm>
+          <a:prstGeom prst="rect">
+            <a:avLst/>
           </a:prstGeom>
           <a:solidFill>
             <a:srgbClr val="ffffff"/>
@@ -5091,13 +5053,10 @@
         <p:spPr>
           <a:xfrm>
             <a:off x="1983600" y="2552040"/>
-            <a:ext cx="1600920" cy="1387800"/>
-          </a:xfrm>
-          <a:prstGeom prst="rect">
-            <a:avLst>
-              <a:gd fmla="val 115470" name="adj1"/>
-              <a:gd fmla="val 115470" name="adj2"/>
-            </a:avLst>
+            <a:ext cx="1600560" cy="1387440"/>
+          </a:xfrm>
+          <a:prstGeom prst="rect">
+            <a:avLst/>
           </a:prstGeom>
           <a:solidFill>
             <a:srgbClr val="ffffff"/>
@@ -5119,13 +5078,10 @@
         <p:spPr>
           <a:xfrm>
             <a:off x="1250280" y="1256400"/>
-            <a:ext cx="1600920" cy="1387800"/>
-          </a:xfrm>
-          <a:prstGeom prst="rect">
-            <a:avLst>
-              <a:gd fmla="val 115470" name="adj1"/>
-              <a:gd fmla="val 115470" name="adj2"/>
-            </a:avLst>
+            <a:ext cx="1600560" cy="1387440"/>
+          </a:xfrm>
+          <a:prstGeom prst="rect">
+            <a:avLst/>
           </a:prstGeom>
           <a:solidFill>
             <a:srgbClr val="ffffff"/>
@@ -5147,13 +5103,10 @@
         <p:spPr>
           <a:xfrm>
             <a:off x="7260480" y="3837600"/>
-            <a:ext cx="1600920" cy="1387800"/>
-          </a:xfrm>
-          <a:prstGeom prst="rect">
-            <a:avLst>
-              <a:gd fmla="val 115470" name="adj1"/>
-              <a:gd fmla="val 115470" name="adj2"/>
-            </a:avLst>
+            <a:ext cx="1600560" cy="1387440"/>
+          </a:xfrm>
+          <a:prstGeom prst="rect">
+            <a:avLst/>
           </a:prstGeom>
           <a:solidFill>
             <a:srgbClr val="ffffff"/>
@@ -5175,13 +5128,10 @@
         <p:spPr>
           <a:xfrm>
             <a:off x="8003520" y="5114160"/>
-            <a:ext cx="1600920" cy="1387800"/>
-          </a:xfrm>
-          <a:prstGeom prst="rect">
-            <a:avLst>
-              <a:gd fmla="val 115470" name="adj1"/>
-              <a:gd fmla="val 115470" name="adj2"/>
-            </a:avLst>
+            <a:ext cx="1600560" cy="1387440"/>
+          </a:xfrm>
+          <a:prstGeom prst="rect">
+            <a:avLst/>
           </a:prstGeom>
           <a:solidFill>
             <a:srgbClr val="ffffff"/>
@@ -5203,13 +5153,10 @@
         <p:spPr>
           <a:xfrm>
             <a:off x="8003520" y="2561400"/>
-            <a:ext cx="1600920" cy="1387800"/>
-          </a:xfrm>
-          <a:prstGeom prst="rect">
-            <a:avLst>
-              <a:gd fmla="val 115470" name="adj1"/>
-              <a:gd fmla="val 115470" name="adj2"/>
-            </a:avLst>
+            <a:ext cx="1600560" cy="1387440"/>
+          </a:xfrm>
+          <a:prstGeom prst="rect">
+            <a:avLst/>
           </a:prstGeom>
           <a:solidFill>
             <a:srgbClr val="ffffff"/>
@@ -5231,7 +5178,7 @@
         <p:spPr>
           <a:xfrm>
             <a:off x="8736840" y="3837600"/>
-            <a:ext cx="1243080" cy="1387800"/>
+            <a:ext cx="1242720" cy="1387440"/>
           </a:xfrm>
           <a:prstGeom prst="rect">
             <a:avLst/>
@@ -5256,7 +5203,7 @@
         <p:spPr>
           <a:xfrm>
             <a:off x="8737200" y="1294200"/>
-            <a:ext cx="1241640" cy="1388520"/>
+            <a:ext cx="1241280" cy="1388160"/>
           </a:xfrm>
           <a:prstGeom prst="rect">
             <a:avLst/>
@@ -5281,7 +5228,7 @@
         <p:spPr>
           <a:xfrm>
             <a:off x="4561200" y="-21600"/>
-            <a:ext cx="3678840" cy="6271560"/>
+            <a:ext cx="3678480" cy="6271200"/>
           </a:xfrm>
           <a:prstGeom prst="rect">
             <a:avLst/>
@@ -5306,7 +5253,7 @@
         <p:spPr>
           <a:xfrm>
             <a:off x="4649040" y="-21600"/>
-            <a:ext cx="3504960" cy="2312640"/>
+            <a:ext cx="3504600" cy="2312280"/>
           </a:xfrm>
           <a:prstGeom prst="rect">
             <a:avLst/>
@@ -5318,7 +5265,45 @@
       </p:sp>
       <p:sp>
         <p:nvSpPr>
-          <p:cNvPr id="73" name="PlaceHolder 74"/>
+          <p:cNvPr id="73" name="CustomShape 74"/>
+          <p:cNvSpPr/>
+          <p:nvPr/>
+        </p:nvSpPr>
+        <p:spPr>
+          <a:xfrm>
+            <a:off x="4650840" y="6088320"/>
+            <a:ext cx="3504600" cy="81000"/>
+          </a:xfrm>
+          <a:prstGeom prst="rect">
+            <a:avLst/>
+          </a:prstGeom>
+          <a:solidFill>
+            <a:srgbClr val="94c600"/>
+          </a:solidFill>
+        </p:spPr>
+      </p:sp>
+      <p:sp>
+        <p:nvSpPr>
+          <p:cNvPr id="74" name="CustomShape 75"/>
+          <p:cNvSpPr/>
+          <p:nvPr/>
+        </p:nvSpPr>
+        <p:spPr>
+          <a:xfrm>
+            <a:off x="4650840" y="6088320"/>
+            <a:ext cx="3504600" cy="81000"/>
+          </a:xfrm>
+          <a:prstGeom prst="rect">
+            <a:avLst/>
+          </a:prstGeom>
+          <a:solidFill>
+            <a:srgbClr val="94c600"/>
+          </a:solidFill>
+        </p:spPr>
+      </p:sp>
+      <p:sp>
+        <p:nvSpPr>
+          <p:cNvPr id="75" name="PlaceHolder 76"/>
           <p:cNvSpPr>
             <a:spLocks noGrp="1"/>
           </p:cNvSpPr>
@@ -5328,29 +5313,19 @@
         </p:nvSpPr>
         <p:spPr>
           <a:xfrm>
-            <a:off x="4733280" y="2708640"/>
-            <a:ext cx="3313080" cy="1701720"/>
-          </a:xfrm>
-          <a:prstGeom prst="rect">
-            <a:avLst/>
-          </a:prstGeom>
-        </p:spPr>
-        <p:txBody>
-          <a:bodyPr anchor="b"/>
-          <a:p>
-            <a:pPr>
-              <a:lnSpc>
-                <a:spcPct val="100000"/>
-              </a:lnSpc>
-            </a:pPr>
+            <a:off x="1043640" y="1027800"/>
+            <a:ext cx="7023960" cy="1142640"/>
+          </a:xfrm>
+          <a:prstGeom prst="rect">
+            <a:avLst/>
+          </a:prstGeom>
+        </p:spPr>
+        <p:txBody>
+          <a:bodyPr anchor="ctr" bIns="0" lIns="0" rIns="0" tIns="0" wrap="none"/>
+          <a:p>
             <a:r>
-              <a:rPr lang="it-IT" sz="3600">
-                <a:solidFill>
-                  <a:srgbClr val="94c600"/>
-                </a:solidFill>
-                <a:latin typeface="Century Gothic"/>
-              </a:rPr>
-              <a:t>Fate clic per modificare il formato del testo del titoloFare clic per modificare lo stile del titolo</a:t>
+              <a:rPr lang="it-IT"/>
+              <a:t>Click to edit the title text format</a:t>
             </a:r>
             <a:endParaRPr/>
           </a:p>
@@ -5358,162 +5333,18 @@
       </p:sp>
       <p:sp>
         <p:nvSpPr>
-          <p:cNvPr id="74" name="PlaceHolder 75"/>
-          <p:cNvSpPr>
-            <a:spLocks noGrp="1"/>
-          </p:cNvSpPr>
-          <p:nvPr>
-            <p:ph type="dt"/>
-          </p:nvPr>
-        </p:nvSpPr>
-        <p:spPr>
-          <a:xfrm>
-            <a:off x="4738680" y="1516680"/>
-            <a:ext cx="2133360" cy="750600"/>
-          </a:xfrm>
-          <a:prstGeom prst="rect">
-            <a:avLst/>
-          </a:prstGeom>
-        </p:spPr>
-        <p:txBody>
-          <a:bodyPr anchor="b" bIns="45000" lIns="90000" rIns="90000" tIns="45000"/>
-          <a:p>
-            <a:pPr>
-              <a:lnSpc>
-                <a:spcPct val="100000"/>
-              </a:lnSpc>
-            </a:pPr>
-            <a:r>
-              <a:rPr lang="it-IT" sz="2400">
-                <a:solidFill>
-                  <a:srgbClr val="000000"/>
-                </a:solidFill>
-                <a:latin typeface="Century Gothic"/>
-              </a:rPr>
-              <a:t>Progetto Gamification - Team Committed</a:t>
-            </a:r>
-            <a:endParaRPr/>
-          </a:p>
-        </p:txBody>
-      </p:sp>
-      <p:sp>
-        <p:nvSpPr>
-          <p:cNvPr id="75" name="CustomShape 76"/>
-          <p:cNvSpPr/>
-          <p:nvPr/>
-        </p:nvSpPr>
-        <p:spPr>
-          <a:xfrm>
-            <a:off x="4650840" y="6088320"/>
-            <a:ext cx="3504960" cy="81360"/>
-          </a:xfrm>
-          <a:prstGeom prst="rect">
-            <a:avLst/>
-          </a:prstGeom>
-          <a:solidFill>
-            <a:srgbClr val="94c600"/>
-          </a:solidFill>
-        </p:spPr>
-      </p:sp>
-      <p:sp>
-        <p:nvSpPr>
           <p:cNvPr id="76" name="PlaceHolder 77"/>
           <p:cNvSpPr>
             <a:spLocks noGrp="1"/>
           </p:cNvSpPr>
           <p:nvPr>
-            <p:ph type="ftr"/>
-          </p:nvPr>
-        </p:nvSpPr>
-        <p:spPr>
-          <a:xfrm>
-            <a:off x="5303520" y="5720040"/>
-            <a:ext cx="2831400" cy="364680"/>
-          </a:xfrm>
-          <a:prstGeom prst="rect">
-            <a:avLst/>
-          </a:prstGeom>
-        </p:spPr>
-        <p:txBody>
-          <a:bodyPr bIns="45000" lIns="90000" rIns="90000" tIns="45000"/>
-          <a:p>
-            <a:endParaRPr/>
-          </a:p>
-        </p:txBody>
-      </p:sp>
-      <p:sp>
-        <p:nvSpPr>
-          <p:cNvPr id="77" name="PlaceHolder 78"/>
-          <p:cNvSpPr>
-            <a:spLocks noGrp="1"/>
-          </p:cNvSpPr>
-          <p:nvPr>
-            <p:ph type="sldNum"/>
-          </p:nvPr>
-        </p:nvSpPr>
-        <p:spPr>
-          <a:xfrm>
-            <a:off x="4649040" y="5720040"/>
-            <a:ext cx="643320" cy="364680"/>
-          </a:xfrm>
-          <a:prstGeom prst="rect">
-            <a:avLst/>
-          </a:prstGeom>
-        </p:spPr>
-        <p:txBody>
-          <a:bodyPr bIns="45000" lIns="90000" rIns="90000" tIns="45000"/>
-          <a:p>
-            <a:pPr>
-              <a:lnSpc>
-                <a:spcPct val="100000"/>
-              </a:lnSpc>
-            </a:pPr>
-            <a:fld id="{0131A1E1-F151-4171-8111-717111016171}" type="slidenum">
-              <a:rPr lang="it-IT">
-                <a:solidFill>
-                  <a:srgbClr val="94c600"/>
-                </a:solidFill>
-                <a:latin typeface="Century Gothic"/>
-              </a:rPr>
-              <a:t>&lt;numero&gt;</a:t>
-            </a:fld>
-            <a:endParaRPr/>
-          </a:p>
-        </p:txBody>
-      </p:sp>
-      <p:sp>
-        <p:nvSpPr>
-          <p:cNvPr id="78" name="CustomShape 79"/>
-          <p:cNvSpPr/>
-          <p:nvPr/>
-        </p:nvSpPr>
-        <p:spPr>
-          <a:xfrm>
-            <a:off x="4650840" y="6088320"/>
-            <a:ext cx="3504960" cy="81360"/>
-          </a:xfrm>
-          <a:prstGeom prst="rect">
-            <a:avLst/>
-          </a:prstGeom>
-          <a:solidFill>
-            <a:srgbClr val="94c600"/>
-          </a:solidFill>
-        </p:spPr>
-      </p:sp>
-      <p:sp>
-        <p:nvSpPr>
-          <p:cNvPr id="79" name="PlaceHolder 80"/>
-          <p:cNvSpPr>
-            <a:spLocks noGrp="1"/>
-          </p:cNvSpPr>
-          <p:nvPr>
             <p:ph type="body"/>
           </p:nvPr>
         </p:nvSpPr>
         <p:spPr>
           <a:xfrm>
             <a:off x="457200" y="1604520"/>
-            <a:ext cx="8046360" cy="3977280"/>
+            <a:ext cx="8229240" cy="4525920"/>
           </a:xfrm>
           <a:prstGeom prst="rect">
             <a:avLst/>
@@ -5529,55 +5360,55 @@
             </a:pPr>
             <a:r>
               <a:rPr lang="it-IT"/>
-              <a:t>Fate clic per modificare il formato del testo della struttura</a:t>
+              <a:t>Click to edit the outline text format</a:t>
             </a:r>
             <a:endParaRPr/>
           </a:p>
           <a:p>
             <a:pPr lvl="1">
+              <a:buSzPct val="45000"/>
+              <a:buFont typeface="StarSymbol"/>
+              <a:buChar char=""/>
+            </a:pPr>
+            <a:r>
+              <a:rPr lang="it-IT"/>
+              <a:t>Second Outline Level</a:t>
+            </a:r>
+            <a:endParaRPr/>
+          </a:p>
+          <a:p>
+            <a:pPr lvl="2">
               <a:buSzPct val="75000"/>
               <a:buFont typeface="StarSymbol"/>
               <a:buChar char=""/>
             </a:pPr>
             <a:r>
               <a:rPr lang="it-IT"/>
-              <a:t>Secondo livello struttura</a:t>
+              <a:t>Third Outline Level</a:t>
             </a:r>
             <a:endParaRPr/>
           </a:p>
           <a:p>
-            <a:pPr lvl="2">
+            <a:pPr lvl="3">
               <a:buSzPct val="45000"/>
               <a:buFont typeface="StarSymbol"/>
               <a:buChar char=""/>
             </a:pPr>
             <a:r>
               <a:rPr lang="it-IT"/>
-              <a:t>Terzo livello struttura</a:t>
+              <a:t>Fourth Outline Level</a:t>
             </a:r>
             <a:endParaRPr/>
           </a:p>
           <a:p>
-            <a:pPr lvl="3">
+            <a:pPr lvl="4">
               <a:buSzPct val="75000"/>
               <a:buFont typeface="StarSymbol"/>
               <a:buChar char=""/>
             </a:pPr>
             <a:r>
               <a:rPr lang="it-IT"/>
-              <a:t>Quarto livello struttura</a:t>
-            </a:r>
-            <a:endParaRPr/>
-          </a:p>
-          <a:p>
-            <a:pPr lvl="4">
-              <a:buSzPct val="45000"/>
-              <a:buFont typeface="StarSymbol"/>
-              <a:buChar char=""/>
-            </a:pPr>
-            <a:r>
-              <a:rPr lang="it-IT"/>
-              <a:t>Quinto livello struttura</a:t>
+              <a:t>Fifth Outline Level</a:t>
             </a:r>
             <a:endParaRPr/>
           </a:p>
@@ -5589,7 +5420,7 @@
             </a:pPr>
             <a:r>
               <a:rPr lang="it-IT"/>
-              <a:t>Sesto livello struttura</a:t>
+              <a:t>Sixth Outline Level</a:t>
             </a:r>
             <a:endParaRPr/>
           </a:p>
@@ -5601,7 +5432,31 @@
             </a:pPr>
             <a:r>
               <a:rPr lang="it-IT"/>
-              <a:t>Settimo livello struttura</a:t>
+              <a:t>Seventh Outline Level</a:t>
+            </a:r>
+            <a:endParaRPr/>
+          </a:p>
+          <a:p>
+            <a:pPr lvl="7">
+              <a:buSzPct val="45000"/>
+              <a:buFont typeface="StarSymbol"/>
+              <a:buChar char=""/>
+            </a:pPr>
+            <a:r>
+              <a:rPr lang="it-IT"/>
+              <a:t>Eighth Outline Level</a:t>
+            </a:r>
+            <a:endParaRPr/>
+          </a:p>
+          <a:p>
+            <a:pPr lvl="8">
+              <a:buSzPct val="45000"/>
+              <a:buFont typeface="StarSymbol"/>
+              <a:buChar char=""/>
+            </a:pPr>
+            <a:r>
+              <a:rPr lang="it-IT"/>
+              <a:t>Ninth Outline Level</a:t>
             </a:r>
             <a:endParaRPr/>
           </a:p>
@@ -5646,242 +5501,242 @@
       </p:grpSpPr>
       <p:sp>
         <p:nvSpPr>
-          <p:cNvPr id="112" name="CustomShape 1"/>
+          <p:cNvPr id="109" name="CustomShape 1"/>
           <p:cNvSpPr/>
           <p:nvPr/>
         </p:nvSpPr>
         <p:spPr>
           <a:xfrm>
             <a:off x="992160" y="0"/>
-            <a:ext cx="1599840" cy="6857640"/>
-          </a:xfrm>
-          <a:prstGeom prst="rect">
-            <a:avLst/>
-          </a:prstGeom>
-          <a:solidFill>
-            <a:srgbClr val="ffffff"/>
-          </a:solidFill>
-        </p:spPr>
-      </p:sp>
-      <p:sp>
-        <p:nvSpPr>
-          <p:cNvPr id="113" name="CustomShape 2"/>
+            <a:ext cx="1599480" cy="6857280"/>
+          </a:xfrm>
+          <a:prstGeom prst="rect">
+            <a:avLst/>
+          </a:prstGeom>
+          <a:solidFill>
+            <a:srgbClr val="ffffff"/>
+          </a:solidFill>
+        </p:spPr>
+      </p:sp>
+      <p:sp>
+        <p:nvSpPr>
+          <p:cNvPr id="110" name="CustomShape 2"/>
           <p:cNvSpPr/>
           <p:nvPr/>
         </p:nvSpPr>
         <p:spPr>
           <a:xfrm>
             <a:off x="77760" y="0"/>
-            <a:ext cx="456840" cy="6857640"/>
-          </a:xfrm>
-          <a:prstGeom prst="rect">
-            <a:avLst/>
-          </a:prstGeom>
-          <a:solidFill>
-            <a:srgbClr val="ffffff"/>
-          </a:solidFill>
-        </p:spPr>
-      </p:sp>
-      <p:sp>
-        <p:nvSpPr>
-          <p:cNvPr id="114" name="CustomShape 3"/>
+            <a:ext cx="456480" cy="6857280"/>
+          </a:xfrm>
+          <a:prstGeom prst="rect">
+            <a:avLst/>
+          </a:prstGeom>
+          <a:solidFill>
+            <a:srgbClr val="ffffff"/>
+          </a:solidFill>
+        </p:spPr>
+      </p:sp>
+      <p:sp>
+        <p:nvSpPr>
+          <p:cNvPr id="111" name="CustomShape 3"/>
           <p:cNvSpPr/>
           <p:nvPr/>
         </p:nvSpPr>
         <p:spPr>
           <a:xfrm>
             <a:off x="306360" y="0"/>
-            <a:ext cx="761760" cy="6857640"/>
-          </a:xfrm>
-          <a:prstGeom prst="rect">
-            <a:avLst/>
-          </a:prstGeom>
-          <a:solidFill>
-            <a:srgbClr val="ffffff"/>
-          </a:solidFill>
-        </p:spPr>
-      </p:sp>
-      <p:sp>
-        <p:nvSpPr>
-          <p:cNvPr id="115" name="CustomShape 4"/>
+            <a:ext cx="761400" cy="6857280"/>
+          </a:xfrm>
+          <a:prstGeom prst="rect">
+            <a:avLst/>
+          </a:prstGeom>
+          <a:solidFill>
+            <a:srgbClr val="ffffff"/>
+          </a:solidFill>
+        </p:spPr>
+      </p:sp>
+      <p:sp>
+        <p:nvSpPr>
+          <p:cNvPr id="112" name="CustomShape 4"/>
           <p:cNvSpPr/>
           <p:nvPr/>
         </p:nvSpPr>
         <p:spPr>
           <a:xfrm>
             <a:off x="1414800" y="0"/>
-            <a:ext cx="1599840" cy="6857640"/>
-          </a:xfrm>
-          <a:prstGeom prst="rect">
-            <a:avLst/>
-          </a:prstGeom>
-          <a:solidFill>
-            <a:srgbClr val="ffffff"/>
-          </a:solidFill>
-        </p:spPr>
-      </p:sp>
-      <p:sp>
-        <p:nvSpPr>
-          <p:cNvPr id="116" name="CustomShape 5"/>
+            <a:ext cx="1599480" cy="6857280"/>
+          </a:xfrm>
+          <a:prstGeom prst="rect">
+            <a:avLst/>
+          </a:prstGeom>
+          <a:solidFill>
+            <a:srgbClr val="ffffff"/>
+          </a:solidFill>
+        </p:spPr>
+      </p:sp>
+      <p:sp>
+        <p:nvSpPr>
+          <p:cNvPr id="113" name="CustomShape 5"/>
           <p:cNvSpPr/>
           <p:nvPr/>
         </p:nvSpPr>
         <p:spPr>
           <a:xfrm>
             <a:off x="500400" y="0"/>
-            <a:ext cx="456840" cy="6857640"/>
-          </a:xfrm>
-          <a:prstGeom prst="rect">
-            <a:avLst/>
-          </a:prstGeom>
-          <a:solidFill>
-            <a:srgbClr val="ffffff"/>
-          </a:solidFill>
-        </p:spPr>
-      </p:sp>
-      <p:sp>
-        <p:nvSpPr>
-          <p:cNvPr id="117" name="CustomShape 6"/>
+            <a:ext cx="456480" cy="6857280"/>
+          </a:xfrm>
+          <a:prstGeom prst="rect">
+            <a:avLst/>
+          </a:prstGeom>
+          <a:solidFill>
+            <a:srgbClr val="ffffff"/>
+          </a:solidFill>
+        </p:spPr>
+      </p:sp>
+      <p:sp>
+        <p:nvSpPr>
+          <p:cNvPr id="114" name="CustomShape 6"/>
           <p:cNvSpPr/>
           <p:nvPr/>
         </p:nvSpPr>
         <p:spPr>
           <a:xfrm>
             <a:off x="729000" y="0"/>
-            <a:ext cx="761760" cy="6857640"/>
-          </a:xfrm>
-          <a:prstGeom prst="rect">
-            <a:avLst/>
-          </a:prstGeom>
-          <a:solidFill>
-            <a:srgbClr val="ffffff"/>
-          </a:solidFill>
-        </p:spPr>
-      </p:sp>
-      <p:sp>
-        <p:nvSpPr>
-          <p:cNvPr id="118" name="CustomShape 7"/>
+            <a:ext cx="761400" cy="6857280"/>
+          </a:xfrm>
+          <a:prstGeom prst="rect">
+            <a:avLst/>
+          </a:prstGeom>
+          <a:solidFill>
+            <a:srgbClr val="ffffff"/>
+          </a:solidFill>
+        </p:spPr>
+      </p:sp>
+      <p:sp>
+        <p:nvSpPr>
+          <p:cNvPr id="115" name="CustomShape 7"/>
           <p:cNvSpPr/>
           <p:nvPr/>
         </p:nvSpPr>
         <p:spPr>
           <a:xfrm>
             <a:off x="8307360" y="6858000"/>
-            <a:ext cx="1599840" cy="6857640"/>
-          </a:xfrm>
-          <a:prstGeom prst="rect">
-            <a:avLst/>
-          </a:prstGeom>
-          <a:solidFill>
-            <a:srgbClr val="ffffff"/>
-          </a:solidFill>
-        </p:spPr>
-      </p:sp>
-      <p:sp>
-        <p:nvSpPr>
-          <p:cNvPr id="119" name="CustomShape 8"/>
+            <a:ext cx="1599480" cy="6857280"/>
+          </a:xfrm>
+          <a:prstGeom prst="rect">
+            <a:avLst/>
+          </a:prstGeom>
+          <a:solidFill>
+            <a:srgbClr val="ffffff"/>
+          </a:solidFill>
+        </p:spPr>
+      </p:sp>
+      <p:sp>
+        <p:nvSpPr>
+          <p:cNvPr id="116" name="CustomShape 8"/>
           <p:cNvSpPr/>
           <p:nvPr/>
         </p:nvSpPr>
         <p:spPr>
           <a:xfrm>
             <a:off x="9221760" y="6858000"/>
-            <a:ext cx="456840" cy="6857640"/>
-          </a:xfrm>
-          <a:prstGeom prst="rect">
-            <a:avLst/>
-          </a:prstGeom>
-          <a:solidFill>
-            <a:srgbClr val="ffffff"/>
-          </a:solidFill>
-        </p:spPr>
-      </p:sp>
-      <p:sp>
-        <p:nvSpPr>
-          <p:cNvPr id="120" name="CustomShape 9"/>
+            <a:ext cx="456480" cy="6857280"/>
+          </a:xfrm>
+          <a:prstGeom prst="rect">
+            <a:avLst/>
+          </a:prstGeom>
+          <a:solidFill>
+            <a:srgbClr val="ffffff"/>
+          </a:solidFill>
+        </p:spPr>
+      </p:sp>
+      <p:sp>
+        <p:nvSpPr>
+          <p:cNvPr id="117" name="CustomShape 9"/>
           <p:cNvSpPr/>
           <p:nvPr/>
         </p:nvSpPr>
         <p:spPr>
           <a:xfrm>
             <a:off x="8993160" y="6858000"/>
-            <a:ext cx="761760" cy="6857640"/>
-          </a:xfrm>
-          <a:prstGeom prst="rect">
-            <a:avLst/>
-          </a:prstGeom>
-          <a:solidFill>
-            <a:srgbClr val="ffffff"/>
-          </a:solidFill>
-        </p:spPr>
-      </p:sp>
-      <p:sp>
-        <p:nvSpPr>
-          <p:cNvPr id="121" name="CustomShape 10"/>
+            <a:ext cx="761400" cy="6857280"/>
+          </a:xfrm>
+          <a:prstGeom prst="rect">
+            <a:avLst/>
+          </a:prstGeom>
+          <a:solidFill>
+            <a:srgbClr val="ffffff"/>
+          </a:solidFill>
+        </p:spPr>
+      </p:sp>
+      <p:sp>
+        <p:nvSpPr>
+          <p:cNvPr id="118" name="CustomShape 10"/>
           <p:cNvSpPr/>
           <p:nvPr/>
         </p:nvSpPr>
         <p:spPr>
           <a:xfrm>
             <a:off x="3887640" y="0"/>
-            <a:ext cx="2819160" cy="6857640"/>
-          </a:xfrm>
-          <a:prstGeom prst="rect">
-            <a:avLst/>
-          </a:prstGeom>
-          <a:solidFill>
-            <a:srgbClr val="ffffff"/>
-          </a:solidFill>
-        </p:spPr>
-      </p:sp>
-      <p:sp>
-        <p:nvSpPr>
-          <p:cNvPr id="122" name="CustomShape 11"/>
+            <a:ext cx="2818800" cy="6857280"/>
+          </a:xfrm>
+          <a:prstGeom prst="rect">
+            <a:avLst/>
+          </a:prstGeom>
+          <a:solidFill>
+            <a:srgbClr val="ffffff"/>
+          </a:solidFill>
+        </p:spPr>
+      </p:sp>
+      <p:sp>
+        <p:nvSpPr>
+          <p:cNvPr id="119" name="CustomShape 11"/>
           <p:cNvSpPr/>
           <p:nvPr/>
         </p:nvSpPr>
         <p:spPr>
           <a:xfrm>
             <a:off x="2973240" y="0"/>
-            <a:ext cx="456840" cy="6857640"/>
-          </a:xfrm>
-          <a:prstGeom prst="rect">
-            <a:avLst/>
-          </a:prstGeom>
-          <a:solidFill>
-            <a:srgbClr val="ffffff"/>
-          </a:solidFill>
-        </p:spPr>
-      </p:sp>
-      <p:sp>
-        <p:nvSpPr>
-          <p:cNvPr id="123" name="CustomShape 12"/>
+            <a:ext cx="456480" cy="6857280"/>
+          </a:xfrm>
+          <a:prstGeom prst="rect">
+            <a:avLst/>
+          </a:prstGeom>
+          <a:solidFill>
+            <a:srgbClr val="ffffff"/>
+          </a:solidFill>
+        </p:spPr>
+      </p:sp>
+      <p:sp>
+        <p:nvSpPr>
+          <p:cNvPr id="120" name="CustomShape 12"/>
           <p:cNvSpPr/>
           <p:nvPr/>
         </p:nvSpPr>
         <p:spPr>
           <a:xfrm>
             <a:off x="3201840" y="0"/>
-            <a:ext cx="761760" cy="6857640"/>
-          </a:xfrm>
-          <a:prstGeom prst="rect">
-            <a:avLst/>
-          </a:prstGeom>
-          <a:solidFill>
-            <a:srgbClr val="ffffff"/>
-          </a:solidFill>
-        </p:spPr>
-      </p:sp>
-      <p:sp>
-        <p:nvSpPr>
-          <p:cNvPr id="124" name="CustomShape 13"/>
+            <a:ext cx="761400" cy="6857280"/>
+          </a:xfrm>
+          <a:prstGeom prst="rect">
+            <a:avLst/>
+          </a:prstGeom>
+          <a:solidFill>
+            <a:srgbClr val="ffffff"/>
+          </a:solidFill>
+        </p:spPr>
+      </p:sp>
+      <p:sp>
+        <p:nvSpPr>
+          <p:cNvPr id="121" name="CustomShape 13"/>
           <p:cNvSpPr/>
           <p:nvPr/>
         </p:nvSpPr>
         <p:spPr>
           <a:xfrm>
             <a:off x="65880" y="5034960"/>
-            <a:ext cx="9143640" cy="1175400"/>
+            <a:ext cx="9143280" cy="1175040"/>
           </a:xfrm>
           <a:prstGeom prst="rect">
             <a:avLst/>
@@ -5896,14 +5751,14 @@
       </p:sp>
       <p:sp>
         <p:nvSpPr>
-          <p:cNvPr id="125" name="CustomShape 14"/>
+          <p:cNvPr id="122" name="CustomShape 14"/>
           <p:cNvSpPr/>
           <p:nvPr/>
         </p:nvSpPr>
         <p:spPr>
           <a:xfrm>
             <a:off x="65880" y="3467520"/>
-            <a:ext cx="9143640" cy="890280"/>
+            <a:ext cx="9143280" cy="889920"/>
           </a:xfrm>
           <a:prstGeom prst="rect">
             <a:avLst/>
@@ -5918,14 +5773,14 @@
       </p:sp>
       <p:sp>
         <p:nvSpPr>
-          <p:cNvPr id="126" name="CustomShape 15"/>
+          <p:cNvPr id="123" name="CustomShape 15"/>
           <p:cNvSpPr/>
           <p:nvPr/>
         </p:nvSpPr>
         <p:spPr>
           <a:xfrm>
             <a:off x="54000" y="5640840"/>
-            <a:ext cx="3004200" cy="1211040"/>
+            <a:ext cx="3003840" cy="1210680"/>
           </a:xfrm>
           <a:prstGeom prst="rect">
             <a:avLst/>
@@ -5940,14 +5795,14 @@
       </p:sp>
       <p:sp>
         <p:nvSpPr>
-          <p:cNvPr id="127" name="CustomShape 16"/>
+          <p:cNvPr id="124" name="CustomShape 16"/>
           <p:cNvSpPr/>
           <p:nvPr/>
         </p:nvSpPr>
         <p:spPr>
           <a:xfrm>
             <a:off x="65880" y="5284440"/>
-            <a:ext cx="9143640" cy="1478160"/>
+            <a:ext cx="9143280" cy="1477800"/>
           </a:xfrm>
           <a:prstGeom prst="rect">
             <a:avLst/>
@@ -5962,14 +5817,14 @@
       </p:sp>
       <p:sp>
         <p:nvSpPr>
-          <p:cNvPr id="128" name="CustomShape 17"/>
+          <p:cNvPr id="125" name="CustomShape 17"/>
           <p:cNvSpPr/>
           <p:nvPr/>
         </p:nvSpPr>
         <p:spPr>
           <a:xfrm>
             <a:off x="2215080" y="5132160"/>
-            <a:ext cx="6982200" cy="1719720"/>
+            <a:ext cx="6981840" cy="1719360"/>
           </a:xfrm>
           <a:prstGeom prst="rect">
             <a:avLst/>
@@ -5984,20 +5839,17 @@
       </p:sp>
       <p:sp>
         <p:nvSpPr>
-          <p:cNvPr id="129" name="CustomShape 18"/>
+          <p:cNvPr id="126" name="CustomShape 18"/>
           <p:cNvSpPr/>
           <p:nvPr/>
         </p:nvSpPr>
         <p:spPr>
           <a:xfrm>
             <a:off x="3528000" y="2552040"/>
-            <a:ext cx="1600920" cy="1387800"/>
-          </a:xfrm>
-          <a:prstGeom prst="rect">
-            <a:avLst>
-              <a:gd fmla="val 115470" name="adj1"/>
-              <a:gd fmla="val 115470" name="adj2"/>
-            </a:avLst>
+            <a:ext cx="1600560" cy="1387440"/>
+          </a:xfrm>
+          <a:prstGeom prst="rect">
+            <a:avLst/>
           </a:prstGeom>
           <a:solidFill>
             <a:srgbClr val="ffffff"/>
@@ -6012,20 +5864,17 @@
       </p:sp>
       <p:sp>
         <p:nvSpPr>
-          <p:cNvPr id="130" name="CustomShape 19"/>
+          <p:cNvPr id="127" name="CustomShape 19"/>
           <p:cNvSpPr/>
           <p:nvPr/>
         </p:nvSpPr>
         <p:spPr>
           <a:xfrm>
             <a:off x="4251960" y="3818880"/>
-            <a:ext cx="1600920" cy="1387800"/>
-          </a:xfrm>
-          <a:prstGeom prst="rect">
-            <a:avLst>
-              <a:gd fmla="val 115470" name="adj1"/>
-              <a:gd fmla="val 115470" name="adj2"/>
-            </a:avLst>
+            <a:ext cx="1600560" cy="1387440"/>
+          </a:xfrm>
+          <a:prstGeom prst="rect">
+            <a:avLst/>
           </a:prstGeom>
           <a:solidFill>
             <a:srgbClr val="ffffff"/>
@@ -6040,20 +5889,17 @@
       </p:sp>
       <p:sp>
         <p:nvSpPr>
-          <p:cNvPr id="131" name="CustomShape 20"/>
+          <p:cNvPr id="128" name="CustomShape 20"/>
           <p:cNvSpPr/>
           <p:nvPr/>
         </p:nvSpPr>
         <p:spPr>
           <a:xfrm>
             <a:off x="4261680" y="1285200"/>
-            <a:ext cx="1600920" cy="1387800"/>
-          </a:xfrm>
-          <a:prstGeom prst="rect">
-            <a:avLst>
-              <a:gd fmla="val 115470" name="adj1"/>
-              <a:gd fmla="val 115470" name="adj2"/>
-            </a:avLst>
+            <a:ext cx="1600560" cy="1387440"/>
+          </a:xfrm>
+          <a:prstGeom prst="rect">
+            <a:avLst/>
           </a:prstGeom>
           <a:solidFill>
             <a:srgbClr val="ffffff"/>
@@ -6068,20 +5914,17 @@
       </p:sp>
       <p:sp>
         <p:nvSpPr>
-          <p:cNvPr id="132" name="CustomShape 21"/>
+          <p:cNvPr id="129" name="CustomShape 21"/>
           <p:cNvSpPr/>
           <p:nvPr/>
         </p:nvSpPr>
         <p:spPr>
           <a:xfrm>
             <a:off x="3508920" y="18360"/>
-            <a:ext cx="1600920" cy="1387800"/>
-          </a:xfrm>
-          <a:prstGeom prst="rect">
-            <a:avLst>
-              <a:gd fmla="val 115470" name="adj1"/>
-              <a:gd fmla="val 115470" name="adj2"/>
-            </a:avLst>
+            <a:ext cx="1600560" cy="1387440"/>
+          </a:xfrm>
+          <a:prstGeom prst="rect">
+            <a:avLst/>
           </a:prstGeom>
           <a:solidFill>
             <a:srgbClr val="ffffff"/>
@@ -6096,20 +5939,17 @@
       </p:sp>
       <p:sp>
         <p:nvSpPr>
-          <p:cNvPr id="133" name="CustomShape 22"/>
+          <p:cNvPr id="130" name="CustomShape 22"/>
           <p:cNvSpPr/>
           <p:nvPr/>
         </p:nvSpPr>
         <p:spPr>
           <a:xfrm>
             <a:off x="4995000" y="5076000"/>
-            <a:ext cx="1600920" cy="1387800"/>
-          </a:xfrm>
-          <a:prstGeom prst="rect">
-            <a:avLst>
-              <a:gd fmla="val 115470" name="adj1"/>
-              <a:gd fmla="val 115470" name="adj2"/>
-            </a:avLst>
+            <a:ext cx="1600560" cy="1387440"/>
+          </a:xfrm>
+          <a:prstGeom prst="rect">
+            <a:avLst/>
           </a:prstGeom>
           <a:solidFill>
             <a:srgbClr val="ffffff"/>
@@ -6124,14 +5964,14 @@
       </p:sp>
       <p:sp>
         <p:nvSpPr>
-          <p:cNvPr id="134" name="CustomShape 23"/>
+          <p:cNvPr id="131" name="CustomShape 23"/>
           <p:cNvSpPr/>
           <p:nvPr/>
         </p:nvSpPr>
         <p:spPr>
           <a:xfrm>
             <a:off x="126720" y="3979080"/>
-            <a:ext cx="1261080" cy="1387800"/>
+            <a:ext cx="1260720" cy="1387440"/>
           </a:xfrm>
           <a:prstGeom prst="rect">
             <a:avLst/>
@@ -6149,20 +5989,17 @@
       </p:sp>
       <p:sp>
         <p:nvSpPr>
-          <p:cNvPr id="135" name="CustomShape 24"/>
+          <p:cNvPr id="132" name="CustomShape 24"/>
           <p:cNvSpPr/>
           <p:nvPr/>
         </p:nvSpPr>
         <p:spPr>
           <a:xfrm>
             <a:off x="556200" y="5095080"/>
-            <a:ext cx="1600920" cy="1387800"/>
-          </a:xfrm>
-          <a:prstGeom prst="rect">
-            <a:avLst>
-              <a:gd fmla="val 115470" name="adj1"/>
-              <a:gd fmla="val 115470" name="adj2"/>
-            </a:avLst>
+            <a:ext cx="1600560" cy="1387440"/>
+          </a:xfrm>
+          <a:prstGeom prst="rect">
+            <a:avLst/>
           </a:prstGeom>
           <a:solidFill>
             <a:srgbClr val="ffffff"/>
@@ -6177,20 +6014,17 @@
       </p:sp>
       <p:sp>
         <p:nvSpPr>
-          <p:cNvPr id="136" name="CustomShape 25"/>
+          <p:cNvPr id="133" name="CustomShape 25"/>
           <p:cNvSpPr/>
           <p:nvPr/>
         </p:nvSpPr>
         <p:spPr>
           <a:xfrm>
             <a:off x="585000" y="2542320"/>
-            <a:ext cx="1600920" cy="1387800"/>
-          </a:xfrm>
-          <a:prstGeom prst="rect">
-            <a:avLst>
-              <a:gd fmla="val 115470" name="adj1"/>
-              <a:gd fmla="val 115470" name="adj2"/>
-            </a:avLst>
+            <a:ext cx="1600560" cy="1387440"/>
+          </a:xfrm>
+          <a:prstGeom prst="rect">
+            <a:avLst/>
           </a:prstGeom>
           <a:solidFill>
             <a:srgbClr val="ffffff"/>
@@ -6205,20 +6039,17 @@
       </p:sp>
       <p:sp>
         <p:nvSpPr>
-          <p:cNvPr id="137" name="CustomShape 26"/>
+          <p:cNvPr id="134" name="CustomShape 26"/>
           <p:cNvSpPr/>
           <p:nvPr/>
         </p:nvSpPr>
         <p:spPr>
           <a:xfrm>
             <a:off x="1308600" y="3818880"/>
-            <a:ext cx="1600920" cy="1387800"/>
-          </a:xfrm>
-          <a:prstGeom prst="rect">
-            <a:avLst>
-              <a:gd fmla="val 115470" name="adj1"/>
-              <a:gd fmla="val 115470" name="adj2"/>
-            </a:avLst>
+            <a:ext cx="1600560" cy="1387440"/>
+          </a:xfrm>
+          <a:prstGeom prst="rect">
+            <a:avLst/>
           </a:prstGeom>
           <a:solidFill>
             <a:srgbClr val="ffffff"/>
@@ -6233,20 +6064,17 @@
       </p:sp>
       <p:sp>
         <p:nvSpPr>
-          <p:cNvPr id="138" name="CustomShape 27"/>
+          <p:cNvPr id="135" name="CustomShape 27"/>
           <p:cNvSpPr/>
           <p:nvPr/>
         </p:nvSpPr>
         <p:spPr>
           <a:xfrm>
             <a:off x="2042280" y="5104440"/>
-            <a:ext cx="1600920" cy="1387800"/>
-          </a:xfrm>
-          <a:prstGeom prst="rect">
-            <a:avLst>
-              <a:gd fmla="val 115470" name="adj1"/>
-              <a:gd fmla="val 115470" name="adj2"/>
-            </a:avLst>
+            <a:ext cx="1600560" cy="1387440"/>
+          </a:xfrm>
+          <a:prstGeom prst="rect">
+            <a:avLst/>
           </a:prstGeom>
           <a:solidFill>
             <a:srgbClr val="ffffff"/>
@@ -6261,20 +6089,17 @@
       </p:sp>
       <p:sp>
         <p:nvSpPr>
-          <p:cNvPr id="139" name="CustomShape 28"/>
+          <p:cNvPr id="136" name="CustomShape 28"/>
           <p:cNvSpPr/>
           <p:nvPr/>
         </p:nvSpPr>
         <p:spPr>
           <a:xfrm>
             <a:off x="2061360" y="2552040"/>
-            <a:ext cx="1600920" cy="1387800"/>
-          </a:xfrm>
-          <a:prstGeom prst="rect">
-            <a:avLst>
-              <a:gd fmla="val 115470" name="adj1"/>
-              <a:gd fmla="val 115470" name="adj2"/>
-            </a:avLst>
+            <a:ext cx="1600560" cy="1387440"/>
+          </a:xfrm>
+          <a:prstGeom prst="rect">
+            <a:avLst/>
           </a:prstGeom>
           <a:solidFill>
             <a:srgbClr val="ffffff"/>
@@ -6289,20 +6114,17 @@
       </p:sp>
       <p:sp>
         <p:nvSpPr>
-          <p:cNvPr id="140" name="CustomShape 29"/>
+          <p:cNvPr id="137" name="CustomShape 29"/>
           <p:cNvSpPr/>
           <p:nvPr/>
         </p:nvSpPr>
         <p:spPr>
           <a:xfrm>
             <a:off x="1327680" y="1256400"/>
-            <a:ext cx="1600920" cy="1387800"/>
-          </a:xfrm>
-          <a:prstGeom prst="rect">
-            <a:avLst>
-              <a:gd fmla="val 115470" name="adj1"/>
-              <a:gd fmla="val 115470" name="adj2"/>
-            </a:avLst>
+            <a:ext cx="1600560" cy="1387440"/>
+          </a:xfrm>
+          <a:prstGeom prst="rect">
+            <a:avLst/>
           </a:prstGeom>
           <a:solidFill>
             <a:srgbClr val="ffffff"/>
@@ -6317,20 +6139,17 @@
       </p:sp>
       <p:sp>
         <p:nvSpPr>
-          <p:cNvPr id="141" name="CustomShape 30"/>
+          <p:cNvPr id="138" name="CustomShape 30"/>
           <p:cNvSpPr/>
           <p:nvPr/>
         </p:nvSpPr>
         <p:spPr>
           <a:xfrm>
             <a:off x="7338240" y="3837600"/>
-            <a:ext cx="1600920" cy="1387800"/>
-          </a:xfrm>
-          <a:prstGeom prst="rect">
-            <a:avLst>
-              <a:gd fmla="val 115470" name="adj1"/>
-              <a:gd fmla="val 115470" name="adj2"/>
-            </a:avLst>
+            <a:ext cx="1600560" cy="1387440"/>
+          </a:xfrm>
+          <a:prstGeom prst="rect">
+            <a:avLst/>
           </a:prstGeom>
           <a:solidFill>
             <a:srgbClr val="ffffff"/>
@@ -6345,20 +6164,17 @@
       </p:sp>
       <p:sp>
         <p:nvSpPr>
-          <p:cNvPr id="142" name="CustomShape 31"/>
+          <p:cNvPr id="139" name="CustomShape 31"/>
           <p:cNvSpPr/>
           <p:nvPr/>
         </p:nvSpPr>
         <p:spPr>
           <a:xfrm>
             <a:off x="8080920" y="5114160"/>
-            <a:ext cx="1600920" cy="1387800"/>
-          </a:xfrm>
-          <a:prstGeom prst="rect">
-            <a:avLst>
-              <a:gd fmla="val 115470" name="adj1"/>
-              <a:gd fmla="val 115470" name="adj2"/>
-            </a:avLst>
+            <a:ext cx="1600560" cy="1387440"/>
+          </a:xfrm>
+          <a:prstGeom prst="rect">
+            <a:avLst/>
           </a:prstGeom>
           <a:solidFill>
             <a:srgbClr val="ffffff"/>
@@ -6373,20 +6189,17 @@
       </p:sp>
       <p:sp>
         <p:nvSpPr>
-          <p:cNvPr id="143" name="CustomShape 32"/>
+          <p:cNvPr id="140" name="CustomShape 32"/>
           <p:cNvSpPr/>
           <p:nvPr/>
         </p:nvSpPr>
         <p:spPr>
           <a:xfrm>
             <a:off x="8080920" y="2561400"/>
-            <a:ext cx="1600920" cy="1387800"/>
-          </a:xfrm>
-          <a:prstGeom prst="rect">
-            <a:avLst>
-              <a:gd fmla="val 115470" name="adj1"/>
-              <a:gd fmla="val 115470" name="adj2"/>
-            </a:avLst>
+            <a:ext cx="1600560" cy="1387440"/>
+          </a:xfrm>
+          <a:prstGeom prst="rect">
+            <a:avLst/>
           </a:prstGeom>
           <a:solidFill>
             <a:srgbClr val="ffffff"/>
@@ -6401,14 +6214,14 @@
       </p:sp>
       <p:sp>
         <p:nvSpPr>
-          <p:cNvPr id="144" name="CustomShape 33"/>
+          <p:cNvPr id="141" name="CustomShape 33"/>
           <p:cNvSpPr/>
           <p:nvPr/>
         </p:nvSpPr>
         <p:spPr>
           <a:xfrm>
             <a:off x="8814600" y="3837600"/>
-            <a:ext cx="1243080" cy="1387800"/>
+            <a:ext cx="1242720" cy="1387440"/>
           </a:xfrm>
           <a:prstGeom prst="rect">
             <a:avLst/>
@@ -6426,14 +6239,14 @@
       </p:sp>
       <p:sp>
         <p:nvSpPr>
-          <p:cNvPr id="145" name="CustomShape 34"/>
+          <p:cNvPr id="142" name="CustomShape 34"/>
           <p:cNvSpPr/>
           <p:nvPr/>
         </p:nvSpPr>
         <p:spPr>
           <a:xfrm>
             <a:off x="8814600" y="1294200"/>
-            <a:ext cx="1241640" cy="1388520"/>
+            <a:ext cx="1241280" cy="1388160"/>
           </a:xfrm>
           <a:prstGeom prst="rect">
             <a:avLst/>
@@ -6451,14 +6264,14 @@
       </p:sp>
       <p:sp>
         <p:nvSpPr>
-          <p:cNvPr id="146" name="CustomShape 35"/>
+          <p:cNvPr id="143" name="CustomShape 35"/>
           <p:cNvSpPr/>
           <p:nvPr/>
         </p:nvSpPr>
         <p:spPr>
           <a:xfrm>
             <a:off x="457200" y="333360"/>
-            <a:ext cx="8229240" cy="6185160"/>
+            <a:ext cx="8228880" cy="6184800"/>
           </a:xfrm>
           <a:prstGeom prst="rect">
             <a:avLst/>
@@ -6476,14 +6289,14 @@
       </p:sp>
       <p:sp>
         <p:nvSpPr>
-          <p:cNvPr id="147" name="CustomShape 36"/>
+          <p:cNvPr id="144" name="CustomShape 36"/>
           <p:cNvSpPr/>
           <p:nvPr/>
         </p:nvSpPr>
         <p:spPr>
           <a:xfrm>
             <a:off x="4561200" y="-21600"/>
-            <a:ext cx="3678840" cy="698760"/>
+            <a:ext cx="3678480" cy="698400"/>
           </a:xfrm>
           <a:prstGeom prst="rect">
             <a:avLst/>
@@ -6501,14 +6314,14 @@
       </p:sp>
       <p:sp>
         <p:nvSpPr>
-          <p:cNvPr id="148" name="CustomShape 37"/>
+          <p:cNvPr id="145" name="CustomShape 37"/>
           <p:cNvSpPr/>
           <p:nvPr/>
         </p:nvSpPr>
         <p:spPr>
           <a:xfrm>
             <a:off x="4649040" y="-21600"/>
-            <a:ext cx="3504960" cy="623520"/>
+            <a:ext cx="3504600" cy="623160"/>
           </a:xfrm>
           <a:prstGeom prst="rect">
             <a:avLst/>
@@ -6520,7 +6333,7 @@
       </p:sp>
       <p:sp>
         <p:nvSpPr>
-          <p:cNvPr id="149" name="PlaceHolder 38"/>
+          <p:cNvPr id="146" name="PlaceHolder 38"/>
           <p:cNvSpPr>
             <a:spLocks noGrp="1"/>
           </p:cNvSpPr>
@@ -6530,29 +6343,20 @@
         </p:nvSpPr>
         <p:spPr>
           <a:xfrm>
-            <a:off x="1043640" y="1027800"/>
-            <a:ext cx="7024320" cy="1142640"/>
-          </a:xfrm>
-          <a:prstGeom prst="rect">
-            <a:avLst/>
-          </a:prstGeom>
-        </p:spPr>
-        <p:txBody>
-          <a:bodyPr anchor="b"/>
-          <a:p>
-            <a:pPr>
-              <a:lnSpc>
-                <a:spcPct val="100000"/>
-              </a:lnSpc>
-            </a:pPr>
+            <a:off x="457200" y="273600"/>
+            <a:ext cx="8229240" cy="1144800"/>
+          </a:xfrm>
+          <a:prstGeom prst="rect">
+            <a:avLst/>
+          </a:prstGeom>
+        </p:spPr>
+        <p:txBody>
+          <a:bodyPr anchor="ctr" bIns="0" lIns="0" rIns="0" tIns="0" wrap="none"/>
+          <a:p>
+            <a:pPr algn="ctr"/>
             <a:r>
-              <a:rPr lang="it-IT" sz="4000">
-                <a:solidFill>
-                  <a:srgbClr val="94c600"/>
-                </a:solidFill>
-                <a:latin typeface="Century Gothic"/>
-              </a:rPr>
-              <a:t>Fate clic per modificare il formato del testo del titoloFare clic per modificare lo stile del titolo</a:t>
+              <a:rPr lang="it-IT"/>
+              <a:t>Click to edit the title text format</a:t>
             </a:r>
             <a:endParaRPr/>
           </a:p>
@@ -6560,7 +6364,7 @@
       </p:sp>
       <p:sp>
         <p:nvSpPr>
-          <p:cNvPr id="150" name="PlaceHolder 39"/>
+          <p:cNvPr id="147" name="PlaceHolder 39"/>
           <p:cNvSpPr>
             <a:spLocks noGrp="1"/>
           </p:cNvSpPr>
@@ -6570,15 +6374,15 @@
         </p:nvSpPr>
         <p:spPr>
           <a:xfrm>
-            <a:off x="1043640" y="2323800"/>
-            <a:ext cx="6777000" cy="3508560"/>
-          </a:xfrm>
-          <a:prstGeom prst="rect">
-            <a:avLst/>
-          </a:prstGeom>
-        </p:spPr>
-        <p:txBody>
-          <a:bodyPr/>
+            <a:off x="457200" y="1604520"/>
+            <a:ext cx="8229240" cy="4525920"/>
+          </a:xfrm>
+          <a:prstGeom prst="rect">
+            <a:avLst/>
+          </a:prstGeom>
+        </p:spPr>
+        <p:txBody>
+          <a:bodyPr bIns="0" lIns="0" rIns="0" tIns="0" wrap="none"/>
           <a:p>
             <a:pPr>
               <a:buSzPct val="45000"/>
@@ -6586,81 +6390,56 @@
               <a:buChar char=""/>
             </a:pPr>
             <a:r>
-              <a:rPr lang="it-IT" sz="2400">
-                <a:solidFill>
-                  <a:srgbClr val="3e3d2d"/>
-                </a:solidFill>
-                <a:latin typeface="Century Gothic"/>
-              </a:rPr>
-              <a:t>Fate clic per modificare il formato del testo della struttura</a:t>
+              <a:rPr lang="it-IT"/>
+              <a:t>Click to edit the outline text format</a:t>
             </a:r>
             <a:endParaRPr/>
           </a:p>
           <a:p>
             <a:pPr lvl="1">
+              <a:buSzPct val="45000"/>
+              <a:buFont typeface="StarSymbol"/>
+              <a:buChar char=""/>
+            </a:pPr>
+            <a:r>
+              <a:rPr lang="it-IT"/>
+              <a:t>Second Outline Level</a:t>
+            </a:r>
+            <a:endParaRPr/>
+          </a:p>
+          <a:p>
+            <a:pPr lvl="2">
               <a:buSzPct val="75000"/>
               <a:buFont typeface="StarSymbol"/>
               <a:buChar char=""/>
             </a:pPr>
             <a:r>
-              <a:rPr lang="it-IT" sz="2400">
-                <a:solidFill>
-                  <a:srgbClr val="3e3d2d"/>
-                </a:solidFill>
-                <a:latin typeface="Century Gothic"/>
-              </a:rPr>
-              <a:t>Secondo livello struttura</a:t>
+              <a:rPr lang="it-IT"/>
+              <a:t>Third Outline Level</a:t>
             </a:r>
             <a:endParaRPr/>
           </a:p>
           <a:p>
-            <a:pPr lvl="2">
+            <a:pPr lvl="3">
               <a:buSzPct val="45000"/>
               <a:buFont typeface="StarSymbol"/>
               <a:buChar char=""/>
             </a:pPr>
             <a:r>
-              <a:rPr lang="it-IT" sz="2400">
-                <a:solidFill>
-                  <a:srgbClr val="3e3d2d"/>
-                </a:solidFill>
-                <a:latin typeface="Century Gothic"/>
-              </a:rPr>
-              <a:t>Terzo livello struttura</a:t>
+              <a:rPr lang="it-IT"/>
+              <a:t>Fourth Outline Level</a:t>
             </a:r>
             <a:endParaRPr/>
           </a:p>
           <a:p>
-            <a:pPr lvl="3">
+            <a:pPr lvl="4">
               <a:buSzPct val="75000"/>
               <a:buFont typeface="StarSymbol"/>
               <a:buChar char=""/>
             </a:pPr>
             <a:r>
-              <a:rPr lang="it-IT" sz="2400">
-                <a:solidFill>
-                  <a:srgbClr val="3e3d2d"/>
-                </a:solidFill>
-                <a:latin typeface="Century Gothic"/>
-              </a:rPr>
-              <a:t>Quarto livello struttura</a:t>
-            </a:r>
-            <a:endParaRPr/>
-          </a:p>
-          <a:p>
-            <a:pPr lvl="4">
-              <a:buSzPct val="45000"/>
-              <a:buFont typeface="StarSymbol"/>
-              <a:buChar char=""/>
-            </a:pPr>
-            <a:r>
-              <a:rPr lang="it-IT" sz="2400">
-                <a:solidFill>
-                  <a:srgbClr val="3e3d2d"/>
-                </a:solidFill>
-                <a:latin typeface="Century Gothic"/>
-              </a:rPr>
-              <a:t>Quinto livello struttura</a:t>
+              <a:rPr lang="it-IT"/>
+              <a:t>Fifth Outline Level</a:t>
             </a:r>
             <a:endParaRPr/>
           </a:p>
@@ -6671,211 +6450,45 @@
               <a:buChar char=""/>
             </a:pPr>
             <a:r>
-              <a:rPr lang="it-IT" sz="2400">
-                <a:solidFill>
-                  <a:srgbClr val="3e3d2d"/>
-                </a:solidFill>
-                <a:latin typeface="Century Gothic"/>
-              </a:rPr>
-              <a:t>Sesto livello struttura</a:t>
+              <a:rPr lang="it-IT"/>
+              <a:t>Sixth Outline Level</a:t>
             </a:r>
             <a:endParaRPr/>
           </a:p>
           <a:p>
-            <a:pPr>
-              <a:lnSpc>
-                <a:spcPct val="100000"/>
-              </a:lnSpc>
-              <a:buSzPct val="76000"/>
-              <a:buFont charset="2" typeface="Wingdings 2"/>
-              <a:buChar char=""/>
+            <a:pPr lvl="6">
+              <a:buSzPct val="45000"/>
+              <a:buFont typeface="StarSymbol"/>
+              <a:buChar char=""/>
             </a:pPr>
             <a:r>
-              <a:rPr lang="it-IT" sz="2400">
-                <a:solidFill>
-                  <a:srgbClr val="3e3d2d"/>
-                </a:solidFill>
-                <a:latin typeface="Century Gothic"/>
-              </a:rPr>
-              <a:t>Settimo livello strutturaFare clic per modificare stili del testo dello schema</a:t>
+              <a:rPr lang="it-IT"/>
+              <a:t>Seventh Outline Level</a:t>
             </a:r>
             <a:endParaRPr/>
           </a:p>
           <a:p>
-            <a:pPr lvl="1">
-              <a:lnSpc>
-                <a:spcPct val="100000"/>
-              </a:lnSpc>
-              <a:buSzPct val="76000"/>
-              <a:buFont charset="2" typeface="Wingdings 2"/>
-              <a:buChar char=""/>
+            <a:pPr lvl="7">
+              <a:buSzPct val="45000"/>
+              <a:buFont typeface="StarSymbol"/>
+              <a:buChar char=""/>
             </a:pPr>
             <a:r>
-              <a:rPr lang="it-IT" sz="2200">
-                <a:solidFill>
-                  <a:srgbClr val="3e3d2d"/>
-                </a:solidFill>
-                <a:latin typeface="Century Gothic"/>
-              </a:rPr>
-              <a:t>Secondo livello</a:t>
+              <a:rPr lang="it-IT"/>
+              <a:t>Eighth Outline Level</a:t>
             </a:r>
             <a:endParaRPr/>
           </a:p>
           <a:p>
-            <a:pPr lvl="1">
-              <a:buSzPct val="76000"/>
-              <a:buFont charset="2" typeface="Wingdings 2"/>
-              <a:buChar char=""/>
+            <a:pPr lvl="8">
+              <a:buSzPct val="45000"/>
+              <a:buFont typeface="StarSymbol"/>
+              <a:buChar char=""/>
             </a:pPr>
             <a:r>
-              <a:rPr lang="it-IT" sz="2000">
-                <a:solidFill>
-                  <a:srgbClr val="3e3d2d"/>
-                </a:solidFill>
-                <a:latin typeface="Century Gothic"/>
-              </a:rPr>
-              <a:t>Terzo livello</a:t>
+              <a:rPr lang="it-IT"/>
+              <a:t>Ninth Outline Level</a:t>
             </a:r>
-            <a:endParaRPr/>
-          </a:p>
-          <a:p>
-            <a:pPr lvl="2">
-              <a:buSzPct val="76000"/>
-              <a:buFont charset="2" typeface="Wingdings 2"/>
-              <a:buChar char=""/>
-            </a:pPr>
-            <a:r>
-              <a:rPr lang="it-IT">
-                <a:solidFill>
-                  <a:srgbClr val="3e3d2d"/>
-                </a:solidFill>
-                <a:latin typeface="Century Gothic"/>
-              </a:rPr>
-              <a:t>Quarto livello</a:t>
-            </a:r>
-            <a:endParaRPr/>
-          </a:p>
-          <a:p>
-            <a:pPr lvl="3">
-              <a:buSzPct val="76000"/>
-              <a:buFont charset="2" typeface="Wingdings 2"/>
-              <a:buChar char=""/>
-            </a:pPr>
-            <a:r>
-              <a:rPr lang="it-IT" sz="1600">
-                <a:solidFill>
-                  <a:srgbClr val="3e3d2d"/>
-                </a:solidFill>
-                <a:latin typeface="Century Gothic"/>
-              </a:rPr>
-              <a:t>Quinto livello</a:t>
-            </a:r>
-            <a:endParaRPr/>
-          </a:p>
-        </p:txBody>
-      </p:sp>
-      <p:sp>
-        <p:nvSpPr>
-          <p:cNvPr id="151" name="PlaceHolder 40"/>
-          <p:cNvSpPr>
-            <a:spLocks noGrp="1"/>
-          </p:cNvSpPr>
-          <p:nvPr>
-            <p:ph type="dt"/>
-          </p:nvPr>
-        </p:nvSpPr>
-        <p:spPr>
-          <a:xfrm>
-            <a:off x="0" y="0"/>
-            <a:ext cx="-11796840" cy="-11796840"/>
-          </a:xfrm>
-          <a:prstGeom prst="rect">
-            <a:avLst/>
-          </a:prstGeom>
-        </p:spPr>
-        <p:txBody>
-          <a:bodyPr bIns="45000" lIns="90000" rIns="90000" tIns="45000"/>
-          <a:p>
-            <a:pPr>
-              <a:lnSpc>
-                <a:spcPct val="100000"/>
-              </a:lnSpc>
-            </a:pPr>
-            <a:r>
-              <a:rPr lang="it-IT">
-                <a:solidFill>
-                  <a:srgbClr val="000000"/>
-                </a:solidFill>
-                <a:latin typeface="Century Gothic"/>
-              </a:rPr>
-              <a:t>Progetto Gamification - Team Committed</a:t>
-            </a:r>
-            <a:endParaRPr/>
-          </a:p>
-        </p:txBody>
-      </p:sp>
-      <p:sp>
-        <p:nvSpPr>
-          <p:cNvPr id="152" name="PlaceHolder 41"/>
-          <p:cNvSpPr>
-            <a:spLocks noGrp="1"/>
-          </p:cNvSpPr>
-          <p:nvPr>
-            <p:ph type="ftr"/>
-          </p:nvPr>
-        </p:nvSpPr>
-        <p:spPr>
-          <a:xfrm>
-            <a:off x="0" y="0"/>
-            <a:ext cx="-11796840" cy="-11796840"/>
-          </a:xfrm>
-          <a:prstGeom prst="rect">
-            <a:avLst/>
-          </a:prstGeom>
-        </p:spPr>
-        <p:txBody>
-          <a:bodyPr bIns="45000" lIns="90000" rIns="90000" tIns="45000"/>
-          <a:p>
-            <a:endParaRPr/>
-          </a:p>
-        </p:txBody>
-      </p:sp>
-      <p:sp>
-        <p:nvSpPr>
-          <p:cNvPr id="153" name="PlaceHolder 42"/>
-          <p:cNvSpPr>
-            <a:spLocks noGrp="1"/>
-          </p:cNvSpPr>
-          <p:nvPr>
-            <p:ph type="sldNum"/>
-          </p:nvPr>
-        </p:nvSpPr>
-        <p:spPr>
-          <a:xfrm>
-            <a:off x="0" y="0"/>
-            <a:ext cx="-11796840" cy="-11796840"/>
-          </a:xfrm>
-          <a:prstGeom prst="rect">
-            <a:avLst/>
-          </a:prstGeom>
-        </p:spPr>
-        <p:txBody>
-          <a:bodyPr bIns="45000" lIns="90000" rIns="90000" tIns="45000"/>
-          <a:p>
-            <a:pPr>
-              <a:lnSpc>
-                <a:spcPct val="100000"/>
-              </a:lnSpc>
-            </a:pPr>
-            <a:fld id="{61711131-3101-41F1-8191-F121B1B1F121}" type="slidenum">
-              <a:rPr lang="it-IT">
-                <a:solidFill>
-                  <a:srgbClr val="000000"/>
-                </a:solidFill>
-                <a:latin typeface="Century Gothic"/>
-              </a:rPr>
-              <a:t>&lt;numero&gt;</a:t>
-            </a:fld>
             <a:endParaRPr/>
           </a:p>
         </p:txBody>
@@ -6919,242 +6532,242 @@
       </p:grpSpPr>
       <p:sp>
         <p:nvSpPr>
-          <p:cNvPr id="186" name="CustomShape 1"/>
+          <p:cNvPr id="180" name="CustomShape 1"/>
           <p:cNvSpPr/>
           <p:nvPr/>
         </p:nvSpPr>
         <p:spPr>
           <a:xfrm>
             <a:off x="992160" y="0"/>
-            <a:ext cx="1599840" cy="6857640"/>
-          </a:xfrm>
-          <a:prstGeom prst="rect">
-            <a:avLst/>
-          </a:prstGeom>
-          <a:solidFill>
-            <a:srgbClr val="ffffff"/>
-          </a:solidFill>
-        </p:spPr>
-      </p:sp>
-      <p:sp>
-        <p:nvSpPr>
-          <p:cNvPr id="187" name="CustomShape 2"/>
+            <a:ext cx="1599480" cy="6857280"/>
+          </a:xfrm>
+          <a:prstGeom prst="rect">
+            <a:avLst/>
+          </a:prstGeom>
+          <a:solidFill>
+            <a:srgbClr val="ffffff"/>
+          </a:solidFill>
+        </p:spPr>
+      </p:sp>
+      <p:sp>
+        <p:nvSpPr>
+          <p:cNvPr id="181" name="CustomShape 2"/>
           <p:cNvSpPr/>
           <p:nvPr/>
         </p:nvSpPr>
         <p:spPr>
           <a:xfrm>
             <a:off x="77760" y="0"/>
-            <a:ext cx="456840" cy="6857640"/>
-          </a:xfrm>
-          <a:prstGeom prst="rect">
-            <a:avLst/>
-          </a:prstGeom>
-          <a:solidFill>
-            <a:srgbClr val="ffffff"/>
-          </a:solidFill>
-        </p:spPr>
-      </p:sp>
-      <p:sp>
-        <p:nvSpPr>
-          <p:cNvPr id="188" name="CustomShape 3"/>
+            <a:ext cx="456480" cy="6857280"/>
+          </a:xfrm>
+          <a:prstGeom prst="rect">
+            <a:avLst/>
+          </a:prstGeom>
+          <a:solidFill>
+            <a:srgbClr val="ffffff"/>
+          </a:solidFill>
+        </p:spPr>
+      </p:sp>
+      <p:sp>
+        <p:nvSpPr>
+          <p:cNvPr id="182" name="CustomShape 3"/>
           <p:cNvSpPr/>
           <p:nvPr/>
         </p:nvSpPr>
         <p:spPr>
           <a:xfrm>
             <a:off x="306360" y="0"/>
-            <a:ext cx="761760" cy="6857640"/>
-          </a:xfrm>
-          <a:prstGeom prst="rect">
-            <a:avLst/>
-          </a:prstGeom>
-          <a:solidFill>
-            <a:srgbClr val="ffffff"/>
-          </a:solidFill>
-        </p:spPr>
-      </p:sp>
-      <p:sp>
-        <p:nvSpPr>
-          <p:cNvPr id="189" name="CustomShape 4"/>
+            <a:ext cx="761400" cy="6857280"/>
+          </a:xfrm>
+          <a:prstGeom prst="rect">
+            <a:avLst/>
+          </a:prstGeom>
+          <a:solidFill>
+            <a:srgbClr val="ffffff"/>
+          </a:solidFill>
+        </p:spPr>
+      </p:sp>
+      <p:sp>
+        <p:nvSpPr>
+          <p:cNvPr id="183" name="CustomShape 4"/>
           <p:cNvSpPr/>
           <p:nvPr/>
         </p:nvSpPr>
         <p:spPr>
           <a:xfrm>
             <a:off x="1414800" y="0"/>
-            <a:ext cx="1599840" cy="6857640"/>
-          </a:xfrm>
-          <a:prstGeom prst="rect">
-            <a:avLst/>
-          </a:prstGeom>
-          <a:solidFill>
-            <a:srgbClr val="ffffff"/>
-          </a:solidFill>
-        </p:spPr>
-      </p:sp>
-      <p:sp>
-        <p:nvSpPr>
-          <p:cNvPr id="190" name="CustomShape 5"/>
+            <a:ext cx="1599480" cy="6857280"/>
+          </a:xfrm>
+          <a:prstGeom prst="rect">
+            <a:avLst/>
+          </a:prstGeom>
+          <a:solidFill>
+            <a:srgbClr val="ffffff"/>
+          </a:solidFill>
+        </p:spPr>
+      </p:sp>
+      <p:sp>
+        <p:nvSpPr>
+          <p:cNvPr id="184" name="CustomShape 5"/>
           <p:cNvSpPr/>
           <p:nvPr/>
         </p:nvSpPr>
         <p:spPr>
           <a:xfrm>
             <a:off x="500400" y="0"/>
-            <a:ext cx="456840" cy="6857640"/>
-          </a:xfrm>
-          <a:prstGeom prst="rect">
-            <a:avLst/>
-          </a:prstGeom>
-          <a:solidFill>
-            <a:srgbClr val="ffffff"/>
-          </a:solidFill>
-        </p:spPr>
-      </p:sp>
-      <p:sp>
-        <p:nvSpPr>
-          <p:cNvPr id="191" name="CustomShape 6"/>
+            <a:ext cx="456480" cy="6857280"/>
+          </a:xfrm>
+          <a:prstGeom prst="rect">
+            <a:avLst/>
+          </a:prstGeom>
+          <a:solidFill>
+            <a:srgbClr val="ffffff"/>
+          </a:solidFill>
+        </p:spPr>
+      </p:sp>
+      <p:sp>
+        <p:nvSpPr>
+          <p:cNvPr id="185" name="CustomShape 6"/>
           <p:cNvSpPr/>
           <p:nvPr/>
         </p:nvSpPr>
         <p:spPr>
           <a:xfrm>
             <a:off x="729000" y="0"/>
-            <a:ext cx="761760" cy="6857640"/>
-          </a:xfrm>
-          <a:prstGeom prst="rect">
-            <a:avLst/>
-          </a:prstGeom>
-          <a:solidFill>
-            <a:srgbClr val="ffffff"/>
-          </a:solidFill>
-        </p:spPr>
-      </p:sp>
-      <p:sp>
-        <p:nvSpPr>
-          <p:cNvPr id="192" name="CustomShape 7"/>
+            <a:ext cx="761400" cy="6857280"/>
+          </a:xfrm>
+          <a:prstGeom prst="rect">
+            <a:avLst/>
+          </a:prstGeom>
+          <a:solidFill>
+            <a:srgbClr val="ffffff"/>
+          </a:solidFill>
+        </p:spPr>
+      </p:sp>
+      <p:sp>
+        <p:nvSpPr>
+          <p:cNvPr id="186" name="CustomShape 7"/>
           <p:cNvSpPr/>
           <p:nvPr/>
         </p:nvSpPr>
         <p:spPr>
           <a:xfrm>
             <a:off x="8307360" y="6858000"/>
-            <a:ext cx="1599840" cy="6857640"/>
-          </a:xfrm>
-          <a:prstGeom prst="rect">
-            <a:avLst/>
-          </a:prstGeom>
-          <a:solidFill>
-            <a:srgbClr val="ffffff"/>
-          </a:solidFill>
-        </p:spPr>
-      </p:sp>
-      <p:sp>
-        <p:nvSpPr>
-          <p:cNvPr id="193" name="CustomShape 8"/>
+            <a:ext cx="1599480" cy="6857280"/>
+          </a:xfrm>
+          <a:prstGeom prst="rect">
+            <a:avLst/>
+          </a:prstGeom>
+          <a:solidFill>
+            <a:srgbClr val="ffffff"/>
+          </a:solidFill>
+        </p:spPr>
+      </p:sp>
+      <p:sp>
+        <p:nvSpPr>
+          <p:cNvPr id="187" name="CustomShape 8"/>
           <p:cNvSpPr/>
           <p:nvPr/>
         </p:nvSpPr>
         <p:spPr>
           <a:xfrm>
             <a:off x="9221760" y="6858000"/>
-            <a:ext cx="456840" cy="6857640"/>
-          </a:xfrm>
-          <a:prstGeom prst="rect">
-            <a:avLst/>
-          </a:prstGeom>
-          <a:solidFill>
-            <a:srgbClr val="ffffff"/>
-          </a:solidFill>
-        </p:spPr>
-      </p:sp>
-      <p:sp>
-        <p:nvSpPr>
-          <p:cNvPr id="194" name="CustomShape 9"/>
+            <a:ext cx="456480" cy="6857280"/>
+          </a:xfrm>
+          <a:prstGeom prst="rect">
+            <a:avLst/>
+          </a:prstGeom>
+          <a:solidFill>
+            <a:srgbClr val="ffffff"/>
+          </a:solidFill>
+        </p:spPr>
+      </p:sp>
+      <p:sp>
+        <p:nvSpPr>
+          <p:cNvPr id="188" name="CustomShape 9"/>
           <p:cNvSpPr/>
           <p:nvPr/>
         </p:nvSpPr>
         <p:spPr>
           <a:xfrm>
             <a:off x="8993160" y="6858000"/>
-            <a:ext cx="761760" cy="6857640"/>
-          </a:xfrm>
-          <a:prstGeom prst="rect">
-            <a:avLst/>
-          </a:prstGeom>
-          <a:solidFill>
-            <a:srgbClr val="ffffff"/>
-          </a:solidFill>
-        </p:spPr>
-      </p:sp>
-      <p:sp>
-        <p:nvSpPr>
-          <p:cNvPr id="195" name="CustomShape 10"/>
+            <a:ext cx="761400" cy="6857280"/>
+          </a:xfrm>
+          <a:prstGeom prst="rect">
+            <a:avLst/>
+          </a:prstGeom>
+          <a:solidFill>
+            <a:srgbClr val="ffffff"/>
+          </a:solidFill>
+        </p:spPr>
+      </p:sp>
+      <p:sp>
+        <p:nvSpPr>
+          <p:cNvPr id="189" name="CustomShape 10"/>
           <p:cNvSpPr/>
           <p:nvPr/>
         </p:nvSpPr>
         <p:spPr>
           <a:xfrm>
             <a:off x="3887640" y="0"/>
-            <a:ext cx="2819160" cy="6857640"/>
-          </a:xfrm>
-          <a:prstGeom prst="rect">
-            <a:avLst/>
-          </a:prstGeom>
-          <a:solidFill>
-            <a:srgbClr val="ffffff"/>
-          </a:solidFill>
-        </p:spPr>
-      </p:sp>
-      <p:sp>
-        <p:nvSpPr>
-          <p:cNvPr id="196" name="CustomShape 11"/>
+            <a:ext cx="2818800" cy="6857280"/>
+          </a:xfrm>
+          <a:prstGeom prst="rect">
+            <a:avLst/>
+          </a:prstGeom>
+          <a:solidFill>
+            <a:srgbClr val="ffffff"/>
+          </a:solidFill>
+        </p:spPr>
+      </p:sp>
+      <p:sp>
+        <p:nvSpPr>
+          <p:cNvPr id="190" name="CustomShape 11"/>
           <p:cNvSpPr/>
           <p:nvPr/>
         </p:nvSpPr>
         <p:spPr>
           <a:xfrm>
             <a:off x="2973240" y="0"/>
-            <a:ext cx="456840" cy="6857640"/>
-          </a:xfrm>
-          <a:prstGeom prst="rect">
-            <a:avLst/>
-          </a:prstGeom>
-          <a:solidFill>
-            <a:srgbClr val="ffffff"/>
-          </a:solidFill>
-        </p:spPr>
-      </p:sp>
-      <p:sp>
-        <p:nvSpPr>
-          <p:cNvPr id="197" name="CustomShape 12"/>
+            <a:ext cx="456480" cy="6857280"/>
+          </a:xfrm>
+          <a:prstGeom prst="rect">
+            <a:avLst/>
+          </a:prstGeom>
+          <a:solidFill>
+            <a:srgbClr val="ffffff"/>
+          </a:solidFill>
+        </p:spPr>
+      </p:sp>
+      <p:sp>
+        <p:nvSpPr>
+          <p:cNvPr id="191" name="CustomShape 12"/>
           <p:cNvSpPr/>
           <p:nvPr/>
         </p:nvSpPr>
         <p:spPr>
           <a:xfrm>
             <a:off x="3201840" y="0"/>
-            <a:ext cx="761760" cy="6857640"/>
-          </a:xfrm>
-          <a:prstGeom prst="rect">
-            <a:avLst/>
-          </a:prstGeom>
-          <a:solidFill>
-            <a:srgbClr val="ffffff"/>
-          </a:solidFill>
-        </p:spPr>
-      </p:sp>
-      <p:sp>
-        <p:nvSpPr>
-          <p:cNvPr id="198" name="CustomShape 13"/>
+            <a:ext cx="761400" cy="6857280"/>
+          </a:xfrm>
+          <a:prstGeom prst="rect">
+            <a:avLst/>
+          </a:prstGeom>
+          <a:solidFill>
+            <a:srgbClr val="ffffff"/>
+          </a:solidFill>
+        </p:spPr>
+      </p:sp>
+      <p:sp>
+        <p:nvSpPr>
+          <p:cNvPr id="192" name="CustomShape 13"/>
           <p:cNvSpPr/>
           <p:nvPr/>
         </p:nvSpPr>
         <p:spPr>
           <a:xfrm>
             <a:off x="65880" y="5034960"/>
-            <a:ext cx="9143640" cy="1175400"/>
+            <a:ext cx="9143280" cy="1175040"/>
           </a:xfrm>
           <a:prstGeom prst="rect">
             <a:avLst/>
@@ -7169,14 +6782,14 @@
       </p:sp>
       <p:sp>
         <p:nvSpPr>
-          <p:cNvPr id="199" name="CustomShape 14"/>
+          <p:cNvPr id="193" name="CustomShape 14"/>
           <p:cNvSpPr/>
           <p:nvPr/>
         </p:nvSpPr>
         <p:spPr>
           <a:xfrm>
             <a:off x="65880" y="3467520"/>
-            <a:ext cx="9143640" cy="890280"/>
+            <a:ext cx="9143280" cy="889920"/>
           </a:xfrm>
           <a:prstGeom prst="rect">
             <a:avLst/>
@@ -7191,14 +6804,14 @@
       </p:sp>
       <p:sp>
         <p:nvSpPr>
-          <p:cNvPr id="200" name="CustomShape 15"/>
+          <p:cNvPr id="194" name="CustomShape 15"/>
           <p:cNvSpPr/>
           <p:nvPr/>
         </p:nvSpPr>
         <p:spPr>
           <a:xfrm>
             <a:off x="54000" y="5640840"/>
-            <a:ext cx="3004200" cy="1211040"/>
+            <a:ext cx="3003840" cy="1210680"/>
           </a:xfrm>
           <a:prstGeom prst="rect">
             <a:avLst/>
@@ -7213,14 +6826,14 @@
       </p:sp>
       <p:sp>
         <p:nvSpPr>
-          <p:cNvPr id="201" name="CustomShape 16"/>
+          <p:cNvPr id="195" name="CustomShape 16"/>
           <p:cNvSpPr/>
           <p:nvPr/>
         </p:nvSpPr>
         <p:spPr>
           <a:xfrm>
             <a:off x="65880" y="5284440"/>
-            <a:ext cx="9143640" cy="1478160"/>
+            <a:ext cx="9143280" cy="1477800"/>
           </a:xfrm>
           <a:prstGeom prst="rect">
             <a:avLst/>
@@ -7235,14 +6848,14 @@
       </p:sp>
       <p:sp>
         <p:nvSpPr>
-          <p:cNvPr id="202" name="CustomShape 17"/>
+          <p:cNvPr id="196" name="CustomShape 17"/>
           <p:cNvSpPr/>
           <p:nvPr/>
         </p:nvSpPr>
         <p:spPr>
           <a:xfrm>
             <a:off x="2215080" y="5132160"/>
-            <a:ext cx="6982200" cy="1719720"/>
+            <a:ext cx="6981840" cy="1719360"/>
           </a:xfrm>
           <a:prstGeom prst="rect">
             <a:avLst/>
@@ -7257,20 +6870,17 @@
       </p:sp>
       <p:sp>
         <p:nvSpPr>
-          <p:cNvPr id="203" name="CustomShape 18"/>
+          <p:cNvPr id="197" name="CustomShape 18"/>
           <p:cNvSpPr/>
           <p:nvPr/>
         </p:nvSpPr>
         <p:spPr>
           <a:xfrm>
             <a:off x="3528000" y="2552040"/>
-            <a:ext cx="1600920" cy="1387800"/>
-          </a:xfrm>
-          <a:prstGeom prst="rect">
-            <a:avLst>
-              <a:gd fmla="val 115470" name="adj1"/>
-              <a:gd fmla="val 115470" name="adj2"/>
-            </a:avLst>
+            <a:ext cx="1600560" cy="1387440"/>
+          </a:xfrm>
+          <a:prstGeom prst="rect">
+            <a:avLst/>
           </a:prstGeom>
           <a:solidFill>
             <a:srgbClr val="ffffff"/>
@@ -7285,20 +6895,17 @@
       </p:sp>
       <p:sp>
         <p:nvSpPr>
-          <p:cNvPr id="204" name="CustomShape 19"/>
+          <p:cNvPr id="198" name="CustomShape 19"/>
           <p:cNvSpPr/>
           <p:nvPr/>
         </p:nvSpPr>
         <p:spPr>
           <a:xfrm>
             <a:off x="4251960" y="3818880"/>
-            <a:ext cx="1600920" cy="1387800"/>
-          </a:xfrm>
-          <a:prstGeom prst="rect">
-            <a:avLst>
-              <a:gd fmla="val 115470" name="adj1"/>
-              <a:gd fmla="val 115470" name="adj2"/>
-            </a:avLst>
+            <a:ext cx="1600560" cy="1387440"/>
+          </a:xfrm>
+          <a:prstGeom prst="rect">
+            <a:avLst/>
           </a:prstGeom>
           <a:solidFill>
             <a:srgbClr val="ffffff"/>
@@ -7313,20 +6920,17 @@
       </p:sp>
       <p:sp>
         <p:nvSpPr>
-          <p:cNvPr id="205" name="CustomShape 20"/>
+          <p:cNvPr id="199" name="CustomShape 20"/>
           <p:cNvSpPr/>
           <p:nvPr/>
         </p:nvSpPr>
         <p:spPr>
           <a:xfrm>
             <a:off x="4261680" y="1285200"/>
-            <a:ext cx="1600920" cy="1387800"/>
-          </a:xfrm>
-          <a:prstGeom prst="rect">
-            <a:avLst>
-              <a:gd fmla="val 115470" name="adj1"/>
-              <a:gd fmla="val 115470" name="adj2"/>
-            </a:avLst>
+            <a:ext cx="1600560" cy="1387440"/>
+          </a:xfrm>
+          <a:prstGeom prst="rect">
+            <a:avLst/>
           </a:prstGeom>
           <a:solidFill>
             <a:srgbClr val="ffffff"/>
@@ -7341,20 +6945,17 @@
       </p:sp>
       <p:sp>
         <p:nvSpPr>
-          <p:cNvPr id="206" name="CustomShape 21"/>
+          <p:cNvPr id="200" name="CustomShape 21"/>
           <p:cNvSpPr/>
           <p:nvPr/>
         </p:nvSpPr>
         <p:spPr>
           <a:xfrm>
             <a:off x="3508920" y="18360"/>
-            <a:ext cx="1600920" cy="1387800"/>
-          </a:xfrm>
-          <a:prstGeom prst="rect">
-            <a:avLst>
-              <a:gd fmla="val 115470" name="adj1"/>
-              <a:gd fmla="val 115470" name="adj2"/>
-            </a:avLst>
+            <a:ext cx="1600560" cy="1387440"/>
+          </a:xfrm>
+          <a:prstGeom prst="rect">
+            <a:avLst/>
           </a:prstGeom>
           <a:solidFill>
             <a:srgbClr val="ffffff"/>
@@ -7369,20 +6970,17 @@
       </p:sp>
       <p:sp>
         <p:nvSpPr>
-          <p:cNvPr id="207" name="CustomShape 22"/>
+          <p:cNvPr id="201" name="CustomShape 22"/>
           <p:cNvSpPr/>
           <p:nvPr/>
         </p:nvSpPr>
         <p:spPr>
           <a:xfrm>
             <a:off x="4995000" y="5076000"/>
-            <a:ext cx="1600920" cy="1387800"/>
-          </a:xfrm>
-          <a:prstGeom prst="rect">
-            <a:avLst>
-              <a:gd fmla="val 115470" name="adj1"/>
-              <a:gd fmla="val 115470" name="adj2"/>
-            </a:avLst>
+            <a:ext cx="1600560" cy="1387440"/>
+          </a:xfrm>
+          <a:prstGeom prst="rect">
+            <a:avLst/>
           </a:prstGeom>
           <a:solidFill>
             <a:srgbClr val="ffffff"/>
@@ -7397,14 +6995,14 @@
       </p:sp>
       <p:sp>
         <p:nvSpPr>
-          <p:cNvPr id="208" name="CustomShape 23"/>
+          <p:cNvPr id="202" name="CustomShape 23"/>
           <p:cNvSpPr/>
           <p:nvPr/>
         </p:nvSpPr>
         <p:spPr>
           <a:xfrm>
             <a:off x="126720" y="3979080"/>
-            <a:ext cx="1261080" cy="1387800"/>
+            <a:ext cx="1260720" cy="1387440"/>
           </a:xfrm>
           <a:prstGeom prst="rect">
             <a:avLst/>
@@ -7422,20 +7020,17 @@
       </p:sp>
       <p:sp>
         <p:nvSpPr>
-          <p:cNvPr id="209" name="CustomShape 24"/>
+          <p:cNvPr id="203" name="CustomShape 24"/>
           <p:cNvSpPr/>
           <p:nvPr/>
         </p:nvSpPr>
         <p:spPr>
           <a:xfrm>
             <a:off x="556200" y="5095080"/>
-            <a:ext cx="1600920" cy="1387800"/>
-          </a:xfrm>
-          <a:prstGeom prst="rect">
-            <a:avLst>
-              <a:gd fmla="val 115470" name="adj1"/>
-              <a:gd fmla="val 115470" name="adj2"/>
-            </a:avLst>
+            <a:ext cx="1600560" cy="1387440"/>
+          </a:xfrm>
+          <a:prstGeom prst="rect">
+            <a:avLst/>
           </a:prstGeom>
           <a:solidFill>
             <a:srgbClr val="ffffff"/>
@@ -7450,20 +7045,17 @@
       </p:sp>
       <p:sp>
         <p:nvSpPr>
-          <p:cNvPr id="210" name="CustomShape 25"/>
+          <p:cNvPr id="204" name="CustomShape 25"/>
           <p:cNvSpPr/>
           <p:nvPr/>
         </p:nvSpPr>
         <p:spPr>
           <a:xfrm>
             <a:off x="585000" y="2542320"/>
-            <a:ext cx="1600920" cy="1387800"/>
-          </a:xfrm>
-          <a:prstGeom prst="rect">
-            <a:avLst>
-              <a:gd fmla="val 115470" name="adj1"/>
-              <a:gd fmla="val 115470" name="adj2"/>
-            </a:avLst>
+            <a:ext cx="1600560" cy="1387440"/>
+          </a:xfrm>
+          <a:prstGeom prst="rect">
+            <a:avLst/>
           </a:prstGeom>
           <a:solidFill>
             <a:srgbClr val="ffffff"/>
@@ -7478,20 +7070,17 @@
       </p:sp>
       <p:sp>
         <p:nvSpPr>
-          <p:cNvPr id="211" name="CustomShape 26"/>
+          <p:cNvPr id="205" name="CustomShape 26"/>
           <p:cNvSpPr/>
           <p:nvPr/>
         </p:nvSpPr>
         <p:spPr>
           <a:xfrm>
             <a:off x="1308600" y="3818880"/>
-            <a:ext cx="1600920" cy="1387800"/>
-          </a:xfrm>
-          <a:prstGeom prst="rect">
-            <a:avLst>
-              <a:gd fmla="val 115470" name="adj1"/>
-              <a:gd fmla="val 115470" name="adj2"/>
-            </a:avLst>
+            <a:ext cx="1600560" cy="1387440"/>
+          </a:xfrm>
+          <a:prstGeom prst="rect">
+            <a:avLst/>
           </a:prstGeom>
           <a:solidFill>
             <a:srgbClr val="ffffff"/>
@@ -7506,20 +7095,17 @@
       </p:sp>
       <p:sp>
         <p:nvSpPr>
-          <p:cNvPr id="212" name="CustomShape 27"/>
+          <p:cNvPr id="206" name="CustomShape 27"/>
           <p:cNvSpPr/>
           <p:nvPr/>
         </p:nvSpPr>
         <p:spPr>
           <a:xfrm>
             <a:off x="2042280" y="5104440"/>
-            <a:ext cx="1600920" cy="1387800"/>
-          </a:xfrm>
-          <a:prstGeom prst="rect">
-            <a:avLst>
-              <a:gd fmla="val 115470" name="adj1"/>
-              <a:gd fmla="val 115470" name="adj2"/>
-            </a:avLst>
+            <a:ext cx="1600560" cy="1387440"/>
+          </a:xfrm>
+          <a:prstGeom prst="rect">
+            <a:avLst/>
           </a:prstGeom>
           <a:solidFill>
             <a:srgbClr val="ffffff"/>
@@ -7534,20 +7120,17 @@
       </p:sp>
       <p:sp>
         <p:nvSpPr>
-          <p:cNvPr id="213" name="CustomShape 28"/>
+          <p:cNvPr id="207" name="CustomShape 28"/>
           <p:cNvSpPr/>
           <p:nvPr/>
         </p:nvSpPr>
         <p:spPr>
           <a:xfrm>
             <a:off x="2061360" y="2552040"/>
-            <a:ext cx="1600920" cy="1387800"/>
-          </a:xfrm>
-          <a:prstGeom prst="rect">
-            <a:avLst>
-              <a:gd fmla="val 115470" name="adj1"/>
-              <a:gd fmla="val 115470" name="adj2"/>
-            </a:avLst>
+            <a:ext cx="1600560" cy="1387440"/>
+          </a:xfrm>
+          <a:prstGeom prst="rect">
+            <a:avLst/>
           </a:prstGeom>
           <a:solidFill>
             <a:srgbClr val="ffffff"/>
@@ -7562,20 +7145,17 @@
       </p:sp>
       <p:sp>
         <p:nvSpPr>
-          <p:cNvPr id="214" name="CustomShape 29"/>
+          <p:cNvPr id="208" name="CustomShape 29"/>
           <p:cNvSpPr/>
           <p:nvPr/>
         </p:nvSpPr>
         <p:spPr>
           <a:xfrm>
             <a:off x="1327680" y="1256400"/>
-            <a:ext cx="1600920" cy="1387800"/>
-          </a:xfrm>
-          <a:prstGeom prst="rect">
-            <a:avLst>
-              <a:gd fmla="val 115470" name="adj1"/>
-              <a:gd fmla="val 115470" name="adj2"/>
-            </a:avLst>
+            <a:ext cx="1600560" cy="1387440"/>
+          </a:xfrm>
+          <a:prstGeom prst="rect">
+            <a:avLst/>
           </a:prstGeom>
           <a:solidFill>
             <a:srgbClr val="ffffff"/>
@@ -7590,20 +7170,17 @@
       </p:sp>
       <p:sp>
         <p:nvSpPr>
-          <p:cNvPr id="215" name="CustomShape 30"/>
+          <p:cNvPr id="209" name="CustomShape 30"/>
           <p:cNvSpPr/>
           <p:nvPr/>
         </p:nvSpPr>
         <p:spPr>
           <a:xfrm>
             <a:off x="7338240" y="3837600"/>
-            <a:ext cx="1600920" cy="1387800"/>
-          </a:xfrm>
-          <a:prstGeom prst="rect">
-            <a:avLst>
-              <a:gd fmla="val 115470" name="adj1"/>
-              <a:gd fmla="val 115470" name="adj2"/>
-            </a:avLst>
+            <a:ext cx="1600560" cy="1387440"/>
+          </a:xfrm>
+          <a:prstGeom prst="rect">
+            <a:avLst/>
           </a:prstGeom>
           <a:solidFill>
             <a:srgbClr val="ffffff"/>
@@ -7618,20 +7195,17 @@
       </p:sp>
       <p:sp>
         <p:nvSpPr>
-          <p:cNvPr id="216" name="CustomShape 31"/>
+          <p:cNvPr id="210" name="CustomShape 31"/>
           <p:cNvSpPr/>
           <p:nvPr/>
         </p:nvSpPr>
         <p:spPr>
           <a:xfrm>
             <a:off x="8080920" y="5114160"/>
-            <a:ext cx="1600920" cy="1387800"/>
-          </a:xfrm>
-          <a:prstGeom prst="rect">
-            <a:avLst>
-              <a:gd fmla="val 115470" name="adj1"/>
-              <a:gd fmla="val 115470" name="adj2"/>
-            </a:avLst>
+            <a:ext cx="1600560" cy="1387440"/>
+          </a:xfrm>
+          <a:prstGeom prst="rect">
+            <a:avLst/>
           </a:prstGeom>
           <a:solidFill>
             <a:srgbClr val="ffffff"/>
@@ -7646,20 +7220,17 @@
       </p:sp>
       <p:sp>
         <p:nvSpPr>
-          <p:cNvPr id="217" name="CustomShape 32"/>
+          <p:cNvPr id="211" name="CustomShape 32"/>
           <p:cNvSpPr/>
           <p:nvPr/>
         </p:nvSpPr>
         <p:spPr>
           <a:xfrm>
             <a:off x="8080920" y="2561400"/>
-            <a:ext cx="1600920" cy="1387800"/>
-          </a:xfrm>
-          <a:prstGeom prst="rect">
-            <a:avLst>
-              <a:gd fmla="val 115470" name="adj1"/>
-              <a:gd fmla="val 115470" name="adj2"/>
-            </a:avLst>
+            <a:ext cx="1600560" cy="1387440"/>
+          </a:xfrm>
+          <a:prstGeom prst="rect">
+            <a:avLst/>
           </a:prstGeom>
           <a:solidFill>
             <a:srgbClr val="ffffff"/>
@@ -7674,14 +7245,14 @@
       </p:sp>
       <p:sp>
         <p:nvSpPr>
-          <p:cNvPr id="218" name="CustomShape 33"/>
+          <p:cNvPr id="212" name="CustomShape 33"/>
           <p:cNvSpPr/>
           <p:nvPr/>
         </p:nvSpPr>
         <p:spPr>
           <a:xfrm>
             <a:off x="8814600" y="3837600"/>
-            <a:ext cx="1243080" cy="1387800"/>
+            <a:ext cx="1242720" cy="1387440"/>
           </a:xfrm>
           <a:prstGeom prst="rect">
             <a:avLst/>
@@ -7699,14 +7270,14 @@
       </p:sp>
       <p:sp>
         <p:nvSpPr>
-          <p:cNvPr id="219" name="CustomShape 34"/>
+          <p:cNvPr id="213" name="CustomShape 34"/>
           <p:cNvSpPr/>
           <p:nvPr/>
         </p:nvSpPr>
         <p:spPr>
           <a:xfrm>
             <a:off x="8814600" y="1294200"/>
-            <a:ext cx="1241640" cy="1388520"/>
+            <a:ext cx="1241280" cy="1388160"/>
           </a:xfrm>
           <a:prstGeom prst="rect">
             <a:avLst/>
@@ -7724,14 +7295,14 @@
       </p:sp>
       <p:sp>
         <p:nvSpPr>
-          <p:cNvPr id="220" name="CustomShape 35"/>
+          <p:cNvPr id="214" name="CustomShape 35"/>
           <p:cNvSpPr/>
           <p:nvPr/>
         </p:nvSpPr>
         <p:spPr>
           <a:xfrm>
             <a:off x="457200" y="333360"/>
-            <a:ext cx="8229240" cy="6185160"/>
+            <a:ext cx="8228880" cy="6184800"/>
           </a:xfrm>
           <a:prstGeom prst="rect">
             <a:avLst/>
@@ -7749,14 +7320,14 @@
       </p:sp>
       <p:sp>
         <p:nvSpPr>
-          <p:cNvPr id="221" name="CustomShape 36"/>
+          <p:cNvPr id="215" name="CustomShape 36"/>
           <p:cNvSpPr/>
           <p:nvPr/>
         </p:nvSpPr>
         <p:spPr>
           <a:xfrm>
             <a:off x="4561200" y="-21600"/>
-            <a:ext cx="3678840" cy="698760"/>
+            <a:ext cx="3678480" cy="698400"/>
           </a:xfrm>
           <a:prstGeom prst="rect">
             <a:avLst/>
@@ -7774,14 +7345,14 @@
       </p:sp>
       <p:sp>
         <p:nvSpPr>
-          <p:cNvPr id="222" name="CustomShape 37"/>
+          <p:cNvPr id="216" name="CustomShape 37"/>
           <p:cNvSpPr/>
           <p:nvPr/>
         </p:nvSpPr>
         <p:spPr>
           <a:xfrm>
             <a:off x="4649040" y="-21600"/>
-            <a:ext cx="3504960" cy="623520"/>
+            <a:ext cx="3504600" cy="623160"/>
           </a:xfrm>
           <a:prstGeom prst="rect">
             <a:avLst/>
@@ -7793,7 +7364,7 @@
       </p:sp>
       <p:sp>
         <p:nvSpPr>
-          <p:cNvPr id="223" name="PlaceHolder 38"/>
+          <p:cNvPr id="217" name="PlaceHolder 38"/>
           <p:cNvSpPr>
             <a:spLocks noGrp="1"/>
           </p:cNvSpPr>
@@ -7804,28 +7375,18 @@
         <p:spPr>
           <a:xfrm>
             <a:off x="1043640" y="1027800"/>
-            <a:ext cx="7024320" cy="1142640"/>
-          </a:xfrm>
-          <a:prstGeom prst="rect">
-            <a:avLst/>
-          </a:prstGeom>
-        </p:spPr>
-        <p:txBody>
-          <a:bodyPr anchor="b"/>
-          <a:p>
-            <a:pPr>
-              <a:lnSpc>
-                <a:spcPct val="100000"/>
-              </a:lnSpc>
-            </a:pPr>
+            <a:ext cx="7023960" cy="1142640"/>
+          </a:xfrm>
+          <a:prstGeom prst="rect">
+            <a:avLst/>
+          </a:prstGeom>
+        </p:spPr>
+        <p:txBody>
+          <a:bodyPr anchor="ctr" bIns="0" lIns="0" rIns="0" tIns="0" wrap="none"/>
+          <a:p>
             <a:r>
-              <a:rPr lang="it-IT" sz="4000">
-                <a:solidFill>
-                  <a:srgbClr val="94c600"/>
-                </a:solidFill>
-                <a:latin typeface="Century Gothic"/>
-              </a:rPr>
-              <a:t>Fate clic per modificare il formato del testo del titoloFare clic per modificare lo stile del titolo</a:t>
+              <a:rPr lang="it-IT"/>
+              <a:t>Click to edit the title text format</a:t>
             </a:r>
             <a:endParaRPr/>
           </a:p>
@@ -7833,113 +7394,7 @@
       </p:sp>
       <p:sp>
         <p:nvSpPr>
-          <p:cNvPr id="224" name="PlaceHolder 39"/>
-          <p:cNvSpPr>
-            <a:spLocks noGrp="1"/>
-          </p:cNvSpPr>
-          <p:nvPr>
-            <p:ph type="dt"/>
-          </p:nvPr>
-        </p:nvSpPr>
-        <p:spPr>
-          <a:xfrm>
-            <a:off x="0" y="0"/>
-            <a:ext cx="-11796840" cy="-11796840"/>
-          </a:xfrm>
-          <a:prstGeom prst="rect">
-            <a:avLst/>
-          </a:prstGeom>
-        </p:spPr>
-        <p:txBody>
-          <a:bodyPr bIns="45000" lIns="90000" rIns="90000" tIns="45000"/>
-          <a:p>
-            <a:pPr>
-              <a:lnSpc>
-                <a:spcPct val="100000"/>
-              </a:lnSpc>
-            </a:pPr>
-            <a:r>
-              <a:rPr lang="it-IT">
-                <a:solidFill>
-                  <a:srgbClr val="000000"/>
-                </a:solidFill>
-                <a:latin typeface="Century Gothic"/>
-              </a:rPr>
-              <a:t>Progetto Gamification - Team Committed</a:t>
-            </a:r>
-            <a:endParaRPr/>
-          </a:p>
-        </p:txBody>
-      </p:sp>
-      <p:sp>
-        <p:nvSpPr>
-          <p:cNvPr id="225" name="PlaceHolder 40"/>
-          <p:cNvSpPr>
-            <a:spLocks noGrp="1"/>
-          </p:cNvSpPr>
-          <p:nvPr>
-            <p:ph type="ftr"/>
-          </p:nvPr>
-        </p:nvSpPr>
-        <p:spPr>
-          <a:xfrm>
-            <a:off x="0" y="0"/>
-            <a:ext cx="-11796840" cy="-11796840"/>
-          </a:xfrm>
-          <a:prstGeom prst="rect">
-            <a:avLst/>
-          </a:prstGeom>
-        </p:spPr>
-        <p:txBody>
-          <a:bodyPr bIns="45000" lIns="90000" rIns="90000" tIns="45000"/>
-          <a:p>
-            <a:endParaRPr/>
-          </a:p>
-        </p:txBody>
-      </p:sp>
-      <p:sp>
-        <p:nvSpPr>
-          <p:cNvPr id="226" name="PlaceHolder 41"/>
-          <p:cNvSpPr>
-            <a:spLocks noGrp="1"/>
-          </p:cNvSpPr>
-          <p:nvPr>
-            <p:ph type="sldNum"/>
-          </p:nvPr>
-        </p:nvSpPr>
-        <p:spPr>
-          <a:xfrm>
-            <a:off x="0" y="0"/>
-            <a:ext cx="-11796840" cy="-11796840"/>
-          </a:xfrm>
-          <a:prstGeom prst="rect">
-            <a:avLst/>
-          </a:prstGeom>
-        </p:spPr>
-        <p:txBody>
-          <a:bodyPr bIns="45000" lIns="90000" rIns="90000" tIns="45000"/>
-          <a:p>
-            <a:pPr>
-              <a:lnSpc>
-                <a:spcPct val="100000"/>
-              </a:lnSpc>
-            </a:pPr>
-            <a:fld id="{A1F18161-01E1-4191-A121-A111C1511101}" type="slidenum">
-              <a:rPr lang="it-IT">
-                <a:solidFill>
-                  <a:srgbClr val="000000"/>
-                </a:solidFill>
-                <a:latin typeface="Century Gothic"/>
-              </a:rPr>
-              <a:t>&lt;numero&gt;</a:t>
-            </a:fld>
-            <a:endParaRPr/>
-          </a:p>
-        </p:txBody>
-      </p:sp>
-      <p:sp>
-        <p:nvSpPr>
-          <p:cNvPr id="227" name="PlaceHolder 42"/>
+          <p:cNvPr id="218" name="PlaceHolder 39"/>
           <p:cNvSpPr>
             <a:spLocks noGrp="1"/>
           </p:cNvSpPr>
@@ -7950,7 +7405,7 @@
         <p:spPr>
           <a:xfrm>
             <a:off x="457200" y="1604520"/>
-            <a:ext cx="8046360" cy="3977280"/>
+            <a:ext cx="8229240" cy="4525920"/>
           </a:xfrm>
           <a:prstGeom prst="rect">
             <a:avLst/>
@@ -7966,55 +7421,55 @@
             </a:pPr>
             <a:r>
               <a:rPr lang="it-IT"/>
-              <a:t>Fate clic per modificare il formato del testo della struttura</a:t>
+              <a:t>Click to edit the outline text format</a:t>
             </a:r>
             <a:endParaRPr/>
           </a:p>
           <a:p>
             <a:pPr lvl="1">
+              <a:buSzPct val="45000"/>
+              <a:buFont typeface="StarSymbol"/>
+              <a:buChar char=""/>
+            </a:pPr>
+            <a:r>
+              <a:rPr lang="it-IT"/>
+              <a:t>Second Outline Level</a:t>
+            </a:r>
+            <a:endParaRPr/>
+          </a:p>
+          <a:p>
+            <a:pPr lvl="2">
               <a:buSzPct val="75000"/>
               <a:buFont typeface="StarSymbol"/>
               <a:buChar char=""/>
             </a:pPr>
             <a:r>
               <a:rPr lang="it-IT"/>
-              <a:t>Secondo livello struttura</a:t>
+              <a:t>Third Outline Level</a:t>
             </a:r>
             <a:endParaRPr/>
           </a:p>
           <a:p>
-            <a:pPr lvl="2">
+            <a:pPr lvl="3">
               <a:buSzPct val="45000"/>
               <a:buFont typeface="StarSymbol"/>
               <a:buChar char=""/>
             </a:pPr>
             <a:r>
               <a:rPr lang="it-IT"/>
-              <a:t>Terzo livello struttura</a:t>
+              <a:t>Fourth Outline Level</a:t>
             </a:r>
             <a:endParaRPr/>
           </a:p>
           <a:p>
-            <a:pPr lvl="3">
+            <a:pPr lvl="4">
               <a:buSzPct val="75000"/>
               <a:buFont typeface="StarSymbol"/>
               <a:buChar char=""/>
             </a:pPr>
             <a:r>
               <a:rPr lang="it-IT"/>
-              <a:t>Quarto livello struttura</a:t>
-            </a:r>
-            <a:endParaRPr/>
-          </a:p>
-          <a:p>
-            <a:pPr lvl="4">
-              <a:buSzPct val="45000"/>
-              <a:buFont typeface="StarSymbol"/>
-              <a:buChar char=""/>
-            </a:pPr>
-            <a:r>
-              <a:rPr lang="it-IT"/>
-              <a:t>Quinto livello struttura</a:t>
+              <a:t>Fifth Outline Level</a:t>
             </a:r>
             <a:endParaRPr/>
           </a:p>
@@ -8026,7 +7481,7 @@
             </a:pPr>
             <a:r>
               <a:rPr lang="it-IT"/>
-              <a:t>Sesto livello struttura</a:t>
+              <a:t>Sixth Outline Level</a:t>
             </a:r>
             <a:endParaRPr/>
           </a:p>
@@ -8038,7 +7493,31 @@
             </a:pPr>
             <a:r>
               <a:rPr lang="it-IT"/>
-              <a:t>Settimo livello struttura</a:t>
+              <a:t>Seventh Outline Level</a:t>
+            </a:r>
+            <a:endParaRPr/>
+          </a:p>
+          <a:p>
+            <a:pPr lvl="7">
+              <a:buSzPct val="45000"/>
+              <a:buFont typeface="StarSymbol"/>
+              <a:buChar char=""/>
+            </a:pPr>
+            <a:r>
+              <a:rPr lang="it-IT"/>
+              <a:t>Eighth Outline Level</a:t>
+            </a:r>
+            <a:endParaRPr/>
+          </a:p>
+          <a:p>
+            <a:pPr lvl="8">
+              <a:buSzPct val="45000"/>
+              <a:buFont typeface="StarSymbol"/>
+              <a:buChar char=""/>
+            </a:pPr>
+            <a:r>
+              <a:rPr lang="it-IT"/>
+              <a:t>Ninth Outline Level</a:t>
             </a:r>
             <a:endParaRPr/>
           </a:p>
@@ -8083,27 +7562,22 @@
       </p:grpSpPr>
       <p:sp>
         <p:nvSpPr>
-          <p:cNvPr id="265" name="TextShape 1"/>
-          <p:cNvSpPr txBox="1"/>
+          <p:cNvPr id="256" name="CustomShape 1"/>
+          <p:cNvSpPr/>
           <p:nvPr/>
         </p:nvSpPr>
         <p:spPr>
           <a:xfrm>
             <a:off x="179640" y="2512800"/>
-            <a:ext cx="4464000" cy="1635840"/>
-          </a:xfrm>
-          <a:prstGeom prst="rect">
-            <a:avLst/>
-          </a:prstGeom>
-        </p:spPr>
-        <p:txBody>
-          <a:bodyPr anchor="b"/>
-          <a:p>
-            <a:pPr>
-              <a:lnSpc>
-                <a:spcPct val="100000"/>
-              </a:lnSpc>
-            </a:pPr>
+            <a:ext cx="4463640" cy="1635480"/>
+          </a:xfrm>
+          <a:prstGeom prst="rect">
+            <a:avLst/>
+          </a:prstGeom>
+        </p:spPr>
+        <p:txBody>
+          <a:bodyPr anchor="b" bIns="45000" lIns="90000" rIns="90000" tIns="45000"/>
+          <a:p>
             <a:r>
               <a:rPr lang="it-IT" sz="3600">
                 <a:solidFill>
@@ -8113,16 +7587,14 @@
               </a:rPr>
               <a:t>Progetto SafetyGame</a:t>
             </a:r>
-            <a:r>
-              <a:rPr lang="it-IT" sz="3600">
-                <a:solidFill>
-                  <a:srgbClr val="000000"/>
-                </a:solidFill>
-                <a:latin typeface="Century Gothic"/>
-              </a:rPr>
-              <a:t>
-</a:t>
-            </a:r>
+            <a:endParaRPr/>
+          </a:p>
+          <a:p>
+            <a:pPr>
+              <a:lnSpc>
+                <a:spcPct val="100000"/>
+              </a:lnSpc>
+            </a:pPr>
             <a:r>
               <a:rPr lang="it-IT" sz="2800">
                 <a:solidFill>
@@ -8138,21 +7610,21 @@
       </p:sp>
       <p:sp>
         <p:nvSpPr>
-          <p:cNvPr id="266" name="TextShape 2"/>
-          <p:cNvSpPr txBox="1"/>
+          <p:cNvPr id="257" name="CustomShape 2"/>
+          <p:cNvSpPr/>
           <p:nvPr/>
         </p:nvSpPr>
         <p:spPr>
           <a:xfrm>
             <a:off x="251640" y="4268520"/>
-            <a:ext cx="4302000" cy="1752120"/>
-          </a:xfrm>
-          <a:prstGeom prst="rect">
-            <a:avLst/>
-          </a:prstGeom>
-        </p:spPr>
-        <p:txBody>
-          <a:bodyPr/>
+            <a:ext cx="4301640" cy="1751760"/>
+          </a:xfrm>
+          <a:prstGeom prst="rect">
+            <a:avLst/>
+          </a:prstGeom>
+        </p:spPr>
+        <p:txBody>
+          <a:bodyPr bIns="45000" lIns="90000" rIns="90000" tIns="45000"/>
           <a:p>
             <a:pPr>
               <a:lnSpc>
@@ -8208,7 +7680,7 @@
       </p:sp>
       <p:pic>
         <p:nvPicPr>
-          <p:cNvPr descr="" id="267" name="Immagine 4"/>
+          <p:cNvPr descr="" id="258" name="Immagine 4"/>
           <p:cNvPicPr/>
           <p:nvPr/>
         </p:nvPicPr>
@@ -8221,7 +7693,7 @@
         <p:spPr>
           <a:xfrm>
             <a:off x="5292000" y="2565000"/>
-            <a:ext cx="2226600" cy="3284640"/>
+            <a:ext cx="2226240" cy="3284280"/>
           </a:xfrm>
           <a:prstGeom prst="rect">
             <a:avLst/>
@@ -8252,7 +7724,7 @@
       </p:grpSpPr>
       <p:pic>
         <p:nvPicPr>
-          <p:cNvPr descr="" id="268" name="Immagine 5"/>
+          <p:cNvPr descr="" id="259" name="Immagine 5"/>
           <p:cNvPicPr/>
           <p:nvPr/>
         </p:nvPicPr>
@@ -8265,7 +7737,7 @@
         <p:spPr>
           <a:xfrm>
             <a:off x="2750760" y="1268640"/>
-            <a:ext cx="3765240" cy="4580640"/>
+            <a:ext cx="3764880" cy="4580280"/>
           </a:xfrm>
           <a:prstGeom prst="rect">
             <a:avLst/>
@@ -8274,21 +7746,21 @@
       </p:pic>
       <p:sp>
         <p:nvSpPr>
-          <p:cNvPr id="269" name="TextShape 1"/>
-          <p:cNvSpPr txBox="1"/>
+          <p:cNvPr id="260" name="CustomShape 1"/>
+          <p:cNvSpPr/>
           <p:nvPr/>
         </p:nvSpPr>
         <p:spPr>
           <a:xfrm>
             <a:off x="1043640" y="1027800"/>
-            <a:ext cx="7024320" cy="1142640"/>
-          </a:xfrm>
-          <a:prstGeom prst="rect">
-            <a:avLst/>
-          </a:prstGeom>
-        </p:spPr>
-        <p:txBody>
-          <a:bodyPr anchor="b"/>
+            <a:ext cx="7023960" cy="1142280"/>
+          </a:xfrm>
+          <a:prstGeom prst="rect">
+            <a:avLst/>
+          </a:prstGeom>
+        </p:spPr>
+        <p:txBody>
+          <a:bodyPr anchor="b" bIns="45000" lIns="90000" rIns="90000" tIns="45000"/>
           <a:p>
             <a:pPr>
               <a:lnSpc>
@@ -8310,21 +7782,21 @@
       </p:sp>
       <p:sp>
         <p:nvSpPr>
-          <p:cNvPr id="270" name="TextShape 2"/>
-          <p:cNvSpPr txBox="1"/>
+          <p:cNvPr id="261" name="CustomShape 2"/>
+          <p:cNvSpPr/>
           <p:nvPr/>
         </p:nvSpPr>
         <p:spPr>
           <a:xfrm>
             <a:off x="1043640" y="2323800"/>
-            <a:ext cx="6777000" cy="3508560"/>
-          </a:xfrm>
-          <a:prstGeom prst="rect">
-            <a:avLst/>
-          </a:prstGeom>
-        </p:spPr>
-        <p:txBody>
-          <a:bodyPr/>
+            <a:ext cx="6776640" cy="3508200"/>
+          </a:xfrm>
+          <a:prstGeom prst="rect">
+            <a:avLst/>
+          </a:prstGeom>
+        </p:spPr>
+        <p:txBody>
+          <a:bodyPr bIns="45000" lIns="90000" rIns="90000" tIns="45000"/>
           <a:p>
             <a:pPr>
               <a:lnSpc>
@@ -8457,14 +7929,14 @@
       </p:sp>
       <p:sp>
         <p:nvSpPr>
-          <p:cNvPr id="271" name="TextShape 3"/>
-          <p:cNvSpPr txBox="1"/>
+          <p:cNvPr id="262" name="CustomShape 3"/>
+          <p:cNvSpPr/>
           <p:nvPr/>
         </p:nvSpPr>
         <p:spPr>
           <a:xfrm>
             <a:off x="0" y="0"/>
-            <a:ext cx="-11796840" cy="-11796840"/>
+            <a:ext cx="11796480" cy="11796480"/>
           </a:xfrm>
           <a:prstGeom prst="rect">
             <a:avLst/>
@@ -8493,14 +7965,14 @@
       </p:sp>
       <p:sp>
         <p:nvSpPr>
-          <p:cNvPr id="272" name="TextShape 4"/>
-          <p:cNvSpPr txBox="1"/>
+          <p:cNvPr id="263" name="CustomShape 4"/>
+          <p:cNvSpPr/>
           <p:nvPr/>
         </p:nvSpPr>
         <p:spPr>
           <a:xfrm>
             <a:off x="0" y="0"/>
-            <a:ext cx="-11796840" cy="-11796840"/>
+            <a:ext cx="11796480" cy="11796480"/>
           </a:xfrm>
           <a:prstGeom prst="rect">
             <a:avLst/>
@@ -8514,14 +7986,14 @@
                 <a:spcPct val="100000"/>
               </a:lnSpc>
             </a:pPr>
-            <a:fld id="{C1E1A1D1-11D1-4151-81C1-41E12191D1F1}" type="slidenum">
+            <a:fld id="{811181E1-5171-41F1-A151-F171F1E1B1F1}" type="slidenum">
               <a:rPr lang="it-IT">
                 <a:solidFill>
                   <a:srgbClr val="000000"/>
                 </a:solidFill>
                 <a:latin typeface="Century Gothic"/>
               </a:rPr>
-              <a:t>&lt;numero&gt;</a:t>
+              <a:t>&lt;number&gt;</a:t>
             </a:fld>
             <a:r>
               <a:rPr lang="it-IT">
@@ -8538,6 +8010,35 @@
       </p:sp>
     </p:spTree>
   </p:cSld>
+  <p:timing>
+    <p:tnLst>
+      <p:par>
+        <p:cTn dur="indefinite" id="1" nodeType="tmRoot" restart="never">
+          <p:childTnLst>
+            <p:seq>
+              <p:cTn id="2" nodeType="mainSeq">
+                <p:childTnLst/>
+              </p:cTn>
+              <p:prevCondLst>
+                <p:cond delay="0" evt="onPrev">
+                  <p:tgtEl>
+                    <p:sldTgt/>
+                  </p:tgtEl>
+                </p:cond>
+              </p:prevCondLst>
+              <p:nextCondLst>
+                <p:cond delay="0" evt="onNext">
+                  <p:tgtEl>
+                    <p:sldTgt/>
+                  </p:tgtEl>
+                </p:cond>
+              </p:nextCondLst>
+            </p:seq>
+          </p:childTnLst>
+        </p:cTn>
+      </p:par>
+    </p:tnLst>
+  </p:timing>
 </p:sld>
 </file>
 
@@ -8560,7 +8061,7 @@
       </p:grpSpPr>
       <p:pic>
         <p:nvPicPr>
-          <p:cNvPr descr="" id="273" name="Immagine 2"/>
+          <p:cNvPr descr="" id="264" name="Immagine 5"/>
           <p:cNvPicPr/>
           <p:nvPr/>
         </p:nvPicPr>
@@ -8572,8 +8073,8 @@
         </p:blipFill>
         <p:spPr>
           <a:xfrm>
-            <a:off x="2750760" y="1268640"/>
-            <a:ext cx="3765240" cy="4580640"/>
+            <a:off x="2751120" y="1268640"/>
+            <a:ext cx="3764880" cy="4580280"/>
           </a:xfrm>
           <a:prstGeom prst="rect">
             <a:avLst/>
@@ -8582,23 +8083,23 @@
       </p:pic>
       <p:sp>
         <p:nvSpPr>
-          <p:cNvPr id="274" name="TextShape 1"/>
-          <p:cNvSpPr txBox="1"/>
-          <p:nvPr/>
-        </p:nvSpPr>
-        <p:spPr>
-          <a:xfrm>
-            <a:off x="1043640" y="2997000"/>
-            <a:ext cx="7024320" cy="1142640"/>
-          </a:xfrm>
-          <a:prstGeom prst="rect">
-            <a:avLst/>
-          </a:prstGeom>
-        </p:spPr>
-        <p:txBody>
-          <a:bodyPr anchor="b"/>
-          <a:p>
-            <a:pPr algn="ctr">
+          <p:cNvPr id="265" name="CustomShape 1"/>
+          <p:cNvSpPr/>
+          <p:nvPr/>
+        </p:nvSpPr>
+        <p:spPr>
+          <a:xfrm>
+            <a:off x="2592000" y="504000"/>
+            <a:ext cx="5616000" cy="864000"/>
+          </a:xfrm>
+          <a:prstGeom prst="rect">
+            <a:avLst/>
+          </a:prstGeom>
+        </p:spPr>
+        <p:txBody>
+          <a:bodyPr anchor="b" bIns="45000" lIns="90000" rIns="90000" tIns="45000"/>
+          <a:p>
+            <a:pPr>
               <a:lnSpc>
                 <a:spcPct val="100000"/>
               </a:lnSpc>
@@ -8610,7 +8111,7 @@
                 </a:solidFill>
                 <a:latin typeface="Century Gothic"/>
               </a:rPr>
-              <a:t>3. Problemi riscontrati</a:t>
+              <a:t>Fase di Analisi </a:t>
             </a:r>
             <a:endParaRPr/>
           </a:p>
@@ -8618,14 +8119,14 @@
       </p:sp>
       <p:sp>
         <p:nvSpPr>
-          <p:cNvPr id="275" name="TextShape 2"/>
-          <p:cNvSpPr txBox="1"/>
-          <p:nvPr/>
-        </p:nvSpPr>
-        <p:spPr>
-          <a:xfrm>
-            <a:off x="0" y="0"/>
-            <a:ext cx="-11796840" cy="-11796840"/>
+          <p:cNvPr id="266" name="CustomShape 2"/>
+          <p:cNvSpPr/>
+          <p:nvPr/>
+        </p:nvSpPr>
+        <p:spPr>
+          <a:xfrm>
+            <a:off x="1008000" y="1656000"/>
+            <a:ext cx="6812640" cy="4176000"/>
           </a:xfrm>
           <a:prstGeom prst="rect">
             <a:avLst/>
@@ -8639,66 +8140,248 @@
                 <a:spcPct val="100000"/>
               </a:lnSpc>
             </a:pPr>
-            <a:r>
-              <a:rPr lang="it-IT">
-                <a:solidFill>
-                  <a:srgbClr val="000000"/>
-                </a:solidFill>
-                <a:latin typeface="Century Gothic"/>
-              </a:rPr>
-              <a:t>Progetto Gamification - Team Committed</a:t>
-            </a:r>
-            <a:endParaRPr/>
-          </a:p>
-        </p:txBody>
-      </p:sp>
-      <p:sp>
-        <p:nvSpPr>
-          <p:cNvPr id="276" name="TextShape 3"/>
-          <p:cNvSpPr txBox="1"/>
-          <p:nvPr/>
-        </p:nvSpPr>
-        <p:spPr>
-          <a:xfrm>
-            <a:off x="0" y="0"/>
-            <a:ext cx="-11796840" cy="-11796840"/>
-          </a:xfrm>
-          <a:prstGeom prst="rect">
-            <a:avLst/>
-          </a:prstGeom>
-        </p:spPr>
-        <p:txBody>
-          <a:bodyPr bIns="45000" lIns="90000" rIns="90000" tIns="45000"/>
+            <a:endParaRPr/>
+          </a:p>
           <a:p>
             <a:pPr>
               <a:lnSpc>
                 <a:spcPct val="100000"/>
               </a:lnSpc>
+              <a:buSzPct val="76000"/>
+              <a:buFont typeface="Century Gothic"/>
+              <a:buAutoNum type="arabicPeriod"/>
             </a:pPr>
-            <a:fld id="{A191B1F1-9131-4171-81F1-11A12101C101}" type="slidenum">
-              <a:rPr lang="it-IT">
+            <a:r>
+              <a:rPr b="1" lang="it-IT" sz="2400">
                 <a:solidFill>
-                  <a:srgbClr val="000000"/>
+                  <a:srgbClr val="3e3d2d"/>
                 </a:solidFill>
                 <a:latin typeface="Century Gothic"/>
               </a:rPr>
-              <a:t>&lt;numero&gt;</a:t>
-            </a:fld>
+              <a:t>Analisi statica</a:t>
+            </a:r>
+            <a:endParaRPr/>
+          </a:p>
+          <a:p>
+            <a:pPr>
+              <a:lnSpc>
+                <a:spcPct val="100000"/>
+              </a:lnSpc>
+              <a:buSzPct val="76000"/>
+              <a:buFont typeface="Century Gothic"/>
+              <a:buAutoNum type="arabicPeriod"/>
+            </a:pPr>
             <a:r>
-              <a:rPr lang="it-IT">
+              <a:rPr b="1" lang="it-IT" sz="2400">
                 <a:solidFill>
-                  <a:srgbClr val="000000"/>
+                  <a:srgbClr val="3e3d2d"/>
                 </a:solidFill>
                 <a:latin typeface="Century Gothic"/>
               </a:rPr>
-              <a:t> di 24</a:t>
+              <a:t>→ </a:t>
             </a:r>
+            <a:r>
+              <a:rPr lang="it-IT" sz="2400">
+                <a:solidFill>
+                  <a:srgbClr val="3e3d2d"/>
+                </a:solidFill>
+                <a:latin typeface="Century Gothic"/>
+              </a:rPr>
+              <a:t>walkthrough</a:t>
+            </a:r>
+            <a:endParaRPr/>
+          </a:p>
+          <a:p>
+            <a:pPr>
+              <a:lnSpc>
+                <a:spcPct val="100000"/>
+              </a:lnSpc>
+              <a:buSzPct val="76000"/>
+              <a:buFont typeface="Century Gothic"/>
+              <a:buAutoNum type="arabicPeriod"/>
+            </a:pPr>
+            <a:r>
+              <a:rPr b="1" lang="it-IT" sz="2400">
+                <a:solidFill>
+                  <a:srgbClr val="3e3d2d"/>
+                </a:solidFill>
+                <a:latin typeface="Century Gothic"/>
+              </a:rPr>
+              <a:t>→ </a:t>
+            </a:r>
+            <a:r>
+              <a:rPr lang="it-IT" sz="2400">
+                <a:solidFill>
+                  <a:srgbClr val="3e3d2d"/>
+                </a:solidFill>
+                <a:latin typeface="Century Gothic"/>
+              </a:rPr>
+              <a:t>inspection</a:t>
+            </a:r>
+            <a:endParaRPr/>
+          </a:p>
+          <a:p>
+            <a:pPr>
+              <a:lnSpc>
+                <a:spcPct val="100000"/>
+              </a:lnSpc>
+              <a:buSzPct val="76000"/>
+              <a:buFont typeface="Century Gothic"/>
+              <a:buAutoNum type="arabicPeriod"/>
+            </a:pPr>
+            <a:endParaRPr/>
+          </a:p>
+          <a:p>
+            <a:pPr>
+              <a:lnSpc>
+                <a:spcPct val="100000"/>
+              </a:lnSpc>
+              <a:buSzPct val="76000"/>
+              <a:buFont typeface="Century Gothic"/>
+              <a:buAutoNum type="arabicPeriod"/>
+            </a:pPr>
+            <a:r>
+              <a:rPr b="1" lang="it-IT" sz="2400">
+                <a:solidFill>
+                  <a:srgbClr val="3e3d2d"/>
+                </a:solidFill>
+                <a:latin typeface="Century Gothic"/>
+              </a:rPr>
+              <a:t>Analisi dinamica</a:t>
+            </a:r>
+            <a:endParaRPr/>
+          </a:p>
+          <a:p>
+            <a:pPr>
+              <a:lnSpc>
+                <a:spcPct val="100000"/>
+              </a:lnSpc>
+              <a:buSzPct val="76000"/>
+              <a:buFont typeface="Century Gothic"/>
+              <a:buAutoNum type="arabicPeriod"/>
+            </a:pPr>
+            <a:r>
+              <a:rPr b="1" lang="it-IT" sz="2400">
+                <a:solidFill>
+                  <a:srgbClr val="3e3d2d"/>
+                </a:solidFill>
+                <a:latin typeface="Century Gothic"/>
+              </a:rPr>
+              <a:t>→ </a:t>
+            </a:r>
+            <a:r>
+              <a:rPr lang="it-IT" sz="2400">
+                <a:solidFill>
+                  <a:srgbClr val="3e3d2d"/>
+                </a:solidFill>
+                <a:latin typeface="Century Gothic"/>
+              </a:rPr>
+              <a:t>test di unità</a:t>
+            </a:r>
+            <a:endParaRPr/>
+          </a:p>
+          <a:p>
+            <a:pPr>
+              <a:lnSpc>
+                <a:spcPct val="100000"/>
+              </a:lnSpc>
+              <a:buSzPct val="76000"/>
+              <a:buFont typeface="Century Gothic"/>
+              <a:buAutoNum type="arabicPeriod"/>
+            </a:pPr>
+            <a:r>
+              <a:rPr b="1" lang="it-IT" sz="2400">
+                <a:solidFill>
+                  <a:srgbClr val="3e3d2d"/>
+                </a:solidFill>
+                <a:latin typeface="Century Gothic"/>
+              </a:rPr>
+              <a:t>→ </a:t>
+            </a:r>
+            <a:r>
+              <a:rPr lang="it-IT" sz="2400">
+                <a:solidFill>
+                  <a:srgbClr val="3e3d2d"/>
+                </a:solidFill>
+                <a:latin typeface="Century Gothic"/>
+              </a:rPr>
+              <a:t>test di integrazione</a:t>
+            </a:r>
+            <a:endParaRPr/>
+          </a:p>
+          <a:p>
+            <a:pPr>
+              <a:lnSpc>
+                <a:spcPct val="100000"/>
+              </a:lnSpc>
+              <a:buSzPct val="76000"/>
+              <a:buFont typeface="Century Gothic"/>
+              <a:buAutoNum type="arabicPeriod"/>
+            </a:pPr>
+            <a:r>
+              <a:rPr b="1" lang="it-IT" sz="2400">
+                <a:solidFill>
+                  <a:srgbClr val="3e3d2d"/>
+                </a:solidFill>
+                <a:latin typeface="Century Gothic"/>
+              </a:rPr>
+              <a:t>→ </a:t>
+            </a:r>
+            <a:r>
+              <a:rPr lang="it-IT" sz="2400">
+                <a:solidFill>
+                  <a:srgbClr val="3e3d2d"/>
+                </a:solidFill>
+                <a:latin typeface="Century Gothic"/>
+              </a:rPr>
+              <a:t>test di regressione</a:t>
+            </a:r>
+            <a:endParaRPr/>
+          </a:p>
+          <a:p>
+            <a:pPr>
+              <a:lnSpc>
+                <a:spcPct val="100000"/>
+              </a:lnSpc>
+              <a:buSzPct val="76000"/>
+              <a:buFont typeface="Century Gothic"/>
+              <a:buAutoNum type="arabicPeriod"/>
+            </a:pPr>
             <a:endParaRPr/>
           </a:p>
         </p:txBody>
       </p:sp>
     </p:spTree>
   </p:cSld>
+  <p:timing>
+    <p:tnLst>
+      <p:par>
+        <p:cTn dur="indefinite" id="3" nodeType="tmRoot" restart="never">
+          <p:childTnLst>
+            <p:seq>
+              <p:cTn id="4" nodeType="mainSeq">
+                <p:childTnLst/>
+              </p:cTn>
+              <p:prevCondLst>
+                <p:cond delay="0" evt="onPrev">
+                  <p:tgtEl>
+                    <p:sldTgt/>
+                  </p:tgtEl>
+                </p:cond>
+              </p:prevCondLst>
+              <p:nextCondLst>
+                <p:cond delay="0" evt="onNext">
+                  <p:tgtEl>
+                    <p:sldTgt/>
+                  </p:tgtEl>
+                </p:cond>
+              </p:nextCondLst>
+            </p:seq>
+          </p:childTnLst>
+        </p:cTn>
+      </p:par>
+    </p:tnLst>
+  </p:timing>
 </p:sld>
 </file>
 
@@ -8721,7 +8404,7 @@
       </p:grpSpPr>
       <p:pic>
         <p:nvPicPr>
-          <p:cNvPr descr="" id="277" name="Immagine 6"/>
+          <p:cNvPr descr="" id="267" name="Immagine 2"/>
           <p:cNvPicPr/>
           <p:nvPr/>
         </p:nvPicPr>
@@ -8734,7 +8417,7 @@
         <p:spPr>
           <a:xfrm>
             <a:off x="2750760" y="1268640"/>
-            <a:ext cx="3765240" cy="4580640"/>
+            <a:ext cx="3764880" cy="4580280"/>
           </a:xfrm>
           <a:prstGeom prst="rect">
             <a:avLst/>
@@ -8743,14 +8426,50 @@
       </p:pic>
       <p:sp>
         <p:nvSpPr>
-          <p:cNvPr id="278" name="TextShape 1"/>
-          <p:cNvSpPr txBox="1"/>
+          <p:cNvPr id="268" name="CustomShape 1"/>
+          <p:cNvSpPr/>
+          <p:nvPr/>
+        </p:nvSpPr>
+        <p:spPr>
+          <a:xfrm>
+            <a:off x="1043640" y="2997000"/>
+            <a:ext cx="7023960" cy="1142280"/>
+          </a:xfrm>
+          <a:prstGeom prst="rect">
+            <a:avLst/>
+          </a:prstGeom>
+        </p:spPr>
+        <p:txBody>
+          <a:bodyPr anchor="b" bIns="45000" lIns="90000" rIns="90000" tIns="45000"/>
+          <a:p>
+            <a:pPr algn="ctr">
+              <a:lnSpc>
+                <a:spcPct val="100000"/>
+              </a:lnSpc>
+            </a:pPr>
+            <a:r>
+              <a:rPr lang="it-IT" sz="4000">
+                <a:solidFill>
+                  <a:srgbClr val="94c600"/>
+                </a:solidFill>
+                <a:latin typeface="Century Gothic"/>
+              </a:rPr>
+              <a:t>3. Problemi riscontrati</a:t>
+            </a:r>
+            <a:endParaRPr/>
+          </a:p>
+        </p:txBody>
+      </p:sp>
+      <p:sp>
+        <p:nvSpPr>
+          <p:cNvPr id="269" name="CustomShape 2"/>
+          <p:cNvSpPr/>
           <p:nvPr/>
         </p:nvSpPr>
         <p:spPr>
           <a:xfrm>
             <a:off x="0" y="0"/>
-            <a:ext cx="-11796840" cy="-11796840"/>
+            <a:ext cx="11796480" cy="11796480"/>
           </a:xfrm>
           <a:prstGeom prst="rect">
             <a:avLst/>
@@ -8779,14 +8498,14 @@
       </p:sp>
       <p:sp>
         <p:nvSpPr>
-          <p:cNvPr id="279" name="TextShape 2"/>
-          <p:cNvSpPr txBox="1"/>
+          <p:cNvPr id="270" name="CustomShape 3"/>
+          <p:cNvSpPr/>
           <p:nvPr/>
         </p:nvSpPr>
         <p:spPr>
           <a:xfrm>
             <a:off x="0" y="0"/>
-            <a:ext cx="-11796840" cy="-11796840"/>
+            <a:ext cx="11796480" cy="11796480"/>
           </a:xfrm>
           <a:prstGeom prst="rect">
             <a:avLst/>
@@ -8800,14 +8519,14 @@
                 <a:spcPct val="100000"/>
               </a:lnSpc>
             </a:pPr>
-            <a:fld id="{31E1D101-E191-41B1-A111-11718111C101}" type="slidenum">
+            <a:fld id="{91D18121-2121-4171-A161-71A1D1D1E1A1}" type="slidenum">
               <a:rPr lang="it-IT">
                 <a:solidFill>
                   <a:srgbClr val="000000"/>
                 </a:solidFill>
                 <a:latin typeface="Century Gothic"/>
               </a:rPr>
-              <a:t>&lt;numero&gt;</a:t>
+              <a:t>&lt;number&gt;</a:t>
             </a:fld>
             <a:r>
               <a:rPr lang="it-IT">
@@ -8822,16 +8541,141 @@
           </a:p>
         </p:txBody>
       </p:sp>
-      <p:sp>
-        <p:nvSpPr>
-          <p:cNvPr id="280" name="CustomShape 3"/>
+    </p:spTree>
+  </p:cSld>
+</p:sld>
+</file>
+
+<file path=ppt/slides/slide5.xml><?xml version="1.0" encoding="utf-8"?>
+<p:sld xmlns:a="http://schemas.openxmlformats.org/drawingml/2006/main" xmlns:p="http://schemas.openxmlformats.org/presentationml/2006/main" xmlns:r="http://schemas.openxmlformats.org/officeDocument/2006/relationships">
+  <p:cSld>
+    <p:spTree>
+      <p:nvGrpSpPr>
+        <p:cNvPr id="1" name=""/>
+        <p:cNvGrpSpPr/>
+        <p:nvPr/>
+      </p:nvGrpSpPr>
+      <p:grpSpPr>
+        <a:xfrm>
+          <a:off x="0" y="0"/>
+          <a:ext cx="0" cy="0"/>
+          <a:chOff x="0" y="0"/>
+          <a:chExt cx="0" cy="0"/>
+        </a:xfrm>
+      </p:grpSpPr>
+      <p:pic>
+        <p:nvPicPr>
+          <p:cNvPr descr="" id="271" name="Immagine 6"/>
+          <p:cNvPicPr/>
+          <p:nvPr/>
+        </p:nvPicPr>
+        <p:blipFill>
+          <a:blip r:embed="rId1"/>
+          <a:stretch>
+            <a:fillRect/>
+          </a:stretch>
+        </p:blipFill>
+        <p:spPr>
+          <a:xfrm>
+            <a:off x="2750760" y="1268640"/>
+            <a:ext cx="3764880" cy="4580280"/>
+          </a:xfrm>
+          <a:prstGeom prst="rect">
+            <a:avLst/>
+          </a:prstGeom>
+        </p:spPr>
+      </p:pic>
+      <p:sp>
+        <p:nvSpPr>
+          <p:cNvPr id="272" name="CustomShape 1"/>
+          <p:cNvSpPr/>
+          <p:nvPr/>
+        </p:nvSpPr>
+        <p:spPr>
+          <a:xfrm>
+            <a:off x="0" y="0"/>
+            <a:ext cx="11796480" cy="11796480"/>
+          </a:xfrm>
+          <a:prstGeom prst="rect">
+            <a:avLst/>
+          </a:prstGeom>
+        </p:spPr>
+        <p:txBody>
+          <a:bodyPr bIns="45000" lIns="90000" rIns="90000" tIns="45000"/>
+          <a:p>
+            <a:pPr>
+              <a:lnSpc>
+                <a:spcPct val="100000"/>
+              </a:lnSpc>
+            </a:pPr>
+            <a:r>
+              <a:rPr lang="it-IT">
+                <a:solidFill>
+                  <a:srgbClr val="000000"/>
+                </a:solidFill>
+                <a:latin typeface="Century Gothic"/>
+              </a:rPr>
+              <a:t>Progetto Gamification - Team Committed</a:t>
+            </a:r>
+            <a:endParaRPr/>
+          </a:p>
+        </p:txBody>
+      </p:sp>
+      <p:sp>
+        <p:nvSpPr>
+          <p:cNvPr id="273" name="CustomShape 2"/>
+          <p:cNvSpPr/>
+          <p:nvPr/>
+        </p:nvSpPr>
+        <p:spPr>
+          <a:xfrm>
+            <a:off x="0" y="0"/>
+            <a:ext cx="11796480" cy="11796480"/>
+          </a:xfrm>
+          <a:prstGeom prst="rect">
+            <a:avLst/>
+          </a:prstGeom>
+        </p:spPr>
+        <p:txBody>
+          <a:bodyPr bIns="45000" lIns="90000" rIns="90000" tIns="45000"/>
+          <a:p>
+            <a:pPr>
+              <a:lnSpc>
+                <a:spcPct val="100000"/>
+              </a:lnSpc>
+            </a:pPr>
+            <a:fld id="{9141F141-01D1-41B1-8101-E151B1F1D151}" type="slidenum">
+              <a:rPr lang="it-IT">
+                <a:solidFill>
+                  <a:srgbClr val="000000"/>
+                </a:solidFill>
+                <a:latin typeface="Century Gothic"/>
+              </a:rPr>
+              <a:t>&lt;number&gt;</a:t>
+            </a:fld>
+            <a:r>
+              <a:rPr lang="it-IT">
+                <a:solidFill>
+                  <a:srgbClr val="000000"/>
+                </a:solidFill>
+                <a:latin typeface="Century Gothic"/>
+              </a:rPr>
+              <a:t> di 24</a:t>
+            </a:r>
+            <a:endParaRPr/>
+          </a:p>
+        </p:txBody>
+      </p:sp>
+      <p:sp>
+        <p:nvSpPr>
+          <p:cNvPr id="274" name="CustomShape 3"/>
           <p:cNvSpPr/>
           <p:nvPr/>
         </p:nvSpPr>
         <p:spPr>
           <a:xfrm>
             <a:off x="1187640" y="2421000"/>
-            <a:ext cx="6912360" cy="2010600"/>
+            <a:ext cx="6912000" cy="2010240"/>
           </a:xfrm>
           <a:prstGeom prst="rect">
             <a:avLst/>
@@ -8962,7 +8806,7 @@
 </p:sld>
 </file>
 
-<file path=ppt/slides/slide5.xml><?xml version="1.0" encoding="utf-8"?>
+<file path=ppt/slides/slide6.xml><?xml version="1.0" encoding="utf-8"?>
 <p:sld xmlns:a="http://schemas.openxmlformats.org/drawingml/2006/main" xmlns:p="http://schemas.openxmlformats.org/presentationml/2006/main" xmlns:r="http://schemas.openxmlformats.org/officeDocument/2006/relationships">
   <p:cSld>
     <p:spTree>
@@ -8981,7 +8825,7 @@
       </p:grpSpPr>
       <p:pic>
         <p:nvPicPr>
-          <p:cNvPr descr="" id="281" name="Immagine 2"/>
+          <p:cNvPr descr="" id="275" name="Immagine 2"/>
           <p:cNvPicPr/>
           <p:nvPr/>
         </p:nvPicPr>
@@ -8994,7 +8838,7 @@
         <p:spPr>
           <a:xfrm>
             <a:off x="2750760" y="1268640"/>
-            <a:ext cx="3765240" cy="4580640"/>
+            <a:ext cx="3764880" cy="4580280"/>
           </a:xfrm>
           <a:prstGeom prst="rect">
             <a:avLst/>
@@ -9003,21 +8847,21 @@
       </p:pic>
       <p:sp>
         <p:nvSpPr>
-          <p:cNvPr id="282" name="TextShape 1"/>
-          <p:cNvSpPr txBox="1"/>
+          <p:cNvPr id="276" name="CustomShape 1"/>
+          <p:cNvSpPr/>
           <p:nvPr/>
         </p:nvSpPr>
         <p:spPr>
           <a:xfrm>
             <a:off x="1152000" y="369360"/>
-            <a:ext cx="7024320" cy="1142640"/>
-          </a:xfrm>
-          <a:prstGeom prst="rect">
-            <a:avLst/>
-          </a:prstGeom>
-        </p:spPr>
-        <p:txBody>
-          <a:bodyPr anchor="b"/>
+            <a:ext cx="7023960" cy="1142280"/>
+          </a:xfrm>
+          <a:prstGeom prst="rect">
+            <a:avLst/>
+          </a:prstGeom>
+        </p:spPr>
+        <p:txBody>
+          <a:bodyPr anchor="b" bIns="45000" lIns="90000" rIns="90000" tIns="45000"/>
           <a:p>
             <a:pPr algn="ctr">
               <a:lnSpc>
@@ -9039,14 +8883,14 @@
       </p:sp>
       <p:sp>
         <p:nvSpPr>
-          <p:cNvPr id="283" name="TextShape 2"/>
-          <p:cNvSpPr txBox="1"/>
+          <p:cNvPr id="277" name="CustomShape 2"/>
+          <p:cNvSpPr/>
           <p:nvPr/>
         </p:nvSpPr>
         <p:spPr>
           <a:xfrm>
             <a:off x="0" y="0"/>
-            <a:ext cx="-11796840" cy="-11796840"/>
+            <a:ext cx="11796480" cy="11796480"/>
           </a:xfrm>
           <a:prstGeom prst="rect">
             <a:avLst/>
@@ -9075,14 +8919,14 @@
       </p:sp>
       <p:sp>
         <p:nvSpPr>
-          <p:cNvPr id="284" name="TextShape 3"/>
-          <p:cNvSpPr txBox="1"/>
+          <p:cNvPr id="278" name="CustomShape 3"/>
+          <p:cNvSpPr/>
           <p:nvPr/>
         </p:nvSpPr>
         <p:spPr>
           <a:xfrm>
             <a:off x="0" y="0"/>
-            <a:ext cx="-11796840" cy="-11796840"/>
+            <a:ext cx="11796480" cy="11796480"/>
           </a:xfrm>
           <a:prstGeom prst="rect">
             <a:avLst/>
@@ -9096,14 +8940,14 @@
                 <a:spcPct val="100000"/>
               </a:lnSpc>
             </a:pPr>
-            <a:fld id="{3181F1D1-E161-41A1-91C1-41E1B1D13101}" type="slidenum">
+            <a:fld id="{41F14121-4111-4131-B1B1-91912161B1D1}" type="slidenum">
               <a:rPr lang="it-IT">
                 <a:solidFill>
                   <a:srgbClr val="000000"/>
                 </a:solidFill>
                 <a:latin typeface="Century Gothic"/>
               </a:rPr>
-              <a:t>&lt;numero&gt;</a:t>
+              <a:t>&lt;number&gt;</a:t>
             </a:fld>
             <a:r>
               <a:rPr lang="it-IT">
@@ -9120,7 +8964,7 @@
       </p:sp>
       <p:pic>
         <p:nvPicPr>
-          <p:cNvPr descr="" id="285" name=""/>
+          <p:cNvPr descr="" id="279" name=""/>
           <p:cNvPicPr/>
           <p:nvPr/>
         </p:nvPicPr>
@@ -9133,7 +8977,7 @@
         <p:spPr>
           <a:xfrm>
             <a:off x="648000" y="2016000"/>
-            <a:ext cx="2160000" cy="3600000"/>
+            <a:ext cx="2159640" cy="3599640"/>
           </a:xfrm>
           <a:prstGeom prst="rect">
             <a:avLst/>
@@ -9142,7 +8986,7 @@
       </p:pic>
       <p:pic>
         <p:nvPicPr>
-          <p:cNvPr descr="" id="286" name=""/>
+          <p:cNvPr descr="" id="280" name=""/>
           <p:cNvPicPr/>
           <p:nvPr/>
         </p:nvPicPr>
@@ -9155,7 +8999,7 @@
         <p:spPr>
           <a:xfrm>
             <a:off x="3240000" y="2016000"/>
-            <a:ext cx="2160000" cy="3600000"/>
+            <a:ext cx="2159640" cy="3599640"/>
           </a:xfrm>
           <a:prstGeom prst="rect">
             <a:avLst/>
@@ -9164,7 +9008,7 @@
       </p:pic>
       <p:pic>
         <p:nvPicPr>
-          <p:cNvPr descr="" id="287" name=""/>
+          <p:cNvPr descr="" id="281" name=""/>
           <p:cNvPicPr/>
           <p:nvPr/>
         </p:nvPicPr>
@@ -9177,7 +9021,7 @@
         <p:spPr>
           <a:xfrm>
             <a:off x="6048000" y="2016000"/>
-            <a:ext cx="2160000" cy="3600000"/>
+            <a:ext cx="2159640" cy="3599640"/>
           </a:xfrm>
           <a:prstGeom prst="rect">
             <a:avLst/>
@@ -9186,14 +9030,14 @@
       </p:pic>
       <p:sp>
         <p:nvSpPr>
-          <p:cNvPr id="288" name="TextShape 4"/>
-          <p:cNvSpPr txBox="1"/>
+          <p:cNvPr id="282" name="CustomShape 4"/>
+          <p:cNvSpPr/>
           <p:nvPr/>
         </p:nvSpPr>
         <p:spPr>
           <a:xfrm>
             <a:off x="648000" y="1512000"/>
-            <a:ext cx="7776000" cy="346320"/>
+            <a:ext cx="7775640" cy="345960"/>
           </a:xfrm>
           <a:prstGeom prst="rect">
             <a:avLst/>
@@ -9259,10 +9103,10 @@
   <p:timing>
     <p:tnLst>
       <p:par>
-        <p:cTn dur="indefinite" id="1" nodeType="tmRoot" restart="never">
+        <p:cTn dur="indefinite" id="5" nodeType="tmRoot" restart="never">
           <p:childTnLst>
             <p:seq>
-              <p:cTn id="2" nodeType="mainSeq">
+              <p:cTn id="6" nodeType="mainSeq">
                 <p:childTnLst/>
               </p:cTn>
               <p:prevCondLst>
@@ -9288,7 +9132,7 @@
 </p:sld>
 </file>
 
-<file path=ppt/slides/slide6.xml><?xml version="1.0" encoding="utf-8"?>
+<file path=ppt/slides/slide7.xml><?xml version="1.0" encoding="utf-8"?>
 <p:sld xmlns:a="http://schemas.openxmlformats.org/drawingml/2006/main" xmlns:p="http://schemas.openxmlformats.org/presentationml/2006/main" xmlns:r="http://schemas.openxmlformats.org/officeDocument/2006/relationships">
   <p:cSld>
     <p:spTree>
@@ -9307,7 +9151,7 @@
       </p:grpSpPr>
       <p:pic>
         <p:nvPicPr>
-          <p:cNvPr descr="" id="289" name="Immagine 2"/>
+          <p:cNvPr descr="" id="283" name="Immagine 2"/>
           <p:cNvPicPr/>
           <p:nvPr/>
         </p:nvPicPr>
@@ -9320,7 +9164,7 @@
         <p:spPr>
           <a:xfrm>
             <a:off x="2750760" y="1268640"/>
-            <a:ext cx="3765240" cy="4580640"/>
+            <a:ext cx="3764880" cy="4580280"/>
           </a:xfrm>
           <a:prstGeom prst="rect">
             <a:avLst/>
@@ -9329,21 +9173,21 @@
       </p:pic>
       <p:sp>
         <p:nvSpPr>
-          <p:cNvPr id="290" name="TextShape 1"/>
-          <p:cNvSpPr txBox="1"/>
+          <p:cNvPr id="284" name="CustomShape 1"/>
+          <p:cNvSpPr/>
           <p:nvPr/>
         </p:nvSpPr>
         <p:spPr>
           <a:xfrm>
             <a:off x="1152000" y="369360"/>
-            <a:ext cx="7024320" cy="1142640"/>
-          </a:xfrm>
-          <a:prstGeom prst="rect">
-            <a:avLst/>
-          </a:prstGeom>
-        </p:spPr>
-        <p:txBody>
-          <a:bodyPr anchor="b"/>
+            <a:ext cx="7023960" cy="1142280"/>
+          </a:xfrm>
+          <a:prstGeom prst="rect">
+            <a:avLst/>
+          </a:prstGeom>
+        </p:spPr>
+        <p:txBody>
+          <a:bodyPr anchor="b" bIns="45000" lIns="90000" rIns="90000" tIns="45000"/>
           <a:p>
             <a:pPr algn="ctr">
               <a:lnSpc>
@@ -9365,14 +9209,14 @@
       </p:sp>
       <p:sp>
         <p:nvSpPr>
-          <p:cNvPr id="291" name="TextShape 2"/>
-          <p:cNvSpPr txBox="1"/>
+          <p:cNvPr id="285" name="CustomShape 2"/>
+          <p:cNvSpPr/>
           <p:nvPr/>
         </p:nvSpPr>
         <p:spPr>
           <a:xfrm>
             <a:off x="0" y="0"/>
-            <a:ext cx="-11796840" cy="-11796840"/>
+            <a:ext cx="11796480" cy="11796480"/>
           </a:xfrm>
           <a:prstGeom prst="rect">
             <a:avLst/>
@@ -9401,14 +9245,14 @@
       </p:sp>
       <p:sp>
         <p:nvSpPr>
-          <p:cNvPr id="292" name="TextShape 3"/>
-          <p:cNvSpPr txBox="1"/>
+          <p:cNvPr id="286" name="CustomShape 3"/>
+          <p:cNvSpPr/>
           <p:nvPr/>
         </p:nvSpPr>
         <p:spPr>
           <a:xfrm>
             <a:off x="0" y="0"/>
-            <a:ext cx="-11796840" cy="-11796840"/>
+            <a:ext cx="11796480" cy="11796480"/>
           </a:xfrm>
           <a:prstGeom prst="rect">
             <a:avLst/>
@@ -9422,14 +9266,14 @@
                 <a:spcPct val="100000"/>
               </a:lnSpc>
             </a:pPr>
-            <a:fld id="{71D1E131-0191-41B1-A1C1-9131A1A14101}" type="slidenum">
+            <a:fld id="{21C1D171-3111-41D1-9181-B171E1A1D121}" type="slidenum">
               <a:rPr lang="it-IT">
                 <a:solidFill>
                   <a:srgbClr val="000000"/>
                 </a:solidFill>
                 <a:latin typeface="Century Gothic"/>
               </a:rPr>
-              <a:t>&lt;numero&gt;</a:t>
+              <a:t>&lt;number&gt;</a:t>
             </a:fld>
             <a:r>
               <a:rPr lang="it-IT">
@@ -9446,14 +9290,14 @@
       </p:sp>
       <p:sp>
         <p:nvSpPr>
-          <p:cNvPr id="293" name="TextShape 4"/>
-          <p:cNvSpPr txBox="1"/>
+          <p:cNvPr id="287" name="CustomShape 4"/>
+          <p:cNvSpPr/>
           <p:nvPr/>
         </p:nvSpPr>
         <p:spPr>
           <a:xfrm>
             <a:off x="648000" y="1512000"/>
-            <a:ext cx="7776000" cy="346320"/>
+            <a:ext cx="7775640" cy="345960"/>
           </a:xfrm>
           <a:prstGeom prst="rect">
             <a:avLst/>
@@ -9516,7 +9360,7 @@
       </p:sp>
       <p:pic>
         <p:nvPicPr>
-          <p:cNvPr descr="" id="294" name=""/>
+          <p:cNvPr descr="" id="288" name=""/>
           <p:cNvPicPr/>
           <p:nvPr/>
         </p:nvPicPr>
@@ -9529,7 +9373,7 @@
         <p:spPr>
           <a:xfrm>
             <a:off x="648000" y="2160000"/>
-            <a:ext cx="2160000" cy="3600000"/>
+            <a:ext cx="2159640" cy="3599640"/>
           </a:xfrm>
           <a:prstGeom prst="rect">
             <a:avLst/>
@@ -9538,7 +9382,7 @@
       </p:pic>
       <p:pic>
         <p:nvPicPr>
-          <p:cNvPr descr="" id="295" name=""/>
+          <p:cNvPr descr="" id="289" name=""/>
           <p:cNvPicPr/>
           <p:nvPr/>
         </p:nvPicPr>
@@ -9551,7 +9395,7 @@
         <p:spPr>
           <a:xfrm>
             <a:off x="288000" y="5328000"/>
-            <a:ext cx="1800000" cy="1080000"/>
+            <a:ext cx="1799640" cy="1079640"/>
           </a:xfrm>
           <a:prstGeom prst="rect">
             <a:avLst/>
@@ -9560,7 +9404,7 @@
       </p:pic>
       <p:pic>
         <p:nvPicPr>
-          <p:cNvPr descr="" id="296" name=""/>
+          <p:cNvPr descr="" id="290" name=""/>
           <p:cNvPicPr/>
           <p:nvPr/>
         </p:nvPicPr>
@@ -9573,7 +9417,7 @@
         <p:spPr>
           <a:xfrm>
             <a:off x="3384000" y="2160000"/>
-            <a:ext cx="2160000" cy="3600000"/>
+            <a:ext cx="2159640" cy="3599640"/>
           </a:xfrm>
           <a:prstGeom prst="rect">
             <a:avLst/>
@@ -9582,7 +9426,7 @@
       </p:pic>
       <p:pic>
         <p:nvPicPr>
-          <p:cNvPr descr="" id="297" name=""/>
+          <p:cNvPr descr="" id="291" name=""/>
           <p:cNvPicPr/>
           <p:nvPr/>
         </p:nvPicPr>
@@ -9595,7 +9439,7 @@
         <p:spPr>
           <a:xfrm>
             <a:off x="6048000" y="2160000"/>
-            <a:ext cx="2160000" cy="3600000"/>
+            <a:ext cx="2159640" cy="3599640"/>
           </a:xfrm>
           <a:prstGeom prst="rect">
             <a:avLst/>
@@ -9607,10 +9451,10 @@
   <p:timing>
     <p:tnLst>
       <p:par>
-        <p:cTn dur="indefinite" id="3" nodeType="tmRoot" restart="never">
+        <p:cTn dur="indefinite" id="7" nodeType="tmRoot" restart="never">
           <p:childTnLst>
             <p:seq>
-              <p:cTn id="4" nodeType="mainSeq">
+              <p:cTn id="8" nodeType="mainSeq">
                 <p:childTnLst/>
               </p:cTn>
               <p:prevCondLst>

--- a/RQ/Esterni/presentazione/RP-Presentazione_w_mobile.pptx
+++ b/RQ/Esterni/presentazione/RP-Presentazione_w_mobile.pptx
@@ -184,7 +184,7 @@
           <a:bodyPr anchor="b" bIns="0" lIns="0" rIns="0" tIns="0" wrap="none"/>
           <a:p>
             <a:pPr algn="r"/>
-            <a:fld id="{E101C1E1-B171-41F1-A1B1-412171D10031}" type="slidenum">
+            <a:fld id="{E191D1F1-A1E1-4161-B1B1-B100D13151B1}" type="slidenum">
               <a:rPr lang="it-IT"/>
               <a:t>&lt;number&gt;</a:t>
             </a:fld>
@@ -264,7 +264,7 @@
                 <a:spcPct val="100000"/>
               </a:lnSpc>
             </a:pPr>
-            <a:fld id="{2151F141-9131-4191-B1D1-D16191A1A181}" type="slidenum">
+            <a:fld id="{31E101B1-31E1-4141-A151-E1D12101A151}" type="slidenum">
               <a:rPr lang="it-IT">
                 <a:solidFill>
                   <a:srgbClr val="000000"/>
@@ -7986,7 +7986,7 @@
                 <a:spcPct val="100000"/>
               </a:lnSpc>
             </a:pPr>
-            <a:fld id="{811181E1-5171-41F1-A151-F171F1E1B1F1}" type="slidenum">
+            <a:fld id="{A1A14141-3161-41F1-8171-F1B1817101D1}" type="slidenum">
               <a:rPr lang="it-IT">
                 <a:solidFill>
                   <a:srgbClr val="000000"/>
@@ -8229,6 +8229,35 @@
               <a:buFont typeface="Century Gothic"/>
               <a:buAutoNum type="arabicPeriod"/>
             </a:pPr>
+            <a:r>
+              <a:rPr b="1" lang="it-IT" sz="2400">
+                <a:solidFill>
+                  <a:srgbClr val="3e3d2d"/>
+                </a:solidFill>
+                <a:latin typeface="Century Gothic"/>
+              </a:rPr>
+              <a:t>→ </a:t>
+            </a:r>
+            <a:r>
+              <a:rPr lang="it-IT" sz="2400">
+                <a:solidFill>
+                  <a:srgbClr val="3e3d2d"/>
+                </a:solidFill>
+                <a:latin typeface="Century Gothic"/>
+              </a:rPr>
+              <a:t>metriche</a:t>
+            </a:r>
+            <a:endParaRPr/>
+          </a:p>
+          <a:p>
+            <a:pPr>
+              <a:lnSpc>
+                <a:spcPct val="100000"/>
+              </a:lnSpc>
+              <a:buSzPct val="76000"/>
+              <a:buFont typeface="Century Gothic"/>
+              <a:buAutoNum type="arabicPeriod"/>
+            </a:pPr>
             <a:endParaRPr/>
           </a:p>
           <a:p>
@@ -8519,7 +8548,7 @@
                 <a:spcPct val="100000"/>
               </a:lnSpc>
             </a:pPr>
-            <a:fld id="{91D18121-2121-4171-A161-71A1D1D1E1A1}" type="slidenum">
+            <a:fld id="{7171B1C1-2121-4131-A171-31710181A171}" type="slidenum">
               <a:rPr lang="it-IT">
                 <a:solidFill>
                   <a:srgbClr val="000000"/>
@@ -8644,7 +8673,7 @@
                 <a:spcPct val="100000"/>
               </a:lnSpc>
             </a:pPr>
-            <a:fld id="{9141F141-01D1-41B1-8101-E151B1F1D151}" type="slidenum">
+            <a:fld id="{E10161D1-6191-41D1-B101-A1E1D171C161}" type="slidenum">
               <a:rPr lang="it-IT">
                 <a:solidFill>
                   <a:srgbClr val="000000"/>
@@ -8940,7 +8969,7 @@
                 <a:spcPct val="100000"/>
               </a:lnSpc>
             </a:pPr>
-            <a:fld id="{41F14121-4111-4131-B1B1-91912161B1D1}" type="slidenum">
+            <a:fld id="{E1C14191-9101-41A1-8171-F111F10191A1}" type="slidenum">
               <a:rPr lang="it-IT">
                 <a:solidFill>
                   <a:srgbClr val="000000"/>
@@ -9266,7 +9295,7 @@
                 <a:spcPct val="100000"/>
               </a:lnSpc>
             </a:pPr>
-            <a:fld id="{21C1D171-3111-41D1-9181-B171E1A1D121}" type="slidenum">
+            <a:fld id="{21A16181-0171-41E1-8101-61D191310171}" type="slidenum">
               <a:rPr lang="it-IT">
                 <a:solidFill>
                   <a:srgbClr val="000000"/>

--- a/RQ/Esterni/presentazione/RP-Presentazione_w_mobile.pptx
+++ b/RQ/Esterni/presentazione/RP-Presentazione_w_mobile.pptx
@@ -184,7 +184,7 @@
           <a:bodyPr anchor="b" bIns="0" lIns="0" rIns="0" tIns="0" wrap="none"/>
           <a:p>
             <a:pPr algn="r"/>
-            <a:fld id="{E191D1F1-A1E1-4161-B1B1-B100D13151B1}" type="slidenum">
+            <a:fld id="{21D13171-0141-4181-8141-E13151313101}" type="slidenum">
               <a:rPr lang="it-IT"/>
               <a:t>&lt;number&gt;</a:t>
             </a:fld>
@@ -264,7 +264,7 @@
                 <a:spcPct val="100000"/>
               </a:lnSpc>
             </a:pPr>
-            <a:fld id="{31E101B1-31E1-4141-A151-E1D12101A151}" type="slidenum">
+            <a:fld id="{2141E111-6181-4121-B101-2171A1617191}" type="slidenum">
               <a:rPr lang="it-IT">
                 <a:solidFill>
                   <a:srgbClr val="000000"/>
@@ -7986,7 +7986,7 @@
                 <a:spcPct val="100000"/>
               </a:lnSpc>
             </a:pPr>
-            <a:fld id="{A1A14141-3161-41F1-8171-F1B1817101D1}" type="slidenum">
+            <a:fld id="{917141D1-A111-41D1-A1A1-41F141C111F1}" type="slidenum">
               <a:rPr lang="it-IT">
                 <a:solidFill>
                   <a:srgbClr val="000000"/>
@@ -8548,7 +8548,7 @@
                 <a:spcPct val="100000"/>
               </a:lnSpc>
             </a:pPr>
-            <a:fld id="{7171B1C1-2121-4131-A171-31710181A171}" type="slidenum">
+            <a:fld id="{91C1D171-8191-41A1-B1A1-816101A1C1B1}" type="slidenum">
               <a:rPr lang="it-IT">
                 <a:solidFill>
                   <a:srgbClr val="000000"/>
@@ -8673,7 +8673,7 @@
                 <a:spcPct val="100000"/>
               </a:lnSpc>
             </a:pPr>
-            <a:fld id="{E10161D1-6191-41D1-B101-A1E1D171C161}" type="slidenum">
+            <a:fld id="{2121F1E1-A181-41D1-81A1-719131E13141}" type="slidenum">
               <a:rPr lang="it-IT">
                 <a:solidFill>
                   <a:srgbClr val="000000"/>
@@ -8969,7 +8969,7 @@
                 <a:spcPct val="100000"/>
               </a:lnSpc>
             </a:pPr>
-            <a:fld id="{E1C14191-9101-41A1-8171-F111F10191A1}" type="slidenum">
+            <a:fld id="{F1912141-C1A1-41F1-B1C1-B1C151410161}" type="slidenum">
               <a:rPr lang="it-IT">
                 <a:solidFill>
                   <a:srgbClr val="000000"/>
@@ -9295,7 +9295,7 @@
                 <a:spcPct val="100000"/>
               </a:lnSpc>
             </a:pPr>
-            <a:fld id="{21A16181-0171-41E1-8101-61D191310171}" type="slidenum">
+            <a:fld id="{01417121-C181-41A1-B191-41D191A17141}" type="slidenum">
               <a:rPr lang="it-IT">
                 <a:solidFill>
                   <a:srgbClr val="000000"/>

--- a/RQ/Esterni/presentazione/RP-Presentazione_w_mobile.pptx
+++ b/RQ/Esterni/presentazione/RP-Presentazione_w_mobile.pptx
@@ -184,7 +184,7 @@
           <a:bodyPr anchor="b" bIns="0" lIns="0" rIns="0" tIns="0" wrap="none"/>
           <a:p>
             <a:pPr algn="r"/>
-            <a:fld id="{21D13171-0141-4181-8141-E13151313101}" type="slidenum">
+            <a:fld id="{8131E171-A131-4131-8151-A101D1E1A1F1}" type="slidenum">
               <a:rPr lang="it-IT"/>
               <a:t>&lt;number&gt;</a:t>
             </a:fld>
@@ -228,7 +228,7 @@
         <p:spPr>
           <a:xfrm>
             <a:off x="0" y="0"/>
-            <a:ext cx="11796480" cy="11796480"/>
+            <a:ext cx="11796120" cy="11796120"/>
           </a:xfrm>
           <a:prstGeom prst="rect">
             <a:avLst/>
@@ -250,7 +250,7 @@
         <p:spPr>
           <a:xfrm>
             <a:off x="0" y="0"/>
-            <a:ext cx="11796480" cy="11796480"/>
+            <a:ext cx="11796120" cy="11796120"/>
           </a:xfrm>
           <a:prstGeom prst="rect">
             <a:avLst/>
@@ -264,7 +264,7 @@
                 <a:spcPct val="100000"/>
               </a:lnSpc>
             </a:pPr>
-            <a:fld id="{2141E111-6181-4121-B101-2171A1617191}" type="slidenum">
+            <a:fld id="{81317111-D1F1-41A1-8181-8191210121F1}" type="slidenum">
               <a:rPr lang="it-IT">
                 <a:solidFill>
                   <a:srgbClr val="000000"/>
@@ -335,7 +335,7 @@
         <p:spPr>
           <a:xfrm>
             <a:off x="1043640" y="1027800"/>
-            <a:ext cx="7023960" cy="1143000"/>
+            <a:ext cx="7023600" cy="1143000"/>
           </a:xfrm>
           <a:prstGeom prst="rect">
             <a:avLst/>
@@ -436,7 +436,7 @@
         <p:spPr>
           <a:xfrm>
             <a:off x="1043640" y="1027800"/>
-            <a:ext cx="7023960" cy="1143000"/>
+            <a:ext cx="7023600" cy="1143000"/>
           </a:xfrm>
           <a:prstGeom prst="rect">
             <a:avLst/>
@@ -589,7 +589,7 @@
         <p:spPr>
           <a:xfrm>
             <a:off x="1043640" y="1027800"/>
-            <a:ext cx="7023960" cy="1143000"/>
+            <a:ext cx="7023600" cy="1143000"/>
           </a:xfrm>
           <a:prstGeom prst="rect">
             <a:avLst/>
@@ -712,7 +712,7 @@
         <p:spPr>
           <a:xfrm>
             <a:off x="1043640" y="1027800"/>
-            <a:ext cx="7023960" cy="1143000"/>
+            <a:ext cx="7023600" cy="1143000"/>
           </a:xfrm>
           <a:prstGeom prst="rect">
             <a:avLst/>
@@ -788,7 +788,7 @@
         <p:spPr>
           <a:xfrm>
             <a:off x="1043640" y="1027800"/>
-            <a:ext cx="7023960" cy="1143000"/>
+            <a:ext cx="7023600" cy="1143000"/>
           </a:xfrm>
           <a:prstGeom prst="rect">
             <a:avLst/>
@@ -863,7 +863,7 @@
         <p:spPr>
           <a:xfrm>
             <a:off x="1043640" y="1027800"/>
-            <a:ext cx="7023960" cy="1143000"/>
+            <a:ext cx="7023600" cy="1143000"/>
           </a:xfrm>
           <a:prstGeom prst="rect">
             <a:avLst/>
@@ -964,7 +964,7 @@
         <p:spPr>
           <a:xfrm>
             <a:off x="1043640" y="1027800"/>
-            <a:ext cx="7023960" cy="1143000"/>
+            <a:ext cx="7023600" cy="1143000"/>
           </a:xfrm>
           <a:prstGeom prst="rect">
             <a:avLst/>
@@ -1013,7 +1013,7 @@
         <p:spPr>
           <a:xfrm>
             <a:off x="1043640" y="1027800"/>
-            <a:ext cx="7023960" cy="5102640"/>
+            <a:ext cx="7023600" cy="5102640"/>
           </a:xfrm>
           <a:prstGeom prst="rect">
             <a:avLst/>
@@ -1062,7 +1062,7 @@
         <p:spPr>
           <a:xfrm>
             <a:off x="1043640" y="1027800"/>
-            <a:ext cx="7023960" cy="1143000"/>
+            <a:ext cx="7023600" cy="1143000"/>
           </a:xfrm>
           <a:prstGeom prst="rect">
             <a:avLst/>
@@ -1189,7 +1189,7 @@
         <p:spPr>
           <a:xfrm>
             <a:off x="1043640" y="1027800"/>
-            <a:ext cx="7023960" cy="1143000"/>
+            <a:ext cx="7023600" cy="1143000"/>
           </a:xfrm>
           <a:prstGeom prst="rect">
             <a:avLst/>
@@ -1265,7 +1265,7 @@
         <p:spPr>
           <a:xfrm>
             <a:off x="1043640" y="1027800"/>
-            <a:ext cx="7023960" cy="1143000"/>
+            <a:ext cx="7023600" cy="1143000"/>
           </a:xfrm>
           <a:prstGeom prst="rect">
             <a:avLst/>
@@ -1392,7 +1392,7 @@
         <p:spPr>
           <a:xfrm>
             <a:off x="1043640" y="1027800"/>
-            <a:ext cx="7023960" cy="1143000"/>
+            <a:ext cx="7023600" cy="1143000"/>
           </a:xfrm>
           <a:prstGeom prst="rect">
             <a:avLst/>
@@ -1519,7 +1519,7 @@
         <p:spPr>
           <a:xfrm>
             <a:off x="1043640" y="1027800"/>
-            <a:ext cx="7023960" cy="1143000"/>
+            <a:ext cx="7023600" cy="1143000"/>
           </a:xfrm>
           <a:prstGeom prst="rect">
             <a:avLst/>
@@ -1620,7 +1620,7 @@
         <p:spPr>
           <a:xfrm>
             <a:off x="1043640" y="1027800"/>
-            <a:ext cx="7023960" cy="1143000"/>
+            <a:ext cx="7023600" cy="1143000"/>
           </a:xfrm>
           <a:prstGeom prst="rect">
             <a:avLst/>
@@ -1773,7 +1773,7 @@
         <p:spPr>
           <a:xfrm>
             <a:off x="1043640" y="1027800"/>
-            <a:ext cx="7023960" cy="1143000"/>
+            <a:ext cx="7023600" cy="1143000"/>
           </a:xfrm>
           <a:prstGeom prst="rect">
             <a:avLst/>
@@ -1896,7 +1896,7 @@
         <p:spPr>
           <a:xfrm>
             <a:off x="1043640" y="1027800"/>
-            <a:ext cx="7023960" cy="1143000"/>
+            <a:ext cx="7023600" cy="1143000"/>
           </a:xfrm>
           <a:prstGeom prst="rect">
             <a:avLst/>
@@ -1972,7 +1972,7 @@
         <p:spPr>
           <a:xfrm>
             <a:off x="1043640" y="1027800"/>
-            <a:ext cx="7023960" cy="1143000"/>
+            <a:ext cx="7023600" cy="1143000"/>
           </a:xfrm>
           <a:prstGeom prst="rect">
             <a:avLst/>
@@ -2047,7 +2047,7 @@
         <p:spPr>
           <a:xfrm>
             <a:off x="1043640" y="1027800"/>
-            <a:ext cx="7023960" cy="1143000"/>
+            <a:ext cx="7023600" cy="1143000"/>
           </a:xfrm>
           <a:prstGeom prst="rect">
             <a:avLst/>
@@ -2148,7 +2148,7 @@
         <p:spPr>
           <a:xfrm>
             <a:off x="1043640" y="1027800"/>
-            <a:ext cx="7023960" cy="1143000"/>
+            <a:ext cx="7023600" cy="1143000"/>
           </a:xfrm>
           <a:prstGeom prst="rect">
             <a:avLst/>
@@ -2197,7 +2197,7 @@
         <p:spPr>
           <a:xfrm>
             <a:off x="1043640" y="1027800"/>
-            <a:ext cx="7023960" cy="1143000"/>
+            <a:ext cx="7023600" cy="1143000"/>
           </a:xfrm>
           <a:prstGeom prst="rect">
             <a:avLst/>
@@ -2272,7 +2272,7 @@
         <p:spPr>
           <a:xfrm>
             <a:off x="1043640" y="1027800"/>
-            <a:ext cx="7023960" cy="5102640"/>
+            <a:ext cx="7023600" cy="5102640"/>
           </a:xfrm>
           <a:prstGeom prst="rect">
             <a:avLst/>
@@ -2321,7 +2321,7 @@
         <p:spPr>
           <a:xfrm>
             <a:off x="1043640" y="1027800"/>
-            <a:ext cx="7023960" cy="1143000"/>
+            <a:ext cx="7023600" cy="1143000"/>
           </a:xfrm>
           <a:prstGeom prst="rect">
             <a:avLst/>
@@ -2448,7 +2448,7 @@
         <p:spPr>
           <a:xfrm>
             <a:off x="1043640" y="1027800"/>
-            <a:ext cx="7023960" cy="1143000"/>
+            <a:ext cx="7023600" cy="1143000"/>
           </a:xfrm>
           <a:prstGeom prst="rect">
             <a:avLst/>
@@ -2575,7 +2575,7 @@
         <p:spPr>
           <a:xfrm>
             <a:off x="1043640" y="1027800"/>
-            <a:ext cx="7023960" cy="1143000"/>
+            <a:ext cx="7023600" cy="1143000"/>
           </a:xfrm>
           <a:prstGeom prst="rect">
             <a:avLst/>
@@ -2702,7 +2702,7 @@
         <p:spPr>
           <a:xfrm>
             <a:off x="1043640" y="1027800"/>
-            <a:ext cx="7023960" cy="1143000"/>
+            <a:ext cx="7023600" cy="1143000"/>
           </a:xfrm>
           <a:prstGeom prst="rect">
             <a:avLst/>
@@ -2803,7 +2803,7 @@
         <p:spPr>
           <a:xfrm>
             <a:off x="1043640" y="1027800"/>
-            <a:ext cx="7023960" cy="1143000"/>
+            <a:ext cx="7023600" cy="1143000"/>
           </a:xfrm>
           <a:prstGeom prst="rect">
             <a:avLst/>
@@ -2956,7 +2956,7 @@
         <p:spPr>
           <a:xfrm>
             <a:off x="1043640" y="1027800"/>
-            <a:ext cx="7023960" cy="1143000"/>
+            <a:ext cx="7023600" cy="1143000"/>
           </a:xfrm>
           <a:prstGeom prst="rect">
             <a:avLst/>
@@ -3057,7 +3057,7 @@
         <p:spPr>
           <a:xfrm>
             <a:off x="1043640" y="1027800"/>
-            <a:ext cx="7023960" cy="1143000"/>
+            <a:ext cx="7023600" cy="1143000"/>
           </a:xfrm>
           <a:prstGeom prst="rect">
             <a:avLst/>
@@ -3158,7 +3158,7 @@
         <p:spPr>
           <a:xfrm>
             <a:off x="1043640" y="1027800"/>
-            <a:ext cx="7023960" cy="1143000"/>
+            <a:ext cx="7023600" cy="1143000"/>
           </a:xfrm>
           <a:prstGeom prst="rect">
             <a:avLst/>
@@ -3207,7 +3207,7 @@
         <p:spPr>
           <a:xfrm>
             <a:off x="1043640" y="1027800"/>
-            <a:ext cx="7023960" cy="5102640"/>
+            <a:ext cx="7023600" cy="5102640"/>
           </a:xfrm>
           <a:prstGeom prst="rect">
             <a:avLst/>
@@ -3256,7 +3256,7 @@
         <p:spPr>
           <a:xfrm>
             <a:off x="1043640" y="1027800"/>
-            <a:ext cx="7023960" cy="1143000"/>
+            <a:ext cx="7023600" cy="1143000"/>
           </a:xfrm>
           <a:prstGeom prst="rect">
             <a:avLst/>
@@ -3383,7 +3383,7 @@
         <p:spPr>
           <a:xfrm>
             <a:off x="1043640" y="1027800"/>
-            <a:ext cx="7023960" cy="1143000"/>
+            <a:ext cx="7023600" cy="1143000"/>
           </a:xfrm>
           <a:prstGeom prst="rect">
             <a:avLst/>
@@ -3510,7 +3510,7 @@
         <p:spPr>
           <a:xfrm>
             <a:off x="1043640" y="1027800"/>
-            <a:ext cx="7023960" cy="1143000"/>
+            <a:ext cx="7023600" cy="1143000"/>
           </a:xfrm>
           <a:prstGeom prst="rect">
             <a:avLst/>
@@ -3633,7 +3633,7 @@
         <p:spPr>
           <a:xfrm>
             <a:off x="992160" y="0"/>
-            <a:ext cx="1599480" cy="6857280"/>
+            <a:ext cx="1599120" cy="6856920"/>
           </a:xfrm>
           <a:prstGeom prst="rect">
             <a:avLst/>
@@ -3652,7 +3652,7 @@
         <p:spPr>
           <a:xfrm>
             <a:off x="77760" y="0"/>
-            <a:ext cx="456480" cy="6857280"/>
+            <a:ext cx="456120" cy="6856920"/>
           </a:xfrm>
           <a:prstGeom prst="rect">
             <a:avLst/>
@@ -3671,7 +3671,7 @@
         <p:spPr>
           <a:xfrm>
             <a:off x="306360" y="0"/>
-            <a:ext cx="761400" cy="6857280"/>
+            <a:ext cx="761040" cy="6856920"/>
           </a:xfrm>
           <a:prstGeom prst="rect">
             <a:avLst/>
@@ -3690,7 +3690,7 @@
         <p:spPr>
           <a:xfrm>
             <a:off x="1414800" y="0"/>
-            <a:ext cx="1599480" cy="6857280"/>
+            <a:ext cx="1599120" cy="6856920"/>
           </a:xfrm>
           <a:prstGeom prst="rect">
             <a:avLst/>
@@ -3709,7 +3709,7 @@
         <p:spPr>
           <a:xfrm>
             <a:off x="500400" y="0"/>
-            <a:ext cx="456480" cy="6857280"/>
+            <a:ext cx="456120" cy="6856920"/>
           </a:xfrm>
           <a:prstGeom prst="rect">
             <a:avLst/>
@@ -3728,7 +3728,7 @@
         <p:spPr>
           <a:xfrm>
             <a:off x="729000" y="0"/>
-            <a:ext cx="761400" cy="6857280"/>
+            <a:ext cx="761040" cy="6856920"/>
           </a:xfrm>
           <a:prstGeom prst="rect">
             <a:avLst/>
@@ -3747,7 +3747,7 @@
         <p:spPr>
           <a:xfrm>
             <a:off x="8307360" y="6858000"/>
-            <a:ext cx="1599480" cy="6857280"/>
+            <a:ext cx="1599120" cy="6856920"/>
           </a:xfrm>
           <a:prstGeom prst="rect">
             <a:avLst/>
@@ -3766,7 +3766,7 @@
         <p:spPr>
           <a:xfrm>
             <a:off x="9221760" y="6858000"/>
-            <a:ext cx="456480" cy="6857280"/>
+            <a:ext cx="456120" cy="6856920"/>
           </a:xfrm>
           <a:prstGeom prst="rect">
             <a:avLst/>
@@ -3785,7 +3785,7 @@
         <p:spPr>
           <a:xfrm>
             <a:off x="8993160" y="6858000"/>
-            <a:ext cx="761400" cy="6857280"/>
+            <a:ext cx="761040" cy="6856920"/>
           </a:xfrm>
           <a:prstGeom prst="rect">
             <a:avLst/>
@@ -3804,7 +3804,7 @@
         <p:spPr>
           <a:xfrm>
             <a:off x="3887640" y="0"/>
-            <a:ext cx="2818800" cy="6857280"/>
+            <a:ext cx="2818440" cy="6856920"/>
           </a:xfrm>
           <a:prstGeom prst="rect">
             <a:avLst/>
@@ -3823,7 +3823,7 @@
         <p:spPr>
           <a:xfrm>
             <a:off x="2973240" y="0"/>
-            <a:ext cx="456480" cy="6857280"/>
+            <a:ext cx="456120" cy="6856920"/>
           </a:xfrm>
           <a:prstGeom prst="rect">
             <a:avLst/>
@@ -3842,7 +3842,7 @@
         <p:spPr>
           <a:xfrm>
             <a:off x="3201840" y="0"/>
-            <a:ext cx="761400" cy="6857280"/>
+            <a:ext cx="761040" cy="6856920"/>
           </a:xfrm>
           <a:prstGeom prst="rect">
             <a:avLst/>
@@ -3861,7 +3861,7 @@
         <p:spPr>
           <a:xfrm>
             <a:off x="65880" y="5034960"/>
-            <a:ext cx="9143280" cy="1175040"/>
+            <a:ext cx="9142920" cy="1174680"/>
           </a:xfrm>
           <a:prstGeom prst="rect">
             <a:avLst/>
@@ -3883,7 +3883,7 @@
         <p:spPr>
           <a:xfrm>
             <a:off x="65880" y="3467520"/>
-            <a:ext cx="9143280" cy="889920"/>
+            <a:ext cx="9142920" cy="889560"/>
           </a:xfrm>
           <a:prstGeom prst="rect">
             <a:avLst/>
@@ -3905,7 +3905,7 @@
         <p:spPr>
           <a:xfrm>
             <a:off x="54000" y="5640840"/>
-            <a:ext cx="3003840" cy="1210680"/>
+            <a:ext cx="3003480" cy="1210320"/>
           </a:xfrm>
           <a:prstGeom prst="rect">
             <a:avLst/>
@@ -3927,7 +3927,7 @@
         <p:spPr>
           <a:xfrm>
             <a:off x="65880" y="5284440"/>
-            <a:ext cx="9143280" cy="1477800"/>
+            <a:ext cx="9142920" cy="1477440"/>
           </a:xfrm>
           <a:prstGeom prst="rect">
             <a:avLst/>
@@ -3949,7 +3949,7 @@
         <p:spPr>
           <a:xfrm>
             <a:off x="2215080" y="5132160"/>
-            <a:ext cx="6981840" cy="1719360"/>
+            <a:ext cx="6981480" cy="1719000"/>
           </a:xfrm>
           <a:prstGeom prst="rect">
             <a:avLst/>
@@ -3971,7 +3971,7 @@
         <p:spPr>
           <a:xfrm>
             <a:off x="3528000" y="2552040"/>
-            <a:ext cx="1600560" cy="1387440"/>
+            <a:ext cx="1600200" cy="1387080"/>
           </a:xfrm>
           <a:prstGeom prst="rect">
             <a:avLst/>
@@ -3996,7 +3996,7 @@
         <p:spPr>
           <a:xfrm>
             <a:off x="4251960" y="3818880"/>
-            <a:ext cx="1600560" cy="1387440"/>
+            <a:ext cx="1600200" cy="1387080"/>
           </a:xfrm>
           <a:prstGeom prst="rect">
             <a:avLst/>
@@ -4021,7 +4021,7 @@
         <p:spPr>
           <a:xfrm>
             <a:off x="4261680" y="1285200"/>
-            <a:ext cx="1600560" cy="1387440"/>
+            <a:ext cx="1600200" cy="1387080"/>
           </a:xfrm>
           <a:prstGeom prst="rect">
             <a:avLst/>
@@ -4046,7 +4046,7 @@
         <p:spPr>
           <a:xfrm>
             <a:off x="3508920" y="18360"/>
-            <a:ext cx="1600560" cy="1387440"/>
+            <a:ext cx="1600200" cy="1387080"/>
           </a:xfrm>
           <a:prstGeom prst="rect">
             <a:avLst/>
@@ -4071,7 +4071,7 @@
         <p:spPr>
           <a:xfrm>
             <a:off x="4995000" y="5076000"/>
-            <a:ext cx="1600560" cy="1387440"/>
+            <a:ext cx="1600200" cy="1387080"/>
           </a:xfrm>
           <a:prstGeom prst="rect">
             <a:avLst/>
@@ -4096,7 +4096,7 @@
         <p:spPr>
           <a:xfrm>
             <a:off x="126720" y="3979080"/>
-            <a:ext cx="1260720" cy="1387440"/>
+            <a:ext cx="1260360" cy="1387080"/>
           </a:xfrm>
           <a:prstGeom prst="rect">
             <a:avLst/>
@@ -4121,7 +4121,7 @@
         <p:spPr>
           <a:xfrm>
             <a:off x="556200" y="5095080"/>
-            <a:ext cx="1600560" cy="1387440"/>
+            <a:ext cx="1600200" cy="1387080"/>
           </a:xfrm>
           <a:prstGeom prst="rect">
             <a:avLst/>
@@ -4146,7 +4146,7 @@
         <p:spPr>
           <a:xfrm>
             <a:off x="585000" y="2542320"/>
-            <a:ext cx="1600560" cy="1387440"/>
+            <a:ext cx="1600200" cy="1387080"/>
           </a:xfrm>
           <a:prstGeom prst="rect">
             <a:avLst/>
@@ -4171,7 +4171,7 @@
         <p:spPr>
           <a:xfrm>
             <a:off x="1308600" y="3818880"/>
-            <a:ext cx="1600560" cy="1387440"/>
+            <a:ext cx="1600200" cy="1387080"/>
           </a:xfrm>
           <a:prstGeom prst="rect">
             <a:avLst/>
@@ -4196,7 +4196,7 @@
         <p:spPr>
           <a:xfrm>
             <a:off x="2042280" y="5104440"/>
-            <a:ext cx="1600560" cy="1387440"/>
+            <a:ext cx="1600200" cy="1387080"/>
           </a:xfrm>
           <a:prstGeom prst="rect">
             <a:avLst/>
@@ -4221,7 +4221,7 @@
         <p:spPr>
           <a:xfrm>
             <a:off x="2061360" y="2552040"/>
-            <a:ext cx="1600560" cy="1387440"/>
+            <a:ext cx="1600200" cy="1387080"/>
           </a:xfrm>
           <a:prstGeom prst="rect">
             <a:avLst/>
@@ -4246,7 +4246,7 @@
         <p:spPr>
           <a:xfrm>
             <a:off x="1327680" y="1256400"/>
-            <a:ext cx="1600560" cy="1387440"/>
+            <a:ext cx="1600200" cy="1387080"/>
           </a:xfrm>
           <a:prstGeom prst="rect">
             <a:avLst/>
@@ -4271,7 +4271,7 @@
         <p:spPr>
           <a:xfrm>
             <a:off x="7338240" y="3837600"/>
-            <a:ext cx="1600560" cy="1387440"/>
+            <a:ext cx="1600200" cy="1387080"/>
           </a:xfrm>
           <a:prstGeom prst="rect">
             <a:avLst/>
@@ -4296,7 +4296,7 @@
         <p:spPr>
           <a:xfrm>
             <a:off x="8080920" y="5114160"/>
-            <a:ext cx="1600560" cy="1387440"/>
+            <a:ext cx="1600200" cy="1387080"/>
           </a:xfrm>
           <a:prstGeom prst="rect">
             <a:avLst/>
@@ -4321,7 +4321,7 @@
         <p:spPr>
           <a:xfrm>
             <a:off x="8080920" y="2561400"/>
-            <a:ext cx="1600560" cy="1387440"/>
+            <a:ext cx="1600200" cy="1387080"/>
           </a:xfrm>
           <a:prstGeom prst="rect">
             <a:avLst/>
@@ -4346,7 +4346,7 @@
         <p:spPr>
           <a:xfrm>
             <a:off x="8814600" y="3837600"/>
-            <a:ext cx="1242720" cy="1387440"/>
+            <a:ext cx="1242360" cy="1387080"/>
           </a:xfrm>
           <a:prstGeom prst="rect">
             <a:avLst/>
@@ -4371,7 +4371,7 @@
         <p:spPr>
           <a:xfrm>
             <a:off x="8814600" y="1294200"/>
-            <a:ext cx="1241280" cy="1388160"/>
+            <a:ext cx="1240920" cy="1387800"/>
           </a:xfrm>
           <a:prstGeom prst="rect">
             <a:avLst/>
@@ -4396,7 +4396,7 @@
         <p:spPr>
           <a:xfrm>
             <a:off x="457200" y="333360"/>
-            <a:ext cx="8228880" cy="6184800"/>
+            <a:ext cx="8228520" cy="6184440"/>
           </a:xfrm>
           <a:prstGeom prst="rect">
             <a:avLst/>
@@ -4421,7 +4421,7 @@
         <p:spPr>
           <a:xfrm>
             <a:off x="4561200" y="-21600"/>
-            <a:ext cx="3678480" cy="698400"/>
+            <a:ext cx="3678120" cy="698040"/>
           </a:xfrm>
           <a:prstGeom prst="rect">
             <a:avLst/>
@@ -4446,7 +4446,7 @@
         <p:spPr>
           <a:xfrm>
             <a:off x="4649040" y="-21600"/>
-            <a:ext cx="3504600" cy="623160"/>
+            <a:ext cx="3504240" cy="622800"/>
           </a:xfrm>
           <a:prstGeom prst="rect">
             <a:avLst/>
@@ -4465,7 +4465,7 @@
         <p:spPr>
           <a:xfrm>
             <a:off x="914400" y="0"/>
-            <a:ext cx="1599480" cy="6857280"/>
+            <a:ext cx="1599120" cy="6856920"/>
           </a:xfrm>
           <a:prstGeom prst="rect">
             <a:avLst/>
@@ -4484,7 +4484,7 @@
         <p:spPr>
           <a:xfrm>
             <a:off x="0" y="0"/>
-            <a:ext cx="456480" cy="6857280"/>
+            <a:ext cx="456120" cy="6856920"/>
           </a:xfrm>
           <a:prstGeom prst="rect">
             <a:avLst/>
@@ -4503,7 +4503,7 @@
         <p:spPr>
           <a:xfrm>
             <a:off x="228600" y="0"/>
-            <a:ext cx="761400" cy="6857280"/>
+            <a:ext cx="761040" cy="6856920"/>
           </a:xfrm>
           <a:prstGeom prst="rect">
             <a:avLst/>
@@ -4522,7 +4522,7 @@
         <p:spPr>
           <a:xfrm>
             <a:off x="1337400" y="0"/>
-            <a:ext cx="1599480" cy="6857280"/>
+            <a:ext cx="1599120" cy="6856920"/>
           </a:xfrm>
           <a:prstGeom prst="rect">
             <a:avLst/>
@@ -4541,7 +4541,7 @@
         <p:spPr>
           <a:xfrm>
             <a:off x="423000" y="0"/>
-            <a:ext cx="456480" cy="6857280"/>
+            <a:ext cx="456120" cy="6856920"/>
           </a:xfrm>
           <a:prstGeom prst="rect">
             <a:avLst/>
@@ -4560,7 +4560,7 @@
         <p:spPr>
           <a:xfrm>
             <a:off x="651600" y="0"/>
-            <a:ext cx="761400" cy="6857280"/>
+            <a:ext cx="761040" cy="6856920"/>
           </a:xfrm>
           <a:prstGeom prst="rect">
             <a:avLst/>
@@ -4579,7 +4579,7 @@
         <p:spPr>
           <a:xfrm>
             <a:off x="8229600" y="6858000"/>
-            <a:ext cx="1599480" cy="6857280"/>
+            <a:ext cx="1599120" cy="6856920"/>
           </a:xfrm>
           <a:prstGeom prst="rect">
             <a:avLst/>
@@ -4598,7 +4598,7 @@
         <p:spPr>
           <a:xfrm>
             <a:off x="9144000" y="6858000"/>
-            <a:ext cx="456480" cy="6857280"/>
+            <a:ext cx="456120" cy="6856920"/>
           </a:xfrm>
           <a:prstGeom prst="rect">
             <a:avLst/>
@@ -4617,7 +4617,7 @@
         <p:spPr>
           <a:xfrm>
             <a:off x="8915400" y="6858000"/>
-            <a:ext cx="761400" cy="6857280"/>
+            <a:ext cx="761040" cy="6856920"/>
           </a:xfrm>
           <a:prstGeom prst="rect">
             <a:avLst/>
@@ -4636,7 +4636,7 @@
         <p:spPr>
           <a:xfrm>
             <a:off x="3809880" y="0"/>
-            <a:ext cx="2818800" cy="6857280"/>
+            <a:ext cx="2818440" cy="6856920"/>
           </a:xfrm>
           <a:prstGeom prst="rect">
             <a:avLst/>
@@ -4655,7 +4655,7 @@
         <p:spPr>
           <a:xfrm>
             <a:off x="2895480" y="0"/>
-            <a:ext cx="456480" cy="6857280"/>
+            <a:ext cx="456120" cy="6856920"/>
           </a:xfrm>
           <a:prstGeom prst="rect">
             <a:avLst/>
@@ -4674,7 +4674,7 @@
         <p:spPr>
           <a:xfrm>
             <a:off x="3124080" y="0"/>
-            <a:ext cx="761400" cy="6857280"/>
+            <a:ext cx="761040" cy="6856920"/>
           </a:xfrm>
           <a:prstGeom prst="rect">
             <a:avLst/>
@@ -4693,7 +4693,7 @@
         <p:spPr>
           <a:xfrm>
             <a:off x="-11880" y="5034960"/>
-            <a:ext cx="9143280" cy="1175040"/>
+            <a:ext cx="9142920" cy="1174680"/>
           </a:xfrm>
           <a:prstGeom prst="rect">
             <a:avLst/>
@@ -4715,7 +4715,7 @@
         <p:spPr>
           <a:xfrm>
             <a:off x="-11880" y="3467520"/>
-            <a:ext cx="9143280" cy="889920"/>
+            <a:ext cx="9142920" cy="889560"/>
           </a:xfrm>
           <a:prstGeom prst="rect">
             <a:avLst/>
@@ -4737,7 +4737,7 @@
         <p:spPr>
           <a:xfrm>
             <a:off x="-23760" y="5640840"/>
-            <a:ext cx="3003840" cy="1210680"/>
+            <a:ext cx="3003480" cy="1210320"/>
           </a:xfrm>
           <a:prstGeom prst="rect">
             <a:avLst/>
@@ -4759,7 +4759,7 @@
         <p:spPr>
           <a:xfrm>
             <a:off x="-11880" y="5284440"/>
-            <a:ext cx="9143280" cy="1477800"/>
+            <a:ext cx="9142920" cy="1477440"/>
           </a:xfrm>
           <a:prstGeom prst="rect">
             <a:avLst/>
@@ -4781,7 +4781,7 @@
         <p:spPr>
           <a:xfrm>
             <a:off x="2137680" y="5132160"/>
-            <a:ext cx="6981840" cy="1719360"/>
+            <a:ext cx="6981480" cy="1719000"/>
           </a:xfrm>
           <a:prstGeom prst="rect">
             <a:avLst/>
@@ -4803,7 +4803,7 @@
         <p:spPr>
           <a:xfrm>
             <a:off x="3450600" y="2552040"/>
-            <a:ext cx="1600560" cy="1387440"/>
+            <a:ext cx="1600200" cy="1387080"/>
           </a:xfrm>
           <a:prstGeom prst="rect">
             <a:avLst/>
@@ -4828,7 +4828,7 @@
         <p:spPr>
           <a:xfrm>
             <a:off x="4174560" y="3818880"/>
-            <a:ext cx="1600560" cy="1387440"/>
+            <a:ext cx="1600200" cy="1387080"/>
           </a:xfrm>
           <a:prstGeom prst="rect">
             <a:avLst/>
@@ -4853,7 +4853,7 @@
         <p:spPr>
           <a:xfrm>
             <a:off x="4183920" y="1285200"/>
-            <a:ext cx="1600560" cy="1387440"/>
+            <a:ext cx="1600200" cy="1387080"/>
           </a:xfrm>
           <a:prstGeom prst="rect">
             <a:avLst/>
@@ -4878,7 +4878,7 @@
         <p:spPr>
           <a:xfrm>
             <a:off x="3431520" y="18360"/>
-            <a:ext cx="1600560" cy="1387440"/>
+            <a:ext cx="1600200" cy="1387080"/>
           </a:xfrm>
           <a:prstGeom prst="rect">
             <a:avLst/>
@@ -4903,7 +4903,7 @@
         <p:spPr>
           <a:xfrm>
             <a:off x="4917240" y="5076000"/>
-            <a:ext cx="1600560" cy="1387440"/>
+            <a:ext cx="1600200" cy="1387080"/>
           </a:xfrm>
           <a:prstGeom prst="rect">
             <a:avLst/>
@@ -4928,7 +4928,7 @@
         <p:spPr>
           <a:xfrm>
             <a:off x="49320" y="3979080"/>
-            <a:ext cx="1260720" cy="1387440"/>
+            <a:ext cx="1260360" cy="1387080"/>
           </a:xfrm>
           <a:prstGeom prst="rect">
             <a:avLst/>
@@ -4953,7 +4953,7 @@
         <p:spPr>
           <a:xfrm>
             <a:off x="478800" y="5095080"/>
-            <a:ext cx="1600560" cy="1387440"/>
+            <a:ext cx="1600200" cy="1387080"/>
           </a:xfrm>
           <a:prstGeom prst="rect">
             <a:avLst/>
@@ -4978,7 +4978,7 @@
         <p:spPr>
           <a:xfrm>
             <a:off x="507240" y="2542320"/>
-            <a:ext cx="1600560" cy="1387440"/>
+            <a:ext cx="1600200" cy="1387080"/>
           </a:xfrm>
           <a:prstGeom prst="rect">
             <a:avLst/>
@@ -5003,7 +5003,7 @@
         <p:spPr>
           <a:xfrm>
             <a:off x="1231200" y="3818880"/>
-            <a:ext cx="1600560" cy="1387440"/>
+            <a:ext cx="1600200" cy="1387080"/>
           </a:xfrm>
           <a:prstGeom prst="rect">
             <a:avLst/>
@@ -5028,7 +5028,7 @@
         <p:spPr>
           <a:xfrm>
             <a:off x="1964520" y="5104440"/>
-            <a:ext cx="1600560" cy="1387440"/>
+            <a:ext cx="1600200" cy="1387080"/>
           </a:xfrm>
           <a:prstGeom prst="rect">
             <a:avLst/>
@@ -5053,7 +5053,7 @@
         <p:spPr>
           <a:xfrm>
             <a:off x="1983600" y="2552040"/>
-            <a:ext cx="1600560" cy="1387440"/>
+            <a:ext cx="1600200" cy="1387080"/>
           </a:xfrm>
           <a:prstGeom prst="rect">
             <a:avLst/>
@@ -5078,7 +5078,7 @@
         <p:spPr>
           <a:xfrm>
             <a:off x="1250280" y="1256400"/>
-            <a:ext cx="1600560" cy="1387440"/>
+            <a:ext cx="1600200" cy="1387080"/>
           </a:xfrm>
           <a:prstGeom prst="rect">
             <a:avLst/>
@@ -5103,7 +5103,7 @@
         <p:spPr>
           <a:xfrm>
             <a:off x="7260480" y="3837600"/>
-            <a:ext cx="1600560" cy="1387440"/>
+            <a:ext cx="1600200" cy="1387080"/>
           </a:xfrm>
           <a:prstGeom prst="rect">
             <a:avLst/>
@@ -5128,7 +5128,7 @@
         <p:spPr>
           <a:xfrm>
             <a:off x="8003520" y="5114160"/>
-            <a:ext cx="1600560" cy="1387440"/>
+            <a:ext cx="1600200" cy="1387080"/>
           </a:xfrm>
           <a:prstGeom prst="rect">
             <a:avLst/>
@@ -5153,7 +5153,7 @@
         <p:spPr>
           <a:xfrm>
             <a:off x="8003520" y="2561400"/>
-            <a:ext cx="1600560" cy="1387440"/>
+            <a:ext cx="1600200" cy="1387080"/>
           </a:xfrm>
           <a:prstGeom prst="rect">
             <a:avLst/>
@@ -5178,7 +5178,7 @@
         <p:spPr>
           <a:xfrm>
             <a:off x="8736840" y="3837600"/>
-            <a:ext cx="1242720" cy="1387440"/>
+            <a:ext cx="1242360" cy="1387080"/>
           </a:xfrm>
           <a:prstGeom prst="rect">
             <a:avLst/>
@@ -5203,7 +5203,7 @@
         <p:spPr>
           <a:xfrm>
             <a:off x="8737200" y="1294200"/>
-            <a:ext cx="1241280" cy="1388160"/>
+            <a:ext cx="1240920" cy="1387800"/>
           </a:xfrm>
           <a:prstGeom prst="rect">
             <a:avLst/>
@@ -5228,7 +5228,7 @@
         <p:spPr>
           <a:xfrm>
             <a:off x="4561200" y="-21600"/>
-            <a:ext cx="3678480" cy="6271200"/>
+            <a:ext cx="3678120" cy="6270840"/>
           </a:xfrm>
           <a:prstGeom prst="rect">
             <a:avLst/>
@@ -5253,7 +5253,7 @@
         <p:spPr>
           <a:xfrm>
             <a:off x="4649040" y="-21600"/>
-            <a:ext cx="3504600" cy="2312280"/>
+            <a:ext cx="3504240" cy="2311920"/>
           </a:xfrm>
           <a:prstGeom prst="rect">
             <a:avLst/>
@@ -5272,7 +5272,7 @@
         <p:spPr>
           <a:xfrm>
             <a:off x="4650840" y="6088320"/>
-            <a:ext cx="3504600" cy="81000"/>
+            <a:ext cx="3504240" cy="80640"/>
           </a:xfrm>
           <a:prstGeom prst="rect">
             <a:avLst/>
@@ -5291,7 +5291,7 @@
         <p:spPr>
           <a:xfrm>
             <a:off x="4650840" y="6088320"/>
-            <a:ext cx="3504600" cy="81000"/>
+            <a:ext cx="3504240" cy="80640"/>
           </a:xfrm>
           <a:prstGeom prst="rect">
             <a:avLst/>
@@ -5314,7 +5314,7 @@
         <p:spPr>
           <a:xfrm>
             <a:off x="1043640" y="1027800"/>
-            <a:ext cx="7023960" cy="1142640"/>
+            <a:ext cx="7023600" cy="1142640"/>
           </a:xfrm>
           <a:prstGeom prst="rect">
             <a:avLst/>
@@ -5323,6 +5323,7 @@
         <p:txBody>
           <a:bodyPr anchor="ctr" bIns="0" lIns="0" rIns="0" tIns="0" wrap="none"/>
           <a:p>
+            <a:pPr algn="ctr"/>
             <a:r>
               <a:rPr lang="it-IT"/>
               <a:t>Click to edit the title text format</a:t>
@@ -5344,7 +5345,7 @@
         <p:spPr>
           <a:xfrm>
             <a:off x="457200" y="1604520"/>
-            <a:ext cx="8229240" cy="4525920"/>
+            <a:ext cx="8228880" cy="4525560"/>
           </a:xfrm>
           <a:prstGeom prst="rect">
             <a:avLst/>
@@ -5353,11 +5354,6 @@
         <p:txBody>
           <a:bodyPr bIns="0" lIns="0" rIns="0" tIns="0" wrap="none"/>
           <a:p>
-            <a:pPr>
-              <a:buSzPct val="45000"/>
-              <a:buFont typeface="StarSymbol"/>
-              <a:buChar char=""/>
-            </a:pPr>
             <a:r>
               <a:rPr lang="it-IT"/>
               <a:t>Click to edit the outline text format</a:t>
@@ -5508,7 +5504,7 @@
         <p:spPr>
           <a:xfrm>
             <a:off x="992160" y="0"/>
-            <a:ext cx="1599480" cy="6857280"/>
+            <a:ext cx="1599120" cy="6856920"/>
           </a:xfrm>
           <a:prstGeom prst="rect">
             <a:avLst/>
@@ -5527,7 +5523,7 @@
         <p:spPr>
           <a:xfrm>
             <a:off x="77760" y="0"/>
-            <a:ext cx="456480" cy="6857280"/>
+            <a:ext cx="456120" cy="6856920"/>
           </a:xfrm>
           <a:prstGeom prst="rect">
             <a:avLst/>
@@ -5546,7 +5542,7 @@
         <p:spPr>
           <a:xfrm>
             <a:off x="306360" y="0"/>
-            <a:ext cx="761400" cy="6857280"/>
+            <a:ext cx="761040" cy="6856920"/>
           </a:xfrm>
           <a:prstGeom prst="rect">
             <a:avLst/>
@@ -5565,7 +5561,7 @@
         <p:spPr>
           <a:xfrm>
             <a:off x="1414800" y="0"/>
-            <a:ext cx="1599480" cy="6857280"/>
+            <a:ext cx="1599120" cy="6856920"/>
           </a:xfrm>
           <a:prstGeom prst="rect">
             <a:avLst/>
@@ -5584,7 +5580,7 @@
         <p:spPr>
           <a:xfrm>
             <a:off x="500400" y="0"/>
-            <a:ext cx="456480" cy="6857280"/>
+            <a:ext cx="456120" cy="6856920"/>
           </a:xfrm>
           <a:prstGeom prst="rect">
             <a:avLst/>
@@ -5603,7 +5599,7 @@
         <p:spPr>
           <a:xfrm>
             <a:off x="729000" y="0"/>
-            <a:ext cx="761400" cy="6857280"/>
+            <a:ext cx="761040" cy="6856920"/>
           </a:xfrm>
           <a:prstGeom prst="rect">
             <a:avLst/>
@@ -5622,7 +5618,7 @@
         <p:spPr>
           <a:xfrm>
             <a:off x="8307360" y="6858000"/>
-            <a:ext cx="1599480" cy="6857280"/>
+            <a:ext cx="1599120" cy="6856920"/>
           </a:xfrm>
           <a:prstGeom prst="rect">
             <a:avLst/>
@@ -5641,7 +5637,7 @@
         <p:spPr>
           <a:xfrm>
             <a:off x="9221760" y="6858000"/>
-            <a:ext cx="456480" cy="6857280"/>
+            <a:ext cx="456120" cy="6856920"/>
           </a:xfrm>
           <a:prstGeom prst="rect">
             <a:avLst/>
@@ -5660,7 +5656,7 @@
         <p:spPr>
           <a:xfrm>
             <a:off x="8993160" y="6858000"/>
-            <a:ext cx="761400" cy="6857280"/>
+            <a:ext cx="761040" cy="6856920"/>
           </a:xfrm>
           <a:prstGeom prst="rect">
             <a:avLst/>
@@ -5679,7 +5675,7 @@
         <p:spPr>
           <a:xfrm>
             <a:off x="3887640" y="0"/>
-            <a:ext cx="2818800" cy="6857280"/>
+            <a:ext cx="2818440" cy="6856920"/>
           </a:xfrm>
           <a:prstGeom prst="rect">
             <a:avLst/>
@@ -5698,7 +5694,7 @@
         <p:spPr>
           <a:xfrm>
             <a:off x="2973240" y="0"/>
-            <a:ext cx="456480" cy="6857280"/>
+            <a:ext cx="456120" cy="6856920"/>
           </a:xfrm>
           <a:prstGeom prst="rect">
             <a:avLst/>
@@ -5717,7 +5713,7 @@
         <p:spPr>
           <a:xfrm>
             <a:off x="3201840" y="0"/>
-            <a:ext cx="761400" cy="6857280"/>
+            <a:ext cx="761040" cy="6856920"/>
           </a:xfrm>
           <a:prstGeom prst="rect">
             <a:avLst/>
@@ -5736,7 +5732,7 @@
         <p:spPr>
           <a:xfrm>
             <a:off x="65880" y="5034960"/>
-            <a:ext cx="9143280" cy="1175040"/>
+            <a:ext cx="9142920" cy="1174680"/>
           </a:xfrm>
           <a:prstGeom prst="rect">
             <a:avLst/>
@@ -5758,7 +5754,7 @@
         <p:spPr>
           <a:xfrm>
             <a:off x="65880" y="3467520"/>
-            <a:ext cx="9143280" cy="889920"/>
+            <a:ext cx="9142920" cy="889560"/>
           </a:xfrm>
           <a:prstGeom prst="rect">
             <a:avLst/>
@@ -5780,7 +5776,7 @@
         <p:spPr>
           <a:xfrm>
             <a:off x="54000" y="5640840"/>
-            <a:ext cx="3003840" cy="1210680"/>
+            <a:ext cx="3003480" cy="1210320"/>
           </a:xfrm>
           <a:prstGeom prst="rect">
             <a:avLst/>
@@ -5802,7 +5798,7 @@
         <p:spPr>
           <a:xfrm>
             <a:off x="65880" y="5284440"/>
-            <a:ext cx="9143280" cy="1477800"/>
+            <a:ext cx="9142920" cy="1477440"/>
           </a:xfrm>
           <a:prstGeom prst="rect">
             <a:avLst/>
@@ -5824,7 +5820,7 @@
         <p:spPr>
           <a:xfrm>
             <a:off x="2215080" y="5132160"/>
-            <a:ext cx="6981840" cy="1719360"/>
+            <a:ext cx="6981480" cy="1719000"/>
           </a:xfrm>
           <a:prstGeom prst="rect">
             <a:avLst/>
@@ -5846,7 +5842,7 @@
         <p:spPr>
           <a:xfrm>
             <a:off x="3528000" y="2552040"/>
-            <a:ext cx="1600560" cy="1387440"/>
+            <a:ext cx="1600200" cy="1387080"/>
           </a:xfrm>
           <a:prstGeom prst="rect">
             <a:avLst/>
@@ -5871,7 +5867,7 @@
         <p:spPr>
           <a:xfrm>
             <a:off x="4251960" y="3818880"/>
-            <a:ext cx="1600560" cy="1387440"/>
+            <a:ext cx="1600200" cy="1387080"/>
           </a:xfrm>
           <a:prstGeom prst="rect">
             <a:avLst/>
@@ -5896,7 +5892,7 @@
         <p:spPr>
           <a:xfrm>
             <a:off x="4261680" y="1285200"/>
-            <a:ext cx="1600560" cy="1387440"/>
+            <a:ext cx="1600200" cy="1387080"/>
           </a:xfrm>
           <a:prstGeom prst="rect">
             <a:avLst/>
@@ -5921,7 +5917,7 @@
         <p:spPr>
           <a:xfrm>
             <a:off x="3508920" y="18360"/>
-            <a:ext cx="1600560" cy="1387440"/>
+            <a:ext cx="1600200" cy="1387080"/>
           </a:xfrm>
           <a:prstGeom prst="rect">
             <a:avLst/>
@@ -5946,7 +5942,7 @@
         <p:spPr>
           <a:xfrm>
             <a:off x="4995000" y="5076000"/>
-            <a:ext cx="1600560" cy="1387440"/>
+            <a:ext cx="1600200" cy="1387080"/>
           </a:xfrm>
           <a:prstGeom prst="rect">
             <a:avLst/>
@@ -5971,7 +5967,7 @@
         <p:spPr>
           <a:xfrm>
             <a:off x="126720" y="3979080"/>
-            <a:ext cx="1260720" cy="1387440"/>
+            <a:ext cx="1260360" cy="1387080"/>
           </a:xfrm>
           <a:prstGeom prst="rect">
             <a:avLst/>
@@ -5996,7 +5992,7 @@
         <p:spPr>
           <a:xfrm>
             <a:off x="556200" y="5095080"/>
-            <a:ext cx="1600560" cy="1387440"/>
+            <a:ext cx="1600200" cy="1387080"/>
           </a:xfrm>
           <a:prstGeom prst="rect">
             <a:avLst/>
@@ -6021,7 +6017,7 @@
         <p:spPr>
           <a:xfrm>
             <a:off x="585000" y="2542320"/>
-            <a:ext cx="1600560" cy="1387440"/>
+            <a:ext cx="1600200" cy="1387080"/>
           </a:xfrm>
           <a:prstGeom prst="rect">
             <a:avLst/>
@@ -6046,7 +6042,7 @@
         <p:spPr>
           <a:xfrm>
             <a:off x="1308600" y="3818880"/>
-            <a:ext cx="1600560" cy="1387440"/>
+            <a:ext cx="1600200" cy="1387080"/>
           </a:xfrm>
           <a:prstGeom prst="rect">
             <a:avLst/>
@@ -6071,7 +6067,7 @@
         <p:spPr>
           <a:xfrm>
             <a:off x="2042280" y="5104440"/>
-            <a:ext cx="1600560" cy="1387440"/>
+            <a:ext cx="1600200" cy="1387080"/>
           </a:xfrm>
           <a:prstGeom prst="rect">
             <a:avLst/>
@@ -6096,7 +6092,7 @@
         <p:spPr>
           <a:xfrm>
             <a:off x="2061360" y="2552040"/>
-            <a:ext cx="1600560" cy="1387440"/>
+            <a:ext cx="1600200" cy="1387080"/>
           </a:xfrm>
           <a:prstGeom prst="rect">
             <a:avLst/>
@@ -6121,7 +6117,7 @@
         <p:spPr>
           <a:xfrm>
             <a:off x="1327680" y="1256400"/>
-            <a:ext cx="1600560" cy="1387440"/>
+            <a:ext cx="1600200" cy="1387080"/>
           </a:xfrm>
           <a:prstGeom prst="rect">
             <a:avLst/>
@@ -6146,7 +6142,7 @@
         <p:spPr>
           <a:xfrm>
             <a:off x="7338240" y="3837600"/>
-            <a:ext cx="1600560" cy="1387440"/>
+            <a:ext cx="1600200" cy="1387080"/>
           </a:xfrm>
           <a:prstGeom prst="rect">
             <a:avLst/>
@@ -6171,7 +6167,7 @@
         <p:spPr>
           <a:xfrm>
             <a:off x="8080920" y="5114160"/>
-            <a:ext cx="1600560" cy="1387440"/>
+            <a:ext cx="1600200" cy="1387080"/>
           </a:xfrm>
           <a:prstGeom prst="rect">
             <a:avLst/>
@@ -6196,7 +6192,7 @@
         <p:spPr>
           <a:xfrm>
             <a:off x="8080920" y="2561400"/>
-            <a:ext cx="1600560" cy="1387440"/>
+            <a:ext cx="1600200" cy="1387080"/>
           </a:xfrm>
           <a:prstGeom prst="rect">
             <a:avLst/>
@@ -6221,7 +6217,7 @@
         <p:spPr>
           <a:xfrm>
             <a:off x="8814600" y="3837600"/>
-            <a:ext cx="1242720" cy="1387440"/>
+            <a:ext cx="1242360" cy="1387080"/>
           </a:xfrm>
           <a:prstGeom prst="rect">
             <a:avLst/>
@@ -6246,7 +6242,7 @@
         <p:spPr>
           <a:xfrm>
             <a:off x="8814600" y="1294200"/>
-            <a:ext cx="1241280" cy="1388160"/>
+            <a:ext cx="1240920" cy="1387800"/>
           </a:xfrm>
           <a:prstGeom prst="rect">
             <a:avLst/>
@@ -6271,7 +6267,7 @@
         <p:spPr>
           <a:xfrm>
             <a:off x="457200" y="333360"/>
-            <a:ext cx="8228880" cy="6184800"/>
+            <a:ext cx="8228520" cy="6184440"/>
           </a:xfrm>
           <a:prstGeom prst="rect">
             <a:avLst/>
@@ -6296,7 +6292,7 @@
         <p:spPr>
           <a:xfrm>
             <a:off x="4561200" y="-21600"/>
-            <a:ext cx="3678480" cy="698400"/>
+            <a:ext cx="3678120" cy="698040"/>
           </a:xfrm>
           <a:prstGeom prst="rect">
             <a:avLst/>
@@ -6321,7 +6317,7 @@
         <p:spPr>
           <a:xfrm>
             <a:off x="4649040" y="-21600"/>
-            <a:ext cx="3504600" cy="623160"/>
+            <a:ext cx="3504240" cy="622800"/>
           </a:xfrm>
           <a:prstGeom prst="rect">
             <a:avLst/>
@@ -6539,7 +6535,7 @@
         <p:spPr>
           <a:xfrm>
             <a:off x="992160" y="0"/>
-            <a:ext cx="1599480" cy="6857280"/>
+            <a:ext cx="1599120" cy="6856920"/>
           </a:xfrm>
           <a:prstGeom prst="rect">
             <a:avLst/>
@@ -6558,7 +6554,7 @@
         <p:spPr>
           <a:xfrm>
             <a:off x="77760" y="0"/>
-            <a:ext cx="456480" cy="6857280"/>
+            <a:ext cx="456120" cy="6856920"/>
           </a:xfrm>
           <a:prstGeom prst="rect">
             <a:avLst/>
@@ -6577,7 +6573,7 @@
         <p:spPr>
           <a:xfrm>
             <a:off x="306360" y="0"/>
-            <a:ext cx="761400" cy="6857280"/>
+            <a:ext cx="761040" cy="6856920"/>
           </a:xfrm>
           <a:prstGeom prst="rect">
             <a:avLst/>
@@ -6596,7 +6592,7 @@
         <p:spPr>
           <a:xfrm>
             <a:off x="1414800" y="0"/>
-            <a:ext cx="1599480" cy="6857280"/>
+            <a:ext cx="1599120" cy="6856920"/>
           </a:xfrm>
           <a:prstGeom prst="rect">
             <a:avLst/>
@@ -6615,7 +6611,7 @@
         <p:spPr>
           <a:xfrm>
             <a:off x="500400" y="0"/>
-            <a:ext cx="456480" cy="6857280"/>
+            <a:ext cx="456120" cy="6856920"/>
           </a:xfrm>
           <a:prstGeom prst="rect">
             <a:avLst/>
@@ -6634,7 +6630,7 @@
         <p:spPr>
           <a:xfrm>
             <a:off x="729000" y="0"/>
-            <a:ext cx="761400" cy="6857280"/>
+            <a:ext cx="761040" cy="6856920"/>
           </a:xfrm>
           <a:prstGeom prst="rect">
             <a:avLst/>
@@ -6653,7 +6649,7 @@
         <p:spPr>
           <a:xfrm>
             <a:off x="8307360" y="6858000"/>
-            <a:ext cx="1599480" cy="6857280"/>
+            <a:ext cx="1599120" cy="6856920"/>
           </a:xfrm>
           <a:prstGeom prst="rect">
             <a:avLst/>
@@ -6672,7 +6668,7 @@
         <p:spPr>
           <a:xfrm>
             <a:off x="9221760" y="6858000"/>
-            <a:ext cx="456480" cy="6857280"/>
+            <a:ext cx="456120" cy="6856920"/>
           </a:xfrm>
           <a:prstGeom prst="rect">
             <a:avLst/>
@@ -6691,7 +6687,7 @@
         <p:spPr>
           <a:xfrm>
             <a:off x="8993160" y="6858000"/>
-            <a:ext cx="761400" cy="6857280"/>
+            <a:ext cx="761040" cy="6856920"/>
           </a:xfrm>
           <a:prstGeom prst="rect">
             <a:avLst/>
@@ -6710,7 +6706,7 @@
         <p:spPr>
           <a:xfrm>
             <a:off x="3887640" y="0"/>
-            <a:ext cx="2818800" cy="6857280"/>
+            <a:ext cx="2818440" cy="6856920"/>
           </a:xfrm>
           <a:prstGeom prst="rect">
             <a:avLst/>
@@ -6729,7 +6725,7 @@
         <p:spPr>
           <a:xfrm>
             <a:off x="2973240" y="0"/>
-            <a:ext cx="456480" cy="6857280"/>
+            <a:ext cx="456120" cy="6856920"/>
           </a:xfrm>
           <a:prstGeom prst="rect">
             <a:avLst/>
@@ -6748,7 +6744,7 @@
         <p:spPr>
           <a:xfrm>
             <a:off x="3201840" y="0"/>
-            <a:ext cx="761400" cy="6857280"/>
+            <a:ext cx="761040" cy="6856920"/>
           </a:xfrm>
           <a:prstGeom prst="rect">
             <a:avLst/>
@@ -6767,7 +6763,7 @@
         <p:spPr>
           <a:xfrm>
             <a:off x="65880" y="5034960"/>
-            <a:ext cx="9143280" cy="1175040"/>
+            <a:ext cx="9142920" cy="1174680"/>
           </a:xfrm>
           <a:prstGeom prst="rect">
             <a:avLst/>
@@ -6789,7 +6785,7 @@
         <p:spPr>
           <a:xfrm>
             <a:off x="65880" y="3467520"/>
-            <a:ext cx="9143280" cy="889920"/>
+            <a:ext cx="9142920" cy="889560"/>
           </a:xfrm>
           <a:prstGeom prst="rect">
             <a:avLst/>
@@ -6811,7 +6807,7 @@
         <p:spPr>
           <a:xfrm>
             <a:off x="54000" y="5640840"/>
-            <a:ext cx="3003840" cy="1210680"/>
+            <a:ext cx="3003480" cy="1210320"/>
           </a:xfrm>
           <a:prstGeom prst="rect">
             <a:avLst/>
@@ -6833,7 +6829,7 @@
         <p:spPr>
           <a:xfrm>
             <a:off x="65880" y="5284440"/>
-            <a:ext cx="9143280" cy="1477800"/>
+            <a:ext cx="9142920" cy="1477440"/>
           </a:xfrm>
           <a:prstGeom prst="rect">
             <a:avLst/>
@@ -6855,7 +6851,7 @@
         <p:spPr>
           <a:xfrm>
             <a:off x="2215080" y="5132160"/>
-            <a:ext cx="6981840" cy="1719360"/>
+            <a:ext cx="6981480" cy="1719000"/>
           </a:xfrm>
           <a:prstGeom prst="rect">
             <a:avLst/>
@@ -6877,7 +6873,7 @@
         <p:spPr>
           <a:xfrm>
             <a:off x="3528000" y="2552040"/>
-            <a:ext cx="1600560" cy="1387440"/>
+            <a:ext cx="1600200" cy="1387080"/>
           </a:xfrm>
           <a:prstGeom prst="rect">
             <a:avLst/>
@@ -6902,7 +6898,7 @@
         <p:spPr>
           <a:xfrm>
             <a:off x="4251960" y="3818880"/>
-            <a:ext cx="1600560" cy="1387440"/>
+            <a:ext cx="1600200" cy="1387080"/>
           </a:xfrm>
           <a:prstGeom prst="rect">
             <a:avLst/>
@@ -6927,7 +6923,7 @@
         <p:spPr>
           <a:xfrm>
             <a:off x="4261680" y="1285200"/>
-            <a:ext cx="1600560" cy="1387440"/>
+            <a:ext cx="1600200" cy="1387080"/>
           </a:xfrm>
           <a:prstGeom prst="rect">
             <a:avLst/>
@@ -6952,7 +6948,7 @@
         <p:spPr>
           <a:xfrm>
             <a:off x="3508920" y="18360"/>
-            <a:ext cx="1600560" cy="1387440"/>
+            <a:ext cx="1600200" cy="1387080"/>
           </a:xfrm>
           <a:prstGeom prst="rect">
             <a:avLst/>
@@ -6977,7 +6973,7 @@
         <p:spPr>
           <a:xfrm>
             <a:off x="4995000" y="5076000"/>
-            <a:ext cx="1600560" cy="1387440"/>
+            <a:ext cx="1600200" cy="1387080"/>
           </a:xfrm>
           <a:prstGeom prst="rect">
             <a:avLst/>
@@ -7002,7 +6998,7 @@
         <p:spPr>
           <a:xfrm>
             <a:off x="126720" y="3979080"/>
-            <a:ext cx="1260720" cy="1387440"/>
+            <a:ext cx="1260360" cy="1387080"/>
           </a:xfrm>
           <a:prstGeom prst="rect">
             <a:avLst/>
@@ -7027,7 +7023,7 @@
         <p:spPr>
           <a:xfrm>
             <a:off x="556200" y="5095080"/>
-            <a:ext cx="1600560" cy="1387440"/>
+            <a:ext cx="1600200" cy="1387080"/>
           </a:xfrm>
           <a:prstGeom prst="rect">
             <a:avLst/>
@@ -7052,7 +7048,7 @@
         <p:spPr>
           <a:xfrm>
             <a:off x="585000" y="2542320"/>
-            <a:ext cx="1600560" cy="1387440"/>
+            <a:ext cx="1600200" cy="1387080"/>
           </a:xfrm>
           <a:prstGeom prst="rect">
             <a:avLst/>
@@ -7077,7 +7073,7 @@
         <p:spPr>
           <a:xfrm>
             <a:off x="1308600" y="3818880"/>
-            <a:ext cx="1600560" cy="1387440"/>
+            <a:ext cx="1600200" cy="1387080"/>
           </a:xfrm>
           <a:prstGeom prst="rect">
             <a:avLst/>
@@ -7102,7 +7098,7 @@
         <p:spPr>
           <a:xfrm>
             <a:off x="2042280" y="5104440"/>
-            <a:ext cx="1600560" cy="1387440"/>
+            <a:ext cx="1600200" cy="1387080"/>
           </a:xfrm>
           <a:prstGeom prst="rect">
             <a:avLst/>
@@ -7127,7 +7123,7 @@
         <p:spPr>
           <a:xfrm>
             <a:off x="2061360" y="2552040"/>
-            <a:ext cx="1600560" cy="1387440"/>
+            <a:ext cx="1600200" cy="1387080"/>
           </a:xfrm>
           <a:prstGeom prst="rect">
             <a:avLst/>
@@ -7152,7 +7148,7 @@
         <p:spPr>
           <a:xfrm>
             <a:off x="1327680" y="1256400"/>
-            <a:ext cx="1600560" cy="1387440"/>
+            <a:ext cx="1600200" cy="1387080"/>
           </a:xfrm>
           <a:prstGeom prst="rect">
             <a:avLst/>
@@ -7177,7 +7173,7 @@
         <p:spPr>
           <a:xfrm>
             <a:off x="7338240" y="3837600"/>
-            <a:ext cx="1600560" cy="1387440"/>
+            <a:ext cx="1600200" cy="1387080"/>
           </a:xfrm>
           <a:prstGeom prst="rect">
             <a:avLst/>
@@ -7202,7 +7198,7 @@
         <p:spPr>
           <a:xfrm>
             <a:off x="8080920" y="5114160"/>
-            <a:ext cx="1600560" cy="1387440"/>
+            <a:ext cx="1600200" cy="1387080"/>
           </a:xfrm>
           <a:prstGeom prst="rect">
             <a:avLst/>
@@ -7227,7 +7223,7 @@
         <p:spPr>
           <a:xfrm>
             <a:off x="8080920" y="2561400"/>
-            <a:ext cx="1600560" cy="1387440"/>
+            <a:ext cx="1600200" cy="1387080"/>
           </a:xfrm>
           <a:prstGeom prst="rect">
             <a:avLst/>
@@ -7252,7 +7248,7 @@
         <p:spPr>
           <a:xfrm>
             <a:off x="8814600" y="3837600"/>
-            <a:ext cx="1242720" cy="1387440"/>
+            <a:ext cx="1242360" cy="1387080"/>
           </a:xfrm>
           <a:prstGeom prst="rect">
             <a:avLst/>
@@ -7277,7 +7273,7 @@
         <p:spPr>
           <a:xfrm>
             <a:off x="8814600" y="1294200"/>
-            <a:ext cx="1241280" cy="1388160"/>
+            <a:ext cx="1240920" cy="1387800"/>
           </a:xfrm>
           <a:prstGeom prst="rect">
             <a:avLst/>
@@ -7302,7 +7298,7 @@
         <p:spPr>
           <a:xfrm>
             <a:off x="457200" y="333360"/>
-            <a:ext cx="8228880" cy="6184800"/>
+            <a:ext cx="8228520" cy="6184440"/>
           </a:xfrm>
           <a:prstGeom prst="rect">
             <a:avLst/>
@@ -7327,7 +7323,7 @@
         <p:spPr>
           <a:xfrm>
             <a:off x="4561200" y="-21600"/>
-            <a:ext cx="3678480" cy="698400"/>
+            <a:ext cx="3678120" cy="698040"/>
           </a:xfrm>
           <a:prstGeom prst="rect">
             <a:avLst/>
@@ -7352,7 +7348,7 @@
         <p:spPr>
           <a:xfrm>
             <a:off x="4649040" y="-21600"/>
-            <a:ext cx="3504600" cy="623160"/>
+            <a:ext cx="3504240" cy="622800"/>
           </a:xfrm>
           <a:prstGeom prst="rect">
             <a:avLst/>
@@ -7375,7 +7371,7 @@
         <p:spPr>
           <a:xfrm>
             <a:off x="1043640" y="1027800"/>
-            <a:ext cx="7023960" cy="1142640"/>
+            <a:ext cx="7023600" cy="1142640"/>
           </a:xfrm>
           <a:prstGeom prst="rect">
             <a:avLst/>
@@ -7384,6 +7380,7 @@
         <p:txBody>
           <a:bodyPr anchor="ctr" bIns="0" lIns="0" rIns="0" tIns="0" wrap="none"/>
           <a:p>
+            <a:pPr algn="ctr"/>
             <a:r>
               <a:rPr lang="it-IT"/>
               <a:t>Click to edit the title text format</a:t>
@@ -7569,7 +7566,7 @@
         <p:spPr>
           <a:xfrm>
             <a:off x="179640" y="2512800"/>
-            <a:ext cx="4463640" cy="1635480"/>
+            <a:ext cx="4463280" cy="1635120"/>
           </a:xfrm>
           <a:prstGeom prst="rect">
             <a:avLst/>
@@ -7617,7 +7614,7 @@
         <p:spPr>
           <a:xfrm>
             <a:off x="251640" y="4268520"/>
-            <a:ext cx="4301640" cy="1751760"/>
+            <a:ext cx="4301280" cy="1751400"/>
           </a:xfrm>
           <a:prstGeom prst="rect">
             <a:avLst/>
@@ -7693,7 +7690,7 @@
         <p:spPr>
           <a:xfrm>
             <a:off x="5292000" y="2565000"/>
-            <a:ext cx="2226240" cy="3284280"/>
+            <a:ext cx="2225880" cy="3283920"/>
           </a:xfrm>
           <a:prstGeom prst="rect">
             <a:avLst/>
@@ -7737,7 +7734,7 @@
         <p:spPr>
           <a:xfrm>
             <a:off x="2750760" y="1268640"/>
-            <a:ext cx="3764880" cy="4580280"/>
+            <a:ext cx="3764520" cy="4579920"/>
           </a:xfrm>
           <a:prstGeom prst="rect">
             <a:avLst/>
@@ -7753,7 +7750,7 @@
         <p:spPr>
           <a:xfrm>
             <a:off x="1043640" y="1027800"/>
-            <a:ext cx="7023960" cy="1142280"/>
+            <a:ext cx="7023600" cy="1141920"/>
           </a:xfrm>
           <a:prstGeom prst="rect">
             <a:avLst/>
@@ -7789,7 +7786,7 @@
         <p:spPr>
           <a:xfrm>
             <a:off x="1043640" y="2323800"/>
-            <a:ext cx="6776640" cy="3508200"/>
+            <a:ext cx="6776280" cy="3507840"/>
           </a:xfrm>
           <a:prstGeom prst="rect">
             <a:avLst/>
@@ -7936,7 +7933,7 @@
         <p:spPr>
           <a:xfrm>
             <a:off x="0" y="0"/>
-            <a:ext cx="11796480" cy="11796480"/>
+            <a:ext cx="11796120" cy="11796120"/>
           </a:xfrm>
           <a:prstGeom prst="rect">
             <a:avLst/>
@@ -7972,7 +7969,7 @@
         <p:spPr>
           <a:xfrm>
             <a:off x="0" y="0"/>
-            <a:ext cx="11796480" cy="11796480"/>
+            <a:ext cx="11796120" cy="11796120"/>
           </a:xfrm>
           <a:prstGeom prst="rect">
             <a:avLst/>
@@ -7986,7 +7983,7 @@
                 <a:spcPct val="100000"/>
               </a:lnSpc>
             </a:pPr>
-            <a:fld id="{917141D1-A111-41D1-A1A1-41F141C111F1}" type="slidenum">
+            <a:fld id="{11E1C101-2121-41D1-8191-3191D1911151}" type="slidenum">
               <a:rPr lang="it-IT">
                 <a:solidFill>
                   <a:srgbClr val="000000"/>
@@ -8074,7 +8071,7 @@
         <p:spPr>
           <a:xfrm>
             <a:off x="2751120" y="1268640"/>
-            <a:ext cx="3764880" cy="4580280"/>
+            <a:ext cx="3764520" cy="4579920"/>
           </a:xfrm>
           <a:prstGeom prst="rect">
             <a:avLst/>
@@ -8090,7 +8087,7 @@
         <p:spPr>
           <a:xfrm>
             <a:off x="2592000" y="504000"/>
-            <a:ext cx="5616000" cy="864000"/>
+            <a:ext cx="5615640" cy="863640"/>
           </a:xfrm>
           <a:prstGeom prst="rect">
             <a:avLst/>
@@ -8126,7 +8123,7 @@
         <p:spPr>
           <a:xfrm>
             <a:off x="1008000" y="1656000"/>
-            <a:ext cx="6812640" cy="4176000"/>
+            <a:ext cx="6812280" cy="4175640"/>
           </a:xfrm>
           <a:prstGeom prst="rect">
             <a:avLst/>
@@ -8147,9 +8144,6 @@
               <a:lnSpc>
                 <a:spcPct val="100000"/>
               </a:lnSpc>
-              <a:buSzPct val="76000"/>
-              <a:buFont typeface="Century Gothic"/>
-              <a:buAutoNum type="arabicPeriod"/>
             </a:pPr>
             <a:r>
               <a:rPr b="1" lang="it-IT" sz="2400">
@@ -8254,9 +8248,6 @@
               <a:lnSpc>
                 <a:spcPct val="100000"/>
               </a:lnSpc>
-              <a:buSzPct val="76000"/>
-              <a:buFont typeface="Century Gothic"/>
-              <a:buAutoNum type="arabicPeriod"/>
             </a:pPr>
             <a:endParaRPr/>
           </a:p>
@@ -8265,9 +8256,6 @@
               <a:lnSpc>
                 <a:spcPct val="100000"/>
               </a:lnSpc>
-              <a:buSzPct val="76000"/>
-              <a:buFont typeface="Century Gothic"/>
-              <a:buAutoNum type="arabicPeriod"/>
             </a:pPr>
             <a:r>
               <a:rPr b="1" lang="it-IT" sz="2400">
@@ -8372,9 +8360,6 @@
               <a:lnSpc>
                 <a:spcPct val="100000"/>
               </a:lnSpc>
-              <a:buSzPct val="76000"/>
-              <a:buFont typeface="Century Gothic"/>
-              <a:buAutoNum type="arabicPeriod"/>
             </a:pPr>
             <a:endParaRPr/>
           </a:p>
@@ -8446,7 +8431,7 @@
         <p:spPr>
           <a:xfrm>
             <a:off x="2750760" y="1268640"/>
-            <a:ext cx="3764880" cy="4580280"/>
+            <a:ext cx="3764520" cy="4579920"/>
           </a:xfrm>
           <a:prstGeom prst="rect">
             <a:avLst/>
@@ -8462,7 +8447,7 @@
         <p:spPr>
           <a:xfrm>
             <a:off x="1043640" y="2997000"/>
-            <a:ext cx="7023960" cy="1142280"/>
+            <a:ext cx="7023600" cy="1141920"/>
           </a:xfrm>
           <a:prstGeom prst="rect">
             <a:avLst/>
@@ -8498,7 +8483,7 @@
         <p:spPr>
           <a:xfrm>
             <a:off x="0" y="0"/>
-            <a:ext cx="11796480" cy="11796480"/>
+            <a:ext cx="11796120" cy="11796120"/>
           </a:xfrm>
           <a:prstGeom prst="rect">
             <a:avLst/>
@@ -8534,7 +8519,7 @@
         <p:spPr>
           <a:xfrm>
             <a:off x="0" y="0"/>
-            <a:ext cx="11796480" cy="11796480"/>
+            <a:ext cx="11796120" cy="11796120"/>
           </a:xfrm>
           <a:prstGeom prst="rect">
             <a:avLst/>
@@ -8548,7 +8533,7 @@
                 <a:spcPct val="100000"/>
               </a:lnSpc>
             </a:pPr>
-            <a:fld id="{91C1D171-8191-41A1-B1A1-816101A1C1B1}" type="slidenum">
+            <a:fld id="{B1312151-B131-4151-B101-71C181E1C131}" type="slidenum">
               <a:rPr lang="it-IT">
                 <a:solidFill>
                   <a:srgbClr val="000000"/>
@@ -8607,7 +8592,7 @@
         <p:spPr>
           <a:xfrm>
             <a:off x="2750760" y="1268640"/>
-            <a:ext cx="3764880" cy="4580280"/>
+            <a:ext cx="3764520" cy="4579920"/>
           </a:xfrm>
           <a:prstGeom prst="rect">
             <a:avLst/>
@@ -8623,7 +8608,7 @@
         <p:spPr>
           <a:xfrm>
             <a:off x="0" y="0"/>
-            <a:ext cx="11796480" cy="11796480"/>
+            <a:ext cx="11796120" cy="11796120"/>
           </a:xfrm>
           <a:prstGeom prst="rect">
             <a:avLst/>
@@ -8659,7 +8644,7 @@
         <p:spPr>
           <a:xfrm>
             <a:off x="0" y="0"/>
-            <a:ext cx="11796480" cy="11796480"/>
+            <a:ext cx="11796120" cy="11796120"/>
           </a:xfrm>
           <a:prstGeom prst="rect">
             <a:avLst/>
@@ -8673,7 +8658,7 @@
                 <a:spcPct val="100000"/>
               </a:lnSpc>
             </a:pPr>
-            <a:fld id="{2121F1E1-A181-41D1-81A1-719131E13141}" type="slidenum">
+            <a:fld id="{91E1B1E1-D181-41D1-8121-31816101F101}" type="slidenum">
               <a:rPr lang="it-IT">
                 <a:solidFill>
                   <a:srgbClr val="000000"/>
@@ -8704,7 +8689,7 @@
         <p:spPr>
           <a:xfrm>
             <a:off x="1187640" y="2421000"/>
-            <a:ext cx="6912000" cy="2010240"/>
+            <a:ext cx="6911640" cy="2009880"/>
           </a:xfrm>
           <a:prstGeom prst="rect">
             <a:avLst/>
@@ -8867,7 +8852,7 @@
         <p:spPr>
           <a:xfrm>
             <a:off x="2750760" y="1268640"/>
-            <a:ext cx="3764880" cy="4580280"/>
+            <a:ext cx="3764520" cy="4579920"/>
           </a:xfrm>
           <a:prstGeom prst="rect">
             <a:avLst/>
@@ -8883,7 +8868,7 @@
         <p:spPr>
           <a:xfrm>
             <a:off x="1152000" y="369360"/>
-            <a:ext cx="7023960" cy="1142280"/>
+            <a:ext cx="7023600" cy="1141920"/>
           </a:xfrm>
           <a:prstGeom prst="rect">
             <a:avLst/>
@@ -8919,7 +8904,7 @@
         <p:spPr>
           <a:xfrm>
             <a:off x="0" y="0"/>
-            <a:ext cx="11796480" cy="11796480"/>
+            <a:ext cx="11796120" cy="11796120"/>
           </a:xfrm>
           <a:prstGeom prst="rect">
             <a:avLst/>
@@ -8955,7 +8940,7 @@
         <p:spPr>
           <a:xfrm>
             <a:off x="0" y="0"/>
-            <a:ext cx="11796480" cy="11796480"/>
+            <a:ext cx="11796120" cy="11796120"/>
           </a:xfrm>
           <a:prstGeom prst="rect">
             <a:avLst/>
@@ -8969,7 +8954,7 @@
                 <a:spcPct val="100000"/>
               </a:lnSpc>
             </a:pPr>
-            <a:fld id="{F1912141-C1A1-41F1-B1C1-B1C151410161}" type="slidenum">
+            <a:fld id="{B181E171-81B1-4151-A191-51F161C1C171}" type="slidenum">
               <a:rPr lang="it-IT">
                 <a:solidFill>
                   <a:srgbClr val="000000"/>
@@ -9006,7 +8991,7 @@
         <p:spPr>
           <a:xfrm>
             <a:off x="648000" y="2016000"/>
-            <a:ext cx="2159640" cy="3599640"/>
+            <a:ext cx="2159280" cy="3599280"/>
           </a:xfrm>
           <a:prstGeom prst="rect">
             <a:avLst/>
@@ -9028,7 +9013,7 @@
         <p:spPr>
           <a:xfrm>
             <a:off x="3240000" y="2016000"/>
-            <a:ext cx="2159640" cy="3599640"/>
+            <a:ext cx="2159280" cy="3599280"/>
           </a:xfrm>
           <a:prstGeom prst="rect">
             <a:avLst/>
@@ -9050,7 +9035,7 @@
         <p:spPr>
           <a:xfrm>
             <a:off x="6048000" y="2016000"/>
-            <a:ext cx="2159640" cy="3599640"/>
+            <a:ext cx="2159280" cy="3599280"/>
           </a:xfrm>
           <a:prstGeom prst="rect">
             <a:avLst/>
@@ -9066,7 +9051,7 @@
         <p:spPr>
           <a:xfrm>
             <a:off x="648000" y="1512000"/>
-            <a:ext cx="7775640" cy="345960"/>
+            <a:ext cx="7775280" cy="345600"/>
           </a:xfrm>
           <a:prstGeom prst="rect">
             <a:avLst/>
@@ -9193,7 +9178,7 @@
         <p:spPr>
           <a:xfrm>
             <a:off x="2750760" y="1268640"/>
-            <a:ext cx="3764880" cy="4580280"/>
+            <a:ext cx="3764520" cy="4579920"/>
           </a:xfrm>
           <a:prstGeom prst="rect">
             <a:avLst/>
@@ -9209,7 +9194,7 @@
         <p:spPr>
           <a:xfrm>
             <a:off x="1152000" y="369360"/>
-            <a:ext cx="7023960" cy="1142280"/>
+            <a:ext cx="7023600" cy="1141920"/>
           </a:xfrm>
           <a:prstGeom prst="rect">
             <a:avLst/>
@@ -9245,7 +9230,7 @@
         <p:spPr>
           <a:xfrm>
             <a:off x="0" y="0"/>
-            <a:ext cx="11796480" cy="11796480"/>
+            <a:ext cx="11796120" cy="11796120"/>
           </a:xfrm>
           <a:prstGeom prst="rect">
             <a:avLst/>
@@ -9281,7 +9266,7 @@
         <p:spPr>
           <a:xfrm>
             <a:off x="0" y="0"/>
-            <a:ext cx="11796480" cy="11796480"/>
+            <a:ext cx="11796120" cy="11796120"/>
           </a:xfrm>
           <a:prstGeom prst="rect">
             <a:avLst/>
@@ -9295,7 +9280,7 @@
                 <a:spcPct val="100000"/>
               </a:lnSpc>
             </a:pPr>
-            <a:fld id="{01417121-C181-41A1-B191-41D191A17141}" type="slidenum">
+            <a:fld id="{F1714111-E1F1-4151-B191-B1C11151E1F1}" type="slidenum">
               <a:rPr lang="it-IT">
                 <a:solidFill>
                   <a:srgbClr val="000000"/>
@@ -9326,7 +9311,7 @@
         <p:spPr>
           <a:xfrm>
             <a:off x="648000" y="1512000"/>
-            <a:ext cx="7775640" cy="345960"/>
+            <a:ext cx="7775280" cy="345600"/>
           </a:xfrm>
           <a:prstGeom prst="rect">
             <a:avLst/>
@@ -9402,7 +9387,7 @@
         <p:spPr>
           <a:xfrm>
             <a:off x="648000" y="2160000"/>
-            <a:ext cx="2159640" cy="3599640"/>
+            <a:ext cx="2159280" cy="3599280"/>
           </a:xfrm>
           <a:prstGeom prst="rect">
             <a:avLst/>
@@ -9424,7 +9409,7 @@
         <p:spPr>
           <a:xfrm>
             <a:off x="288000" y="5328000"/>
-            <a:ext cx="1799640" cy="1079640"/>
+            <a:ext cx="1799280" cy="1079280"/>
           </a:xfrm>
           <a:prstGeom prst="rect">
             <a:avLst/>
@@ -9446,7 +9431,7 @@
         <p:spPr>
           <a:xfrm>
             <a:off x="3384000" y="2160000"/>
-            <a:ext cx="2159640" cy="3599640"/>
+            <a:ext cx="2159280" cy="3599280"/>
           </a:xfrm>
           <a:prstGeom prst="rect">
             <a:avLst/>
@@ -9468,7 +9453,7 @@
         <p:spPr>
           <a:xfrm>
             <a:off x="6048000" y="2160000"/>
-            <a:ext cx="2159640" cy="3599640"/>
+            <a:ext cx="2159280" cy="3599280"/>
           </a:xfrm>
           <a:prstGeom prst="rect">
             <a:avLst/>

--- a/RQ/Esterni/presentazione/RP-Presentazione_w_mobile.pptx
+++ b/RQ/Esterni/presentazione/RP-Presentazione_w_mobile.pptx
@@ -184,7 +184,7 @@
           <a:bodyPr anchor="b" bIns="0" lIns="0" rIns="0" tIns="0" wrap="none"/>
           <a:p>
             <a:pPr algn="r"/>
-            <a:fld id="{8131E171-A131-4131-8151-A101D1E1A1F1}" type="slidenum">
+            <a:fld id="{E101C1E1-B171-41F1-A1B1-412171D10031}" type="slidenum">
               <a:rPr lang="it-IT"/>
               <a:t>&lt;number&gt;</a:t>
             </a:fld>
@@ -228,7 +228,7 @@
         <p:spPr>
           <a:xfrm>
             <a:off x="0" y="0"/>
-            <a:ext cx="11796120" cy="11796120"/>
+            <a:ext cx="11796480" cy="11796480"/>
           </a:xfrm>
           <a:prstGeom prst="rect">
             <a:avLst/>
@@ -250,7 +250,7 @@
         <p:spPr>
           <a:xfrm>
             <a:off x="0" y="0"/>
-            <a:ext cx="11796120" cy="11796120"/>
+            <a:ext cx="11796480" cy="11796480"/>
           </a:xfrm>
           <a:prstGeom prst="rect">
             <a:avLst/>
@@ -264,7 +264,7 @@
                 <a:spcPct val="100000"/>
               </a:lnSpc>
             </a:pPr>
-            <a:fld id="{81317111-D1F1-41A1-8181-8191210121F1}" type="slidenum">
+            <a:fld id="{2151F141-9131-4191-B1D1-D16191A1A181}" type="slidenum">
               <a:rPr lang="it-IT">
                 <a:solidFill>
                   <a:srgbClr val="000000"/>
@@ -335,7 +335,7 @@
         <p:spPr>
           <a:xfrm>
             <a:off x="1043640" y="1027800"/>
-            <a:ext cx="7023600" cy="1143000"/>
+            <a:ext cx="7023960" cy="1143000"/>
           </a:xfrm>
           <a:prstGeom prst="rect">
             <a:avLst/>
@@ -436,7 +436,7 @@
         <p:spPr>
           <a:xfrm>
             <a:off x="1043640" y="1027800"/>
-            <a:ext cx="7023600" cy="1143000"/>
+            <a:ext cx="7023960" cy="1143000"/>
           </a:xfrm>
           <a:prstGeom prst="rect">
             <a:avLst/>
@@ -589,7 +589,7 @@
         <p:spPr>
           <a:xfrm>
             <a:off x="1043640" y="1027800"/>
-            <a:ext cx="7023600" cy="1143000"/>
+            <a:ext cx="7023960" cy="1143000"/>
           </a:xfrm>
           <a:prstGeom prst="rect">
             <a:avLst/>
@@ -712,7 +712,7 @@
         <p:spPr>
           <a:xfrm>
             <a:off x="1043640" y="1027800"/>
-            <a:ext cx="7023600" cy="1143000"/>
+            <a:ext cx="7023960" cy="1143000"/>
           </a:xfrm>
           <a:prstGeom prst="rect">
             <a:avLst/>
@@ -788,7 +788,7 @@
         <p:spPr>
           <a:xfrm>
             <a:off x="1043640" y="1027800"/>
-            <a:ext cx="7023600" cy="1143000"/>
+            <a:ext cx="7023960" cy="1143000"/>
           </a:xfrm>
           <a:prstGeom prst="rect">
             <a:avLst/>
@@ -863,7 +863,7 @@
         <p:spPr>
           <a:xfrm>
             <a:off x="1043640" y="1027800"/>
-            <a:ext cx="7023600" cy="1143000"/>
+            <a:ext cx="7023960" cy="1143000"/>
           </a:xfrm>
           <a:prstGeom prst="rect">
             <a:avLst/>
@@ -964,7 +964,7 @@
         <p:spPr>
           <a:xfrm>
             <a:off x="1043640" y="1027800"/>
-            <a:ext cx="7023600" cy="1143000"/>
+            <a:ext cx="7023960" cy="1143000"/>
           </a:xfrm>
           <a:prstGeom prst="rect">
             <a:avLst/>
@@ -1013,7 +1013,7 @@
         <p:spPr>
           <a:xfrm>
             <a:off x="1043640" y="1027800"/>
-            <a:ext cx="7023600" cy="5102640"/>
+            <a:ext cx="7023960" cy="5102640"/>
           </a:xfrm>
           <a:prstGeom prst="rect">
             <a:avLst/>
@@ -1062,7 +1062,7 @@
         <p:spPr>
           <a:xfrm>
             <a:off x="1043640" y="1027800"/>
-            <a:ext cx="7023600" cy="1143000"/>
+            <a:ext cx="7023960" cy="1143000"/>
           </a:xfrm>
           <a:prstGeom prst="rect">
             <a:avLst/>
@@ -1189,7 +1189,7 @@
         <p:spPr>
           <a:xfrm>
             <a:off x="1043640" y="1027800"/>
-            <a:ext cx="7023600" cy="1143000"/>
+            <a:ext cx="7023960" cy="1143000"/>
           </a:xfrm>
           <a:prstGeom prst="rect">
             <a:avLst/>
@@ -1265,7 +1265,7 @@
         <p:spPr>
           <a:xfrm>
             <a:off x="1043640" y="1027800"/>
-            <a:ext cx="7023600" cy="1143000"/>
+            <a:ext cx="7023960" cy="1143000"/>
           </a:xfrm>
           <a:prstGeom prst="rect">
             <a:avLst/>
@@ -1392,7 +1392,7 @@
         <p:spPr>
           <a:xfrm>
             <a:off x="1043640" y="1027800"/>
-            <a:ext cx="7023600" cy="1143000"/>
+            <a:ext cx="7023960" cy="1143000"/>
           </a:xfrm>
           <a:prstGeom prst="rect">
             <a:avLst/>
@@ -1519,7 +1519,7 @@
         <p:spPr>
           <a:xfrm>
             <a:off x="1043640" y="1027800"/>
-            <a:ext cx="7023600" cy="1143000"/>
+            <a:ext cx="7023960" cy="1143000"/>
           </a:xfrm>
           <a:prstGeom prst="rect">
             <a:avLst/>
@@ -1620,7 +1620,7 @@
         <p:spPr>
           <a:xfrm>
             <a:off x="1043640" y="1027800"/>
-            <a:ext cx="7023600" cy="1143000"/>
+            <a:ext cx="7023960" cy="1143000"/>
           </a:xfrm>
           <a:prstGeom prst="rect">
             <a:avLst/>
@@ -1773,7 +1773,7 @@
         <p:spPr>
           <a:xfrm>
             <a:off x="1043640" y="1027800"/>
-            <a:ext cx="7023600" cy="1143000"/>
+            <a:ext cx="7023960" cy="1143000"/>
           </a:xfrm>
           <a:prstGeom prst="rect">
             <a:avLst/>
@@ -1896,7 +1896,7 @@
         <p:spPr>
           <a:xfrm>
             <a:off x="1043640" y="1027800"/>
-            <a:ext cx="7023600" cy="1143000"/>
+            <a:ext cx="7023960" cy="1143000"/>
           </a:xfrm>
           <a:prstGeom prst="rect">
             <a:avLst/>
@@ -1972,7 +1972,7 @@
         <p:spPr>
           <a:xfrm>
             <a:off x="1043640" y="1027800"/>
-            <a:ext cx="7023600" cy="1143000"/>
+            <a:ext cx="7023960" cy="1143000"/>
           </a:xfrm>
           <a:prstGeom prst="rect">
             <a:avLst/>
@@ -2047,7 +2047,7 @@
         <p:spPr>
           <a:xfrm>
             <a:off x="1043640" y="1027800"/>
-            <a:ext cx="7023600" cy="1143000"/>
+            <a:ext cx="7023960" cy="1143000"/>
           </a:xfrm>
           <a:prstGeom prst="rect">
             <a:avLst/>
@@ -2148,7 +2148,7 @@
         <p:spPr>
           <a:xfrm>
             <a:off x="1043640" y="1027800"/>
-            <a:ext cx="7023600" cy="1143000"/>
+            <a:ext cx="7023960" cy="1143000"/>
           </a:xfrm>
           <a:prstGeom prst="rect">
             <a:avLst/>
@@ -2197,7 +2197,7 @@
         <p:spPr>
           <a:xfrm>
             <a:off x="1043640" y="1027800"/>
-            <a:ext cx="7023600" cy="1143000"/>
+            <a:ext cx="7023960" cy="1143000"/>
           </a:xfrm>
           <a:prstGeom prst="rect">
             <a:avLst/>
@@ -2272,7 +2272,7 @@
         <p:spPr>
           <a:xfrm>
             <a:off x="1043640" y="1027800"/>
-            <a:ext cx="7023600" cy="5102640"/>
+            <a:ext cx="7023960" cy="5102640"/>
           </a:xfrm>
           <a:prstGeom prst="rect">
             <a:avLst/>
@@ -2321,7 +2321,7 @@
         <p:spPr>
           <a:xfrm>
             <a:off x="1043640" y="1027800"/>
-            <a:ext cx="7023600" cy="1143000"/>
+            <a:ext cx="7023960" cy="1143000"/>
           </a:xfrm>
           <a:prstGeom prst="rect">
             <a:avLst/>
@@ -2448,7 +2448,7 @@
         <p:spPr>
           <a:xfrm>
             <a:off x="1043640" y="1027800"/>
-            <a:ext cx="7023600" cy="1143000"/>
+            <a:ext cx="7023960" cy="1143000"/>
           </a:xfrm>
           <a:prstGeom prst="rect">
             <a:avLst/>
@@ -2575,7 +2575,7 @@
         <p:spPr>
           <a:xfrm>
             <a:off x="1043640" y="1027800"/>
-            <a:ext cx="7023600" cy="1143000"/>
+            <a:ext cx="7023960" cy="1143000"/>
           </a:xfrm>
           <a:prstGeom prst="rect">
             <a:avLst/>
@@ -2702,7 +2702,7 @@
         <p:spPr>
           <a:xfrm>
             <a:off x="1043640" y="1027800"/>
-            <a:ext cx="7023600" cy="1143000"/>
+            <a:ext cx="7023960" cy="1143000"/>
           </a:xfrm>
           <a:prstGeom prst="rect">
             <a:avLst/>
@@ -2803,7 +2803,7 @@
         <p:spPr>
           <a:xfrm>
             <a:off x="1043640" y="1027800"/>
-            <a:ext cx="7023600" cy="1143000"/>
+            <a:ext cx="7023960" cy="1143000"/>
           </a:xfrm>
           <a:prstGeom prst="rect">
             <a:avLst/>
@@ -2956,7 +2956,7 @@
         <p:spPr>
           <a:xfrm>
             <a:off x="1043640" y="1027800"/>
-            <a:ext cx="7023600" cy="1143000"/>
+            <a:ext cx="7023960" cy="1143000"/>
           </a:xfrm>
           <a:prstGeom prst="rect">
             <a:avLst/>
@@ -3057,7 +3057,7 @@
         <p:spPr>
           <a:xfrm>
             <a:off x="1043640" y="1027800"/>
-            <a:ext cx="7023600" cy="1143000"/>
+            <a:ext cx="7023960" cy="1143000"/>
           </a:xfrm>
           <a:prstGeom prst="rect">
             <a:avLst/>
@@ -3158,7 +3158,7 @@
         <p:spPr>
           <a:xfrm>
             <a:off x="1043640" y="1027800"/>
-            <a:ext cx="7023600" cy="1143000"/>
+            <a:ext cx="7023960" cy="1143000"/>
           </a:xfrm>
           <a:prstGeom prst="rect">
             <a:avLst/>
@@ -3207,7 +3207,7 @@
         <p:spPr>
           <a:xfrm>
             <a:off x="1043640" y="1027800"/>
-            <a:ext cx="7023600" cy="5102640"/>
+            <a:ext cx="7023960" cy="5102640"/>
           </a:xfrm>
           <a:prstGeom prst="rect">
             <a:avLst/>
@@ -3256,7 +3256,7 @@
         <p:spPr>
           <a:xfrm>
             <a:off x="1043640" y="1027800"/>
-            <a:ext cx="7023600" cy="1143000"/>
+            <a:ext cx="7023960" cy="1143000"/>
           </a:xfrm>
           <a:prstGeom prst="rect">
             <a:avLst/>
@@ -3383,7 +3383,7 @@
         <p:spPr>
           <a:xfrm>
             <a:off x="1043640" y="1027800"/>
-            <a:ext cx="7023600" cy="1143000"/>
+            <a:ext cx="7023960" cy="1143000"/>
           </a:xfrm>
           <a:prstGeom prst="rect">
             <a:avLst/>
@@ -3510,7 +3510,7 @@
         <p:spPr>
           <a:xfrm>
             <a:off x="1043640" y="1027800"/>
-            <a:ext cx="7023600" cy="1143000"/>
+            <a:ext cx="7023960" cy="1143000"/>
           </a:xfrm>
           <a:prstGeom prst="rect">
             <a:avLst/>
@@ -3633,7 +3633,7 @@
         <p:spPr>
           <a:xfrm>
             <a:off x="992160" y="0"/>
-            <a:ext cx="1599120" cy="6856920"/>
+            <a:ext cx="1599480" cy="6857280"/>
           </a:xfrm>
           <a:prstGeom prst="rect">
             <a:avLst/>
@@ -3652,7 +3652,7 @@
         <p:spPr>
           <a:xfrm>
             <a:off x="77760" y="0"/>
-            <a:ext cx="456120" cy="6856920"/>
+            <a:ext cx="456480" cy="6857280"/>
           </a:xfrm>
           <a:prstGeom prst="rect">
             <a:avLst/>
@@ -3671,7 +3671,7 @@
         <p:spPr>
           <a:xfrm>
             <a:off x="306360" y="0"/>
-            <a:ext cx="761040" cy="6856920"/>
+            <a:ext cx="761400" cy="6857280"/>
           </a:xfrm>
           <a:prstGeom prst="rect">
             <a:avLst/>
@@ -3690,7 +3690,7 @@
         <p:spPr>
           <a:xfrm>
             <a:off x="1414800" y="0"/>
-            <a:ext cx="1599120" cy="6856920"/>
+            <a:ext cx="1599480" cy="6857280"/>
           </a:xfrm>
           <a:prstGeom prst="rect">
             <a:avLst/>
@@ -3709,7 +3709,7 @@
         <p:spPr>
           <a:xfrm>
             <a:off x="500400" y="0"/>
-            <a:ext cx="456120" cy="6856920"/>
+            <a:ext cx="456480" cy="6857280"/>
           </a:xfrm>
           <a:prstGeom prst="rect">
             <a:avLst/>
@@ -3728,7 +3728,7 @@
         <p:spPr>
           <a:xfrm>
             <a:off x="729000" y="0"/>
-            <a:ext cx="761040" cy="6856920"/>
+            <a:ext cx="761400" cy="6857280"/>
           </a:xfrm>
           <a:prstGeom prst="rect">
             <a:avLst/>
@@ -3747,7 +3747,7 @@
         <p:spPr>
           <a:xfrm>
             <a:off x="8307360" y="6858000"/>
-            <a:ext cx="1599120" cy="6856920"/>
+            <a:ext cx="1599480" cy="6857280"/>
           </a:xfrm>
           <a:prstGeom prst="rect">
             <a:avLst/>
@@ -3766,7 +3766,7 @@
         <p:spPr>
           <a:xfrm>
             <a:off x="9221760" y="6858000"/>
-            <a:ext cx="456120" cy="6856920"/>
+            <a:ext cx="456480" cy="6857280"/>
           </a:xfrm>
           <a:prstGeom prst="rect">
             <a:avLst/>
@@ -3785,7 +3785,7 @@
         <p:spPr>
           <a:xfrm>
             <a:off x="8993160" y="6858000"/>
-            <a:ext cx="761040" cy="6856920"/>
+            <a:ext cx="761400" cy="6857280"/>
           </a:xfrm>
           <a:prstGeom prst="rect">
             <a:avLst/>
@@ -3804,7 +3804,7 @@
         <p:spPr>
           <a:xfrm>
             <a:off x="3887640" y="0"/>
-            <a:ext cx="2818440" cy="6856920"/>
+            <a:ext cx="2818800" cy="6857280"/>
           </a:xfrm>
           <a:prstGeom prst="rect">
             <a:avLst/>
@@ -3823,7 +3823,7 @@
         <p:spPr>
           <a:xfrm>
             <a:off x="2973240" y="0"/>
-            <a:ext cx="456120" cy="6856920"/>
+            <a:ext cx="456480" cy="6857280"/>
           </a:xfrm>
           <a:prstGeom prst="rect">
             <a:avLst/>
@@ -3842,7 +3842,7 @@
         <p:spPr>
           <a:xfrm>
             <a:off x="3201840" y="0"/>
-            <a:ext cx="761040" cy="6856920"/>
+            <a:ext cx="761400" cy="6857280"/>
           </a:xfrm>
           <a:prstGeom prst="rect">
             <a:avLst/>
@@ -3861,7 +3861,7 @@
         <p:spPr>
           <a:xfrm>
             <a:off x="65880" y="5034960"/>
-            <a:ext cx="9142920" cy="1174680"/>
+            <a:ext cx="9143280" cy="1175040"/>
           </a:xfrm>
           <a:prstGeom prst="rect">
             <a:avLst/>
@@ -3883,7 +3883,7 @@
         <p:spPr>
           <a:xfrm>
             <a:off x="65880" y="3467520"/>
-            <a:ext cx="9142920" cy="889560"/>
+            <a:ext cx="9143280" cy="889920"/>
           </a:xfrm>
           <a:prstGeom prst="rect">
             <a:avLst/>
@@ -3905,7 +3905,7 @@
         <p:spPr>
           <a:xfrm>
             <a:off x="54000" y="5640840"/>
-            <a:ext cx="3003480" cy="1210320"/>
+            <a:ext cx="3003840" cy="1210680"/>
           </a:xfrm>
           <a:prstGeom prst="rect">
             <a:avLst/>
@@ -3927,7 +3927,7 @@
         <p:spPr>
           <a:xfrm>
             <a:off x="65880" y="5284440"/>
-            <a:ext cx="9142920" cy="1477440"/>
+            <a:ext cx="9143280" cy="1477800"/>
           </a:xfrm>
           <a:prstGeom prst="rect">
             <a:avLst/>
@@ -3949,7 +3949,7 @@
         <p:spPr>
           <a:xfrm>
             <a:off x="2215080" y="5132160"/>
-            <a:ext cx="6981480" cy="1719000"/>
+            <a:ext cx="6981840" cy="1719360"/>
           </a:xfrm>
           <a:prstGeom prst="rect">
             <a:avLst/>
@@ -3971,7 +3971,7 @@
         <p:spPr>
           <a:xfrm>
             <a:off x="3528000" y="2552040"/>
-            <a:ext cx="1600200" cy="1387080"/>
+            <a:ext cx="1600560" cy="1387440"/>
           </a:xfrm>
           <a:prstGeom prst="rect">
             <a:avLst/>
@@ -3996,7 +3996,7 @@
         <p:spPr>
           <a:xfrm>
             <a:off x="4251960" y="3818880"/>
-            <a:ext cx="1600200" cy="1387080"/>
+            <a:ext cx="1600560" cy="1387440"/>
           </a:xfrm>
           <a:prstGeom prst="rect">
             <a:avLst/>
@@ -4021,7 +4021,7 @@
         <p:spPr>
           <a:xfrm>
             <a:off x="4261680" y="1285200"/>
-            <a:ext cx="1600200" cy="1387080"/>
+            <a:ext cx="1600560" cy="1387440"/>
           </a:xfrm>
           <a:prstGeom prst="rect">
             <a:avLst/>
@@ -4046,7 +4046,7 @@
         <p:spPr>
           <a:xfrm>
             <a:off x="3508920" y="18360"/>
-            <a:ext cx="1600200" cy="1387080"/>
+            <a:ext cx="1600560" cy="1387440"/>
           </a:xfrm>
           <a:prstGeom prst="rect">
             <a:avLst/>
@@ -4071,7 +4071,7 @@
         <p:spPr>
           <a:xfrm>
             <a:off x="4995000" y="5076000"/>
-            <a:ext cx="1600200" cy="1387080"/>
+            <a:ext cx="1600560" cy="1387440"/>
           </a:xfrm>
           <a:prstGeom prst="rect">
             <a:avLst/>
@@ -4096,7 +4096,7 @@
         <p:spPr>
           <a:xfrm>
             <a:off x="126720" y="3979080"/>
-            <a:ext cx="1260360" cy="1387080"/>
+            <a:ext cx="1260720" cy="1387440"/>
           </a:xfrm>
           <a:prstGeom prst="rect">
             <a:avLst/>
@@ -4121,7 +4121,7 @@
         <p:spPr>
           <a:xfrm>
             <a:off x="556200" y="5095080"/>
-            <a:ext cx="1600200" cy="1387080"/>
+            <a:ext cx="1600560" cy="1387440"/>
           </a:xfrm>
           <a:prstGeom prst="rect">
             <a:avLst/>
@@ -4146,7 +4146,7 @@
         <p:spPr>
           <a:xfrm>
             <a:off x="585000" y="2542320"/>
-            <a:ext cx="1600200" cy="1387080"/>
+            <a:ext cx="1600560" cy="1387440"/>
           </a:xfrm>
           <a:prstGeom prst="rect">
             <a:avLst/>
@@ -4171,7 +4171,7 @@
         <p:spPr>
           <a:xfrm>
             <a:off x="1308600" y="3818880"/>
-            <a:ext cx="1600200" cy="1387080"/>
+            <a:ext cx="1600560" cy="1387440"/>
           </a:xfrm>
           <a:prstGeom prst="rect">
             <a:avLst/>
@@ -4196,7 +4196,7 @@
         <p:spPr>
           <a:xfrm>
             <a:off x="2042280" y="5104440"/>
-            <a:ext cx="1600200" cy="1387080"/>
+            <a:ext cx="1600560" cy="1387440"/>
           </a:xfrm>
           <a:prstGeom prst="rect">
             <a:avLst/>
@@ -4221,7 +4221,7 @@
         <p:spPr>
           <a:xfrm>
             <a:off x="2061360" y="2552040"/>
-            <a:ext cx="1600200" cy="1387080"/>
+            <a:ext cx="1600560" cy="1387440"/>
           </a:xfrm>
           <a:prstGeom prst="rect">
             <a:avLst/>
@@ -4246,7 +4246,7 @@
         <p:spPr>
           <a:xfrm>
             <a:off x="1327680" y="1256400"/>
-            <a:ext cx="1600200" cy="1387080"/>
+            <a:ext cx="1600560" cy="1387440"/>
           </a:xfrm>
           <a:prstGeom prst="rect">
             <a:avLst/>
@@ -4271,7 +4271,7 @@
         <p:spPr>
           <a:xfrm>
             <a:off x="7338240" y="3837600"/>
-            <a:ext cx="1600200" cy="1387080"/>
+            <a:ext cx="1600560" cy="1387440"/>
           </a:xfrm>
           <a:prstGeom prst="rect">
             <a:avLst/>
@@ -4296,7 +4296,7 @@
         <p:spPr>
           <a:xfrm>
             <a:off x="8080920" y="5114160"/>
-            <a:ext cx="1600200" cy="1387080"/>
+            <a:ext cx="1600560" cy="1387440"/>
           </a:xfrm>
           <a:prstGeom prst="rect">
             <a:avLst/>
@@ -4321,7 +4321,7 @@
         <p:spPr>
           <a:xfrm>
             <a:off x="8080920" y="2561400"/>
-            <a:ext cx="1600200" cy="1387080"/>
+            <a:ext cx="1600560" cy="1387440"/>
           </a:xfrm>
           <a:prstGeom prst="rect">
             <a:avLst/>
@@ -4346,7 +4346,7 @@
         <p:spPr>
           <a:xfrm>
             <a:off x="8814600" y="3837600"/>
-            <a:ext cx="1242360" cy="1387080"/>
+            <a:ext cx="1242720" cy="1387440"/>
           </a:xfrm>
           <a:prstGeom prst="rect">
             <a:avLst/>
@@ -4371,7 +4371,7 @@
         <p:spPr>
           <a:xfrm>
             <a:off x="8814600" y="1294200"/>
-            <a:ext cx="1240920" cy="1387800"/>
+            <a:ext cx="1241280" cy="1388160"/>
           </a:xfrm>
           <a:prstGeom prst="rect">
             <a:avLst/>
@@ -4396,7 +4396,7 @@
         <p:spPr>
           <a:xfrm>
             <a:off x="457200" y="333360"/>
-            <a:ext cx="8228520" cy="6184440"/>
+            <a:ext cx="8228880" cy="6184800"/>
           </a:xfrm>
           <a:prstGeom prst="rect">
             <a:avLst/>
@@ -4421,7 +4421,7 @@
         <p:spPr>
           <a:xfrm>
             <a:off x="4561200" y="-21600"/>
-            <a:ext cx="3678120" cy="698040"/>
+            <a:ext cx="3678480" cy="698400"/>
           </a:xfrm>
           <a:prstGeom prst="rect">
             <a:avLst/>
@@ -4446,7 +4446,7 @@
         <p:spPr>
           <a:xfrm>
             <a:off x="4649040" y="-21600"/>
-            <a:ext cx="3504240" cy="622800"/>
+            <a:ext cx="3504600" cy="623160"/>
           </a:xfrm>
           <a:prstGeom prst="rect">
             <a:avLst/>
@@ -4465,7 +4465,7 @@
         <p:spPr>
           <a:xfrm>
             <a:off x="914400" y="0"/>
-            <a:ext cx="1599120" cy="6856920"/>
+            <a:ext cx="1599480" cy="6857280"/>
           </a:xfrm>
           <a:prstGeom prst="rect">
             <a:avLst/>
@@ -4484,7 +4484,7 @@
         <p:spPr>
           <a:xfrm>
             <a:off x="0" y="0"/>
-            <a:ext cx="456120" cy="6856920"/>
+            <a:ext cx="456480" cy="6857280"/>
           </a:xfrm>
           <a:prstGeom prst="rect">
             <a:avLst/>
@@ -4503,7 +4503,7 @@
         <p:spPr>
           <a:xfrm>
             <a:off x="228600" y="0"/>
-            <a:ext cx="761040" cy="6856920"/>
+            <a:ext cx="761400" cy="6857280"/>
           </a:xfrm>
           <a:prstGeom prst="rect">
             <a:avLst/>
@@ -4522,7 +4522,7 @@
         <p:spPr>
           <a:xfrm>
             <a:off x="1337400" y="0"/>
-            <a:ext cx="1599120" cy="6856920"/>
+            <a:ext cx="1599480" cy="6857280"/>
           </a:xfrm>
           <a:prstGeom prst="rect">
             <a:avLst/>
@@ -4541,7 +4541,7 @@
         <p:spPr>
           <a:xfrm>
             <a:off x="423000" y="0"/>
-            <a:ext cx="456120" cy="6856920"/>
+            <a:ext cx="456480" cy="6857280"/>
           </a:xfrm>
           <a:prstGeom prst="rect">
             <a:avLst/>
@@ -4560,7 +4560,7 @@
         <p:spPr>
           <a:xfrm>
             <a:off x="651600" y="0"/>
-            <a:ext cx="761040" cy="6856920"/>
+            <a:ext cx="761400" cy="6857280"/>
           </a:xfrm>
           <a:prstGeom prst="rect">
             <a:avLst/>
@@ -4579,7 +4579,7 @@
         <p:spPr>
           <a:xfrm>
             <a:off x="8229600" y="6858000"/>
-            <a:ext cx="1599120" cy="6856920"/>
+            <a:ext cx="1599480" cy="6857280"/>
           </a:xfrm>
           <a:prstGeom prst="rect">
             <a:avLst/>
@@ -4598,7 +4598,7 @@
         <p:spPr>
           <a:xfrm>
             <a:off x="9144000" y="6858000"/>
-            <a:ext cx="456120" cy="6856920"/>
+            <a:ext cx="456480" cy="6857280"/>
           </a:xfrm>
           <a:prstGeom prst="rect">
             <a:avLst/>
@@ -4617,7 +4617,7 @@
         <p:spPr>
           <a:xfrm>
             <a:off x="8915400" y="6858000"/>
-            <a:ext cx="761040" cy="6856920"/>
+            <a:ext cx="761400" cy="6857280"/>
           </a:xfrm>
           <a:prstGeom prst="rect">
             <a:avLst/>
@@ -4636,7 +4636,7 @@
         <p:spPr>
           <a:xfrm>
             <a:off x="3809880" y="0"/>
-            <a:ext cx="2818440" cy="6856920"/>
+            <a:ext cx="2818800" cy="6857280"/>
           </a:xfrm>
           <a:prstGeom prst="rect">
             <a:avLst/>
@@ -4655,7 +4655,7 @@
         <p:spPr>
           <a:xfrm>
             <a:off x="2895480" y="0"/>
-            <a:ext cx="456120" cy="6856920"/>
+            <a:ext cx="456480" cy="6857280"/>
           </a:xfrm>
           <a:prstGeom prst="rect">
             <a:avLst/>
@@ -4674,7 +4674,7 @@
         <p:spPr>
           <a:xfrm>
             <a:off x="3124080" y="0"/>
-            <a:ext cx="761040" cy="6856920"/>
+            <a:ext cx="761400" cy="6857280"/>
           </a:xfrm>
           <a:prstGeom prst="rect">
             <a:avLst/>
@@ -4693,7 +4693,7 @@
         <p:spPr>
           <a:xfrm>
             <a:off x="-11880" y="5034960"/>
-            <a:ext cx="9142920" cy="1174680"/>
+            <a:ext cx="9143280" cy="1175040"/>
           </a:xfrm>
           <a:prstGeom prst="rect">
             <a:avLst/>
@@ -4715,7 +4715,7 @@
         <p:spPr>
           <a:xfrm>
             <a:off x="-11880" y="3467520"/>
-            <a:ext cx="9142920" cy="889560"/>
+            <a:ext cx="9143280" cy="889920"/>
           </a:xfrm>
           <a:prstGeom prst="rect">
             <a:avLst/>
@@ -4737,7 +4737,7 @@
         <p:spPr>
           <a:xfrm>
             <a:off x="-23760" y="5640840"/>
-            <a:ext cx="3003480" cy="1210320"/>
+            <a:ext cx="3003840" cy="1210680"/>
           </a:xfrm>
           <a:prstGeom prst="rect">
             <a:avLst/>
@@ -4759,7 +4759,7 @@
         <p:spPr>
           <a:xfrm>
             <a:off x="-11880" y="5284440"/>
-            <a:ext cx="9142920" cy="1477440"/>
+            <a:ext cx="9143280" cy="1477800"/>
           </a:xfrm>
           <a:prstGeom prst="rect">
             <a:avLst/>
@@ -4781,7 +4781,7 @@
         <p:spPr>
           <a:xfrm>
             <a:off x="2137680" y="5132160"/>
-            <a:ext cx="6981480" cy="1719000"/>
+            <a:ext cx="6981840" cy="1719360"/>
           </a:xfrm>
           <a:prstGeom prst="rect">
             <a:avLst/>
@@ -4803,7 +4803,7 @@
         <p:spPr>
           <a:xfrm>
             <a:off x="3450600" y="2552040"/>
-            <a:ext cx="1600200" cy="1387080"/>
+            <a:ext cx="1600560" cy="1387440"/>
           </a:xfrm>
           <a:prstGeom prst="rect">
             <a:avLst/>
@@ -4828,7 +4828,7 @@
         <p:spPr>
           <a:xfrm>
             <a:off x="4174560" y="3818880"/>
-            <a:ext cx="1600200" cy="1387080"/>
+            <a:ext cx="1600560" cy="1387440"/>
           </a:xfrm>
           <a:prstGeom prst="rect">
             <a:avLst/>
@@ -4853,7 +4853,7 @@
         <p:spPr>
           <a:xfrm>
             <a:off x="4183920" y="1285200"/>
-            <a:ext cx="1600200" cy="1387080"/>
+            <a:ext cx="1600560" cy="1387440"/>
           </a:xfrm>
           <a:prstGeom prst="rect">
             <a:avLst/>
@@ -4878,7 +4878,7 @@
         <p:spPr>
           <a:xfrm>
             <a:off x="3431520" y="18360"/>
-            <a:ext cx="1600200" cy="1387080"/>
+            <a:ext cx="1600560" cy="1387440"/>
           </a:xfrm>
           <a:prstGeom prst="rect">
             <a:avLst/>
@@ -4903,7 +4903,7 @@
         <p:spPr>
           <a:xfrm>
             <a:off x="4917240" y="5076000"/>
-            <a:ext cx="1600200" cy="1387080"/>
+            <a:ext cx="1600560" cy="1387440"/>
           </a:xfrm>
           <a:prstGeom prst="rect">
             <a:avLst/>
@@ -4928,7 +4928,7 @@
         <p:spPr>
           <a:xfrm>
             <a:off x="49320" y="3979080"/>
-            <a:ext cx="1260360" cy="1387080"/>
+            <a:ext cx="1260720" cy="1387440"/>
           </a:xfrm>
           <a:prstGeom prst="rect">
             <a:avLst/>
@@ -4953,7 +4953,7 @@
         <p:spPr>
           <a:xfrm>
             <a:off x="478800" y="5095080"/>
-            <a:ext cx="1600200" cy="1387080"/>
+            <a:ext cx="1600560" cy="1387440"/>
           </a:xfrm>
           <a:prstGeom prst="rect">
             <a:avLst/>
@@ -4978,7 +4978,7 @@
         <p:spPr>
           <a:xfrm>
             <a:off x="507240" y="2542320"/>
-            <a:ext cx="1600200" cy="1387080"/>
+            <a:ext cx="1600560" cy="1387440"/>
           </a:xfrm>
           <a:prstGeom prst="rect">
             <a:avLst/>
@@ -5003,7 +5003,7 @@
         <p:spPr>
           <a:xfrm>
             <a:off x="1231200" y="3818880"/>
-            <a:ext cx="1600200" cy="1387080"/>
+            <a:ext cx="1600560" cy="1387440"/>
           </a:xfrm>
           <a:prstGeom prst="rect">
             <a:avLst/>
@@ -5028,7 +5028,7 @@
         <p:spPr>
           <a:xfrm>
             <a:off x="1964520" y="5104440"/>
-            <a:ext cx="1600200" cy="1387080"/>
+            <a:ext cx="1600560" cy="1387440"/>
           </a:xfrm>
           <a:prstGeom prst="rect">
             <a:avLst/>
@@ -5053,7 +5053,7 @@
         <p:spPr>
           <a:xfrm>
             <a:off x="1983600" y="2552040"/>
-            <a:ext cx="1600200" cy="1387080"/>
+            <a:ext cx="1600560" cy="1387440"/>
           </a:xfrm>
           <a:prstGeom prst="rect">
             <a:avLst/>
@@ -5078,7 +5078,7 @@
         <p:spPr>
           <a:xfrm>
             <a:off x="1250280" y="1256400"/>
-            <a:ext cx="1600200" cy="1387080"/>
+            <a:ext cx="1600560" cy="1387440"/>
           </a:xfrm>
           <a:prstGeom prst="rect">
             <a:avLst/>
@@ -5103,7 +5103,7 @@
         <p:spPr>
           <a:xfrm>
             <a:off x="7260480" y="3837600"/>
-            <a:ext cx="1600200" cy="1387080"/>
+            <a:ext cx="1600560" cy="1387440"/>
           </a:xfrm>
           <a:prstGeom prst="rect">
             <a:avLst/>
@@ -5128,7 +5128,7 @@
         <p:spPr>
           <a:xfrm>
             <a:off x="8003520" y="5114160"/>
-            <a:ext cx="1600200" cy="1387080"/>
+            <a:ext cx="1600560" cy="1387440"/>
           </a:xfrm>
           <a:prstGeom prst="rect">
             <a:avLst/>
@@ -5153,7 +5153,7 @@
         <p:spPr>
           <a:xfrm>
             <a:off x="8003520" y="2561400"/>
-            <a:ext cx="1600200" cy="1387080"/>
+            <a:ext cx="1600560" cy="1387440"/>
           </a:xfrm>
           <a:prstGeom prst="rect">
             <a:avLst/>
@@ -5178,7 +5178,7 @@
         <p:spPr>
           <a:xfrm>
             <a:off x="8736840" y="3837600"/>
-            <a:ext cx="1242360" cy="1387080"/>
+            <a:ext cx="1242720" cy="1387440"/>
           </a:xfrm>
           <a:prstGeom prst="rect">
             <a:avLst/>
@@ -5203,7 +5203,7 @@
         <p:spPr>
           <a:xfrm>
             <a:off x="8737200" y="1294200"/>
-            <a:ext cx="1240920" cy="1387800"/>
+            <a:ext cx="1241280" cy="1388160"/>
           </a:xfrm>
           <a:prstGeom prst="rect">
             <a:avLst/>
@@ -5228,7 +5228,7 @@
         <p:spPr>
           <a:xfrm>
             <a:off x="4561200" y="-21600"/>
-            <a:ext cx="3678120" cy="6270840"/>
+            <a:ext cx="3678480" cy="6271200"/>
           </a:xfrm>
           <a:prstGeom prst="rect">
             <a:avLst/>
@@ -5253,7 +5253,7 @@
         <p:spPr>
           <a:xfrm>
             <a:off x="4649040" y="-21600"/>
-            <a:ext cx="3504240" cy="2311920"/>
+            <a:ext cx="3504600" cy="2312280"/>
           </a:xfrm>
           <a:prstGeom prst="rect">
             <a:avLst/>
@@ -5272,7 +5272,7 @@
         <p:spPr>
           <a:xfrm>
             <a:off x="4650840" y="6088320"/>
-            <a:ext cx="3504240" cy="80640"/>
+            <a:ext cx="3504600" cy="81000"/>
           </a:xfrm>
           <a:prstGeom prst="rect">
             <a:avLst/>
@@ -5291,7 +5291,7 @@
         <p:spPr>
           <a:xfrm>
             <a:off x="4650840" y="6088320"/>
-            <a:ext cx="3504240" cy="80640"/>
+            <a:ext cx="3504600" cy="81000"/>
           </a:xfrm>
           <a:prstGeom prst="rect">
             <a:avLst/>
@@ -5314,7 +5314,7 @@
         <p:spPr>
           <a:xfrm>
             <a:off x="1043640" y="1027800"/>
-            <a:ext cx="7023600" cy="1142640"/>
+            <a:ext cx="7023960" cy="1142640"/>
           </a:xfrm>
           <a:prstGeom prst="rect">
             <a:avLst/>
@@ -5323,7 +5323,6 @@
         <p:txBody>
           <a:bodyPr anchor="ctr" bIns="0" lIns="0" rIns="0" tIns="0" wrap="none"/>
           <a:p>
-            <a:pPr algn="ctr"/>
             <a:r>
               <a:rPr lang="it-IT"/>
               <a:t>Click to edit the title text format</a:t>
@@ -5345,7 +5344,7 @@
         <p:spPr>
           <a:xfrm>
             <a:off x="457200" y="1604520"/>
-            <a:ext cx="8228880" cy="4525560"/>
+            <a:ext cx="8229240" cy="4525920"/>
           </a:xfrm>
           <a:prstGeom prst="rect">
             <a:avLst/>
@@ -5354,6 +5353,11 @@
         <p:txBody>
           <a:bodyPr bIns="0" lIns="0" rIns="0" tIns="0" wrap="none"/>
           <a:p>
+            <a:pPr>
+              <a:buSzPct val="45000"/>
+              <a:buFont typeface="StarSymbol"/>
+              <a:buChar char=""/>
+            </a:pPr>
             <a:r>
               <a:rPr lang="it-IT"/>
               <a:t>Click to edit the outline text format</a:t>
@@ -5504,7 +5508,7 @@
         <p:spPr>
           <a:xfrm>
             <a:off x="992160" y="0"/>
-            <a:ext cx="1599120" cy="6856920"/>
+            <a:ext cx="1599480" cy="6857280"/>
           </a:xfrm>
           <a:prstGeom prst="rect">
             <a:avLst/>
@@ -5523,7 +5527,7 @@
         <p:spPr>
           <a:xfrm>
             <a:off x="77760" y="0"/>
-            <a:ext cx="456120" cy="6856920"/>
+            <a:ext cx="456480" cy="6857280"/>
           </a:xfrm>
           <a:prstGeom prst="rect">
             <a:avLst/>
@@ -5542,7 +5546,7 @@
         <p:spPr>
           <a:xfrm>
             <a:off x="306360" y="0"/>
-            <a:ext cx="761040" cy="6856920"/>
+            <a:ext cx="761400" cy="6857280"/>
           </a:xfrm>
           <a:prstGeom prst="rect">
             <a:avLst/>
@@ -5561,7 +5565,7 @@
         <p:spPr>
           <a:xfrm>
             <a:off x="1414800" y="0"/>
-            <a:ext cx="1599120" cy="6856920"/>
+            <a:ext cx="1599480" cy="6857280"/>
           </a:xfrm>
           <a:prstGeom prst="rect">
             <a:avLst/>
@@ -5580,7 +5584,7 @@
         <p:spPr>
           <a:xfrm>
             <a:off x="500400" y="0"/>
-            <a:ext cx="456120" cy="6856920"/>
+            <a:ext cx="456480" cy="6857280"/>
           </a:xfrm>
           <a:prstGeom prst="rect">
             <a:avLst/>
@@ -5599,7 +5603,7 @@
         <p:spPr>
           <a:xfrm>
             <a:off x="729000" y="0"/>
-            <a:ext cx="761040" cy="6856920"/>
+            <a:ext cx="761400" cy="6857280"/>
           </a:xfrm>
           <a:prstGeom prst="rect">
             <a:avLst/>
@@ -5618,7 +5622,7 @@
         <p:spPr>
           <a:xfrm>
             <a:off x="8307360" y="6858000"/>
-            <a:ext cx="1599120" cy="6856920"/>
+            <a:ext cx="1599480" cy="6857280"/>
           </a:xfrm>
           <a:prstGeom prst="rect">
             <a:avLst/>
@@ -5637,7 +5641,7 @@
         <p:spPr>
           <a:xfrm>
             <a:off x="9221760" y="6858000"/>
-            <a:ext cx="456120" cy="6856920"/>
+            <a:ext cx="456480" cy="6857280"/>
           </a:xfrm>
           <a:prstGeom prst="rect">
             <a:avLst/>
@@ -5656,7 +5660,7 @@
         <p:spPr>
           <a:xfrm>
             <a:off x="8993160" y="6858000"/>
-            <a:ext cx="761040" cy="6856920"/>
+            <a:ext cx="761400" cy="6857280"/>
           </a:xfrm>
           <a:prstGeom prst="rect">
             <a:avLst/>
@@ -5675,7 +5679,7 @@
         <p:spPr>
           <a:xfrm>
             <a:off x="3887640" y="0"/>
-            <a:ext cx="2818440" cy="6856920"/>
+            <a:ext cx="2818800" cy="6857280"/>
           </a:xfrm>
           <a:prstGeom prst="rect">
             <a:avLst/>
@@ -5694,7 +5698,7 @@
         <p:spPr>
           <a:xfrm>
             <a:off x="2973240" y="0"/>
-            <a:ext cx="456120" cy="6856920"/>
+            <a:ext cx="456480" cy="6857280"/>
           </a:xfrm>
           <a:prstGeom prst="rect">
             <a:avLst/>
@@ -5713,7 +5717,7 @@
         <p:spPr>
           <a:xfrm>
             <a:off x="3201840" y="0"/>
-            <a:ext cx="761040" cy="6856920"/>
+            <a:ext cx="761400" cy="6857280"/>
           </a:xfrm>
           <a:prstGeom prst="rect">
             <a:avLst/>
@@ -5732,7 +5736,7 @@
         <p:spPr>
           <a:xfrm>
             <a:off x="65880" y="5034960"/>
-            <a:ext cx="9142920" cy="1174680"/>
+            <a:ext cx="9143280" cy="1175040"/>
           </a:xfrm>
           <a:prstGeom prst="rect">
             <a:avLst/>
@@ -5754,7 +5758,7 @@
         <p:spPr>
           <a:xfrm>
             <a:off x="65880" y="3467520"/>
-            <a:ext cx="9142920" cy="889560"/>
+            <a:ext cx="9143280" cy="889920"/>
           </a:xfrm>
           <a:prstGeom prst="rect">
             <a:avLst/>
@@ -5776,7 +5780,7 @@
         <p:spPr>
           <a:xfrm>
             <a:off x="54000" y="5640840"/>
-            <a:ext cx="3003480" cy="1210320"/>
+            <a:ext cx="3003840" cy="1210680"/>
           </a:xfrm>
           <a:prstGeom prst="rect">
             <a:avLst/>
@@ -5798,7 +5802,7 @@
         <p:spPr>
           <a:xfrm>
             <a:off x="65880" y="5284440"/>
-            <a:ext cx="9142920" cy="1477440"/>
+            <a:ext cx="9143280" cy="1477800"/>
           </a:xfrm>
           <a:prstGeom prst="rect">
             <a:avLst/>
@@ -5820,7 +5824,7 @@
         <p:spPr>
           <a:xfrm>
             <a:off x="2215080" y="5132160"/>
-            <a:ext cx="6981480" cy="1719000"/>
+            <a:ext cx="6981840" cy="1719360"/>
           </a:xfrm>
           <a:prstGeom prst="rect">
             <a:avLst/>
@@ -5842,7 +5846,7 @@
         <p:spPr>
           <a:xfrm>
             <a:off x="3528000" y="2552040"/>
-            <a:ext cx="1600200" cy="1387080"/>
+            <a:ext cx="1600560" cy="1387440"/>
           </a:xfrm>
           <a:prstGeom prst="rect">
             <a:avLst/>
@@ -5867,7 +5871,7 @@
         <p:spPr>
           <a:xfrm>
             <a:off x="4251960" y="3818880"/>
-            <a:ext cx="1600200" cy="1387080"/>
+            <a:ext cx="1600560" cy="1387440"/>
           </a:xfrm>
           <a:prstGeom prst="rect">
             <a:avLst/>
@@ -5892,7 +5896,7 @@
         <p:spPr>
           <a:xfrm>
             <a:off x="4261680" y="1285200"/>
-            <a:ext cx="1600200" cy="1387080"/>
+            <a:ext cx="1600560" cy="1387440"/>
           </a:xfrm>
           <a:prstGeom prst="rect">
             <a:avLst/>
@@ -5917,7 +5921,7 @@
         <p:spPr>
           <a:xfrm>
             <a:off x="3508920" y="18360"/>
-            <a:ext cx="1600200" cy="1387080"/>
+            <a:ext cx="1600560" cy="1387440"/>
           </a:xfrm>
           <a:prstGeom prst="rect">
             <a:avLst/>
@@ -5942,7 +5946,7 @@
         <p:spPr>
           <a:xfrm>
             <a:off x="4995000" y="5076000"/>
-            <a:ext cx="1600200" cy="1387080"/>
+            <a:ext cx="1600560" cy="1387440"/>
           </a:xfrm>
           <a:prstGeom prst="rect">
             <a:avLst/>
@@ -5967,7 +5971,7 @@
         <p:spPr>
           <a:xfrm>
             <a:off x="126720" y="3979080"/>
-            <a:ext cx="1260360" cy="1387080"/>
+            <a:ext cx="1260720" cy="1387440"/>
           </a:xfrm>
           <a:prstGeom prst="rect">
             <a:avLst/>
@@ -5992,7 +5996,7 @@
         <p:spPr>
           <a:xfrm>
             <a:off x="556200" y="5095080"/>
-            <a:ext cx="1600200" cy="1387080"/>
+            <a:ext cx="1600560" cy="1387440"/>
           </a:xfrm>
           <a:prstGeom prst="rect">
             <a:avLst/>
@@ -6017,7 +6021,7 @@
         <p:spPr>
           <a:xfrm>
             <a:off x="585000" y="2542320"/>
-            <a:ext cx="1600200" cy="1387080"/>
+            <a:ext cx="1600560" cy="1387440"/>
           </a:xfrm>
           <a:prstGeom prst="rect">
             <a:avLst/>
@@ -6042,7 +6046,7 @@
         <p:spPr>
           <a:xfrm>
             <a:off x="1308600" y="3818880"/>
-            <a:ext cx="1600200" cy="1387080"/>
+            <a:ext cx="1600560" cy="1387440"/>
           </a:xfrm>
           <a:prstGeom prst="rect">
             <a:avLst/>
@@ -6067,7 +6071,7 @@
         <p:spPr>
           <a:xfrm>
             <a:off x="2042280" y="5104440"/>
-            <a:ext cx="1600200" cy="1387080"/>
+            <a:ext cx="1600560" cy="1387440"/>
           </a:xfrm>
           <a:prstGeom prst="rect">
             <a:avLst/>
@@ -6092,7 +6096,7 @@
         <p:spPr>
           <a:xfrm>
             <a:off x="2061360" y="2552040"/>
-            <a:ext cx="1600200" cy="1387080"/>
+            <a:ext cx="1600560" cy="1387440"/>
           </a:xfrm>
           <a:prstGeom prst="rect">
             <a:avLst/>
@@ -6117,7 +6121,7 @@
         <p:spPr>
           <a:xfrm>
             <a:off x="1327680" y="1256400"/>
-            <a:ext cx="1600200" cy="1387080"/>
+            <a:ext cx="1600560" cy="1387440"/>
           </a:xfrm>
           <a:prstGeom prst="rect">
             <a:avLst/>
@@ -6142,7 +6146,7 @@
         <p:spPr>
           <a:xfrm>
             <a:off x="7338240" y="3837600"/>
-            <a:ext cx="1600200" cy="1387080"/>
+            <a:ext cx="1600560" cy="1387440"/>
           </a:xfrm>
           <a:prstGeom prst="rect">
             <a:avLst/>
@@ -6167,7 +6171,7 @@
         <p:spPr>
           <a:xfrm>
             <a:off x="8080920" y="5114160"/>
-            <a:ext cx="1600200" cy="1387080"/>
+            <a:ext cx="1600560" cy="1387440"/>
           </a:xfrm>
           <a:prstGeom prst="rect">
             <a:avLst/>
@@ -6192,7 +6196,7 @@
         <p:spPr>
           <a:xfrm>
             <a:off x="8080920" y="2561400"/>
-            <a:ext cx="1600200" cy="1387080"/>
+            <a:ext cx="1600560" cy="1387440"/>
           </a:xfrm>
           <a:prstGeom prst="rect">
             <a:avLst/>
@@ -6217,7 +6221,7 @@
         <p:spPr>
           <a:xfrm>
             <a:off x="8814600" y="3837600"/>
-            <a:ext cx="1242360" cy="1387080"/>
+            <a:ext cx="1242720" cy="1387440"/>
           </a:xfrm>
           <a:prstGeom prst="rect">
             <a:avLst/>
@@ -6242,7 +6246,7 @@
         <p:spPr>
           <a:xfrm>
             <a:off x="8814600" y="1294200"/>
-            <a:ext cx="1240920" cy="1387800"/>
+            <a:ext cx="1241280" cy="1388160"/>
           </a:xfrm>
           <a:prstGeom prst="rect">
             <a:avLst/>
@@ -6267,7 +6271,7 @@
         <p:spPr>
           <a:xfrm>
             <a:off x="457200" y="333360"/>
-            <a:ext cx="8228520" cy="6184440"/>
+            <a:ext cx="8228880" cy="6184800"/>
           </a:xfrm>
           <a:prstGeom prst="rect">
             <a:avLst/>
@@ -6292,7 +6296,7 @@
         <p:spPr>
           <a:xfrm>
             <a:off x="4561200" y="-21600"/>
-            <a:ext cx="3678120" cy="698040"/>
+            <a:ext cx="3678480" cy="698400"/>
           </a:xfrm>
           <a:prstGeom prst="rect">
             <a:avLst/>
@@ -6317,7 +6321,7 @@
         <p:spPr>
           <a:xfrm>
             <a:off x="4649040" y="-21600"/>
-            <a:ext cx="3504240" cy="622800"/>
+            <a:ext cx="3504600" cy="623160"/>
           </a:xfrm>
           <a:prstGeom prst="rect">
             <a:avLst/>
@@ -6535,7 +6539,7 @@
         <p:spPr>
           <a:xfrm>
             <a:off x="992160" y="0"/>
-            <a:ext cx="1599120" cy="6856920"/>
+            <a:ext cx="1599480" cy="6857280"/>
           </a:xfrm>
           <a:prstGeom prst="rect">
             <a:avLst/>
@@ -6554,7 +6558,7 @@
         <p:spPr>
           <a:xfrm>
             <a:off x="77760" y="0"/>
-            <a:ext cx="456120" cy="6856920"/>
+            <a:ext cx="456480" cy="6857280"/>
           </a:xfrm>
           <a:prstGeom prst="rect">
             <a:avLst/>
@@ -6573,7 +6577,7 @@
         <p:spPr>
           <a:xfrm>
             <a:off x="306360" y="0"/>
-            <a:ext cx="761040" cy="6856920"/>
+            <a:ext cx="761400" cy="6857280"/>
           </a:xfrm>
           <a:prstGeom prst="rect">
             <a:avLst/>
@@ -6592,7 +6596,7 @@
         <p:spPr>
           <a:xfrm>
             <a:off x="1414800" y="0"/>
-            <a:ext cx="1599120" cy="6856920"/>
+            <a:ext cx="1599480" cy="6857280"/>
           </a:xfrm>
           <a:prstGeom prst="rect">
             <a:avLst/>
@@ -6611,7 +6615,7 @@
         <p:spPr>
           <a:xfrm>
             <a:off x="500400" y="0"/>
-            <a:ext cx="456120" cy="6856920"/>
+            <a:ext cx="456480" cy="6857280"/>
           </a:xfrm>
           <a:prstGeom prst="rect">
             <a:avLst/>
@@ -6630,7 +6634,7 @@
         <p:spPr>
           <a:xfrm>
             <a:off x="729000" y="0"/>
-            <a:ext cx="761040" cy="6856920"/>
+            <a:ext cx="761400" cy="6857280"/>
           </a:xfrm>
           <a:prstGeom prst="rect">
             <a:avLst/>
@@ -6649,7 +6653,7 @@
         <p:spPr>
           <a:xfrm>
             <a:off x="8307360" y="6858000"/>
-            <a:ext cx="1599120" cy="6856920"/>
+            <a:ext cx="1599480" cy="6857280"/>
           </a:xfrm>
           <a:prstGeom prst="rect">
             <a:avLst/>
@@ -6668,7 +6672,7 @@
         <p:spPr>
           <a:xfrm>
             <a:off x="9221760" y="6858000"/>
-            <a:ext cx="456120" cy="6856920"/>
+            <a:ext cx="456480" cy="6857280"/>
           </a:xfrm>
           <a:prstGeom prst="rect">
             <a:avLst/>
@@ -6687,7 +6691,7 @@
         <p:spPr>
           <a:xfrm>
             <a:off x="8993160" y="6858000"/>
-            <a:ext cx="761040" cy="6856920"/>
+            <a:ext cx="761400" cy="6857280"/>
           </a:xfrm>
           <a:prstGeom prst="rect">
             <a:avLst/>
@@ -6706,7 +6710,7 @@
         <p:spPr>
           <a:xfrm>
             <a:off x="3887640" y="0"/>
-            <a:ext cx="2818440" cy="6856920"/>
+            <a:ext cx="2818800" cy="6857280"/>
           </a:xfrm>
           <a:prstGeom prst="rect">
             <a:avLst/>
@@ -6725,7 +6729,7 @@
         <p:spPr>
           <a:xfrm>
             <a:off x="2973240" y="0"/>
-            <a:ext cx="456120" cy="6856920"/>
+            <a:ext cx="456480" cy="6857280"/>
           </a:xfrm>
           <a:prstGeom prst="rect">
             <a:avLst/>
@@ -6744,7 +6748,7 @@
         <p:spPr>
           <a:xfrm>
             <a:off x="3201840" y="0"/>
-            <a:ext cx="761040" cy="6856920"/>
+            <a:ext cx="761400" cy="6857280"/>
           </a:xfrm>
           <a:prstGeom prst="rect">
             <a:avLst/>
@@ -6763,7 +6767,7 @@
         <p:spPr>
           <a:xfrm>
             <a:off x="65880" y="5034960"/>
-            <a:ext cx="9142920" cy="1174680"/>
+            <a:ext cx="9143280" cy="1175040"/>
           </a:xfrm>
           <a:prstGeom prst="rect">
             <a:avLst/>
@@ -6785,7 +6789,7 @@
         <p:spPr>
           <a:xfrm>
             <a:off x="65880" y="3467520"/>
-            <a:ext cx="9142920" cy="889560"/>
+            <a:ext cx="9143280" cy="889920"/>
           </a:xfrm>
           <a:prstGeom prst="rect">
             <a:avLst/>
@@ -6807,7 +6811,7 @@
         <p:spPr>
           <a:xfrm>
             <a:off x="54000" y="5640840"/>
-            <a:ext cx="3003480" cy="1210320"/>
+            <a:ext cx="3003840" cy="1210680"/>
           </a:xfrm>
           <a:prstGeom prst="rect">
             <a:avLst/>
@@ -6829,7 +6833,7 @@
         <p:spPr>
           <a:xfrm>
             <a:off x="65880" y="5284440"/>
-            <a:ext cx="9142920" cy="1477440"/>
+            <a:ext cx="9143280" cy="1477800"/>
           </a:xfrm>
           <a:prstGeom prst="rect">
             <a:avLst/>
@@ -6851,7 +6855,7 @@
         <p:spPr>
           <a:xfrm>
             <a:off x="2215080" y="5132160"/>
-            <a:ext cx="6981480" cy="1719000"/>
+            <a:ext cx="6981840" cy="1719360"/>
           </a:xfrm>
           <a:prstGeom prst="rect">
             <a:avLst/>
@@ -6873,7 +6877,7 @@
         <p:spPr>
           <a:xfrm>
             <a:off x="3528000" y="2552040"/>
-            <a:ext cx="1600200" cy="1387080"/>
+            <a:ext cx="1600560" cy="1387440"/>
           </a:xfrm>
           <a:prstGeom prst="rect">
             <a:avLst/>
@@ -6898,7 +6902,7 @@
         <p:spPr>
           <a:xfrm>
             <a:off x="4251960" y="3818880"/>
-            <a:ext cx="1600200" cy="1387080"/>
+            <a:ext cx="1600560" cy="1387440"/>
           </a:xfrm>
           <a:prstGeom prst="rect">
             <a:avLst/>
@@ -6923,7 +6927,7 @@
         <p:spPr>
           <a:xfrm>
             <a:off x="4261680" y="1285200"/>
-            <a:ext cx="1600200" cy="1387080"/>
+            <a:ext cx="1600560" cy="1387440"/>
           </a:xfrm>
           <a:prstGeom prst="rect">
             <a:avLst/>
@@ -6948,7 +6952,7 @@
         <p:spPr>
           <a:xfrm>
             <a:off x="3508920" y="18360"/>
-            <a:ext cx="1600200" cy="1387080"/>
+            <a:ext cx="1600560" cy="1387440"/>
           </a:xfrm>
           <a:prstGeom prst="rect">
             <a:avLst/>
@@ -6973,7 +6977,7 @@
         <p:spPr>
           <a:xfrm>
             <a:off x="4995000" y="5076000"/>
-            <a:ext cx="1600200" cy="1387080"/>
+            <a:ext cx="1600560" cy="1387440"/>
           </a:xfrm>
           <a:prstGeom prst="rect">
             <a:avLst/>
@@ -6998,7 +7002,7 @@
         <p:spPr>
           <a:xfrm>
             <a:off x="126720" y="3979080"/>
-            <a:ext cx="1260360" cy="1387080"/>
+            <a:ext cx="1260720" cy="1387440"/>
           </a:xfrm>
           <a:prstGeom prst="rect">
             <a:avLst/>
@@ -7023,7 +7027,7 @@
         <p:spPr>
           <a:xfrm>
             <a:off x="556200" y="5095080"/>
-            <a:ext cx="1600200" cy="1387080"/>
+            <a:ext cx="1600560" cy="1387440"/>
           </a:xfrm>
           <a:prstGeom prst="rect">
             <a:avLst/>
@@ -7048,7 +7052,7 @@
         <p:spPr>
           <a:xfrm>
             <a:off x="585000" y="2542320"/>
-            <a:ext cx="1600200" cy="1387080"/>
+            <a:ext cx="1600560" cy="1387440"/>
           </a:xfrm>
           <a:prstGeom prst="rect">
             <a:avLst/>
@@ -7073,7 +7077,7 @@
         <p:spPr>
           <a:xfrm>
             <a:off x="1308600" y="3818880"/>
-            <a:ext cx="1600200" cy="1387080"/>
+            <a:ext cx="1600560" cy="1387440"/>
           </a:xfrm>
           <a:prstGeom prst="rect">
             <a:avLst/>
@@ -7098,7 +7102,7 @@
         <p:spPr>
           <a:xfrm>
             <a:off x="2042280" y="5104440"/>
-            <a:ext cx="1600200" cy="1387080"/>
+            <a:ext cx="1600560" cy="1387440"/>
           </a:xfrm>
           <a:prstGeom prst="rect">
             <a:avLst/>
@@ -7123,7 +7127,7 @@
         <p:spPr>
           <a:xfrm>
             <a:off x="2061360" y="2552040"/>
-            <a:ext cx="1600200" cy="1387080"/>
+            <a:ext cx="1600560" cy="1387440"/>
           </a:xfrm>
           <a:prstGeom prst="rect">
             <a:avLst/>
@@ -7148,7 +7152,7 @@
         <p:spPr>
           <a:xfrm>
             <a:off x="1327680" y="1256400"/>
-            <a:ext cx="1600200" cy="1387080"/>
+            <a:ext cx="1600560" cy="1387440"/>
           </a:xfrm>
           <a:prstGeom prst="rect">
             <a:avLst/>
@@ -7173,7 +7177,7 @@
         <p:spPr>
           <a:xfrm>
             <a:off x="7338240" y="3837600"/>
-            <a:ext cx="1600200" cy="1387080"/>
+            <a:ext cx="1600560" cy="1387440"/>
           </a:xfrm>
           <a:prstGeom prst="rect">
             <a:avLst/>
@@ -7198,7 +7202,7 @@
         <p:spPr>
           <a:xfrm>
             <a:off x="8080920" y="5114160"/>
-            <a:ext cx="1600200" cy="1387080"/>
+            <a:ext cx="1600560" cy="1387440"/>
           </a:xfrm>
           <a:prstGeom prst="rect">
             <a:avLst/>
@@ -7223,7 +7227,7 @@
         <p:spPr>
           <a:xfrm>
             <a:off x="8080920" y="2561400"/>
-            <a:ext cx="1600200" cy="1387080"/>
+            <a:ext cx="1600560" cy="1387440"/>
           </a:xfrm>
           <a:prstGeom prst="rect">
             <a:avLst/>
@@ -7248,7 +7252,7 @@
         <p:spPr>
           <a:xfrm>
             <a:off x="8814600" y="3837600"/>
-            <a:ext cx="1242360" cy="1387080"/>
+            <a:ext cx="1242720" cy="1387440"/>
           </a:xfrm>
           <a:prstGeom prst="rect">
             <a:avLst/>
@@ -7273,7 +7277,7 @@
         <p:spPr>
           <a:xfrm>
             <a:off x="8814600" y="1294200"/>
-            <a:ext cx="1240920" cy="1387800"/>
+            <a:ext cx="1241280" cy="1388160"/>
           </a:xfrm>
           <a:prstGeom prst="rect">
             <a:avLst/>
@@ -7298,7 +7302,7 @@
         <p:spPr>
           <a:xfrm>
             <a:off x="457200" y="333360"/>
-            <a:ext cx="8228520" cy="6184440"/>
+            <a:ext cx="8228880" cy="6184800"/>
           </a:xfrm>
           <a:prstGeom prst="rect">
             <a:avLst/>
@@ -7323,7 +7327,7 @@
         <p:spPr>
           <a:xfrm>
             <a:off x="4561200" y="-21600"/>
-            <a:ext cx="3678120" cy="698040"/>
+            <a:ext cx="3678480" cy="698400"/>
           </a:xfrm>
           <a:prstGeom prst="rect">
             <a:avLst/>
@@ -7348,7 +7352,7 @@
         <p:spPr>
           <a:xfrm>
             <a:off x="4649040" y="-21600"/>
-            <a:ext cx="3504240" cy="622800"/>
+            <a:ext cx="3504600" cy="623160"/>
           </a:xfrm>
           <a:prstGeom prst="rect">
             <a:avLst/>
@@ -7371,7 +7375,7 @@
         <p:spPr>
           <a:xfrm>
             <a:off x="1043640" y="1027800"/>
-            <a:ext cx="7023600" cy="1142640"/>
+            <a:ext cx="7023960" cy="1142640"/>
           </a:xfrm>
           <a:prstGeom prst="rect">
             <a:avLst/>
@@ -7380,7 +7384,6 @@
         <p:txBody>
           <a:bodyPr anchor="ctr" bIns="0" lIns="0" rIns="0" tIns="0" wrap="none"/>
           <a:p>
-            <a:pPr algn="ctr"/>
             <a:r>
               <a:rPr lang="it-IT"/>
               <a:t>Click to edit the title text format</a:t>
@@ -7566,7 +7569,7 @@
         <p:spPr>
           <a:xfrm>
             <a:off x="179640" y="2512800"/>
-            <a:ext cx="4463280" cy="1635120"/>
+            <a:ext cx="4463640" cy="1635480"/>
           </a:xfrm>
           <a:prstGeom prst="rect">
             <a:avLst/>
@@ -7614,7 +7617,7 @@
         <p:spPr>
           <a:xfrm>
             <a:off x="251640" y="4268520"/>
-            <a:ext cx="4301280" cy="1751400"/>
+            <a:ext cx="4301640" cy="1751760"/>
           </a:xfrm>
           <a:prstGeom prst="rect">
             <a:avLst/>
@@ -7690,7 +7693,7 @@
         <p:spPr>
           <a:xfrm>
             <a:off x="5292000" y="2565000"/>
-            <a:ext cx="2225880" cy="3283920"/>
+            <a:ext cx="2226240" cy="3284280"/>
           </a:xfrm>
           <a:prstGeom prst="rect">
             <a:avLst/>
@@ -7734,7 +7737,7 @@
         <p:spPr>
           <a:xfrm>
             <a:off x="2750760" y="1268640"/>
-            <a:ext cx="3764520" cy="4579920"/>
+            <a:ext cx="3764880" cy="4580280"/>
           </a:xfrm>
           <a:prstGeom prst="rect">
             <a:avLst/>
@@ -7750,7 +7753,7 @@
         <p:spPr>
           <a:xfrm>
             <a:off x="1043640" y="1027800"/>
-            <a:ext cx="7023600" cy="1141920"/>
+            <a:ext cx="7023960" cy="1142280"/>
           </a:xfrm>
           <a:prstGeom prst="rect">
             <a:avLst/>
@@ -7786,7 +7789,7 @@
         <p:spPr>
           <a:xfrm>
             <a:off x="1043640" y="2323800"/>
-            <a:ext cx="6776280" cy="3507840"/>
+            <a:ext cx="6776640" cy="3508200"/>
           </a:xfrm>
           <a:prstGeom prst="rect">
             <a:avLst/>
@@ -7933,7 +7936,7 @@
         <p:spPr>
           <a:xfrm>
             <a:off x="0" y="0"/>
-            <a:ext cx="11796120" cy="11796120"/>
+            <a:ext cx="11796480" cy="11796480"/>
           </a:xfrm>
           <a:prstGeom prst="rect">
             <a:avLst/>
@@ -7969,7 +7972,7 @@
         <p:spPr>
           <a:xfrm>
             <a:off x="0" y="0"/>
-            <a:ext cx="11796120" cy="11796120"/>
+            <a:ext cx="11796480" cy="11796480"/>
           </a:xfrm>
           <a:prstGeom prst="rect">
             <a:avLst/>
@@ -7983,7 +7986,7 @@
                 <a:spcPct val="100000"/>
               </a:lnSpc>
             </a:pPr>
-            <a:fld id="{11E1C101-2121-41D1-8191-3191D1911151}" type="slidenum">
+            <a:fld id="{811181E1-5171-41F1-A151-F171F1E1B1F1}" type="slidenum">
               <a:rPr lang="it-IT">
                 <a:solidFill>
                   <a:srgbClr val="000000"/>
@@ -8071,7 +8074,7 @@
         <p:spPr>
           <a:xfrm>
             <a:off x="2751120" y="1268640"/>
-            <a:ext cx="3764520" cy="4579920"/>
+            <a:ext cx="3764880" cy="4580280"/>
           </a:xfrm>
           <a:prstGeom prst="rect">
             <a:avLst/>
@@ -8087,7 +8090,7 @@
         <p:spPr>
           <a:xfrm>
             <a:off x="2592000" y="504000"/>
-            <a:ext cx="5615640" cy="863640"/>
+            <a:ext cx="5616000" cy="864000"/>
           </a:xfrm>
           <a:prstGeom prst="rect">
             <a:avLst/>
@@ -8123,7 +8126,7 @@
         <p:spPr>
           <a:xfrm>
             <a:off x="1008000" y="1656000"/>
-            <a:ext cx="6812280" cy="4175640"/>
+            <a:ext cx="6812640" cy="4176000"/>
           </a:xfrm>
           <a:prstGeom prst="rect">
             <a:avLst/>
@@ -8144,6 +8147,9 @@
               <a:lnSpc>
                 <a:spcPct val="100000"/>
               </a:lnSpc>
+              <a:buSzPct val="76000"/>
+              <a:buFont typeface="Century Gothic"/>
+              <a:buAutoNum type="arabicPeriod"/>
             </a:pPr>
             <a:r>
               <a:rPr b="1" lang="it-IT" sz="2400">
@@ -8223,24 +8229,6 @@
               <a:buFont typeface="Century Gothic"/>
               <a:buAutoNum type="arabicPeriod"/>
             </a:pPr>
-            <a:r>
-              <a:rPr b="1" lang="it-IT" sz="2400">
-                <a:solidFill>
-                  <a:srgbClr val="3e3d2d"/>
-                </a:solidFill>
-                <a:latin typeface="Century Gothic"/>
-              </a:rPr>
-              <a:t>→ </a:t>
-            </a:r>
-            <a:r>
-              <a:rPr lang="it-IT" sz="2400">
-                <a:solidFill>
-                  <a:srgbClr val="3e3d2d"/>
-                </a:solidFill>
-                <a:latin typeface="Century Gothic"/>
-              </a:rPr>
-              <a:t>metriche</a:t>
-            </a:r>
             <a:endParaRPr/>
           </a:p>
           <a:p>
@@ -8248,14 +8236,9 @@
               <a:lnSpc>
                 <a:spcPct val="100000"/>
               </a:lnSpc>
-            </a:pPr>
-            <a:endParaRPr/>
-          </a:p>
-          <a:p>
-            <a:pPr>
-              <a:lnSpc>
-                <a:spcPct val="100000"/>
-              </a:lnSpc>
+              <a:buSzPct val="76000"/>
+              <a:buFont typeface="Century Gothic"/>
+              <a:buAutoNum type="arabicPeriod"/>
             </a:pPr>
             <a:r>
               <a:rPr b="1" lang="it-IT" sz="2400">
@@ -8360,6 +8343,9 @@
               <a:lnSpc>
                 <a:spcPct val="100000"/>
               </a:lnSpc>
+              <a:buSzPct val="76000"/>
+              <a:buFont typeface="Century Gothic"/>
+              <a:buAutoNum type="arabicPeriod"/>
             </a:pPr>
             <a:endParaRPr/>
           </a:p>
@@ -8431,7 +8417,7 @@
         <p:spPr>
           <a:xfrm>
             <a:off x="2750760" y="1268640"/>
-            <a:ext cx="3764520" cy="4579920"/>
+            <a:ext cx="3764880" cy="4580280"/>
           </a:xfrm>
           <a:prstGeom prst="rect">
             <a:avLst/>
@@ -8447,7 +8433,7 @@
         <p:spPr>
           <a:xfrm>
             <a:off x="1043640" y="2997000"/>
-            <a:ext cx="7023600" cy="1141920"/>
+            <a:ext cx="7023960" cy="1142280"/>
           </a:xfrm>
           <a:prstGeom prst="rect">
             <a:avLst/>
@@ -8483,7 +8469,7 @@
         <p:spPr>
           <a:xfrm>
             <a:off x="0" y="0"/>
-            <a:ext cx="11796120" cy="11796120"/>
+            <a:ext cx="11796480" cy="11796480"/>
           </a:xfrm>
           <a:prstGeom prst="rect">
             <a:avLst/>
@@ -8519,7 +8505,7 @@
         <p:spPr>
           <a:xfrm>
             <a:off x="0" y="0"/>
-            <a:ext cx="11796120" cy="11796120"/>
+            <a:ext cx="11796480" cy="11796480"/>
           </a:xfrm>
           <a:prstGeom prst="rect">
             <a:avLst/>
@@ -8533,7 +8519,7 @@
                 <a:spcPct val="100000"/>
               </a:lnSpc>
             </a:pPr>
-            <a:fld id="{B1312151-B131-4151-B101-71C181E1C131}" type="slidenum">
+            <a:fld id="{91D18121-2121-4171-A161-71A1D1D1E1A1}" type="slidenum">
               <a:rPr lang="it-IT">
                 <a:solidFill>
                   <a:srgbClr val="000000"/>
@@ -8592,7 +8578,7 @@
         <p:spPr>
           <a:xfrm>
             <a:off x="2750760" y="1268640"/>
-            <a:ext cx="3764520" cy="4579920"/>
+            <a:ext cx="3764880" cy="4580280"/>
           </a:xfrm>
           <a:prstGeom prst="rect">
             <a:avLst/>
@@ -8608,7 +8594,7 @@
         <p:spPr>
           <a:xfrm>
             <a:off x="0" y="0"/>
-            <a:ext cx="11796120" cy="11796120"/>
+            <a:ext cx="11796480" cy="11796480"/>
           </a:xfrm>
           <a:prstGeom prst="rect">
             <a:avLst/>
@@ -8644,7 +8630,7 @@
         <p:spPr>
           <a:xfrm>
             <a:off x="0" y="0"/>
-            <a:ext cx="11796120" cy="11796120"/>
+            <a:ext cx="11796480" cy="11796480"/>
           </a:xfrm>
           <a:prstGeom prst="rect">
             <a:avLst/>
@@ -8658,7 +8644,7 @@
                 <a:spcPct val="100000"/>
               </a:lnSpc>
             </a:pPr>
-            <a:fld id="{91E1B1E1-D181-41D1-8121-31816101F101}" type="slidenum">
+            <a:fld id="{9141F141-01D1-41B1-8101-E151B1F1D151}" type="slidenum">
               <a:rPr lang="it-IT">
                 <a:solidFill>
                   <a:srgbClr val="000000"/>
@@ -8689,7 +8675,7 @@
         <p:spPr>
           <a:xfrm>
             <a:off x="1187640" y="2421000"/>
-            <a:ext cx="6911640" cy="2009880"/>
+            <a:ext cx="6912000" cy="2010240"/>
           </a:xfrm>
           <a:prstGeom prst="rect">
             <a:avLst/>
@@ -8852,7 +8838,7 @@
         <p:spPr>
           <a:xfrm>
             <a:off x="2750760" y="1268640"/>
-            <a:ext cx="3764520" cy="4579920"/>
+            <a:ext cx="3764880" cy="4580280"/>
           </a:xfrm>
           <a:prstGeom prst="rect">
             <a:avLst/>
@@ -8868,7 +8854,7 @@
         <p:spPr>
           <a:xfrm>
             <a:off x="1152000" y="369360"/>
-            <a:ext cx="7023600" cy="1141920"/>
+            <a:ext cx="7023960" cy="1142280"/>
           </a:xfrm>
           <a:prstGeom prst="rect">
             <a:avLst/>
@@ -8904,7 +8890,7 @@
         <p:spPr>
           <a:xfrm>
             <a:off x="0" y="0"/>
-            <a:ext cx="11796120" cy="11796120"/>
+            <a:ext cx="11796480" cy="11796480"/>
           </a:xfrm>
           <a:prstGeom prst="rect">
             <a:avLst/>
@@ -8940,7 +8926,7 @@
         <p:spPr>
           <a:xfrm>
             <a:off x="0" y="0"/>
-            <a:ext cx="11796120" cy="11796120"/>
+            <a:ext cx="11796480" cy="11796480"/>
           </a:xfrm>
           <a:prstGeom prst="rect">
             <a:avLst/>
@@ -8954,7 +8940,7 @@
                 <a:spcPct val="100000"/>
               </a:lnSpc>
             </a:pPr>
-            <a:fld id="{B181E171-81B1-4151-A191-51F161C1C171}" type="slidenum">
+            <a:fld id="{41F14121-4111-4131-B1B1-91912161B1D1}" type="slidenum">
               <a:rPr lang="it-IT">
                 <a:solidFill>
                   <a:srgbClr val="000000"/>
@@ -8991,7 +8977,7 @@
         <p:spPr>
           <a:xfrm>
             <a:off x="648000" y="2016000"/>
-            <a:ext cx="2159280" cy="3599280"/>
+            <a:ext cx="2159640" cy="3599640"/>
           </a:xfrm>
           <a:prstGeom prst="rect">
             <a:avLst/>
@@ -9013,7 +8999,7 @@
         <p:spPr>
           <a:xfrm>
             <a:off x="3240000" y="2016000"/>
-            <a:ext cx="2159280" cy="3599280"/>
+            <a:ext cx="2159640" cy="3599640"/>
           </a:xfrm>
           <a:prstGeom prst="rect">
             <a:avLst/>
@@ -9035,7 +9021,7 @@
         <p:spPr>
           <a:xfrm>
             <a:off x="6048000" y="2016000"/>
-            <a:ext cx="2159280" cy="3599280"/>
+            <a:ext cx="2159640" cy="3599640"/>
           </a:xfrm>
           <a:prstGeom prst="rect">
             <a:avLst/>
@@ -9051,7 +9037,7 @@
         <p:spPr>
           <a:xfrm>
             <a:off x="648000" y="1512000"/>
-            <a:ext cx="7775280" cy="345600"/>
+            <a:ext cx="7775640" cy="345960"/>
           </a:xfrm>
           <a:prstGeom prst="rect">
             <a:avLst/>
@@ -9178,7 +9164,7 @@
         <p:spPr>
           <a:xfrm>
             <a:off x="2750760" y="1268640"/>
-            <a:ext cx="3764520" cy="4579920"/>
+            <a:ext cx="3764880" cy="4580280"/>
           </a:xfrm>
           <a:prstGeom prst="rect">
             <a:avLst/>
@@ -9194,7 +9180,7 @@
         <p:spPr>
           <a:xfrm>
             <a:off x="1152000" y="369360"/>
-            <a:ext cx="7023600" cy="1141920"/>
+            <a:ext cx="7023960" cy="1142280"/>
           </a:xfrm>
           <a:prstGeom prst="rect">
             <a:avLst/>
@@ -9230,7 +9216,7 @@
         <p:spPr>
           <a:xfrm>
             <a:off x="0" y="0"/>
-            <a:ext cx="11796120" cy="11796120"/>
+            <a:ext cx="11796480" cy="11796480"/>
           </a:xfrm>
           <a:prstGeom prst="rect">
             <a:avLst/>
@@ -9266,7 +9252,7 @@
         <p:spPr>
           <a:xfrm>
             <a:off x="0" y="0"/>
-            <a:ext cx="11796120" cy="11796120"/>
+            <a:ext cx="11796480" cy="11796480"/>
           </a:xfrm>
           <a:prstGeom prst="rect">
             <a:avLst/>
@@ -9280,7 +9266,7 @@
                 <a:spcPct val="100000"/>
               </a:lnSpc>
             </a:pPr>
-            <a:fld id="{F1714111-E1F1-4151-B191-B1C11151E1F1}" type="slidenum">
+            <a:fld id="{21C1D171-3111-41D1-9181-B171E1A1D121}" type="slidenum">
               <a:rPr lang="it-IT">
                 <a:solidFill>
                   <a:srgbClr val="000000"/>
@@ -9311,7 +9297,7 @@
         <p:spPr>
           <a:xfrm>
             <a:off x="648000" y="1512000"/>
-            <a:ext cx="7775280" cy="345600"/>
+            <a:ext cx="7775640" cy="345960"/>
           </a:xfrm>
           <a:prstGeom prst="rect">
             <a:avLst/>
@@ -9387,7 +9373,7 @@
         <p:spPr>
           <a:xfrm>
             <a:off x="648000" y="2160000"/>
-            <a:ext cx="2159280" cy="3599280"/>
+            <a:ext cx="2159640" cy="3599640"/>
           </a:xfrm>
           <a:prstGeom prst="rect">
             <a:avLst/>
@@ -9409,7 +9395,7 @@
         <p:spPr>
           <a:xfrm>
             <a:off x="288000" y="5328000"/>
-            <a:ext cx="1799280" cy="1079280"/>
+            <a:ext cx="1799640" cy="1079640"/>
           </a:xfrm>
           <a:prstGeom prst="rect">
             <a:avLst/>
@@ -9431,7 +9417,7 @@
         <p:spPr>
           <a:xfrm>
             <a:off x="3384000" y="2160000"/>
-            <a:ext cx="2159280" cy="3599280"/>
+            <a:ext cx="2159640" cy="3599640"/>
           </a:xfrm>
           <a:prstGeom prst="rect">
             <a:avLst/>
@@ -9453,7 +9439,7 @@
         <p:spPr>
           <a:xfrm>
             <a:off x="6048000" y="2160000"/>
-            <a:ext cx="2159280" cy="3599280"/>
+            <a:ext cx="2159640" cy="3599640"/>
           </a:xfrm>
           <a:prstGeom prst="rect">
             <a:avLst/>
